--- a/week05/Lecture05.pptx
+++ b/week05/Lecture05.pptx
@@ -5,7 +5,7 @@
     <p:sldMasterId id="2147483648" r:id="rId1"/>
   </p:sldMasterIdLst>
   <p:notesMasterIdLst>
-    <p:notesMasterId r:id="rId20"/>
+    <p:notesMasterId r:id="rId25"/>
   </p:notesMasterIdLst>
   <p:sldIdLst>
     <p:sldId id="256" r:id="rId2"/>
@@ -24,8 +24,13 @@
     <p:sldId id="318" r:id="rId15"/>
     <p:sldId id="321" r:id="rId16"/>
     <p:sldId id="320" r:id="rId17"/>
-    <p:sldId id="322" r:id="rId18"/>
-    <p:sldId id="323" r:id="rId19"/>
+    <p:sldId id="324" r:id="rId18"/>
+    <p:sldId id="325" r:id="rId19"/>
+    <p:sldId id="326" r:id="rId20"/>
+    <p:sldId id="322" r:id="rId21"/>
+    <p:sldId id="323" r:id="rId22"/>
+    <p:sldId id="328" r:id="rId23"/>
+    <p:sldId id="327" r:id="rId24"/>
   </p:sldIdLst>
   <p:sldSz cx="12192000" cy="6858000"/>
   <p:notesSz cx="6858000" cy="9144000"/>
@@ -214,7 +219,7 @@
           <a:p>
             <a:fld id="{634F3F22-B4BB-3F48-9180-464A9F2D66D1}" type="datetimeFigureOut">
               <a:rPr kumimoji="1" lang="zh-CN" altLang="en-US" smtClean="0"/>
-              <a:t>2021/10/6</a:t>
+              <a:t>2021/10/7</a:t>
             </a:fld>
             <a:endParaRPr kumimoji="1" lang="zh-CN" altLang="en-US"/>
           </a:p>
@@ -694,7 +699,7 @@
           <a:p>
             <a:fld id="{FC19A4FA-3D9A-4114-B0D5-759CBD56F1AB}" type="datetimeFigureOut">
               <a:rPr lang="zh-CN" altLang="en-US" smtClean="0"/>
-              <a:t>2021/10/6</a:t>
+              <a:t>2021/10/7</a:t>
             </a:fld>
             <a:endParaRPr lang="zh-CN" altLang="en-US"/>
           </a:p>
@@ -897,7 +902,7 @@
           <a:p>
             <a:fld id="{FC19A4FA-3D9A-4114-B0D5-759CBD56F1AB}" type="datetimeFigureOut">
               <a:rPr lang="zh-CN" altLang="en-US" smtClean="0"/>
-              <a:t>2021/10/6</a:t>
+              <a:t>2021/10/7</a:t>
             </a:fld>
             <a:endParaRPr lang="zh-CN" altLang="en-US"/>
           </a:p>
@@ -1075,7 +1080,7 @@
           <a:p>
             <a:fld id="{FC19A4FA-3D9A-4114-B0D5-759CBD56F1AB}" type="datetimeFigureOut">
               <a:rPr lang="zh-CN" altLang="en-US" smtClean="0"/>
-              <a:t>2021/10/6</a:t>
+              <a:t>2021/10/7</a:t>
             </a:fld>
             <a:endParaRPr lang="zh-CN" altLang="en-US"/>
           </a:p>
@@ -1299,7 +1304,7 @@
           <a:p>
             <a:fld id="{FC19A4FA-3D9A-4114-B0D5-759CBD56F1AB}" type="datetimeFigureOut">
               <a:rPr lang="zh-CN" altLang="en-US" smtClean="0"/>
-              <a:t>2021/10/6</a:t>
+              <a:t>2021/10/7</a:t>
             </a:fld>
             <a:endParaRPr lang="zh-CN" altLang="en-US"/>
           </a:p>
@@ -1533,7 +1538,7 @@
           <a:p>
             <a:fld id="{FC19A4FA-3D9A-4114-B0D5-759CBD56F1AB}" type="datetimeFigureOut">
               <a:rPr lang="zh-CN" altLang="en-US" smtClean="0"/>
-              <a:t>2021/10/6</a:t>
+              <a:t>2021/10/7</a:t>
             </a:fld>
             <a:endParaRPr lang="zh-CN" altLang="en-US"/>
           </a:p>
@@ -1932,7 +1937,7 @@
           <a:p>
             <a:fld id="{FC19A4FA-3D9A-4114-B0D5-759CBD56F1AB}" type="datetimeFigureOut">
               <a:rPr lang="zh-CN" altLang="en-US" smtClean="0"/>
-              <a:t>2021/10/6</a:t>
+              <a:t>2021/10/7</a:t>
             </a:fld>
             <a:endParaRPr lang="zh-CN" altLang="en-US"/>
           </a:p>
@@ -2212,7 +2217,7 @@
           <a:p>
             <a:fld id="{FC19A4FA-3D9A-4114-B0D5-759CBD56F1AB}" type="datetimeFigureOut">
               <a:rPr lang="zh-CN" altLang="en-US" smtClean="0"/>
-              <a:t>2021/10/6</a:t>
+              <a:t>2021/10/7</a:t>
             </a:fld>
             <a:endParaRPr lang="zh-CN" altLang="en-US"/>
           </a:p>
@@ -2364,7 +2369,7 @@
           <a:p>
             <a:fld id="{FC19A4FA-3D9A-4114-B0D5-759CBD56F1AB}" type="datetimeFigureOut">
               <a:rPr lang="zh-CN" altLang="en-US" smtClean="0"/>
-              <a:t>2021/10/6</a:t>
+              <a:t>2021/10/7</a:t>
             </a:fld>
             <a:endParaRPr lang="zh-CN" altLang="en-US"/>
           </a:p>
@@ -2494,7 +2499,7 @@
           <a:p>
             <a:fld id="{FC19A4FA-3D9A-4114-B0D5-759CBD56F1AB}" type="datetimeFigureOut">
               <a:rPr lang="zh-CN" altLang="en-US" smtClean="0"/>
-              <a:t>2021/10/6</a:t>
+              <a:t>2021/10/7</a:t>
             </a:fld>
             <a:endParaRPr lang="zh-CN" altLang="en-US"/>
           </a:p>
@@ -2804,7 +2809,7 @@
           <a:p>
             <a:fld id="{FC19A4FA-3D9A-4114-B0D5-759CBD56F1AB}" type="datetimeFigureOut">
               <a:rPr lang="zh-CN" altLang="en-US" smtClean="0"/>
-              <a:t>2021/10/6</a:t>
+              <a:t>2021/10/7</a:t>
             </a:fld>
             <a:endParaRPr lang="zh-CN" altLang="en-US"/>
           </a:p>
@@ -3091,7 +3096,7 @@
           <a:p>
             <a:fld id="{FC19A4FA-3D9A-4114-B0D5-759CBD56F1AB}" type="datetimeFigureOut">
               <a:rPr lang="zh-CN" altLang="en-US" smtClean="0"/>
-              <a:t>2021/10/6</a:t>
+              <a:t>2021/10/7</a:t>
             </a:fld>
             <a:endParaRPr lang="zh-CN" altLang="en-US"/>
           </a:p>
@@ -3384,7 +3389,7 @@
           <a:p>
             <a:fld id="{FC19A4FA-3D9A-4114-B0D5-759CBD56F1AB}" type="datetimeFigureOut">
               <a:rPr lang="zh-CN" altLang="en-US" smtClean="0"/>
-              <a:t>2021/10/6</a:t>
+              <a:t>2021/10/7</a:t>
             </a:fld>
             <a:endParaRPr lang="zh-CN" altLang="en-US"/>
           </a:p>
@@ -21669,7 +21674,11 @@
           <a:bodyPr/>
           <a:lstStyle/>
           <a:p>
-            <a:endParaRPr kumimoji="1" lang="zh-CN" altLang="en-US"/>
+            <a:r>
+              <a:rPr kumimoji="1" lang="en-US" altLang="zh-CN" dirty="0"/>
+              <a:t>Program memory</a:t>
+            </a:r>
+            <a:endParaRPr kumimoji="1" lang="zh-CN" altLang="en-US" dirty="0"/>
           </a:p>
         </p:txBody>
       </p:sp>
@@ -21689,15 +21698,436 @@
             <p:ph idx="1"/>
           </p:nvPr>
         </p:nvSpPr>
-        <p:spPr/>
+        <p:spPr>
+          <a:xfrm>
+            <a:off x="3812583" y="1228015"/>
+            <a:ext cx="7418483" cy="4849968"/>
+          </a:xfrm>
+        </p:spPr>
         <p:txBody>
           <a:bodyPr/>
           <a:lstStyle/>
           <a:p>
-            <a:endParaRPr kumimoji="1" lang="zh-CN" altLang="en-US"/>
+            <a:pPr marL="0" indent="0">
+              <a:buNone/>
+            </a:pPr>
+            <a:r>
+              <a:rPr kumimoji="1" lang="en-US" altLang="zh-CN" dirty="0"/>
+              <a:t>The address space of a program contains several data segments.</a:t>
+            </a:r>
+          </a:p>
+          <a:p>
+            <a:r>
+              <a:rPr kumimoji="1" lang="en-US" altLang="zh-CN" dirty="0"/>
+              <a:t>Code: executable code</a:t>
+            </a:r>
+          </a:p>
+          <a:p>
+            <a:r>
+              <a:rPr kumimoji="1" lang="en-US" altLang="zh-CN" dirty="0"/>
+              <a:t>Data: initialized static variables</a:t>
+            </a:r>
+          </a:p>
+          <a:p>
+            <a:r>
+              <a:rPr kumimoji="1" lang="en-US" altLang="zh-CN" dirty="0"/>
+              <a:t>BSS: uninitialized static data including variables and constants</a:t>
+            </a:r>
+          </a:p>
+          <a:p>
+            <a:r>
+              <a:rPr kumimoji="1" lang="en-US" altLang="zh-CN" dirty="0"/>
+              <a:t>Heap: dynamically allocated memory</a:t>
+            </a:r>
+          </a:p>
+          <a:p>
+            <a:r>
+              <a:rPr kumimoji="1" lang="en-US" altLang="zh-CN" dirty="0"/>
+              <a:t>Stack:  local variables, call stack</a:t>
+            </a:r>
+            <a:endParaRPr kumimoji="1" lang="zh-CN" altLang="en-US" dirty="0"/>
           </a:p>
         </p:txBody>
       </p:sp>
+      <p:graphicFrame>
+        <p:nvGraphicFramePr>
+          <p:cNvPr id="4" name="表格 4">
+            <a:extLst>
+              <a:ext uri="{FF2B5EF4-FFF2-40B4-BE49-F238E27FC236}">
+                <a16:creationId xmlns:a16="http://schemas.microsoft.com/office/drawing/2014/main" id="{CD5BEF99-40A3-0847-B592-80D60F33B23C}"/>
+              </a:ext>
+            </a:extLst>
+          </p:cNvPr>
+          <p:cNvGraphicFramePr>
+            <a:graphicFrameLocks noGrp="1"/>
+          </p:cNvGraphicFramePr>
+          <p:nvPr>
+            <p:extLst>
+              <p:ext uri="{D42A27DB-BD31-4B8C-83A1-F6EECF244321}">
+                <p14:modId xmlns:p14="http://schemas.microsoft.com/office/powerpoint/2010/main" val="3453070819"/>
+              </p:ext>
+            </p:extLst>
+          </p:nvPr>
+        </p:nvGraphicFramePr>
+        <p:xfrm>
+          <a:off x="1376478" y="1228015"/>
+          <a:ext cx="2126885" cy="5328123"/>
+        </p:xfrm>
+        <a:graphic>
+          <a:graphicData uri="http://schemas.openxmlformats.org/drawingml/2006/table">
+            <a:tbl>
+              <a:tblPr firstRow="1" bandRow="1">
+                <a:tableStyleId>{5940675A-B579-460E-94D1-54222C63F5DA}</a:tableStyleId>
+              </a:tblPr>
+              <a:tblGrid>
+                <a:gridCol w="2126885">
+                  <a:extLst>
+                    <a:ext uri="{9D8B030D-6E8A-4147-A177-3AD203B41FA5}">
+                      <a16:colId xmlns:a16="http://schemas.microsoft.com/office/drawing/2014/main" val="1269492463"/>
+                    </a:ext>
+                  </a:extLst>
+                </a:gridCol>
+              </a:tblGrid>
+              <a:tr h="380448">
+                <a:tc>
+                  <a:txBody>
+                    <a:bodyPr/>
+                    <a:lstStyle/>
+                    <a:p>
+                      <a:pPr algn="ctr"/>
+                      <a:r>
+                        <a:rPr lang="en-US" altLang="zh-CN" b="1" dirty="0">
+                          <a:solidFill>
+                            <a:srgbClr val="0000CC"/>
+                          </a:solidFill>
+                        </a:rPr>
+                        <a:t>stack</a:t>
+                      </a:r>
+                      <a:endParaRPr lang="zh-CN" altLang="en-US" b="1" dirty="0">
+                        <a:solidFill>
+                          <a:srgbClr val="0000CC"/>
+                        </a:solidFill>
+                      </a:endParaRPr>
+                    </a:p>
+                  </a:txBody>
+                  <a:tcPr anchor="ctr">
+                    <a:lnB w="12700" cap="flat" cmpd="sng" algn="ctr">
+                      <a:solidFill>
+                        <a:schemeClr val="tx1"/>
+                      </a:solidFill>
+                      <a:prstDash val="lgDash"/>
+                      <a:round/>
+                      <a:headEnd type="none" w="med" len="med"/>
+                      <a:tailEnd type="none" w="med" len="med"/>
+                    </a:lnB>
+                  </a:tcPr>
+                </a:tc>
+                <a:extLst>
+                  <a:ext uri="{0D108BD9-81ED-4DB2-BD59-A6C34878D82A}">
+                    <a16:rowId xmlns:a16="http://schemas.microsoft.com/office/drawing/2014/main" val="28731649"/>
+                  </a:ext>
+                </a:extLst>
+              </a:tr>
+              <a:tr h="2137272">
+                <a:tc>
+                  <a:txBody>
+                    <a:bodyPr/>
+                    <a:lstStyle/>
+                    <a:p>
+                      <a:pPr algn="ctr"/>
+                      <a:endParaRPr lang="zh-CN" altLang="en-US" dirty="0"/>
+                    </a:p>
+                  </a:txBody>
+                  <a:tcPr anchor="ctr">
+                    <a:lnT w="12700" cap="flat" cmpd="sng" algn="ctr">
+                      <a:solidFill>
+                        <a:schemeClr val="tx1"/>
+                      </a:solidFill>
+                      <a:prstDash val="lgDash"/>
+                      <a:round/>
+                      <a:headEnd type="none" w="med" len="med"/>
+                      <a:tailEnd type="none" w="med" len="med"/>
+                    </a:lnT>
+                    <a:lnB w="12700" cap="flat" cmpd="sng" algn="ctr">
+                      <a:solidFill>
+                        <a:schemeClr val="tx1"/>
+                      </a:solidFill>
+                      <a:prstDash val="lgDash"/>
+                      <a:round/>
+                      <a:headEnd type="none" w="med" len="med"/>
+                      <a:tailEnd type="none" w="med" len="med"/>
+                    </a:lnB>
+                  </a:tcPr>
+                </a:tc>
+                <a:extLst>
+                  <a:ext uri="{0D108BD9-81ED-4DB2-BD59-A6C34878D82A}">
+                    <a16:rowId xmlns:a16="http://schemas.microsoft.com/office/drawing/2014/main" val="586472613"/>
+                  </a:ext>
+                </a:extLst>
+              </a:tr>
+              <a:tr h="594911">
+                <a:tc>
+                  <a:txBody>
+                    <a:bodyPr/>
+                    <a:lstStyle/>
+                    <a:p>
+                      <a:pPr algn="ctr"/>
+                      <a:r>
+                        <a:rPr lang="en-US" altLang="zh-CN" b="1" dirty="0">
+                          <a:solidFill>
+                            <a:srgbClr val="0000CC"/>
+                          </a:solidFill>
+                        </a:rPr>
+                        <a:t>heap</a:t>
+                      </a:r>
+                      <a:endParaRPr lang="zh-CN" altLang="en-US" b="1" dirty="0">
+                        <a:solidFill>
+                          <a:srgbClr val="0000CC"/>
+                        </a:solidFill>
+                      </a:endParaRPr>
+                    </a:p>
+                  </a:txBody>
+                  <a:tcPr anchor="ctr">
+                    <a:lnT w="12700" cap="flat" cmpd="sng" algn="ctr">
+                      <a:solidFill>
+                        <a:schemeClr val="tx1"/>
+                      </a:solidFill>
+                      <a:prstDash val="lgDash"/>
+                      <a:round/>
+                      <a:headEnd type="none" w="med" len="med"/>
+                      <a:tailEnd type="none" w="med" len="med"/>
+                    </a:lnT>
+                  </a:tcPr>
+                </a:tc>
+                <a:extLst>
+                  <a:ext uri="{0D108BD9-81ED-4DB2-BD59-A6C34878D82A}">
+                    <a16:rowId xmlns:a16="http://schemas.microsoft.com/office/drawing/2014/main" val="2918784574"/>
+                  </a:ext>
+                </a:extLst>
+              </a:tr>
+              <a:tr h="881349">
+                <a:tc>
+                  <a:txBody>
+                    <a:bodyPr/>
+                    <a:lstStyle/>
+                    <a:p>
+                      <a:pPr algn="ctr"/>
+                      <a:r>
+                        <a:rPr lang="en-US" altLang="zh-CN" dirty="0"/>
+                        <a:t>uninitialized data</a:t>
+                      </a:r>
+                    </a:p>
+                    <a:p>
+                      <a:pPr algn="ctr"/>
+                      <a:r>
+                        <a:rPr lang="en-US" altLang="zh-CN" b="1" dirty="0" err="1">
+                          <a:solidFill>
+                            <a:srgbClr val="0000CC"/>
+                          </a:solidFill>
+                        </a:rPr>
+                        <a:t>bss</a:t>
+                      </a:r>
+                      <a:endParaRPr lang="zh-CN" altLang="en-US" b="1" dirty="0">
+                        <a:solidFill>
+                          <a:srgbClr val="0000CC"/>
+                        </a:solidFill>
+                      </a:endParaRPr>
+                    </a:p>
+                  </a:txBody>
+                  <a:tcPr anchor="ctr"/>
+                </a:tc>
+                <a:extLst>
+                  <a:ext uri="{0D108BD9-81ED-4DB2-BD59-A6C34878D82A}">
+                    <a16:rowId xmlns:a16="http://schemas.microsoft.com/office/drawing/2014/main" val="18915201"/>
+                  </a:ext>
+                </a:extLst>
+              </a:tr>
+              <a:tr h="694063">
+                <a:tc>
+                  <a:txBody>
+                    <a:bodyPr/>
+                    <a:lstStyle/>
+                    <a:p>
+                      <a:pPr algn="ctr"/>
+                      <a:r>
+                        <a:rPr lang="en-US" altLang="zh-CN" dirty="0"/>
+                        <a:t>initialized data</a:t>
+                      </a:r>
+                    </a:p>
+                    <a:p>
+                      <a:pPr algn="ctr"/>
+                      <a:r>
+                        <a:rPr lang="en-US" altLang="zh-CN" b="1" dirty="0">
+                          <a:solidFill>
+                            <a:srgbClr val="0000CC"/>
+                          </a:solidFill>
+                        </a:rPr>
+                        <a:t>data</a:t>
+                      </a:r>
+                      <a:endParaRPr lang="zh-CN" altLang="en-US" b="1" dirty="0">
+                        <a:solidFill>
+                          <a:srgbClr val="0000CC"/>
+                        </a:solidFill>
+                      </a:endParaRPr>
+                    </a:p>
+                  </a:txBody>
+                  <a:tcPr anchor="ctr"/>
+                </a:tc>
+                <a:extLst>
+                  <a:ext uri="{0D108BD9-81ED-4DB2-BD59-A6C34878D82A}">
+                    <a16:rowId xmlns:a16="http://schemas.microsoft.com/office/drawing/2014/main" val="605268842"/>
+                  </a:ext>
+                </a:extLst>
+              </a:tr>
+              <a:tr h="605928">
+                <a:tc>
+                  <a:txBody>
+                    <a:bodyPr/>
+                    <a:lstStyle/>
+                    <a:p>
+                      <a:pPr marL="0" marR="0" indent="0" algn="ctr" defTabSz="914400" rtl="0" eaLnBrk="1" fontAlgn="auto" latinLnBrk="0" hangingPunct="1">
+                        <a:lnSpc>
+                          <a:spcPct val="100000"/>
+                        </a:lnSpc>
+                        <a:spcBef>
+                          <a:spcPts val="0"/>
+                        </a:spcBef>
+                        <a:spcAft>
+                          <a:spcPts val="0"/>
+                        </a:spcAft>
+                        <a:buClrTx/>
+                        <a:buSzTx/>
+                        <a:buFontTx/>
+                        <a:buNone/>
+                        <a:tabLst/>
+                        <a:defRPr/>
+                      </a:pPr>
+                      <a:r>
+                        <a:rPr lang="en-US" altLang="zh-CN" b="0" dirty="0">
+                          <a:solidFill>
+                            <a:schemeClr val="tx1"/>
+                          </a:solidFill>
+                        </a:rPr>
+                        <a:t>executable code</a:t>
+                      </a:r>
+                    </a:p>
+                    <a:p>
+                      <a:pPr algn="ctr"/>
+                      <a:r>
+                        <a:rPr lang="en-US" altLang="zh-CN" b="1" dirty="0">
+                          <a:solidFill>
+                            <a:srgbClr val="0000CC"/>
+                          </a:solidFill>
+                        </a:rPr>
+                        <a:t>code/text</a:t>
+                      </a:r>
+                      <a:endParaRPr lang="zh-CN" altLang="en-US" b="1" dirty="0">
+                        <a:solidFill>
+                          <a:srgbClr val="0000CC"/>
+                        </a:solidFill>
+                      </a:endParaRPr>
+                    </a:p>
+                  </a:txBody>
+                  <a:tcPr anchor="ctr"/>
+                </a:tc>
+                <a:extLst>
+                  <a:ext uri="{0D108BD9-81ED-4DB2-BD59-A6C34878D82A}">
+                    <a16:rowId xmlns:a16="http://schemas.microsoft.com/office/drawing/2014/main" val="1917804142"/>
+                  </a:ext>
+                </a:extLst>
+              </a:tr>
+            </a:tbl>
+          </a:graphicData>
+        </a:graphic>
+      </p:graphicFrame>
+      <p:cxnSp>
+        <p:nvCxnSpPr>
+          <p:cNvPr id="6" name="直线箭头连接符 5">
+            <a:extLst>
+              <a:ext uri="{FF2B5EF4-FFF2-40B4-BE49-F238E27FC236}">
+                <a16:creationId xmlns:a16="http://schemas.microsoft.com/office/drawing/2014/main" id="{44608CDD-35A6-E847-9999-29D388CF64EA}"/>
+              </a:ext>
+            </a:extLst>
+          </p:cNvPr>
+          <p:cNvCxnSpPr>
+            <a:cxnSpLocks/>
+          </p:cNvCxnSpPr>
+          <p:nvPr/>
+        </p:nvCxnSpPr>
+        <p:spPr>
+          <a:xfrm>
+            <a:off x="2355742" y="1627322"/>
+            <a:ext cx="0" cy="684078"/>
+          </a:xfrm>
+          <a:prstGeom prst="straightConnector1">
+            <a:avLst/>
+          </a:prstGeom>
+          <a:ln w="101600">
+            <a:solidFill>
+              <a:schemeClr val="accent3"/>
+            </a:solidFill>
+            <a:tailEnd type="triangle"/>
+          </a:ln>
+        </p:spPr>
+        <p:style>
+          <a:lnRef idx="1">
+            <a:schemeClr val="accent1"/>
+          </a:lnRef>
+          <a:fillRef idx="0">
+            <a:schemeClr val="accent1"/>
+          </a:fillRef>
+          <a:effectRef idx="0">
+            <a:schemeClr val="accent1"/>
+          </a:effectRef>
+          <a:fontRef idx="minor">
+            <a:schemeClr val="tx1"/>
+          </a:fontRef>
+        </p:style>
+      </p:cxnSp>
+      <p:cxnSp>
+        <p:nvCxnSpPr>
+          <p:cNvPr id="8" name="直线箭头连接符 7">
+            <a:extLst>
+              <a:ext uri="{FF2B5EF4-FFF2-40B4-BE49-F238E27FC236}">
+                <a16:creationId xmlns:a16="http://schemas.microsoft.com/office/drawing/2014/main" id="{520E29C5-C147-AE4E-9A53-FB3C3BA38ACC}"/>
+              </a:ext>
+            </a:extLst>
+          </p:cNvPr>
+          <p:cNvCxnSpPr>
+            <a:cxnSpLocks/>
+          </p:cNvCxnSpPr>
+          <p:nvPr/>
+        </p:nvCxnSpPr>
+        <p:spPr>
+          <a:xfrm flipV="1">
+            <a:off x="2355742" y="2965019"/>
+            <a:ext cx="0" cy="775561"/>
+          </a:xfrm>
+          <a:prstGeom prst="straightConnector1">
+            <a:avLst/>
+          </a:prstGeom>
+          <a:ln w="101600">
+            <a:solidFill>
+              <a:schemeClr val="accent3"/>
+            </a:solidFill>
+            <a:tailEnd type="triangle"/>
+          </a:ln>
+        </p:spPr>
+        <p:style>
+          <a:lnRef idx="1">
+            <a:schemeClr val="accent1"/>
+          </a:lnRef>
+          <a:fillRef idx="0">
+            <a:schemeClr val="accent1"/>
+          </a:fillRef>
+          <a:effectRef idx="0">
+            <a:schemeClr val="accent1"/>
+          </a:effectRef>
+          <a:fontRef idx="minor">
+            <a:schemeClr val="tx1"/>
+          </a:fontRef>
+        </p:style>
+      </p:cxnSp>
     </p:spTree>
     <p:extLst>
       <p:ext uri="{BB962C8B-B14F-4D97-AF65-F5344CB8AC3E}">
@@ -21712,6 +22142,3483 @@
 </file>
 
 <file path=ppt/slides/slide17.xml><?xml version="1.0" encoding="utf-8"?>
+<p:sld xmlns:a="http://schemas.openxmlformats.org/drawingml/2006/main" xmlns:r="http://schemas.openxmlformats.org/officeDocument/2006/relationships" xmlns:p="http://schemas.openxmlformats.org/presentationml/2006/main">
+  <p:cSld>
+    <p:spTree>
+      <p:nvGrpSpPr>
+        <p:cNvPr id="1" name=""/>
+        <p:cNvGrpSpPr/>
+        <p:nvPr/>
+      </p:nvGrpSpPr>
+      <p:grpSpPr>
+        <a:xfrm>
+          <a:off x="0" y="0"/>
+          <a:ext cx="0" cy="0"/>
+          <a:chOff x="0" y="0"/>
+          <a:chExt cx="0" cy="0"/>
+        </a:xfrm>
+      </p:grpSpPr>
+      <p:sp>
+        <p:nvSpPr>
+          <p:cNvPr id="2" name="标题 1">
+            <a:extLst>
+              <a:ext uri="{FF2B5EF4-FFF2-40B4-BE49-F238E27FC236}">
+                <a16:creationId xmlns:a16="http://schemas.microsoft.com/office/drawing/2014/main" id="{3B0BA46A-8195-B746-AA40-09FE7C833E05}"/>
+              </a:ext>
+            </a:extLst>
+          </p:cNvPr>
+          <p:cNvSpPr>
+            <a:spLocks noGrp="1"/>
+          </p:cNvSpPr>
+          <p:nvPr>
+            <p:ph type="title"/>
+          </p:nvPr>
+        </p:nvSpPr>
+        <p:spPr/>
+        <p:txBody>
+          <a:bodyPr/>
+          <a:lstStyle/>
+          <a:p>
+            <a:r>
+              <a:rPr kumimoji="1" lang="en-US" altLang="zh-CN" dirty="0"/>
+              <a:t>Program memory</a:t>
+            </a:r>
+            <a:endParaRPr kumimoji="1" lang="zh-CN" altLang="en-US" dirty="0"/>
+          </a:p>
+        </p:txBody>
+      </p:sp>
+      <p:sp>
+        <p:nvSpPr>
+          <p:cNvPr id="3" name="内容占位符 2">
+            <a:extLst>
+              <a:ext uri="{FF2B5EF4-FFF2-40B4-BE49-F238E27FC236}">
+                <a16:creationId xmlns:a16="http://schemas.microsoft.com/office/drawing/2014/main" id="{F0410A03-4C30-C441-A5A4-D8DB9C03BCCC}"/>
+              </a:ext>
+            </a:extLst>
+          </p:cNvPr>
+          <p:cNvSpPr>
+            <a:spLocks noGrp="1"/>
+          </p:cNvSpPr>
+          <p:nvPr>
+            <p:ph idx="1"/>
+          </p:nvPr>
+        </p:nvSpPr>
+        <p:spPr>
+          <a:xfrm>
+            <a:off x="5078853" y="1183074"/>
+            <a:ext cx="6452173" cy="833631"/>
+          </a:xfrm>
+        </p:spPr>
+        <p:txBody>
+          <a:bodyPr>
+            <a:normAutofit lnSpcReduction="10000"/>
+          </a:bodyPr>
+          <a:lstStyle/>
+          <a:p>
+            <a:r>
+              <a:rPr kumimoji="1" lang="en-US" altLang="zh-CN" dirty="0"/>
+              <a:t>But different CPU architectures may be different</a:t>
+            </a:r>
+            <a:endParaRPr kumimoji="1" lang="zh-CN" altLang="en-US" dirty="0"/>
+          </a:p>
+        </p:txBody>
+      </p:sp>
+      <p:sp>
+        <p:nvSpPr>
+          <p:cNvPr id="4" name="矩形 3">
+            <a:extLst>
+              <a:ext uri="{FF2B5EF4-FFF2-40B4-BE49-F238E27FC236}">
+                <a16:creationId xmlns:a16="http://schemas.microsoft.com/office/drawing/2014/main" id="{77D263AD-9E30-D94E-97CD-C7822F234A00}"/>
+              </a:ext>
+            </a:extLst>
+          </p:cNvPr>
+          <p:cNvSpPr/>
+          <p:nvPr/>
+        </p:nvSpPr>
+        <p:spPr>
+          <a:xfrm>
+            <a:off x="924732" y="1560687"/>
+            <a:ext cx="4360190" cy="3970318"/>
+          </a:xfrm>
+          <a:prstGeom prst="rect">
+            <a:avLst/>
+          </a:prstGeom>
+        </p:spPr>
+        <p:txBody>
+          <a:bodyPr wrap="square">
+            <a:spAutoFit/>
+          </a:bodyPr>
+          <a:lstStyle/>
+          <a:p>
+            <a:r>
+              <a:rPr lang="en" altLang="zh-CN" dirty="0">
+                <a:solidFill>
+                  <a:srgbClr val="0000FF"/>
+                </a:solidFill>
+                <a:latin typeface="Menlo" panose="020B0609030804020204" pitchFamily="49" charset="0"/>
+              </a:rPr>
+              <a:t>int</a:t>
+            </a:r>
+            <a:r>
+              <a:rPr lang="en" altLang="zh-CN" dirty="0">
+                <a:solidFill>
+                  <a:srgbClr val="000000"/>
+                </a:solidFill>
+                <a:latin typeface="Menlo" panose="020B0609030804020204" pitchFamily="49" charset="0"/>
+              </a:rPr>
+              <a:t> </a:t>
+            </a:r>
+            <a:r>
+              <a:rPr lang="en" altLang="zh-CN" dirty="0">
+                <a:solidFill>
+                  <a:srgbClr val="001080"/>
+                </a:solidFill>
+                <a:latin typeface="Menlo" panose="020B0609030804020204" pitchFamily="49" charset="0"/>
+              </a:rPr>
+              <a:t>a</a:t>
+            </a:r>
+            <a:r>
+              <a:rPr lang="en" altLang="zh-CN" dirty="0">
+                <a:solidFill>
+                  <a:srgbClr val="000000"/>
+                </a:solidFill>
+                <a:latin typeface="Menlo" panose="020B0609030804020204" pitchFamily="49" charset="0"/>
+              </a:rPr>
+              <a:t> = </a:t>
+            </a:r>
+            <a:r>
+              <a:rPr lang="en" altLang="zh-CN" dirty="0">
+                <a:solidFill>
+                  <a:srgbClr val="098658"/>
+                </a:solidFill>
+                <a:latin typeface="Menlo" panose="020B0609030804020204" pitchFamily="49" charset="0"/>
+              </a:rPr>
+              <a:t>0</a:t>
+            </a:r>
+            <a:r>
+              <a:rPr lang="en" altLang="zh-CN" dirty="0">
+                <a:solidFill>
+                  <a:srgbClr val="000000"/>
+                </a:solidFill>
+                <a:latin typeface="Menlo" panose="020B0609030804020204" pitchFamily="49" charset="0"/>
+              </a:rPr>
+              <a:t>;</a:t>
+            </a:r>
+          </a:p>
+          <a:p>
+            <a:r>
+              <a:rPr lang="en" altLang="zh-CN" dirty="0">
+                <a:solidFill>
+                  <a:srgbClr val="0000FF"/>
+                </a:solidFill>
+                <a:latin typeface="Menlo" panose="020B0609030804020204" pitchFamily="49" charset="0"/>
+              </a:rPr>
+              <a:t>int</a:t>
+            </a:r>
+            <a:r>
+              <a:rPr lang="en" altLang="zh-CN" dirty="0">
+                <a:solidFill>
+                  <a:srgbClr val="000000"/>
+                </a:solidFill>
+                <a:latin typeface="Menlo" panose="020B0609030804020204" pitchFamily="49" charset="0"/>
+              </a:rPr>
+              <a:t> </a:t>
+            </a:r>
+            <a:r>
+              <a:rPr lang="en" altLang="zh-CN" dirty="0">
+                <a:solidFill>
+                  <a:srgbClr val="001080"/>
+                </a:solidFill>
+                <a:latin typeface="Menlo" panose="020B0609030804020204" pitchFamily="49" charset="0"/>
+              </a:rPr>
+              <a:t>b</a:t>
+            </a:r>
+            <a:r>
+              <a:rPr lang="en" altLang="zh-CN" dirty="0">
+                <a:solidFill>
+                  <a:srgbClr val="000000"/>
+                </a:solidFill>
+                <a:latin typeface="Menlo" panose="020B0609030804020204" pitchFamily="49" charset="0"/>
+              </a:rPr>
+              <a:t> = </a:t>
+            </a:r>
+            <a:r>
+              <a:rPr lang="en" altLang="zh-CN" dirty="0">
+                <a:solidFill>
+                  <a:srgbClr val="098658"/>
+                </a:solidFill>
+                <a:latin typeface="Menlo" panose="020B0609030804020204" pitchFamily="49" charset="0"/>
+              </a:rPr>
+              <a:t>0</a:t>
+            </a:r>
+            <a:r>
+              <a:rPr lang="en" altLang="zh-CN" dirty="0">
+                <a:solidFill>
+                  <a:srgbClr val="000000"/>
+                </a:solidFill>
+                <a:latin typeface="Menlo" panose="020B0609030804020204" pitchFamily="49" charset="0"/>
+              </a:rPr>
+              <a:t>;</a:t>
+            </a:r>
+          </a:p>
+          <a:p>
+            <a:r>
+              <a:rPr lang="en" altLang="zh-CN" dirty="0">
+                <a:solidFill>
+                  <a:srgbClr val="0000FF"/>
+                </a:solidFill>
+                <a:latin typeface="Menlo" panose="020B0609030804020204" pitchFamily="49" charset="0"/>
+              </a:rPr>
+              <a:t>int</a:t>
+            </a:r>
+            <a:r>
+              <a:rPr lang="en" altLang="zh-CN" dirty="0">
+                <a:solidFill>
+                  <a:srgbClr val="000000"/>
+                </a:solidFill>
+                <a:latin typeface="Menlo" panose="020B0609030804020204" pitchFamily="49" charset="0"/>
+              </a:rPr>
+              <a:t> </a:t>
+            </a:r>
+            <a:r>
+              <a:rPr lang="en" altLang="zh-CN" dirty="0">
+                <a:solidFill>
+                  <a:srgbClr val="001080"/>
+                </a:solidFill>
+                <a:latin typeface="Menlo" panose="020B0609030804020204" pitchFamily="49" charset="0"/>
+              </a:rPr>
+              <a:t>c</a:t>
+            </a:r>
+            <a:r>
+              <a:rPr lang="en" altLang="zh-CN" dirty="0">
+                <a:solidFill>
+                  <a:srgbClr val="000000"/>
+                </a:solidFill>
+                <a:latin typeface="Menlo" panose="020B0609030804020204" pitchFamily="49" charset="0"/>
+              </a:rPr>
+              <a:t> = </a:t>
+            </a:r>
+            <a:r>
+              <a:rPr lang="en" altLang="zh-CN" dirty="0">
+                <a:solidFill>
+                  <a:srgbClr val="098658"/>
+                </a:solidFill>
+                <a:latin typeface="Menlo" panose="020B0609030804020204" pitchFamily="49" charset="0"/>
+              </a:rPr>
+              <a:t>0</a:t>
+            </a:r>
+            <a:r>
+              <a:rPr lang="en" altLang="zh-CN" dirty="0">
+                <a:solidFill>
+                  <a:srgbClr val="000000"/>
+                </a:solidFill>
+                <a:latin typeface="Menlo" panose="020B0609030804020204" pitchFamily="49" charset="0"/>
+              </a:rPr>
+              <a:t>;</a:t>
+            </a:r>
+          </a:p>
+          <a:p>
+            <a:r>
+              <a:rPr lang="en" altLang="zh-CN" dirty="0" err="1">
+                <a:solidFill>
+                  <a:srgbClr val="001080"/>
+                </a:solidFill>
+                <a:latin typeface="Menlo" panose="020B0609030804020204" pitchFamily="49" charset="0"/>
+              </a:rPr>
+              <a:t>cout</a:t>
+            </a:r>
+            <a:r>
+              <a:rPr lang="en" altLang="zh-CN" dirty="0">
+                <a:solidFill>
+                  <a:srgbClr val="000000"/>
+                </a:solidFill>
+                <a:latin typeface="Menlo" panose="020B0609030804020204" pitchFamily="49" charset="0"/>
+              </a:rPr>
+              <a:t> </a:t>
+            </a:r>
+            <a:r>
+              <a:rPr lang="en" altLang="zh-CN" dirty="0">
+                <a:solidFill>
+                  <a:srgbClr val="795E26"/>
+                </a:solidFill>
+                <a:latin typeface="Menlo" panose="020B0609030804020204" pitchFamily="49" charset="0"/>
+              </a:rPr>
+              <a:t>&lt;&lt;</a:t>
+            </a:r>
+            <a:r>
+              <a:rPr lang="en" altLang="zh-CN" dirty="0">
+                <a:solidFill>
+                  <a:srgbClr val="000000"/>
+                </a:solidFill>
+                <a:latin typeface="Menlo" panose="020B0609030804020204" pitchFamily="49" charset="0"/>
+              </a:rPr>
+              <a:t> &amp;</a:t>
+            </a:r>
+            <a:r>
+              <a:rPr lang="en" altLang="zh-CN" dirty="0">
+                <a:solidFill>
+                  <a:srgbClr val="001080"/>
+                </a:solidFill>
+                <a:latin typeface="Menlo" panose="020B0609030804020204" pitchFamily="49" charset="0"/>
+              </a:rPr>
+              <a:t>a</a:t>
+            </a:r>
+            <a:r>
+              <a:rPr lang="en" altLang="zh-CN" dirty="0">
+                <a:solidFill>
+                  <a:srgbClr val="000000"/>
+                </a:solidFill>
+                <a:latin typeface="Menlo" panose="020B0609030804020204" pitchFamily="49" charset="0"/>
+              </a:rPr>
+              <a:t> </a:t>
+            </a:r>
+            <a:r>
+              <a:rPr lang="en" altLang="zh-CN" dirty="0">
+                <a:solidFill>
+                  <a:srgbClr val="795E26"/>
+                </a:solidFill>
+                <a:latin typeface="Menlo" panose="020B0609030804020204" pitchFamily="49" charset="0"/>
+              </a:rPr>
+              <a:t>&lt;&lt;</a:t>
+            </a:r>
+            <a:r>
+              <a:rPr lang="en" altLang="zh-CN" dirty="0">
+                <a:solidFill>
+                  <a:srgbClr val="000000"/>
+                </a:solidFill>
+                <a:latin typeface="Menlo" panose="020B0609030804020204" pitchFamily="49" charset="0"/>
+              </a:rPr>
+              <a:t> </a:t>
+            </a:r>
+            <a:r>
+              <a:rPr lang="en" altLang="zh-CN" dirty="0" err="1">
+                <a:solidFill>
+                  <a:srgbClr val="795E26"/>
+                </a:solidFill>
+                <a:latin typeface="Menlo" panose="020B0609030804020204" pitchFamily="49" charset="0"/>
+              </a:rPr>
+              <a:t>endl</a:t>
+            </a:r>
+            <a:r>
+              <a:rPr lang="en" altLang="zh-CN" dirty="0">
+                <a:solidFill>
+                  <a:srgbClr val="000000"/>
+                </a:solidFill>
+                <a:latin typeface="Menlo" panose="020B0609030804020204" pitchFamily="49" charset="0"/>
+              </a:rPr>
+              <a:t>;</a:t>
+            </a:r>
+          </a:p>
+          <a:p>
+            <a:r>
+              <a:rPr lang="en" altLang="zh-CN" dirty="0" err="1">
+                <a:solidFill>
+                  <a:srgbClr val="001080"/>
+                </a:solidFill>
+                <a:latin typeface="Menlo" panose="020B0609030804020204" pitchFamily="49" charset="0"/>
+              </a:rPr>
+              <a:t>cout</a:t>
+            </a:r>
+            <a:r>
+              <a:rPr lang="en" altLang="zh-CN" dirty="0">
+                <a:solidFill>
+                  <a:srgbClr val="000000"/>
+                </a:solidFill>
+                <a:latin typeface="Menlo" panose="020B0609030804020204" pitchFamily="49" charset="0"/>
+              </a:rPr>
+              <a:t> </a:t>
+            </a:r>
+            <a:r>
+              <a:rPr lang="en" altLang="zh-CN" dirty="0">
+                <a:solidFill>
+                  <a:srgbClr val="795E26"/>
+                </a:solidFill>
+                <a:latin typeface="Menlo" panose="020B0609030804020204" pitchFamily="49" charset="0"/>
+              </a:rPr>
+              <a:t>&lt;&lt;</a:t>
+            </a:r>
+            <a:r>
+              <a:rPr lang="en" altLang="zh-CN" dirty="0">
+                <a:solidFill>
+                  <a:srgbClr val="000000"/>
+                </a:solidFill>
+                <a:latin typeface="Menlo" panose="020B0609030804020204" pitchFamily="49" charset="0"/>
+              </a:rPr>
+              <a:t> &amp;</a:t>
+            </a:r>
+            <a:r>
+              <a:rPr lang="en" altLang="zh-CN" dirty="0">
+                <a:solidFill>
+                  <a:srgbClr val="001080"/>
+                </a:solidFill>
+                <a:latin typeface="Menlo" panose="020B0609030804020204" pitchFamily="49" charset="0"/>
+              </a:rPr>
+              <a:t>b</a:t>
+            </a:r>
+            <a:r>
+              <a:rPr lang="en" altLang="zh-CN" dirty="0">
+                <a:solidFill>
+                  <a:srgbClr val="000000"/>
+                </a:solidFill>
+                <a:latin typeface="Menlo" panose="020B0609030804020204" pitchFamily="49" charset="0"/>
+              </a:rPr>
+              <a:t> </a:t>
+            </a:r>
+            <a:r>
+              <a:rPr lang="en" altLang="zh-CN" dirty="0">
+                <a:solidFill>
+                  <a:srgbClr val="795E26"/>
+                </a:solidFill>
+                <a:latin typeface="Menlo" panose="020B0609030804020204" pitchFamily="49" charset="0"/>
+              </a:rPr>
+              <a:t>&lt;&lt;</a:t>
+            </a:r>
+            <a:r>
+              <a:rPr lang="en" altLang="zh-CN" dirty="0">
+                <a:solidFill>
+                  <a:srgbClr val="000000"/>
+                </a:solidFill>
+                <a:latin typeface="Menlo" panose="020B0609030804020204" pitchFamily="49" charset="0"/>
+              </a:rPr>
+              <a:t> </a:t>
+            </a:r>
+            <a:r>
+              <a:rPr lang="en" altLang="zh-CN" dirty="0" err="1">
+                <a:solidFill>
+                  <a:srgbClr val="795E26"/>
+                </a:solidFill>
+                <a:latin typeface="Menlo" panose="020B0609030804020204" pitchFamily="49" charset="0"/>
+              </a:rPr>
+              <a:t>endl</a:t>
+            </a:r>
+            <a:r>
+              <a:rPr lang="en" altLang="zh-CN" dirty="0">
+                <a:solidFill>
+                  <a:srgbClr val="000000"/>
+                </a:solidFill>
+                <a:latin typeface="Menlo" panose="020B0609030804020204" pitchFamily="49" charset="0"/>
+              </a:rPr>
+              <a:t>;</a:t>
+            </a:r>
+          </a:p>
+          <a:p>
+            <a:r>
+              <a:rPr lang="en" altLang="zh-CN" dirty="0" err="1">
+                <a:solidFill>
+                  <a:srgbClr val="001080"/>
+                </a:solidFill>
+                <a:latin typeface="Menlo" panose="020B0609030804020204" pitchFamily="49" charset="0"/>
+              </a:rPr>
+              <a:t>cout</a:t>
+            </a:r>
+            <a:r>
+              <a:rPr lang="en" altLang="zh-CN" dirty="0">
+                <a:solidFill>
+                  <a:srgbClr val="000000"/>
+                </a:solidFill>
+                <a:latin typeface="Menlo" panose="020B0609030804020204" pitchFamily="49" charset="0"/>
+              </a:rPr>
+              <a:t> </a:t>
+            </a:r>
+            <a:r>
+              <a:rPr lang="en" altLang="zh-CN" dirty="0">
+                <a:solidFill>
+                  <a:srgbClr val="795E26"/>
+                </a:solidFill>
+                <a:latin typeface="Menlo" panose="020B0609030804020204" pitchFamily="49" charset="0"/>
+              </a:rPr>
+              <a:t>&lt;&lt;</a:t>
+            </a:r>
+            <a:r>
+              <a:rPr lang="en" altLang="zh-CN" dirty="0">
+                <a:solidFill>
+                  <a:srgbClr val="000000"/>
+                </a:solidFill>
+                <a:latin typeface="Menlo" panose="020B0609030804020204" pitchFamily="49" charset="0"/>
+              </a:rPr>
+              <a:t> &amp;</a:t>
+            </a:r>
+            <a:r>
+              <a:rPr lang="en" altLang="zh-CN" dirty="0">
+                <a:solidFill>
+                  <a:srgbClr val="001080"/>
+                </a:solidFill>
+                <a:latin typeface="Menlo" panose="020B0609030804020204" pitchFamily="49" charset="0"/>
+              </a:rPr>
+              <a:t>c</a:t>
+            </a:r>
+            <a:r>
+              <a:rPr lang="en" altLang="zh-CN" dirty="0">
+                <a:solidFill>
+                  <a:srgbClr val="000000"/>
+                </a:solidFill>
+                <a:latin typeface="Menlo" panose="020B0609030804020204" pitchFamily="49" charset="0"/>
+              </a:rPr>
+              <a:t> </a:t>
+            </a:r>
+            <a:r>
+              <a:rPr lang="en" altLang="zh-CN" dirty="0">
+                <a:solidFill>
+                  <a:srgbClr val="795E26"/>
+                </a:solidFill>
+                <a:latin typeface="Menlo" panose="020B0609030804020204" pitchFamily="49" charset="0"/>
+              </a:rPr>
+              <a:t>&lt;&lt;</a:t>
+            </a:r>
+            <a:r>
+              <a:rPr lang="en" altLang="zh-CN" dirty="0">
+                <a:solidFill>
+                  <a:srgbClr val="000000"/>
+                </a:solidFill>
+                <a:latin typeface="Menlo" panose="020B0609030804020204" pitchFamily="49" charset="0"/>
+              </a:rPr>
+              <a:t> </a:t>
+            </a:r>
+            <a:r>
+              <a:rPr lang="en" altLang="zh-CN" dirty="0" err="1">
+                <a:solidFill>
+                  <a:srgbClr val="795E26"/>
+                </a:solidFill>
+                <a:latin typeface="Menlo" panose="020B0609030804020204" pitchFamily="49" charset="0"/>
+              </a:rPr>
+              <a:t>endl</a:t>
+            </a:r>
+            <a:r>
+              <a:rPr lang="en" altLang="zh-CN" dirty="0">
+                <a:solidFill>
+                  <a:srgbClr val="000000"/>
+                </a:solidFill>
+                <a:latin typeface="Menlo" panose="020B0609030804020204" pitchFamily="49" charset="0"/>
+              </a:rPr>
+              <a:t>;</a:t>
+            </a:r>
+          </a:p>
+          <a:p>
+            <a:br>
+              <a:rPr lang="en" altLang="zh-CN" dirty="0">
+                <a:solidFill>
+                  <a:srgbClr val="000000"/>
+                </a:solidFill>
+                <a:latin typeface="Menlo" panose="020B0609030804020204" pitchFamily="49" charset="0"/>
+              </a:rPr>
+            </a:br>
+            <a:r>
+              <a:rPr lang="en" altLang="zh-CN" dirty="0">
+                <a:solidFill>
+                  <a:srgbClr val="0000FF"/>
+                </a:solidFill>
+                <a:latin typeface="Menlo" panose="020B0609030804020204" pitchFamily="49" charset="0"/>
+              </a:rPr>
+              <a:t>int</a:t>
+            </a:r>
+            <a:r>
+              <a:rPr lang="en" altLang="zh-CN" dirty="0">
+                <a:solidFill>
+                  <a:srgbClr val="000000"/>
+                </a:solidFill>
+                <a:latin typeface="Menlo" panose="020B0609030804020204" pitchFamily="49" charset="0"/>
+              </a:rPr>
+              <a:t> * </a:t>
+            </a:r>
+            <a:r>
+              <a:rPr lang="en" altLang="zh-CN" dirty="0">
+                <a:solidFill>
+                  <a:srgbClr val="001080"/>
+                </a:solidFill>
+                <a:latin typeface="Menlo" panose="020B0609030804020204" pitchFamily="49" charset="0"/>
+              </a:rPr>
+              <a:t>p1</a:t>
+            </a:r>
+            <a:r>
+              <a:rPr lang="en" altLang="zh-CN" dirty="0">
+                <a:solidFill>
+                  <a:srgbClr val="000000"/>
+                </a:solidFill>
+                <a:latin typeface="Menlo" panose="020B0609030804020204" pitchFamily="49" charset="0"/>
+              </a:rPr>
+              <a:t> = (</a:t>
+            </a:r>
+            <a:r>
+              <a:rPr lang="en" altLang="zh-CN" dirty="0">
+                <a:solidFill>
+                  <a:srgbClr val="0000FF"/>
+                </a:solidFill>
+                <a:latin typeface="Menlo" panose="020B0609030804020204" pitchFamily="49" charset="0"/>
+              </a:rPr>
+              <a:t>int</a:t>
+            </a:r>
+            <a:r>
+              <a:rPr lang="en" altLang="zh-CN" dirty="0">
+                <a:solidFill>
+                  <a:srgbClr val="000000"/>
+                </a:solidFill>
+                <a:latin typeface="Menlo" panose="020B0609030804020204" pitchFamily="49" charset="0"/>
+              </a:rPr>
+              <a:t>*) </a:t>
+            </a:r>
+            <a:r>
+              <a:rPr lang="en" altLang="zh-CN" dirty="0">
+                <a:solidFill>
+                  <a:srgbClr val="795E26"/>
+                </a:solidFill>
+                <a:latin typeface="Menlo" panose="020B0609030804020204" pitchFamily="49" charset="0"/>
+              </a:rPr>
+              <a:t>malloc</a:t>
+            </a:r>
+            <a:r>
+              <a:rPr lang="en" altLang="zh-CN" dirty="0">
+                <a:solidFill>
+                  <a:srgbClr val="000000"/>
+                </a:solidFill>
+                <a:latin typeface="Menlo" panose="020B0609030804020204" pitchFamily="49" charset="0"/>
+              </a:rPr>
+              <a:t> (</a:t>
+            </a:r>
+            <a:r>
+              <a:rPr lang="en" altLang="zh-CN" dirty="0">
+                <a:solidFill>
+                  <a:srgbClr val="098658"/>
+                </a:solidFill>
+                <a:latin typeface="Menlo" panose="020B0609030804020204" pitchFamily="49" charset="0"/>
+              </a:rPr>
+              <a:t>4</a:t>
+            </a:r>
+            <a:r>
+              <a:rPr lang="en" altLang="zh-CN" dirty="0">
+                <a:solidFill>
+                  <a:srgbClr val="000000"/>
+                </a:solidFill>
+                <a:latin typeface="Menlo" panose="020B0609030804020204" pitchFamily="49" charset="0"/>
+              </a:rPr>
+              <a:t>);</a:t>
+            </a:r>
+          </a:p>
+          <a:p>
+            <a:r>
+              <a:rPr lang="en" altLang="zh-CN" dirty="0">
+                <a:solidFill>
+                  <a:srgbClr val="0000FF"/>
+                </a:solidFill>
+                <a:latin typeface="Menlo" panose="020B0609030804020204" pitchFamily="49" charset="0"/>
+              </a:rPr>
+              <a:t>int</a:t>
+            </a:r>
+            <a:r>
+              <a:rPr lang="en" altLang="zh-CN" dirty="0">
+                <a:solidFill>
+                  <a:srgbClr val="000000"/>
+                </a:solidFill>
+                <a:latin typeface="Menlo" panose="020B0609030804020204" pitchFamily="49" charset="0"/>
+              </a:rPr>
+              <a:t> * </a:t>
+            </a:r>
+            <a:r>
+              <a:rPr lang="en" altLang="zh-CN" dirty="0">
+                <a:solidFill>
+                  <a:srgbClr val="001080"/>
+                </a:solidFill>
+                <a:latin typeface="Menlo" panose="020B0609030804020204" pitchFamily="49" charset="0"/>
+              </a:rPr>
+              <a:t>p2</a:t>
+            </a:r>
+            <a:r>
+              <a:rPr lang="en" altLang="zh-CN" dirty="0">
+                <a:solidFill>
+                  <a:srgbClr val="000000"/>
+                </a:solidFill>
+                <a:latin typeface="Menlo" panose="020B0609030804020204" pitchFamily="49" charset="0"/>
+              </a:rPr>
+              <a:t> = (</a:t>
+            </a:r>
+            <a:r>
+              <a:rPr lang="en" altLang="zh-CN" dirty="0">
+                <a:solidFill>
+                  <a:srgbClr val="0000FF"/>
+                </a:solidFill>
+                <a:latin typeface="Menlo" panose="020B0609030804020204" pitchFamily="49" charset="0"/>
+              </a:rPr>
+              <a:t>int</a:t>
+            </a:r>
+            <a:r>
+              <a:rPr lang="en" altLang="zh-CN" dirty="0">
+                <a:solidFill>
+                  <a:srgbClr val="000000"/>
+                </a:solidFill>
+                <a:latin typeface="Menlo" panose="020B0609030804020204" pitchFamily="49" charset="0"/>
+              </a:rPr>
+              <a:t>*) </a:t>
+            </a:r>
+            <a:r>
+              <a:rPr lang="en" altLang="zh-CN" dirty="0">
+                <a:solidFill>
+                  <a:srgbClr val="795E26"/>
+                </a:solidFill>
+                <a:latin typeface="Menlo" panose="020B0609030804020204" pitchFamily="49" charset="0"/>
+              </a:rPr>
+              <a:t>malloc</a:t>
+            </a:r>
+            <a:r>
+              <a:rPr lang="en" altLang="zh-CN" dirty="0">
+                <a:solidFill>
+                  <a:srgbClr val="000000"/>
+                </a:solidFill>
+                <a:latin typeface="Menlo" panose="020B0609030804020204" pitchFamily="49" charset="0"/>
+              </a:rPr>
+              <a:t> (</a:t>
+            </a:r>
+            <a:r>
+              <a:rPr lang="en" altLang="zh-CN" dirty="0">
+                <a:solidFill>
+                  <a:srgbClr val="098658"/>
+                </a:solidFill>
+                <a:latin typeface="Menlo" panose="020B0609030804020204" pitchFamily="49" charset="0"/>
+              </a:rPr>
+              <a:t>4</a:t>
+            </a:r>
+            <a:r>
+              <a:rPr lang="en" altLang="zh-CN" dirty="0">
+                <a:solidFill>
+                  <a:srgbClr val="000000"/>
+                </a:solidFill>
+                <a:latin typeface="Menlo" panose="020B0609030804020204" pitchFamily="49" charset="0"/>
+              </a:rPr>
+              <a:t>);</a:t>
+            </a:r>
+          </a:p>
+          <a:p>
+            <a:r>
+              <a:rPr lang="en" altLang="zh-CN" dirty="0">
+                <a:solidFill>
+                  <a:srgbClr val="0000FF"/>
+                </a:solidFill>
+                <a:latin typeface="Menlo" panose="020B0609030804020204" pitchFamily="49" charset="0"/>
+              </a:rPr>
+              <a:t>int</a:t>
+            </a:r>
+            <a:r>
+              <a:rPr lang="en" altLang="zh-CN" dirty="0">
+                <a:solidFill>
+                  <a:srgbClr val="000000"/>
+                </a:solidFill>
+                <a:latin typeface="Menlo" panose="020B0609030804020204" pitchFamily="49" charset="0"/>
+              </a:rPr>
+              <a:t> * </a:t>
+            </a:r>
+            <a:r>
+              <a:rPr lang="en" altLang="zh-CN" dirty="0">
+                <a:solidFill>
+                  <a:srgbClr val="001080"/>
+                </a:solidFill>
+                <a:latin typeface="Menlo" panose="020B0609030804020204" pitchFamily="49" charset="0"/>
+              </a:rPr>
+              <a:t>p3</a:t>
+            </a:r>
+            <a:r>
+              <a:rPr lang="en" altLang="zh-CN" dirty="0">
+                <a:solidFill>
+                  <a:srgbClr val="000000"/>
+                </a:solidFill>
+                <a:latin typeface="Menlo" panose="020B0609030804020204" pitchFamily="49" charset="0"/>
+              </a:rPr>
+              <a:t> = (</a:t>
+            </a:r>
+            <a:r>
+              <a:rPr lang="en" altLang="zh-CN" dirty="0">
+                <a:solidFill>
+                  <a:srgbClr val="0000FF"/>
+                </a:solidFill>
+                <a:latin typeface="Menlo" panose="020B0609030804020204" pitchFamily="49" charset="0"/>
+              </a:rPr>
+              <a:t>int</a:t>
+            </a:r>
+            <a:r>
+              <a:rPr lang="en" altLang="zh-CN" dirty="0">
+                <a:solidFill>
+                  <a:srgbClr val="000000"/>
+                </a:solidFill>
+                <a:latin typeface="Menlo" panose="020B0609030804020204" pitchFamily="49" charset="0"/>
+              </a:rPr>
+              <a:t>*) </a:t>
+            </a:r>
+            <a:r>
+              <a:rPr lang="en" altLang="zh-CN" dirty="0">
+                <a:solidFill>
+                  <a:srgbClr val="795E26"/>
+                </a:solidFill>
+                <a:latin typeface="Menlo" panose="020B0609030804020204" pitchFamily="49" charset="0"/>
+              </a:rPr>
+              <a:t>malloc</a:t>
+            </a:r>
+            <a:r>
+              <a:rPr lang="en" altLang="zh-CN" dirty="0">
+                <a:solidFill>
+                  <a:srgbClr val="000000"/>
+                </a:solidFill>
+                <a:latin typeface="Menlo" panose="020B0609030804020204" pitchFamily="49" charset="0"/>
+              </a:rPr>
+              <a:t> (</a:t>
+            </a:r>
+            <a:r>
+              <a:rPr lang="en" altLang="zh-CN" dirty="0">
+                <a:solidFill>
+                  <a:srgbClr val="098658"/>
+                </a:solidFill>
+                <a:latin typeface="Menlo" panose="020B0609030804020204" pitchFamily="49" charset="0"/>
+              </a:rPr>
+              <a:t>4</a:t>
+            </a:r>
+            <a:r>
+              <a:rPr lang="en" altLang="zh-CN" dirty="0">
+                <a:solidFill>
+                  <a:srgbClr val="000000"/>
+                </a:solidFill>
+                <a:latin typeface="Menlo" panose="020B0609030804020204" pitchFamily="49" charset="0"/>
+              </a:rPr>
+              <a:t>);</a:t>
+            </a:r>
+          </a:p>
+          <a:p>
+            <a:br>
+              <a:rPr lang="en" altLang="zh-CN" dirty="0">
+                <a:solidFill>
+                  <a:srgbClr val="000000"/>
+                </a:solidFill>
+                <a:latin typeface="Menlo" panose="020B0609030804020204" pitchFamily="49" charset="0"/>
+              </a:rPr>
+            </a:br>
+            <a:r>
+              <a:rPr lang="en" altLang="zh-CN" dirty="0" err="1">
+                <a:solidFill>
+                  <a:srgbClr val="001080"/>
+                </a:solidFill>
+                <a:latin typeface="Menlo" panose="020B0609030804020204" pitchFamily="49" charset="0"/>
+              </a:rPr>
+              <a:t>cout</a:t>
+            </a:r>
+            <a:r>
+              <a:rPr lang="en" altLang="zh-CN" dirty="0">
+                <a:solidFill>
+                  <a:srgbClr val="000000"/>
+                </a:solidFill>
+                <a:latin typeface="Menlo" panose="020B0609030804020204" pitchFamily="49" charset="0"/>
+              </a:rPr>
+              <a:t> </a:t>
+            </a:r>
+            <a:r>
+              <a:rPr lang="en" altLang="zh-CN" dirty="0">
+                <a:solidFill>
+                  <a:srgbClr val="795E26"/>
+                </a:solidFill>
+                <a:latin typeface="Menlo" panose="020B0609030804020204" pitchFamily="49" charset="0"/>
+              </a:rPr>
+              <a:t>&lt;&lt;</a:t>
+            </a:r>
+            <a:r>
+              <a:rPr lang="en" altLang="zh-CN" dirty="0">
+                <a:solidFill>
+                  <a:srgbClr val="000000"/>
+                </a:solidFill>
+                <a:latin typeface="Menlo" panose="020B0609030804020204" pitchFamily="49" charset="0"/>
+              </a:rPr>
+              <a:t> </a:t>
+            </a:r>
+            <a:r>
+              <a:rPr lang="en" altLang="zh-CN" dirty="0">
+                <a:solidFill>
+                  <a:srgbClr val="001080"/>
+                </a:solidFill>
+                <a:latin typeface="Menlo" panose="020B0609030804020204" pitchFamily="49" charset="0"/>
+              </a:rPr>
+              <a:t>p1</a:t>
+            </a:r>
+            <a:r>
+              <a:rPr lang="en" altLang="zh-CN" dirty="0">
+                <a:solidFill>
+                  <a:srgbClr val="000000"/>
+                </a:solidFill>
+                <a:latin typeface="Menlo" panose="020B0609030804020204" pitchFamily="49" charset="0"/>
+              </a:rPr>
+              <a:t> </a:t>
+            </a:r>
+            <a:r>
+              <a:rPr lang="en" altLang="zh-CN" dirty="0">
+                <a:solidFill>
+                  <a:srgbClr val="795E26"/>
+                </a:solidFill>
+                <a:latin typeface="Menlo" panose="020B0609030804020204" pitchFamily="49" charset="0"/>
+              </a:rPr>
+              <a:t>&lt;&lt;</a:t>
+            </a:r>
+            <a:r>
+              <a:rPr lang="en" altLang="zh-CN" dirty="0">
+                <a:solidFill>
+                  <a:srgbClr val="000000"/>
+                </a:solidFill>
+                <a:latin typeface="Menlo" panose="020B0609030804020204" pitchFamily="49" charset="0"/>
+              </a:rPr>
+              <a:t> </a:t>
+            </a:r>
+            <a:r>
+              <a:rPr lang="en" altLang="zh-CN" dirty="0" err="1">
+                <a:solidFill>
+                  <a:srgbClr val="795E26"/>
+                </a:solidFill>
+                <a:latin typeface="Menlo" panose="020B0609030804020204" pitchFamily="49" charset="0"/>
+              </a:rPr>
+              <a:t>endl</a:t>
+            </a:r>
+            <a:r>
+              <a:rPr lang="en" altLang="zh-CN" dirty="0">
+                <a:solidFill>
+                  <a:srgbClr val="000000"/>
+                </a:solidFill>
+                <a:latin typeface="Menlo" panose="020B0609030804020204" pitchFamily="49" charset="0"/>
+              </a:rPr>
+              <a:t>;</a:t>
+            </a:r>
+          </a:p>
+          <a:p>
+            <a:r>
+              <a:rPr lang="en" altLang="zh-CN" dirty="0" err="1">
+                <a:solidFill>
+                  <a:srgbClr val="001080"/>
+                </a:solidFill>
+                <a:latin typeface="Menlo" panose="020B0609030804020204" pitchFamily="49" charset="0"/>
+              </a:rPr>
+              <a:t>cout</a:t>
+            </a:r>
+            <a:r>
+              <a:rPr lang="en" altLang="zh-CN" dirty="0">
+                <a:solidFill>
+                  <a:srgbClr val="000000"/>
+                </a:solidFill>
+                <a:latin typeface="Menlo" panose="020B0609030804020204" pitchFamily="49" charset="0"/>
+              </a:rPr>
+              <a:t> </a:t>
+            </a:r>
+            <a:r>
+              <a:rPr lang="en" altLang="zh-CN" dirty="0">
+                <a:solidFill>
+                  <a:srgbClr val="795E26"/>
+                </a:solidFill>
+                <a:latin typeface="Menlo" panose="020B0609030804020204" pitchFamily="49" charset="0"/>
+              </a:rPr>
+              <a:t>&lt;&lt;</a:t>
+            </a:r>
+            <a:r>
+              <a:rPr lang="en" altLang="zh-CN" dirty="0">
+                <a:solidFill>
+                  <a:srgbClr val="000000"/>
+                </a:solidFill>
+                <a:latin typeface="Menlo" panose="020B0609030804020204" pitchFamily="49" charset="0"/>
+              </a:rPr>
+              <a:t> </a:t>
+            </a:r>
+            <a:r>
+              <a:rPr lang="en" altLang="zh-CN" dirty="0">
+                <a:solidFill>
+                  <a:srgbClr val="001080"/>
+                </a:solidFill>
+                <a:latin typeface="Menlo" panose="020B0609030804020204" pitchFamily="49" charset="0"/>
+              </a:rPr>
+              <a:t>p2</a:t>
+            </a:r>
+            <a:r>
+              <a:rPr lang="en" altLang="zh-CN" dirty="0">
+                <a:solidFill>
+                  <a:srgbClr val="000000"/>
+                </a:solidFill>
+                <a:latin typeface="Menlo" panose="020B0609030804020204" pitchFamily="49" charset="0"/>
+              </a:rPr>
+              <a:t> </a:t>
+            </a:r>
+            <a:r>
+              <a:rPr lang="en" altLang="zh-CN" dirty="0">
+                <a:solidFill>
+                  <a:srgbClr val="795E26"/>
+                </a:solidFill>
+                <a:latin typeface="Menlo" panose="020B0609030804020204" pitchFamily="49" charset="0"/>
+              </a:rPr>
+              <a:t>&lt;&lt;</a:t>
+            </a:r>
+            <a:r>
+              <a:rPr lang="en" altLang="zh-CN" dirty="0">
+                <a:solidFill>
+                  <a:srgbClr val="000000"/>
+                </a:solidFill>
+                <a:latin typeface="Menlo" panose="020B0609030804020204" pitchFamily="49" charset="0"/>
+              </a:rPr>
+              <a:t> </a:t>
+            </a:r>
+            <a:r>
+              <a:rPr lang="en" altLang="zh-CN" dirty="0" err="1">
+                <a:solidFill>
+                  <a:srgbClr val="795E26"/>
+                </a:solidFill>
+                <a:latin typeface="Menlo" panose="020B0609030804020204" pitchFamily="49" charset="0"/>
+              </a:rPr>
+              <a:t>endl</a:t>
+            </a:r>
+            <a:r>
+              <a:rPr lang="en" altLang="zh-CN" dirty="0">
+                <a:solidFill>
+                  <a:srgbClr val="000000"/>
+                </a:solidFill>
+                <a:latin typeface="Menlo" panose="020B0609030804020204" pitchFamily="49" charset="0"/>
+              </a:rPr>
+              <a:t>;</a:t>
+            </a:r>
+          </a:p>
+          <a:p>
+            <a:r>
+              <a:rPr lang="en" altLang="zh-CN" dirty="0" err="1">
+                <a:solidFill>
+                  <a:srgbClr val="001080"/>
+                </a:solidFill>
+                <a:latin typeface="Menlo" panose="020B0609030804020204" pitchFamily="49" charset="0"/>
+              </a:rPr>
+              <a:t>cout</a:t>
+            </a:r>
+            <a:r>
+              <a:rPr lang="en" altLang="zh-CN" dirty="0">
+                <a:solidFill>
+                  <a:srgbClr val="000000"/>
+                </a:solidFill>
+                <a:latin typeface="Menlo" panose="020B0609030804020204" pitchFamily="49" charset="0"/>
+              </a:rPr>
+              <a:t> </a:t>
+            </a:r>
+            <a:r>
+              <a:rPr lang="en" altLang="zh-CN" dirty="0">
+                <a:solidFill>
+                  <a:srgbClr val="795E26"/>
+                </a:solidFill>
+                <a:latin typeface="Menlo" panose="020B0609030804020204" pitchFamily="49" charset="0"/>
+              </a:rPr>
+              <a:t>&lt;&lt;</a:t>
+            </a:r>
+            <a:r>
+              <a:rPr lang="en" altLang="zh-CN" dirty="0">
+                <a:solidFill>
+                  <a:srgbClr val="000000"/>
+                </a:solidFill>
+                <a:latin typeface="Menlo" panose="020B0609030804020204" pitchFamily="49" charset="0"/>
+              </a:rPr>
+              <a:t> </a:t>
+            </a:r>
+            <a:r>
+              <a:rPr lang="en" altLang="zh-CN" dirty="0">
+                <a:solidFill>
+                  <a:srgbClr val="001080"/>
+                </a:solidFill>
+                <a:latin typeface="Menlo" panose="020B0609030804020204" pitchFamily="49" charset="0"/>
+              </a:rPr>
+              <a:t>p3</a:t>
+            </a:r>
+            <a:r>
+              <a:rPr lang="en" altLang="zh-CN" dirty="0">
+                <a:solidFill>
+                  <a:srgbClr val="000000"/>
+                </a:solidFill>
+                <a:latin typeface="Menlo" panose="020B0609030804020204" pitchFamily="49" charset="0"/>
+              </a:rPr>
+              <a:t> </a:t>
+            </a:r>
+            <a:r>
+              <a:rPr lang="en" altLang="zh-CN" dirty="0">
+                <a:solidFill>
+                  <a:srgbClr val="795E26"/>
+                </a:solidFill>
+                <a:latin typeface="Menlo" panose="020B0609030804020204" pitchFamily="49" charset="0"/>
+              </a:rPr>
+              <a:t>&lt;&lt;</a:t>
+            </a:r>
+            <a:r>
+              <a:rPr lang="en" altLang="zh-CN" dirty="0">
+                <a:solidFill>
+                  <a:srgbClr val="000000"/>
+                </a:solidFill>
+                <a:latin typeface="Menlo" panose="020B0609030804020204" pitchFamily="49" charset="0"/>
+              </a:rPr>
+              <a:t> </a:t>
+            </a:r>
+            <a:r>
+              <a:rPr lang="en" altLang="zh-CN" dirty="0" err="1">
+                <a:solidFill>
+                  <a:srgbClr val="795E26"/>
+                </a:solidFill>
+                <a:latin typeface="Menlo" panose="020B0609030804020204" pitchFamily="49" charset="0"/>
+              </a:rPr>
+              <a:t>endl</a:t>
+            </a:r>
+            <a:r>
+              <a:rPr lang="en" altLang="zh-CN" dirty="0">
+                <a:solidFill>
+                  <a:srgbClr val="000000"/>
+                </a:solidFill>
+                <a:latin typeface="Menlo" panose="020B0609030804020204" pitchFamily="49" charset="0"/>
+              </a:rPr>
+              <a:t>;</a:t>
+            </a:r>
+          </a:p>
+        </p:txBody>
+      </p:sp>
+      <p:sp>
+        <p:nvSpPr>
+          <p:cNvPr id="5" name="矩形 4">
+            <a:extLst>
+              <a:ext uri="{FF2B5EF4-FFF2-40B4-BE49-F238E27FC236}">
+                <a16:creationId xmlns:a16="http://schemas.microsoft.com/office/drawing/2014/main" id="{159EE419-DBD0-7F43-8A7C-3659F26C754E}"/>
+              </a:ext>
+            </a:extLst>
+          </p:cNvPr>
+          <p:cNvSpPr/>
+          <p:nvPr/>
+        </p:nvSpPr>
+        <p:spPr>
+          <a:xfrm>
+            <a:off x="5509220" y="2389769"/>
+            <a:ext cx="2795720" cy="1754326"/>
+          </a:xfrm>
+          <a:prstGeom prst="rect">
+            <a:avLst/>
+          </a:prstGeom>
+          <a:solidFill>
+            <a:schemeClr val="accent5">
+              <a:lumMod val="20000"/>
+              <a:lumOff val="80000"/>
+            </a:schemeClr>
+          </a:solidFill>
+        </p:spPr>
+        <p:txBody>
+          <a:bodyPr wrap="square">
+            <a:spAutoFit/>
+          </a:bodyPr>
+          <a:lstStyle/>
+          <a:p>
+            <a:r>
+              <a:rPr lang="zh-CN" altLang="en-US" dirty="0">
+                <a:latin typeface="Courier" pitchFamily="2" charset="0"/>
+              </a:rPr>
+              <a:t>0x16cf7b648</a:t>
+            </a:r>
+          </a:p>
+          <a:p>
+            <a:r>
+              <a:rPr lang="zh-CN" altLang="en-US" dirty="0">
+                <a:latin typeface="Courier" pitchFamily="2" charset="0"/>
+              </a:rPr>
+              <a:t>0x16cf7b644</a:t>
+            </a:r>
+          </a:p>
+          <a:p>
+            <a:r>
+              <a:rPr lang="zh-CN" altLang="en-US" dirty="0">
+                <a:latin typeface="Courier" pitchFamily="2" charset="0"/>
+              </a:rPr>
+              <a:t>0x16cf7b640</a:t>
+            </a:r>
+          </a:p>
+          <a:p>
+            <a:r>
+              <a:rPr lang="zh-CN" altLang="en-US" dirty="0">
+                <a:latin typeface="Courier" pitchFamily="2" charset="0"/>
+              </a:rPr>
+              <a:t>0x145606790</a:t>
+            </a:r>
+          </a:p>
+          <a:p>
+            <a:r>
+              <a:rPr lang="zh-CN" altLang="en-US" dirty="0">
+                <a:latin typeface="Courier" pitchFamily="2" charset="0"/>
+              </a:rPr>
+              <a:t>0x1456067a0</a:t>
+            </a:r>
+          </a:p>
+          <a:p>
+            <a:r>
+              <a:rPr lang="zh-CN" altLang="en-US" dirty="0">
+                <a:latin typeface="Courier" pitchFamily="2" charset="0"/>
+              </a:rPr>
+              <a:t>0x1456067b0</a:t>
+            </a:r>
+          </a:p>
+        </p:txBody>
+      </p:sp>
+      <p:sp>
+        <p:nvSpPr>
+          <p:cNvPr id="6" name="矩形 5">
+            <a:extLst>
+              <a:ext uri="{FF2B5EF4-FFF2-40B4-BE49-F238E27FC236}">
+                <a16:creationId xmlns:a16="http://schemas.microsoft.com/office/drawing/2014/main" id="{BC926B7C-8B3E-EF47-9A83-B8DFD2FA6095}"/>
+              </a:ext>
+            </a:extLst>
+          </p:cNvPr>
+          <p:cNvSpPr/>
+          <p:nvPr/>
+        </p:nvSpPr>
+        <p:spPr>
+          <a:xfrm>
+            <a:off x="9096358" y="2389769"/>
+            <a:ext cx="2795720" cy="1754326"/>
+          </a:xfrm>
+          <a:prstGeom prst="rect">
+            <a:avLst/>
+          </a:prstGeom>
+          <a:solidFill>
+            <a:schemeClr val="accent5">
+              <a:lumMod val="20000"/>
+              <a:lumOff val="80000"/>
+            </a:schemeClr>
+          </a:solidFill>
+        </p:spPr>
+        <p:txBody>
+          <a:bodyPr wrap="square">
+            <a:spAutoFit/>
+          </a:bodyPr>
+          <a:lstStyle/>
+          <a:p>
+            <a:r>
+              <a:rPr lang="en" altLang="zh-CN" dirty="0">
+                <a:latin typeface="Courier" pitchFamily="2" charset="0"/>
+              </a:rPr>
+              <a:t>0x3064676e8</a:t>
+            </a:r>
+          </a:p>
+          <a:p>
+            <a:r>
+              <a:rPr lang="en" altLang="zh-CN" dirty="0">
+                <a:latin typeface="Courier" pitchFamily="2" charset="0"/>
+              </a:rPr>
+              <a:t>0x3064676e4</a:t>
+            </a:r>
+          </a:p>
+          <a:p>
+            <a:r>
+              <a:rPr lang="en" altLang="zh-CN" dirty="0">
+                <a:latin typeface="Courier" pitchFamily="2" charset="0"/>
+              </a:rPr>
+              <a:t>0x3064676e0</a:t>
+            </a:r>
+          </a:p>
+          <a:p>
+            <a:r>
+              <a:rPr lang="en" altLang="zh-CN" dirty="0">
+                <a:latin typeface="Courier" pitchFamily="2" charset="0"/>
+              </a:rPr>
+              <a:t>0x7ff835c059c0</a:t>
+            </a:r>
+          </a:p>
+          <a:p>
+            <a:r>
+              <a:rPr lang="en" altLang="zh-CN" dirty="0">
+                <a:latin typeface="Courier" pitchFamily="2" charset="0"/>
+              </a:rPr>
+              <a:t>0x7ff835c059d0</a:t>
+            </a:r>
+          </a:p>
+          <a:p>
+            <a:r>
+              <a:rPr lang="en" altLang="zh-CN" dirty="0">
+                <a:latin typeface="Courier" pitchFamily="2" charset="0"/>
+              </a:rPr>
+              <a:t>0x7ff835c059e0</a:t>
+            </a:r>
+            <a:endParaRPr lang="zh-CN" altLang="en-US" dirty="0">
+              <a:latin typeface="Courier" pitchFamily="2" charset="0"/>
+            </a:endParaRPr>
+          </a:p>
+        </p:txBody>
+      </p:sp>
+      <p:sp>
+        <p:nvSpPr>
+          <p:cNvPr id="7" name="矩形 6">
+            <a:extLst>
+              <a:ext uri="{FF2B5EF4-FFF2-40B4-BE49-F238E27FC236}">
+                <a16:creationId xmlns:a16="http://schemas.microsoft.com/office/drawing/2014/main" id="{C531CF58-047A-CA4B-AB27-CAE75F72EF0F}"/>
+              </a:ext>
+            </a:extLst>
+          </p:cNvPr>
+          <p:cNvSpPr/>
+          <p:nvPr/>
+        </p:nvSpPr>
+        <p:spPr>
+          <a:xfrm>
+            <a:off x="5509220" y="1989659"/>
+            <a:ext cx="954107" cy="400110"/>
+          </a:xfrm>
+          <a:prstGeom prst="rect">
+            <a:avLst/>
+          </a:prstGeom>
+          <a:solidFill>
+            <a:schemeClr val="bg1"/>
+          </a:solidFill>
+        </p:spPr>
+        <p:txBody>
+          <a:bodyPr wrap="none">
+            <a:spAutoFit/>
+          </a:bodyPr>
+          <a:lstStyle/>
+          <a:p>
+            <a:r>
+              <a:rPr lang="en" altLang="zh-CN" sz="2000" dirty="0">
+                <a:solidFill>
+                  <a:srgbClr val="0000CC"/>
+                </a:solidFill>
+                <a:highlight>
+                  <a:srgbClr val="FFFF00"/>
+                </a:highlight>
+                <a:latin typeface="Menlo" panose="020B0609030804020204" pitchFamily="49" charset="0"/>
+              </a:rPr>
+              <a:t>arm64</a:t>
+            </a:r>
+            <a:endParaRPr lang="zh-CN" altLang="en-US" sz="2000" dirty="0">
+              <a:solidFill>
+                <a:srgbClr val="0000CC"/>
+              </a:solidFill>
+              <a:highlight>
+                <a:srgbClr val="FFFF00"/>
+              </a:highlight>
+            </a:endParaRPr>
+          </a:p>
+        </p:txBody>
+      </p:sp>
+      <p:sp>
+        <p:nvSpPr>
+          <p:cNvPr id="8" name="矩形 7">
+            <a:extLst>
+              <a:ext uri="{FF2B5EF4-FFF2-40B4-BE49-F238E27FC236}">
+                <a16:creationId xmlns:a16="http://schemas.microsoft.com/office/drawing/2014/main" id="{C588007F-FA93-5F42-A8FA-0615D67B0CE5}"/>
+              </a:ext>
+            </a:extLst>
+          </p:cNvPr>
+          <p:cNvSpPr/>
+          <p:nvPr/>
+        </p:nvSpPr>
+        <p:spPr>
+          <a:xfrm>
+            <a:off x="9096358" y="1989659"/>
+            <a:ext cx="1107996" cy="400110"/>
+          </a:xfrm>
+          <a:prstGeom prst="rect">
+            <a:avLst/>
+          </a:prstGeom>
+          <a:solidFill>
+            <a:schemeClr val="bg1"/>
+          </a:solidFill>
+        </p:spPr>
+        <p:txBody>
+          <a:bodyPr wrap="none">
+            <a:spAutoFit/>
+          </a:bodyPr>
+          <a:lstStyle/>
+          <a:p>
+            <a:r>
+              <a:rPr lang="en" altLang="zh-CN" sz="2000" dirty="0">
+                <a:solidFill>
+                  <a:srgbClr val="0000CC"/>
+                </a:solidFill>
+                <a:highlight>
+                  <a:srgbClr val="FFFF00"/>
+                </a:highlight>
+                <a:latin typeface="Menlo" panose="020B0609030804020204" pitchFamily="49" charset="0"/>
+              </a:rPr>
+              <a:t>X86_64</a:t>
+            </a:r>
+            <a:endParaRPr lang="zh-CN" altLang="en-US" sz="2000" dirty="0">
+              <a:solidFill>
+                <a:srgbClr val="0000CC"/>
+              </a:solidFill>
+              <a:highlight>
+                <a:srgbClr val="FFFF00"/>
+              </a:highlight>
+            </a:endParaRPr>
+          </a:p>
+        </p:txBody>
+      </p:sp>
+    </p:spTree>
+    <p:extLst>
+      <p:ext uri="{BB962C8B-B14F-4D97-AF65-F5344CB8AC3E}">
+        <p14:creationId xmlns:p14="http://schemas.microsoft.com/office/powerpoint/2010/main" val="3328885822"/>
+      </p:ext>
+    </p:extLst>
+  </p:cSld>
+  <p:clrMapOvr>
+    <a:masterClrMapping/>
+  </p:clrMapOvr>
+  <p:timing>
+    <p:tnLst>
+      <p:par>
+        <p:cTn id="1" dur="indefinite" restart="never" nodeType="tmRoot">
+          <p:childTnLst>
+            <p:seq concurrent="1" nextAc="seek">
+              <p:cTn id="2" dur="indefinite" nodeType="mainSeq">
+                <p:childTnLst>
+                  <p:par>
+                    <p:cTn id="3" fill="hold">
+                      <p:stCondLst>
+                        <p:cond delay="indefinite"/>
+                      </p:stCondLst>
+                      <p:childTnLst>
+                        <p:par>
+                          <p:cTn id="4" fill="hold">
+                            <p:stCondLst>
+                              <p:cond delay="0"/>
+                            </p:stCondLst>
+                            <p:childTnLst>
+                              <p:par>
+                                <p:cTn id="5" presetID="1" presetClass="entr" presetSubtype="0" fill="hold" grpId="0" nodeType="clickEffect">
+                                  <p:stCondLst>
+                                    <p:cond delay="0"/>
+                                  </p:stCondLst>
+                                  <p:childTnLst>
+                                    <p:set>
+                                      <p:cBhvr>
+                                        <p:cTn id="6" dur="1" fill="hold">
+                                          <p:stCondLst>
+                                            <p:cond delay="0"/>
+                                          </p:stCondLst>
+                                        </p:cTn>
+                                        <p:tgtEl>
+                                          <p:spTgt spid="7"/>
+                                        </p:tgtEl>
+                                        <p:attrNameLst>
+                                          <p:attrName>style.visibility</p:attrName>
+                                        </p:attrNameLst>
+                                      </p:cBhvr>
+                                      <p:to>
+                                        <p:strVal val="visible"/>
+                                      </p:to>
+                                    </p:set>
+                                  </p:childTnLst>
+                                </p:cTn>
+                              </p:par>
+                            </p:childTnLst>
+                          </p:cTn>
+                        </p:par>
+                      </p:childTnLst>
+                    </p:cTn>
+                  </p:par>
+                  <p:par>
+                    <p:cTn id="7" fill="hold">
+                      <p:stCondLst>
+                        <p:cond delay="indefinite"/>
+                      </p:stCondLst>
+                      <p:childTnLst>
+                        <p:par>
+                          <p:cTn id="8" fill="hold">
+                            <p:stCondLst>
+                              <p:cond delay="0"/>
+                            </p:stCondLst>
+                            <p:childTnLst>
+                              <p:par>
+                                <p:cTn id="9" presetID="1" presetClass="entr" presetSubtype="0" fill="hold" grpId="0" nodeType="clickEffect">
+                                  <p:stCondLst>
+                                    <p:cond delay="0"/>
+                                  </p:stCondLst>
+                                  <p:childTnLst>
+                                    <p:set>
+                                      <p:cBhvr>
+                                        <p:cTn id="10" dur="1" fill="hold">
+                                          <p:stCondLst>
+                                            <p:cond delay="0"/>
+                                          </p:stCondLst>
+                                        </p:cTn>
+                                        <p:tgtEl>
+                                          <p:spTgt spid="8"/>
+                                        </p:tgtEl>
+                                        <p:attrNameLst>
+                                          <p:attrName>style.visibility</p:attrName>
+                                        </p:attrNameLst>
+                                      </p:cBhvr>
+                                      <p:to>
+                                        <p:strVal val="visible"/>
+                                      </p:to>
+                                    </p:set>
+                                  </p:childTnLst>
+                                </p:cTn>
+                              </p:par>
+                            </p:childTnLst>
+                          </p:cTn>
+                        </p:par>
+                      </p:childTnLst>
+                    </p:cTn>
+                  </p:par>
+                </p:childTnLst>
+              </p:cTn>
+              <p:prevCondLst>
+                <p:cond evt="onPrev" delay="0">
+                  <p:tgtEl>
+                    <p:sldTgt/>
+                  </p:tgtEl>
+                </p:cond>
+              </p:prevCondLst>
+              <p:nextCondLst>
+                <p:cond evt="onNext" delay="0">
+                  <p:tgtEl>
+                    <p:sldTgt/>
+                  </p:tgtEl>
+                </p:cond>
+              </p:nextCondLst>
+            </p:seq>
+          </p:childTnLst>
+        </p:cTn>
+      </p:par>
+    </p:tnLst>
+    <p:bldLst>
+      <p:bldP spid="7" grpId="0" animBg="1"/>
+      <p:bldP spid="8" grpId="0" animBg="1"/>
+    </p:bldLst>
+  </p:timing>
+</p:sld>
+</file>
+
+<file path=ppt/slides/slide18.xml><?xml version="1.0" encoding="utf-8"?>
+<p:sld xmlns:a="http://schemas.openxmlformats.org/drawingml/2006/main" xmlns:r="http://schemas.openxmlformats.org/officeDocument/2006/relationships" xmlns:p="http://schemas.openxmlformats.org/presentationml/2006/main">
+  <p:cSld>
+    <p:spTree>
+      <p:nvGrpSpPr>
+        <p:cNvPr id="1" name=""/>
+        <p:cNvGrpSpPr/>
+        <p:nvPr/>
+      </p:nvGrpSpPr>
+      <p:grpSpPr>
+        <a:xfrm>
+          <a:off x="0" y="0"/>
+          <a:ext cx="0" cy="0"/>
+          <a:chOff x="0" y="0"/>
+          <a:chExt cx="0" cy="0"/>
+        </a:xfrm>
+      </p:grpSpPr>
+      <p:sp>
+        <p:nvSpPr>
+          <p:cNvPr id="2" name="标题 1">
+            <a:extLst>
+              <a:ext uri="{FF2B5EF4-FFF2-40B4-BE49-F238E27FC236}">
+                <a16:creationId xmlns:a16="http://schemas.microsoft.com/office/drawing/2014/main" id="{942C1548-69C9-514D-9905-4F9CB7FB1C35}"/>
+              </a:ext>
+            </a:extLst>
+          </p:cNvPr>
+          <p:cNvSpPr>
+            <a:spLocks noGrp="1"/>
+          </p:cNvSpPr>
+          <p:nvPr>
+            <p:ph type="title"/>
+          </p:nvPr>
+        </p:nvSpPr>
+        <p:spPr/>
+        <p:txBody>
+          <a:bodyPr/>
+          <a:lstStyle/>
+          <a:p>
+            <a:r>
+              <a:rPr kumimoji="1" lang="en-US" altLang="zh-CN" dirty="0"/>
+              <a:t>Memory allocation</a:t>
+            </a:r>
+            <a:endParaRPr kumimoji="1" lang="zh-CN" altLang="en-US" dirty="0"/>
+          </a:p>
+        </p:txBody>
+      </p:sp>
+      <p:sp>
+        <p:nvSpPr>
+          <p:cNvPr id="3" name="内容占位符 2">
+            <a:extLst>
+              <a:ext uri="{FF2B5EF4-FFF2-40B4-BE49-F238E27FC236}">
+                <a16:creationId xmlns:a16="http://schemas.microsoft.com/office/drawing/2014/main" id="{0B01C62A-2D29-2F45-BC50-BF41A4682AA2}"/>
+              </a:ext>
+            </a:extLst>
+          </p:cNvPr>
+          <p:cNvSpPr>
+            <a:spLocks noGrp="1"/>
+          </p:cNvSpPr>
+          <p:nvPr>
+            <p:ph idx="1"/>
+          </p:nvPr>
+        </p:nvSpPr>
+        <p:spPr>
+          <a:xfrm>
+            <a:off x="838199" y="1326995"/>
+            <a:ext cx="11053879" cy="4577859"/>
+          </a:xfrm>
+        </p:spPr>
+        <p:txBody>
+          <a:bodyPr/>
+          <a:lstStyle/>
+          <a:p>
+            <a:r>
+              <a:rPr kumimoji="1" lang="en-US" altLang="zh-CN" dirty="0"/>
+              <a:t>Allocate </a:t>
+            </a:r>
+            <a:r>
+              <a:rPr kumimoji="1" lang="en-US" altLang="zh-CN" dirty="0">
+                <a:solidFill>
+                  <a:srgbClr val="0000CC"/>
+                </a:solidFill>
+                <a:latin typeface="Courier" pitchFamily="2" charset="0"/>
+              </a:rPr>
+              <a:t>size</a:t>
+            </a:r>
+            <a:r>
+              <a:rPr kumimoji="1" lang="en-US" altLang="zh-CN" dirty="0"/>
+              <a:t> </a:t>
+            </a:r>
+            <a:r>
+              <a:rPr kumimoji="1" lang="en-US" altLang="zh-CN" u="sng" dirty="0">
+                <a:solidFill>
+                  <a:srgbClr val="C00000"/>
+                </a:solidFill>
+              </a:rPr>
+              <a:t>bytes</a:t>
+            </a:r>
+            <a:r>
+              <a:rPr kumimoji="1" lang="en-US" altLang="zh-CN" dirty="0"/>
+              <a:t> of </a:t>
+            </a:r>
+            <a:r>
+              <a:rPr kumimoji="1" lang="en-US" altLang="zh-CN" u="sng" dirty="0">
+                <a:solidFill>
+                  <a:srgbClr val="C00000"/>
+                </a:solidFill>
+              </a:rPr>
+              <a:t>uninitialized</a:t>
+            </a:r>
+            <a:r>
+              <a:rPr kumimoji="1" lang="en-US" altLang="zh-CN" dirty="0"/>
+              <a:t> storage.</a:t>
+            </a:r>
+          </a:p>
+          <a:p>
+            <a:endParaRPr kumimoji="1" lang="en-US" altLang="zh-CN" dirty="0"/>
+          </a:p>
+          <a:p>
+            <a:endParaRPr kumimoji="1" lang="en-US" altLang="zh-CN" dirty="0"/>
+          </a:p>
+          <a:p>
+            <a:r>
+              <a:rPr kumimoji="1" lang="en-US" altLang="zh-CN" dirty="0"/>
+              <a:t>Allocate 4 bytes and convert the pointer to (int *) explicitly.</a:t>
+            </a:r>
+          </a:p>
+          <a:p>
+            <a:endParaRPr kumimoji="1" lang="en-US" altLang="zh-CN" dirty="0"/>
+          </a:p>
+          <a:p>
+            <a:endParaRPr kumimoji="1" lang="en-US" altLang="zh-CN" dirty="0"/>
+          </a:p>
+          <a:p>
+            <a:r>
+              <a:rPr kumimoji="1" lang="en-US" altLang="zh-CN" dirty="0"/>
+              <a:t>Question: </a:t>
+            </a:r>
+          </a:p>
+          <a:p>
+            <a:endParaRPr kumimoji="1" lang="zh-CN" altLang="en-US" dirty="0"/>
+          </a:p>
+        </p:txBody>
+      </p:sp>
+      <p:sp>
+        <p:nvSpPr>
+          <p:cNvPr id="4" name="矩形 3">
+            <a:extLst>
+              <a:ext uri="{FF2B5EF4-FFF2-40B4-BE49-F238E27FC236}">
+                <a16:creationId xmlns:a16="http://schemas.microsoft.com/office/drawing/2014/main" id="{4E77C027-08EE-6E41-9090-EC975C8D281D}"/>
+              </a:ext>
+            </a:extLst>
+          </p:cNvPr>
+          <p:cNvSpPr/>
+          <p:nvPr/>
+        </p:nvSpPr>
+        <p:spPr>
+          <a:xfrm>
+            <a:off x="1376479" y="1825870"/>
+            <a:ext cx="3858492" cy="523220"/>
+          </a:xfrm>
+          <a:prstGeom prst="rect">
+            <a:avLst/>
+          </a:prstGeom>
+        </p:spPr>
+        <p:txBody>
+          <a:bodyPr wrap="none">
+            <a:spAutoFit/>
+          </a:bodyPr>
+          <a:lstStyle/>
+          <a:p>
+            <a:r>
+              <a:rPr lang="en" altLang="zh-CN" sz="2800" dirty="0">
+                <a:solidFill>
+                  <a:srgbClr val="0000FF"/>
+                </a:solidFill>
+                <a:latin typeface="DejaVuSansMono"/>
+              </a:rPr>
+              <a:t>void</a:t>
+            </a:r>
+            <a:r>
+              <a:rPr lang="en" altLang="zh-CN" sz="2800" dirty="0">
+                <a:solidFill>
+                  <a:srgbClr val="000040"/>
+                </a:solidFill>
+                <a:latin typeface="DejaVuSansMono"/>
+              </a:rPr>
+              <a:t>*</a:t>
+            </a:r>
+            <a:r>
+              <a:rPr lang="en" altLang="zh-CN" sz="2800" dirty="0">
+                <a:solidFill>
+                  <a:srgbClr val="000000"/>
+                </a:solidFill>
+                <a:latin typeface="DejaVuSansMono"/>
+              </a:rPr>
+              <a:t> malloc</a:t>
+            </a:r>
+            <a:r>
+              <a:rPr lang="en" altLang="zh-CN" sz="2800" dirty="0">
+                <a:solidFill>
+                  <a:srgbClr val="008000"/>
+                </a:solidFill>
+                <a:latin typeface="DejaVuSansMono"/>
+              </a:rPr>
+              <a:t>(</a:t>
+            </a:r>
+            <a:r>
+              <a:rPr lang="en" altLang="zh-CN" sz="2800" dirty="0">
+                <a:solidFill>
+                  <a:srgbClr val="000000"/>
+                </a:solidFill>
+                <a:latin typeface="DejaVuSansMono"/>
+              </a:rPr>
+              <a:t> </a:t>
+            </a:r>
+            <a:r>
+              <a:rPr lang="en" altLang="zh-CN" sz="2800" dirty="0">
+                <a:solidFill>
+                  <a:srgbClr val="003080"/>
+                </a:solidFill>
+                <a:latin typeface="DejaVuSansMono"/>
+              </a:rPr>
+              <a:t>size_t</a:t>
+            </a:r>
+            <a:r>
+              <a:rPr lang="en" altLang="zh-CN" sz="2800" dirty="0">
+                <a:solidFill>
+                  <a:srgbClr val="000000"/>
+                </a:solidFill>
+                <a:latin typeface="DejaVuSansMono"/>
+              </a:rPr>
+              <a:t> size </a:t>
+            </a:r>
+            <a:r>
+              <a:rPr lang="en" altLang="zh-CN" sz="2800" dirty="0">
+                <a:solidFill>
+                  <a:srgbClr val="008000"/>
+                </a:solidFill>
+                <a:latin typeface="DejaVuSansMono"/>
+              </a:rPr>
+              <a:t>)</a:t>
+            </a:r>
+            <a:endParaRPr lang="zh-CN" altLang="en-US" sz="2800" dirty="0"/>
+          </a:p>
+        </p:txBody>
+      </p:sp>
+      <p:sp>
+        <p:nvSpPr>
+          <p:cNvPr id="5" name="矩形 4">
+            <a:extLst>
+              <a:ext uri="{FF2B5EF4-FFF2-40B4-BE49-F238E27FC236}">
+                <a16:creationId xmlns:a16="http://schemas.microsoft.com/office/drawing/2014/main" id="{5B1B205C-7ECC-AF47-8541-E2425EE405F7}"/>
+              </a:ext>
+            </a:extLst>
+          </p:cNvPr>
+          <p:cNvSpPr/>
+          <p:nvPr/>
+        </p:nvSpPr>
+        <p:spPr>
+          <a:xfrm>
+            <a:off x="1376479" y="3385091"/>
+            <a:ext cx="5577168" cy="461665"/>
+          </a:xfrm>
+          <a:prstGeom prst="rect">
+            <a:avLst/>
+          </a:prstGeom>
+        </p:spPr>
+        <p:txBody>
+          <a:bodyPr wrap="none">
+            <a:spAutoFit/>
+          </a:bodyPr>
+          <a:lstStyle/>
+          <a:p>
+            <a:r>
+              <a:rPr lang="en" altLang="zh-CN" sz="2400" dirty="0">
+                <a:solidFill>
+                  <a:srgbClr val="0000FF"/>
+                </a:solidFill>
+                <a:latin typeface="Menlo" panose="020B0609030804020204" pitchFamily="49" charset="0"/>
+              </a:rPr>
+              <a:t>int</a:t>
+            </a:r>
+            <a:r>
+              <a:rPr lang="en" altLang="zh-CN" sz="2400" dirty="0">
+                <a:solidFill>
+                  <a:srgbClr val="000000"/>
+                </a:solidFill>
+                <a:latin typeface="Menlo" panose="020B0609030804020204" pitchFamily="49" charset="0"/>
+              </a:rPr>
+              <a:t> * </a:t>
+            </a:r>
+            <a:r>
+              <a:rPr lang="en" altLang="zh-CN" sz="2400" dirty="0">
+                <a:solidFill>
+                  <a:srgbClr val="001080"/>
+                </a:solidFill>
+                <a:latin typeface="Menlo" panose="020B0609030804020204" pitchFamily="49" charset="0"/>
+              </a:rPr>
+              <a:t>p1</a:t>
+            </a:r>
+            <a:r>
+              <a:rPr lang="en" altLang="zh-CN" sz="2400" dirty="0">
+                <a:solidFill>
+                  <a:srgbClr val="000000"/>
+                </a:solidFill>
+                <a:latin typeface="Menlo" panose="020B0609030804020204" pitchFamily="49" charset="0"/>
+              </a:rPr>
+              <a:t> = (</a:t>
+            </a:r>
+            <a:r>
+              <a:rPr lang="en" altLang="zh-CN" sz="2400" dirty="0">
+                <a:solidFill>
+                  <a:srgbClr val="0000FF"/>
+                </a:solidFill>
+                <a:latin typeface="Menlo" panose="020B0609030804020204" pitchFamily="49" charset="0"/>
+              </a:rPr>
+              <a:t>int</a:t>
+            </a:r>
+            <a:r>
+              <a:rPr lang="en" altLang="zh-CN" sz="2400" dirty="0">
+                <a:solidFill>
+                  <a:srgbClr val="000000"/>
+                </a:solidFill>
+                <a:latin typeface="Menlo" panose="020B0609030804020204" pitchFamily="49" charset="0"/>
+              </a:rPr>
+              <a:t>*) </a:t>
+            </a:r>
+            <a:r>
+              <a:rPr lang="en" altLang="zh-CN" sz="2400" dirty="0">
+                <a:solidFill>
+                  <a:srgbClr val="795E26"/>
+                </a:solidFill>
+                <a:latin typeface="Menlo" panose="020B0609030804020204" pitchFamily="49" charset="0"/>
+              </a:rPr>
+              <a:t>malloc</a:t>
+            </a:r>
+            <a:r>
+              <a:rPr lang="en" altLang="zh-CN" sz="2400" dirty="0">
+                <a:solidFill>
+                  <a:srgbClr val="000000"/>
+                </a:solidFill>
+                <a:latin typeface="Menlo" panose="020B0609030804020204" pitchFamily="49" charset="0"/>
+              </a:rPr>
+              <a:t> (</a:t>
+            </a:r>
+            <a:r>
+              <a:rPr lang="en" altLang="zh-CN" sz="2400" dirty="0">
+                <a:solidFill>
+                  <a:srgbClr val="098658"/>
+                </a:solidFill>
+                <a:latin typeface="Menlo" panose="020B0609030804020204" pitchFamily="49" charset="0"/>
+              </a:rPr>
+              <a:t>4</a:t>
+            </a:r>
+            <a:r>
+              <a:rPr lang="en" altLang="zh-CN" sz="2400" dirty="0">
+                <a:solidFill>
+                  <a:srgbClr val="000000"/>
+                </a:solidFill>
+                <a:latin typeface="Menlo" panose="020B0609030804020204" pitchFamily="49" charset="0"/>
+              </a:rPr>
+              <a:t>);</a:t>
+            </a:r>
+          </a:p>
+        </p:txBody>
+      </p:sp>
+      <p:sp>
+        <p:nvSpPr>
+          <p:cNvPr id="6" name="矩形 5">
+            <a:extLst>
+              <a:ext uri="{FF2B5EF4-FFF2-40B4-BE49-F238E27FC236}">
+                <a16:creationId xmlns:a16="http://schemas.microsoft.com/office/drawing/2014/main" id="{B4A8BCAA-9277-2A46-8DE0-E7A0C6F2838F}"/>
+              </a:ext>
+            </a:extLst>
+          </p:cNvPr>
+          <p:cNvSpPr/>
+          <p:nvPr/>
+        </p:nvSpPr>
+        <p:spPr>
+          <a:xfrm>
+            <a:off x="1376479" y="5069340"/>
+            <a:ext cx="5577168" cy="461665"/>
+          </a:xfrm>
+          <a:prstGeom prst="rect">
+            <a:avLst/>
+          </a:prstGeom>
+        </p:spPr>
+        <p:txBody>
+          <a:bodyPr wrap="none">
+            <a:spAutoFit/>
+          </a:bodyPr>
+          <a:lstStyle/>
+          <a:p>
+            <a:r>
+              <a:rPr lang="en" altLang="zh-CN" sz="2400" dirty="0">
+                <a:solidFill>
+                  <a:srgbClr val="0000FF"/>
+                </a:solidFill>
+                <a:latin typeface="Menlo" panose="020B0609030804020204" pitchFamily="49" charset="0"/>
+              </a:rPr>
+              <a:t>int</a:t>
+            </a:r>
+            <a:r>
+              <a:rPr lang="en" altLang="zh-CN" sz="2400" dirty="0">
+                <a:solidFill>
+                  <a:srgbClr val="000000"/>
+                </a:solidFill>
+                <a:latin typeface="Menlo" panose="020B0609030804020204" pitchFamily="49" charset="0"/>
+              </a:rPr>
+              <a:t> * </a:t>
+            </a:r>
+            <a:r>
+              <a:rPr lang="en" altLang="zh-CN" sz="2400" dirty="0">
+                <a:solidFill>
+                  <a:srgbClr val="001080"/>
+                </a:solidFill>
+                <a:latin typeface="Menlo" panose="020B0609030804020204" pitchFamily="49" charset="0"/>
+              </a:rPr>
+              <a:t>p1</a:t>
+            </a:r>
+            <a:r>
+              <a:rPr lang="en" altLang="zh-CN" sz="2400" dirty="0">
+                <a:solidFill>
+                  <a:srgbClr val="000000"/>
+                </a:solidFill>
+                <a:latin typeface="Menlo" panose="020B0609030804020204" pitchFamily="49" charset="0"/>
+              </a:rPr>
+              <a:t> = (</a:t>
+            </a:r>
+            <a:r>
+              <a:rPr lang="en" altLang="zh-CN" sz="2400" dirty="0">
+                <a:solidFill>
+                  <a:srgbClr val="0000FF"/>
+                </a:solidFill>
+                <a:latin typeface="Menlo" panose="020B0609030804020204" pitchFamily="49" charset="0"/>
+              </a:rPr>
+              <a:t>int</a:t>
+            </a:r>
+            <a:r>
+              <a:rPr lang="en" altLang="zh-CN" sz="2400" dirty="0">
+                <a:solidFill>
+                  <a:srgbClr val="000000"/>
+                </a:solidFill>
+                <a:latin typeface="Menlo" panose="020B0609030804020204" pitchFamily="49" charset="0"/>
+              </a:rPr>
+              <a:t>*) </a:t>
+            </a:r>
+            <a:r>
+              <a:rPr lang="en" altLang="zh-CN" sz="2400" dirty="0">
+                <a:solidFill>
+                  <a:srgbClr val="795E26"/>
+                </a:solidFill>
+                <a:latin typeface="Menlo" panose="020B0609030804020204" pitchFamily="49" charset="0"/>
+              </a:rPr>
+              <a:t>malloc</a:t>
+            </a:r>
+            <a:r>
+              <a:rPr lang="en" altLang="zh-CN" sz="2400" dirty="0">
+                <a:solidFill>
+                  <a:srgbClr val="000000"/>
+                </a:solidFill>
+                <a:latin typeface="Menlo" panose="020B0609030804020204" pitchFamily="49" charset="0"/>
+              </a:rPr>
+              <a:t> (</a:t>
+            </a:r>
+            <a:r>
+              <a:rPr lang="en" altLang="zh-CN" sz="2400" dirty="0">
+                <a:solidFill>
+                  <a:srgbClr val="098658"/>
+                </a:solidFill>
+                <a:latin typeface="Menlo" panose="020B0609030804020204" pitchFamily="49" charset="0"/>
+              </a:rPr>
+              <a:t>3</a:t>
+            </a:r>
+            <a:r>
+              <a:rPr lang="en" altLang="zh-CN" sz="2400" dirty="0">
+                <a:solidFill>
+                  <a:srgbClr val="000000"/>
+                </a:solidFill>
+                <a:latin typeface="Menlo" panose="020B0609030804020204" pitchFamily="49" charset="0"/>
+              </a:rPr>
+              <a:t>);</a:t>
+            </a:r>
+          </a:p>
+        </p:txBody>
+      </p:sp>
+    </p:spTree>
+    <p:extLst>
+      <p:ext uri="{BB962C8B-B14F-4D97-AF65-F5344CB8AC3E}">
+        <p14:creationId xmlns:p14="http://schemas.microsoft.com/office/powerpoint/2010/main" val="3834778371"/>
+      </p:ext>
+    </p:extLst>
+  </p:cSld>
+  <p:clrMapOvr>
+    <a:masterClrMapping/>
+  </p:clrMapOvr>
+  <p:timing>
+    <p:tnLst>
+      <p:par>
+        <p:cTn id="1" dur="indefinite" restart="never" nodeType="tmRoot">
+          <p:childTnLst>
+            <p:seq concurrent="1" nextAc="seek">
+              <p:cTn id="2" dur="indefinite" nodeType="mainSeq">
+                <p:childTnLst>
+                  <p:par>
+                    <p:cTn id="3" fill="hold">
+                      <p:stCondLst>
+                        <p:cond delay="indefinite"/>
+                      </p:stCondLst>
+                      <p:childTnLst>
+                        <p:par>
+                          <p:cTn id="4" fill="hold">
+                            <p:stCondLst>
+                              <p:cond delay="0"/>
+                            </p:stCondLst>
+                            <p:childTnLst>
+                              <p:par>
+                                <p:cTn id="5" presetID="1" presetClass="entr" presetSubtype="0" fill="hold" nodeType="clickEffect">
+                                  <p:stCondLst>
+                                    <p:cond delay="0"/>
+                                  </p:stCondLst>
+                                  <p:childTnLst>
+                                    <p:set>
+                                      <p:cBhvr>
+                                        <p:cTn id="6" dur="1" fill="hold">
+                                          <p:stCondLst>
+                                            <p:cond delay="0"/>
+                                          </p:stCondLst>
+                                        </p:cTn>
+                                        <p:tgtEl>
+                                          <p:spTgt spid="3">
+                                            <p:txEl>
+                                              <p:pRg st="3" end="3"/>
+                                            </p:txEl>
+                                          </p:spTgt>
+                                        </p:tgtEl>
+                                        <p:attrNameLst>
+                                          <p:attrName>style.visibility</p:attrName>
+                                        </p:attrNameLst>
+                                      </p:cBhvr>
+                                      <p:to>
+                                        <p:strVal val="visible"/>
+                                      </p:to>
+                                    </p:set>
+                                  </p:childTnLst>
+                                </p:cTn>
+                              </p:par>
+                            </p:childTnLst>
+                          </p:cTn>
+                        </p:par>
+                      </p:childTnLst>
+                    </p:cTn>
+                  </p:par>
+                  <p:par>
+                    <p:cTn id="7" fill="hold">
+                      <p:stCondLst>
+                        <p:cond delay="indefinite"/>
+                      </p:stCondLst>
+                      <p:childTnLst>
+                        <p:par>
+                          <p:cTn id="8" fill="hold">
+                            <p:stCondLst>
+                              <p:cond delay="0"/>
+                            </p:stCondLst>
+                            <p:childTnLst>
+                              <p:par>
+                                <p:cTn id="9" presetID="1" presetClass="entr" presetSubtype="0" fill="hold" grpId="0" nodeType="clickEffect">
+                                  <p:stCondLst>
+                                    <p:cond delay="0"/>
+                                  </p:stCondLst>
+                                  <p:childTnLst>
+                                    <p:set>
+                                      <p:cBhvr>
+                                        <p:cTn id="10" dur="1" fill="hold">
+                                          <p:stCondLst>
+                                            <p:cond delay="0"/>
+                                          </p:stCondLst>
+                                        </p:cTn>
+                                        <p:tgtEl>
+                                          <p:spTgt spid="5"/>
+                                        </p:tgtEl>
+                                        <p:attrNameLst>
+                                          <p:attrName>style.visibility</p:attrName>
+                                        </p:attrNameLst>
+                                      </p:cBhvr>
+                                      <p:to>
+                                        <p:strVal val="visible"/>
+                                      </p:to>
+                                    </p:set>
+                                  </p:childTnLst>
+                                </p:cTn>
+                              </p:par>
+                            </p:childTnLst>
+                          </p:cTn>
+                        </p:par>
+                      </p:childTnLst>
+                    </p:cTn>
+                  </p:par>
+                  <p:par>
+                    <p:cTn id="11" fill="hold">
+                      <p:stCondLst>
+                        <p:cond delay="indefinite"/>
+                      </p:stCondLst>
+                      <p:childTnLst>
+                        <p:par>
+                          <p:cTn id="12" fill="hold">
+                            <p:stCondLst>
+                              <p:cond delay="0"/>
+                            </p:stCondLst>
+                            <p:childTnLst>
+                              <p:par>
+                                <p:cTn id="13" presetID="1" presetClass="entr" presetSubtype="0" fill="hold" nodeType="clickEffect">
+                                  <p:stCondLst>
+                                    <p:cond delay="0"/>
+                                  </p:stCondLst>
+                                  <p:childTnLst>
+                                    <p:set>
+                                      <p:cBhvr>
+                                        <p:cTn id="14" dur="1" fill="hold">
+                                          <p:stCondLst>
+                                            <p:cond delay="0"/>
+                                          </p:stCondLst>
+                                        </p:cTn>
+                                        <p:tgtEl>
+                                          <p:spTgt spid="3">
+                                            <p:txEl>
+                                              <p:pRg st="6" end="6"/>
+                                            </p:txEl>
+                                          </p:spTgt>
+                                        </p:tgtEl>
+                                        <p:attrNameLst>
+                                          <p:attrName>style.visibility</p:attrName>
+                                        </p:attrNameLst>
+                                      </p:cBhvr>
+                                      <p:to>
+                                        <p:strVal val="visible"/>
+                                      </p:to>
+                                    </p:set>
+                                  </p:childTnLst>
+                                </p:cTn>
+                              </p:par>
+                            </p:childTnLst>
+                          </p:cTn>
+                        </p:par>
+                      </p:childTnLst>
+                    </p:cTn>
+                  </p:par>
+                  <p:par>
+                    <p:cTn id="15" fill="hold">
+                      <p:stCondLst>
+                        <p:cond delay="indefinite"/>
+                      </p:stCondLst>
+                      <p:childTnLst>
+                        <p:par>
+                          <p:cTn id="16" fill="hold">
+                            <p:stCondLst>
+                              <p:cond delay="0"/>
+                            </p:stCondLst>
+                            <p:childTnLst>
+                              <p:par>
+                                <p:cTn id="17" presetID="1" presetClass="entr" presetSubtype="0" fill="hold" grpId="0" nodeType="clickEffect">
+                                  <p:stCondLst>
+                                    <p:cond delay="0"/>
+                                  </p:stCondLst>
+                                  <p:childTnLst>
+                                    <p:set>
+                                      <p:cBhvr>
+                                        <p:cTn id="18" dur="1" fill="hold">
+                                          <p:stCondLst>
+                                            <p:cond delay="0"/>
+                                          </p:stCondLst>
+                                        </p:cTn>
+                                        <p:tgtEl>
+                                          <p:spTgt spid="6"/>
+                                        </p:tgtEl>
+                                        <p:attrNameLst>
+                                          <p:attrName>style.visibility</p:attrName>
+                                        </p:attrNameLst>
+                                      </p:cBhvr>
+                                      <p:to>
+                                        <p:strVal val="visible"/>
+                                      </p:to>
+                                    </p:set>
+                                  </p:childTnLst>
+                                </p:cTn>
+                              </p:par>
+                            </p:childTnLst>
+                          </p:cTn>
+                        </p:par>
+                      </p:childTnLst>
+                    </p:cTn>
+                  </p:par>
+                </p:childTnLst>
+              </p:cTn>
+              <p:prevCondLst>
+                <p:cond evt="onPrev" delay="0">
+                  <p:tgtEl>
+                    <p:sldTgt/>
+                  </p:tgtEl>
+                </p:cond>
+              </p:prevCondLst>
+              <p:nextCondLst>
+                <p:cond evt="onNext" delay="0">
+                  <p:tgtEl>
+                    <p:sldTgt/>
+                  </p:tgtEl>
+                </p:cond>
+              </p:nextCondLst>
+            </p:seq>
+          </p:childTnLst>
+        </p:cTn>
+      </p:par>
+    </p:tnLst>
+    <p:bldLst>
+      <p:bldP spid="5" grpId="0"/>
+      <p:bldP spid="6" grpId="0"/>
+    </p:bldLst>
+  </p:timing>
+</p:sld>
+</file>
+
+<file path=ppt/slides/slide19.xml><?xml version="1.0" encoding="utf-8"?>
+<p:sld xmlns:a="http://schemas.openxmlformats.org/drawingml/2006/main" xmlns:r="http://schemas.openxmlformats.org/officeDocument/2006/relationships" xmlns:p="http://schemas.openxmlformats.org/presentationml/2006/main">
+  <p:cSld>
+    <p:spTree>
+      <p:nvGrpSpPr>
+        <p:cNvPr id="1" name=""/>
+        <p:cNvGrpSpPr/>
+        <p:nvPr/>
+      </p:nvGrpSpPr>
+      <p:grpSpPr>
+        <a:xfrm>
+          <a:off x="0" y="0"/>
+          <a:ext cx="0" cy="0"/>
+          <a:chOff x="0" y="0"/>
+          <a:chExt cx="0" cy="0"/>
+        </a:xfrm>
+      </p:grpSpPr>
+      <p:sp>
+        <p:nvSpPr>
+          <p:cNvPr id="2" name="标题 1">
+            <a:extLst>
+              <a:ext uri="{FF2B5EF4-FFF2-40B4-BE49-F238E27FC236}">
+                <a16:creationId xmlns:a16="http://schemas.microsoft.com/office/drawing/2014/main" id="{C812C6D0-5382-F44D-9719-908778814AD8}"/>
+              </a:ext>
+            </a:extLst>
+          </p:cNvPr>
+          <p:cNvSpPr>
+            <a:spLocks noGrp="1"/>
+          </p:cNvSpPr>
+          <p:nvPr>
+            <p:ph type="title"/>
+          </p:nvPr>
+        </p:nvSpPr>
+        <p:spPr/>
+        <p:txBody>
+          <a:bodyPr/>
+          <a:lstStyle/>
+          <a:p>
+            <a:r>
+              <a:rPr kumimoji="1" lang="en-US" altLang="zh-CN" dirty="0"/>
+              <a:t>Memory deallocation</a:t>
+            </a:r>
+            <a:endParaRPr kumimoji="1" lang="zh-CN" altLang="en-US" dirty="0"/>
+          </a:p>
+        </p:txBody>
+      </p:sp>
+      <p:sp>
+        <p:nvSpPr>
+          <p:cNvPr id="3" name="内容占位符 2">
+            <a:extLst>
+              <a:ext uri="{FF2B5EF4-FFF2-40B4-BE49-F238E27FC236}">
+                <a16:creationId xmlns:a16="http://schemas.microsoft.com/office/drawing/2014/main" id="{3BB323B6-A1AB-9043-A865-A30A1B20EC5F}"/>
+              </a:ext>
+            </a:extLst>
+          </p:cNvPr>
+          <p:cNvSpPr>
+            <a:spLocks noGrp="1"/>
+          </p:cNvSpPr>
+          <p:nvPr>
+            <p:ph idx="1"/>
+          </p:nvPr>
+        </p:nvSpPr>
+        <p:spPr>
+          <a:xfrm>
+            <a:off x="838199" y="1326995"/>
+            <a:ext cx="11053879" cy="1722952"/>
+          </a:xfrm>
+        </p:spPr>
+        <p:txBody>
+          <a:bodyPr>
+            <a:normAutofit/>
+          </a:bodyPr>
+          <a:lstStyle/>
+          <a:p>
+            <a:r>
+              <a:rPr kumimoji="1" lang="en-US" altLang="zh-CN" dirty="0"/>
+              <a:t>The dynamically allocated memory must be deallocated explicitly!</a:t>
+            </a:r>
+          </a:p>
+          <a:p>
+            <a:pPr marL="0" indent="0">
+              <a:buNone/>
+            </a:pPr>
+            <a:r>
+              <a:rPr lang="en" altLang="zh-CN" dirty="0">
+                <a:solidFill>
+                  <a:srgbClr val="0000FF"/>
+                </a:solidFill>
+                <a:latin typeface="DejaVuSansMono"/>
+              </a:rPr>
+              <a:t>        void</a:t>
+            </a:r>
+            <a:r>
+              <a:rPr lang="en" altLang="zh-CN" dirty="0">
+                <a:solidFill>
+                  <a:srgbClr val="000000"/>
+                </a:solidFill>
+                <a:latin typeface="DejaVuSansMono"/>
+              </a:rPr>
+              <a:t> free</a:t>
+            </a:r>
+            <a:r>
+              <a:rPr lang="en" altLang="zh-CN" dirty="0">
+                <a:solidFill>
+                  <a:srgbClr val="008000"/>
+                </a:solidFill>
+                <a:latin typeface="DejaVuSansMono"/>
+              </a:rPr>
+              <a:t>(</a:t>
+            </a:r>
+            <a:r>
+              <a:rPr lang="en" altLang="zh-CN" dirty="0">
+                <a:solidFill>
+                  <a:srgbClr val="000000"/>
+                </a:solidFill>
+                <a:latin typeface="DejaVuSansMono"/>
+              </a:rPr>
+              <a:t> </a:t>
+            </a:r>
+            <a:r>
+              <a:rPr lang="en" altLang="zh-CN" dirty="0">
+                <a:solidFill>
+                  <a:srgbClr val="0000FF"/>
+                </a:solidFill>
+                <a:latin typeface="DejaVuSansMono"/>
+              </a:rPr>
+              <a:t>void</a:t>
+            </a:r>
+            <a:r>
+              <a:rPr lang="en" altLang="zh-CN" dirty="0">
+                <a:solidFill>
+                  <a:srgbClr val="000040"/>
+                </a:solidFill>
+                <a:latin typeface="DejaVuSansMono"/>
+              </a:rPr>
+              <a:t>*</a:t>
+            </a:r>
+            <a:r>
+              <a:rPr lang="en" altLang="zh-CN" dirty="0">
+                <a:solidFill>
+                  <a:srgbClr val="000000"/>
+                </a:solidFill>
+                <a:latin typeface="DejaVuSansMono"/>
+              </a:rPr>
+              <a:t> </a:t>
+            </a:r>
+            <a:r>
+              <a:rPr lang="en" altLang="zh-CN" dirty="0" err="1">
+                <a:solidFill>
+                  <a:srgbClr val="000000"/>
+                </a:solidFill>
+                <a:latin typeface="DejaVuSansMono"/>
+              </a:rPr>
+              <a:t>ptr</a:t>
+            </a:r>
+            <a:r>
+              <a:rPr lang="en" altLang="zh-CN" dirty="0">
+                <a:solidFill>
+                  <a:srgbClr val="000000"/>
+                </a:solidFill>
+                <a:latin typeface="DejaVuSansMono"/>
+              </a:rPr>
+              <a:t> </a:t>
+            </a:r>
+            <a:r>
+              <a:rPr lang="en" altLang="zh-CN" dirty="0">
+                <a:solidFill>
+                  <a:srgbClr val="008000"/>
+                </a:solidFill>
+                <a:latin typeface="DejaVuSansMono"/>
+              </a:rPr>
+              <a:t>)</a:t>
+            </a:r>
+            <a:r>
+              <a:rPr lang="en" altLang="zh-CN" dirty="0">
+                <a:solidFill>
+                  <a:srgbClr val="000000"/>
+                </a:solidFill>
+                <a:latin typeface="DejaVuSansMono"/>
+              </a:rPr>
+              <a:t> ;</a:t>
+            </a:r>
+            <a:endParaRPr kumimoji="1" lang="en-US" altLang="zh-CN" dirty="0"/>
+          </a:p>
+          <a:p>
+            <a:r>
+              <a:rPr kumimoji="1" lang="en-US" altLang="zh-CN" dirty="0"/>
+              <a:t>Question:</a:t>
+            </a:r>
+            <a:endParaRPr kumimoji="1" lang="zh-CN" altLang="en-US" dirty="0"/>
+          </a:p>
+        </p:txBody>
+      </p:sp>
+      <p:sp>
+        <p:nvSpPr>
+          <p:cNvPr id="4" name="矩形 3">
+            <a:extLst>
+              <a:ext uri="{FF2B5EF4-FFF2-40B4-BE49-F238E27FC236}">
+                <a16:creationId xmlns:a16="http://schemas.microsoft.com/office/drawing/2014/main" id="{3EDA4936-F2AD-064F-8D49-A120F8FCB31B}"/>
+              </a:ext>
+            </a:extLst>
+          </p:cNvPr>
+          <p:cNvSpPr/>
+          <p:nvPr/>
+        </p:nvSpPr>
+        <p:spPr>
+          <a:xfrm>
+            <a:off x="1132667" y="2759712"/>
+            <a:ext cx="6096000" cy="1631216"/>
+          </a:xfrm>
+          <a:prstGeom prst="rect">
+            <a:avLst/>
+          </a:prstGeom>
+        </p:spPr>
+        <p:txBody>
+          <a:bodyPr>
+            <a:spAutoFit/>
+          </a:bodyPr>
+          <a:lstStyle/>
+          <a:p>
+            <a:r>
+              <a:rPr lang="en" altLang="zh-CN" sz="2000" dirty="0">
+                <a:solidFill>
+                  <a:srgbClr val="001080"/>
+                </a:solidFill>
+                <a:latin typeface="Menlo" panose="020B0609030804020204" pitchFamily="49" charset="0"/>
+              </a:rPr>
+              <a:t>p</a:t>
+            </a:r>
+            <a:r>
+              <a:rPr lang="en" altLang="zh-CN" sz="2000" dirty="0">
+                <a:solidFill>
+                  <a:srgbClr val="000000"/>
+                </a:solidFill>
+                <a:latin typeface="Menlo" panose="020B0609030804020204" pitchFamily="49" charset="0"/>
+              </a:rPr>
+              <a:t> = (</a:t>
+            </a:r>
+            <a:r>
+              <a:rPr lang="en" altLang="zh-CN" sz="2000" dirty="0">
+                <a:solidFill>
+                  <a:srgbClr val="0000FF"/>
+                </a:solidFill>
+                <a:latin typeface="Menlo" panose="020B0609030804020204" pitchFamily="49" charset="0"/>
+              </a:rPr>
+              <a:t>int</a:t>
+            </a:r>
+            <a:r>
+              <a:rPr lang="en" altLang="zh-CN" sz="2000" dirty="0">
+                <a:solidFill>
+                  <a:srgbClr val="000000"/>
+                </a:solidFill>
+                <a:latin typeface="Menlo" panose="020B0609030804020204" pitchFamily="49" charset="0"/>
+              </a:rPr>
+              <a:t> *) </a:t>
+            </a:r>
+            <a:r>
+              <a:rPr lang="en" altLang="zh-CN" sz="2000" dirty="0">
+                <a:solidFill>
+                  <a:srgbClr val="795E26"/>
+                </a:solidFill>
+                <a:latin typeface="Menlo" panose="020B0609030804020204" pitchFamily="49" charset="0"/>
+              </a:rPr>
+              <a:t>malloc</a:t>
+            </a:r>
+            <a:r>
+              <a:rPr lang="en" altLang="zh-CN" sz="2000" dirty="0">
+                <a:solidFill>
+                  <a:srgbClr val="000000"/>
+                </a:solidFill>
+                <a:latin typeface="Menlo" panose="020B0609030804020204" pitchFamily="49" charset="0"/>
+              </a:rPr>
+              <a:t>(</a:t>
+            </a:r>
+            <a:r>
+              <a:rPr lang="en" altLang="zh-CN" sz="2000" dirty="0">
+                <a:solidFill>
+                  <a:srgbClr val="098658"/>
+                </a:solidFill>
+                <a:latin typeface="Menlo" panose="020B0609030804020204" pitchFamily="49" charset="0"/>
+              </a:rPr>
+              <a:t>4</a:t>
+            </a:r>
+            <a:r>
+              <a:rPr lang="en" altLang="zh-CN" sz="2000" dirty="0">
+                <a:solidFill>
+                  <a:srgbClr val="000000"/>
+                </a:solidFill>
+                <a:latin typeface="Menlo" panose="020B0609030804020204" pitchFamily="49" charset="0"/>
+              </a:rPr>
+              <a:t> * </a:t>
+            </a:r>
+            <a:r>
+              <a:rPr lang="en" altLang="zh-CN" sz="2000" dirty="0" err="1">
+                <a:solidFill>
+                  <a:srgbClr val="0000FF"/>
+                </a:solidFill>
+                <a:latin typeface="Menlo" panose="020B0609030804020204" pitchFamily="49" charset="0"/>
+              </a:rPr>
+              <a:t>sizeof</a:t>
+            </a:r>
+            <a:r>
+              <a:rPr lang="en" altLang="zh-CN" sz="2000" dirty="0">
+                <a:solidFill>
+                  <a:srgbClr val="000000"/>
+                </a:solidFill>
+                <a:latin typeface="Menlo" panose="020B0609030804020204" pitchFamily="49" charset="0"/>
+              </a:rPr>
+              <a:t>(</a:t>
+            </a:r>
+            <a:r>
+              <a:rPr lang="en" altLang="zh-CN" sz="2000" dirty="0">
+                <a:solidFill>
+                  <a:srgbClr val="0000FF"/>
+                </a:solidFill>
+                <a:latin typeface="Menlo" panose="020B0609030804020204" pitchFamily="49" charset="0"/>
+              </a:rPr>
+              <a:t>int</a:t>
+            </a:r>
+            <a:r>
+              <a:rPr lang="en" altLang="zh-CN" sz="2000" dirty="0">
+                <a:solidFill>
+                  <a:srgbClr val="000000"/>
+                </a:solidFill>
+                <a:latin typeface="Menlo" panose="020B0609030804020204" pitchFamily="49" charset="0"/>
+              </a:rPr>
+              <a:t>));</a:t>
+            </a:r>
+          </a:p>
+          <a:p>
+            <a:r>
+              <a:rPr lang="en" altLang="zh-CN" sz="2000" dirty="0">
+                <a:solidFill>
+                  <a:srgbClr val="008000"/>
+                </a:solidFill>
+                <a:latin typeface="Menlo" panose="020B0609030804020204" pitchFamily="49" charset="0"/>
+              </a:rPr>
+              <a:t>// ...</a:t>
+            </a:r>
+            <a:endParaRPr lang="en" altLang="zh-CN" sz="2000" dirty="0">
+              <a:solidFill>
+                <a:srgbClr val="000000"/>
+              </a:solidFill>
+              <a:latin typeface="Menlo" panose="020B0609030804020204" pitchFamily="49" charset="0"/>
+            </a:endParaRPr>
+          </a:p>
+          <a:p>
+            <a:r>
+              <a:rPr lang="en" altLang="zh-CN" sz="2000" dirty="0">
+                <a:solidFill>
+                  <a:srgbClr val="001080"/>
+                </a:solidFill>
+                <a:latin typeface="Menlo" panose="020B0609030804020204" pitchFamily="49" charset="0"/>
+              </a:rPr>
+              <a:t>p</a:t>
+            </a:r>
+            <a:r>
+              <a:rPr lang="en" altLang="zh-CN" sz="2000" dirty="0">
+                <a:solidFill>
+                  <a:srgbClr val="000000"/>
+                </a:solidFill>
+                <a:latin typeface="Menlo" panose="020B0609030804020204" pitchFamily="49" charset="0"/>
+              </a:rPr>
+              <a:t> = (</a:t>
+            </a:r>
+            <a:r>
+              <a:rPr lang="en" altLang="zh-CN" sz="2000" dirty="0">
+                <a:solidFill>
+                  <a:srgbClr val="0000FF"/>
+                </a:solidFill>
+                <a:latin typeface="Menlo" panose="020B0609030804020204" pitchFamily="49" charset="0"/>
+              </a:rPr>
+              <a:t>int</a:t>
+            </a:r>
+            <a:r>
+              <a:rPr lang="en" altLang="zh-CN" sz="2000" dirty="0">
+                <a:solidFill>
+                  <a:srgbClr val="000000"/>
+                </a:solidFill>
+                <a:latin typeface="Menlo" panose="020B0609030804020204" pitchFamily="49" charset="0"/>
+              </a:rPr>
+              <a:t> *) </a:t>
+            </a:r>
+            <a:r>
+              <a:rPr lang="en" altLang="zh-CN" sz="2000" dirty="0">
+                <a:solidFill>
+                  <a:srgbClr val="795E26"/>
+                </a:solidFill>
+                <a:latin typeface="Menlo" panose="020B0609030804020204" pitchFamily="49" charset="0"/>
+              </a:rPr>
+              <a:t>malloc</a:t>
+            </a:r>
+            <a:r>
+              <a:rPr lang="en" altLang="zh-CN" sz="2000" dirty="0">
+                <a:solidFill>
+                  <a:srgbClr val="000000"/>
+                </a:solidFill>
+                <a:latin typeface="Menlo" panose="020B0609030804020204" pitchFamily="49" charset="0"/>
+              </a:rPr>
+              <a:t>(</a:t>
+            </a:r>
+            <a:r>
+              <a:rPr lang="en" altLang="zh-CN" sz="2000" dirty="0">
+                <a:solidFill>
+                  <a:srgbClr val="098658"/>
+                </a:solidFill>
+                <a:latin typeface="Menlo" panose="020B0609030804020204" pitchFamily="49" charset="0"/>
+              </a:rPr>
+              <a:t>8</a:t>
+            </a:r>
+            <a:r>
+              <a:rPr lang="en" altLang="zh-CN" sz="2000" dirty="0">
+                <a:solidFill>
+                  <a:srgbClr val="000000"/>
+                </a:solidFill>
+                <a:latin typeface="Menlo" panose="020B0609030804020204" pitchFamily="49" charset="0"/>
+              </a:rPr>
+              <a:t> * </a:t>
+            </a:r>
+            <a:r>
+              <a:rPr lang="en" altLang="zh-CN" sz="2000" dirty="0" err="1">
+                <a:solidFill>
+                  <a:srgbClr val="0000FF"/>
+                </a:solidFill>
+                <a:latin typeface="Menlo" panose="020B0609030804020204" pitchFamily="49" charset="0"/>
+              </a:rPr>
+              <a:t>sizeof</a:t>
+            </a:r>
+            <a:r>
+              <a:rPr lang="en" altLang="zh-CN" sz="2000" dirty="0">
+                <a:solidFill>
+                  <a:srgbClr val="000000"/>
+                </a:solidFill>
+                <a:latin typeface="Menlo" panose="020B0609030804020204" pitchFamily="49" charset="0"/>
+              </a:rPr>
+              <a:t>(</a:t>
+            </a:r>
+            <a:r>
+              <a:rPr lang="en" altLang="zh-CN" sz="2000" dirty="0">
+                <a:solidFill>
+                  <a:srgbClr val="0000FF"/>
+                </a:solidFill>
+                <a:latin typeface="Menlo" panose="020B0609030804020204" pitchFamily="49" charset="0"/>
+              </a:rPr>
+              <a:t>int</a:t>
+            </a:r>
+            <a:r>
+              <a:rPr lang="en" altLang="zh-CN" sz="2000" dirty="0">
+                <a:solidFill>
+                  <a:srgbClr val="000000"/>
+                </a:solidFill>
+                <a:latin typeface="Menlo" panose="020B0609030804020204" pitchFamily="49" charset="0"/>
+              </a:rPr>
+              <a:t>));</a:t>
+            </a:r>
+          </a:p>
+          <a:p>
+            <a:r>
+              <a:rPr lang="en" altLang="zh-CN" sz="2000" dirty="0">
+                <a:solidFill>
+                  <a:srgbClr val="008000"/>
+                </a:solidFill>
+                <a:latin typeface="Menlo" panose="020B0609030804020204" pitchFamily="49" charset="0"/>
+              </a:rPr>
+              <a:t>// ...</a:t>
+            </a:r>
+            <a:endParaRPr lang="en" altLang="zh-CN" sz="2000" dirty="0">
+              <a:solidFill>
+                <a:srgbClr val="000000"/>
+              </a:solidFill>
+              <a:latin typeface="Menlo" panose="020B0609030804020204" pitchFamily="49" charset="0"/>
+            </a:endParaRPr>
+          </a:p>
+          <a:p>
+            <a:r>
+              <a:rPr lang="en" altLang="zh-CN" sz="2000" dirty="0">
+                <a:solidFill>
+                  <a:srgbClr val="795E26"/>
+                </a:solidFill>
+                <a:latin typeface="Menlo" panose="020B0609030804020204" pitchFamily="49" charset="0"/>
+              </a:rPr>
+              <a:t>free</a:t>
+            </a:r>
+            <a:r>
+              <a:rPr lang="en" altLang="zh-CN" sz="2000" dirty="0">
+                <a:solidFill>
+                  <a:srgbClr val="000000"/>
+                </a:solidFill>
+                <a:latin typeface="Menlo" panose="020B0609030804020204" pitchFamily="49" charset="0"/>
+              </a:rPr>
+              <a:t> (</a:t>
+            </a:r>
+            <a:r>
+              <a:rPr lang="en" altLang="zh-CN" sz="2000" dirty="0">
+                <a:solidFill>
+                  <a:srgbClr val="001080"/>
+                </a:solidFill>
+                <a:latin typeface="Menlo" panose="020B0609030804020204" pitchFamily="49" charset="0"/>
+              </a:rPr>
+              <a:t>p</a:t>
+            </a:r>
+            <a:r>
+              <a:rPr lang="en" altLang="zh-CN" sz="2000" dirty="0">
+                <a:solidFill>
+                  <a:srgbClr val="000000"/>
+                </a:solidFill>
+                <a:latin typeface="Menlo" panose="020B0609030804020204" pitchFamily="49" charset="0"/>
+              </a:rPr>
+              <a:t>);</a:t>
+            </a:r>
+          </a:p>
+        </p:txBody>
+      </p:sp>
+      <p:sp>
+        <p:nvSpPr>
+          <p:cNvPr id="5" name="矩形 4">
+            <a:extLst>
+              <a:ext uri="{FF2B5EF4-FFF2-40B4-BE49-F238E27FC236}">
+                <a16:creationId xmlns:a16="http://schemas.microsoft.com/office/drawing/2014/main" id="{EC651CA7-CEE5-364F-9CB4-FE7C4FEB4B9D}"/>
+              </a:ext>
+            </a:extLst>
+          </p:cNvPr>
+          <p:cNvSpPr/>
+          <p:nvPr/>
+        </p:nvSpPr>
+        <p:spPr>
+          <a:xfrm>
+            <a:off x="60016" y="5254258"/>
+            <a:ext cx="7168651" cy="1138773"/>
+          </a:xfrm>
+          <a:prstGeom prst="rect">
+            <a:avLst/>
+          </a:prstGeom>
+        </p:spPr>
+        <p:txBody>
+          <a:bodyPr wrap="square">
+            <a:spAutoFit/>
+          </a:bodyPr>
+          <a:lstStyle/>
+          <a:p>
+            <a:r>
+              <a:rPr kumimoji="1" lang="en-US" altLang="zh-CN" sz="2800" dirty="0">
+                <a:solidFill>
+                  <a:srgbClr val="C00000"/>
+                </a:solidFill>
+              </a:rPr>
+              <a:t>Memory leak</a:t>
+            </a:r>
+            <a:r>
+              <a:rPr kumimoji="1" lang="en-US" altLang="zh-CN" sz="2800" dirty="0">
+                <a:solidFill>
+                  <a:prstClr val="black"/>
+                </a:solidFill>
+              </a:rPr>
+              <a:t>:</a:t>
+            </a:r>
+          </a:p>
+          <a:p>
+            <a:r>
+              <a:rPr kumimoji="1" lang="en-US" altLang="zh-CN" sz="2000" dirty="0">
+                <a:solidFill>
+                  <a:prstClr val="black"/>
+                </a:solidFill>
+              </a:rPr>
+              <a:t>No variable to keep the first address. The memory management system will not deallocate it automatically. Waste of memory!</a:t>
+            </a:r>
+            <a:endParaRPr lang="zh-CN" altLang="en-US" sz="1400" dirty="0"/>
+          </a:p>
+        </p:txBody>
+      </p:sp>
+      <p:sp>
+        <p:nvSpPr>
+          <p:cNvPr id="6" name="矩形 5">
+            <a:extLst>
+              <a:ext uri="{FF2B5EF4-FFF2-40B4-BE49-F238E27FC236}">
+                <a16:creationId xmlns:a16="http://schemas.microsoft.com/office/drawing/2014/main" id="{3F6F5267-8380-4642-855F-52970064A1A6}"/>
+              </a:ext>
+            </a:extLst>
+          </p:cNvPr>
+          <p:cNvSpPr/>
+          <p:nvPr/>
+        </p:nvSpPr>
+        <p:spPr>
+          <a:xfrm>
+            <a:off x="2149342" y="6529167"/>
+            <a:ext cx="2031325" cy="400110"/>
+          </a:xfrm>
+          <a:prstGeom prst="rect">
+            <a:avLst/>
+          </a:prstGeom>
+          <a:solidFill>
+            <a:schemeClr val="bg1"/>
+          </a:solidFill>
+        </p:spPr>
+        <p:txBody>
+          <a:bodyPr wrap="none">
+            <a:spAutoFit/>
+          </a:bodyPr>
+          <a:lstStyle/>
+          <a:p>
+            <a:r>
+              <a:rPr lang="en" altLang="zh-CN" sz="2000" dirty="0" err="1">
+                <a:solidFill>
+                  <a:srgbClr val="0000CC"/>
+                </a:solidFill>
+                <a:highlight>
+                  <a:srgbClr val="FFFF00"/>
+                </a:highlight>
+                <a:latin typeface="Menlo" panose="020B0609030804020204" pitchFamily="49" charset="0"/>
+              </a:rPr>
+              <a:t>Memoryleak.c</a:t>
+            </a:r>
+            <a:endParaRPr lang="zh-CN" altLang="en-US" sz="2000" dirty="0">
+              <a:solidFill>
+                <a:srgbClr val="0000CC"/>
+              </a:solidFill>
+              <a:highlight>
+                <a:srgbClr val="FFFF00"/>
+              </a:highlight>
+            </a:endParaRPr>
+          </a:p>
+        </p:txBody>
+      </p:sp>
+      <p:sp>
+        <p:nvSpPr>
+          <p:cNvPr id="7" name="矩形 6">
+            <a:extLst>
+              <a:ext uri="{FF2B5EF4-FFF2-40B4-BE49-F238E27FC236}">
+                <a16:creationId xmlns:a16="http://schemas.microsoft.com/office/drawing/2014/main" id="{9235BACC-9E11-C44D-9001-A4778BD865F3}"/>
+              </a:ext>
+            </a:extLst>
+          </p:cNvPr>
+          <p:cNvSpPr/>
+          <p:nvPr/>
+        </p:nvSpPr>
+        <p:spPr>
+          <a:xfrm>
+            <a:off x="3168118" y="3953801"/>
+            <a:ext cx="6096000" cy="1477328"/>
+          </a:xfrm>
+          <a:prstGeom prst="rect">
+            <a:avLst/>
+          </a:prstGeom>
+          <a:solidFill>
+            <a:schemeClr val="accent6">
+              <a:lumMod val="20000"/>
+              <a:lumOff val="80000"/>
+            </a:schemeClr>
+          </a:solidFill>
+        </p:spPr>
+        <p:txBody>
+          <a:bodyPr>
+            <a:spAutoFit/>
+          </a:bodyPr>
+          <a:lstStyle/>
+          <a:p>
+            <a:r>
+              <a:rPr lang="en" altLang="zh-CN" dirty="0">
+                <a:solidFill>
+                  <a:srgbClr val="0000FF"/>
+                </a:solidFill>
+                <a:latin typeface="Menlo" panose="020B0609030804020204" pitchFamily="49" charset="0"/>
+              </a:rPr>
+              <a:t>void</a:t>
+            </a:r>
+            <a:r>
+              <a:rPr lang="en" altLang="zh-CN" dirty="0">
+                <a:solidFill>
+                  <a:srgbClr val="000000"/>
+                </a:solidFill>
+                <a:latin typeface="Menlo" panose="020B0609030804020204" pitchFamily="49" charset="0"/>
+              </a:rPr>
+              <a:t> </a:t>
+            </a:r>
+            <a:r>
+              <a:rPr lang="en" altLang="zh-CN" dirty="0">
+                <a:solidFill>
+                  <a:srgbClr val="795E26"/>
+                </a:solidFill>
+                <a:latin typeface="Menlo" panose="020B0609030804020204" pitchFamily="49" charset="0"/>
+              </a:rPr>
+              <a:t>foo</a:t>
+            </a:r>
+            <a:r>
+              <a:rPr lang="en" altLang="zh-CN" dirty="0">
+                <a:solidFill>
+                  <a:srgbClr val="000000"/>
+                </a:solidFill>
+                <a:latin typeface="Menlo" panose="020B0609030804020204" pitchFamily="49" charset="0"/>
+              </a:rPr>
+              <a:t>()</a:t>
+            </a:r>
+          </a:p>
+          <a:p>
+            <a:r>
+              <a:rPr lang="en" altLang="zh-CN" dirty="0">
+                <a:solidFill>
+                  <a:srgbClr val="000000"/>
+                </a:solidFill>
+                <a:latin typeface="Menlo" panose="020B0609030804020204" pitchFamily="49" charset="0"/>
+              </a:rPr>
+              <a:t>{</a:t>
+            </a:r>
+          </a:p>
+          <a:p>
+            <a:r>
+              <a:rPr lang="en" altLang="zh-CN" dirty="0">
+                <a:solidFill>
+                  <a:srgbClr val="0000FF"/>
+                </a:solidFill>
+                <a:latin typeface="Menlo" panose="020B0609030804020204" pitchFamily="49" charset="0"/>
+              </a:rPr>
+              <a:t>    int</a:t>
+            </a:r>
+            <a:r>
+              <a:rPr lang="en" altLang="zh-CN" dirty="0">
+                <a:solidFill>
+                  <a:srgbClr val="000000"/>
+                </a:solidFill>
+                <a:latin typeface="Menlo" panose="020B0609030804020204" pitchFamily="49" charset="0"/>
+              </a:rPr>
+              <a:t>* </a:t>
+            </a:r>
+            <a:r>
+              <a:rPr lang="en" altLang="zh-CN" dirty="0">
+                <a:solidFill>
+                  <a:srgbClr val="001080"/>
+                </a:solidFill>
+                <a:latin typeface="Menlo" panose="020B0609030804020204" pitchFamily="49" charset="0"/>
+              </a:rPr>
+              <a:t>p</a:t>
+            </a:r>
+            <a:r>
+              <a:rPr lang="en" altLang="zh-CN" dirty="0">
+                <a:solidFill>
+                  <a:srgbClr val="000000"/>
+                </a:solidFill>
+                <a:latin typeface="Menlo" panose="020B0609030804020204" pitchFamily="49" charset="0"/>
+              </a:rPr>
+              <a:t> = (</a:t>
+            </a:r>
+            <a:r>
+              <a:rPr lang="en" altLang="zh-CN" dirty="0">
+                <a:solidFill>
+                  <a:srgbClr val="0000FF"/>
+                </a:solidFill>
+                <a:latin typeface="Menlo" panose="020B0609030804020204" pitchFamily="49" charset="0"/>
+              </a:rPr>
+              <a:t>int</a:t>
+            </a:r>
+            <a:r>
+              <a:rPr lang="en" altLang="zh-CN" dirty="0">
+                <a:solidFill>
+                  <a:srgbClr val="000000"/>
+                </a:solidFill>
+                <a:latin typeface="Menlo" panose="020B0609030804020204" pitchFamily="49" charset="0"/>
+              </a:rPr>
+              <a:t> *) </a:t>
+            </a:r>
+            <a:r>
+              <a:rPr lang="en" altLang="zh-CN" dirty="0">
+                <a:solidFill>
+                  <a:srgbClr val="795E26"/>
+                </a:solidFill>
+                <a:latin typeface="Menlo" panose="020B0609030804020204" pitchFamily="49" charset="0"/>
+              </a:rPr>
+              <a:t>malloc</a:t>
+            </a:r>
+            <a:r>
+              <a:rPr lang="en" altLang="zh-CN" dirty="0">
+                <a:solidFill>
+                  <a:srgbClr val="000000"/>
+                </a:solidFill>
+                <a:latin typeface="Menlo" panose="020B0609030804020204" pitchFamily="49" charset="0"/>
+              </a:rPr>
+              <a:t>( </a:t>
+            </a:r>
+            <a:r>
+              <a:rPr lang="en" altLang="zh-CN" dirty="0" err="1">
+                <a:solidFill>
+                  <a:srgbClr val="0000FF"/>
+                </a:solidFill>
+                <a:latin typeface="Menlo" panose="020B0609030804020204" pitchFamily="49" charset="0"/>
+              </a:rPr>
+              <a:t>sizeof</a:t>
+            </a:r>
+            <a:r>
+              <a:rPr lang="en" altLang="zh-CN" dirty="0">
+                <a:solidFill>
+                  <a:srgbClr val="000000"/>
+                </a:solidFill>
+                <a:latin typeface="Menlo" panose="020B0609030804020204" pitchFamily="49" charset="0"/>
+              </a:rPr>
+              <a:t>(</a:t>
+            </a:r>
+            <a:r>
+              <a:rPr lang="en" altLang="zh-CN" dirty="0">
+                <a:solidFill>
+                  <a:srgbClr val="0000FF"/>
+                </a:solidFill>
+                <a:latin typeface="Menlo" panose="020B0609030804020204" pitchFamily="49" charset="0"/>
+              </a:rPr>
+              <a:t>int</a:t>
+            </a:r>
+            <a:r>
+              <a:rPr lang="en" altLang="zh-CN" dirty="0">
+                <a:solidFill>
+                  <a:srgbClr val="000000"/>
+                </a:solidFill>
+                <a:latin typeface="Menlo" panose="020B0609030804020204" pitchFamily="49" charset="0"/>
+              </a:rPr>
+              <a:t>));</a:t>
+            </a:r>
+          </a:p>
+          <a:p>
+            <a:r>
+              <a:rPr lang="en" altLang="zh-CN" dirty="0">
+                <a:solidFill>
+                  <a:srgbClr val="AF00DB"/>
+                </a:solidFill>
+                <a:latin typeface="Menlo" panose="020B0609030804020204" pitchFamily="49" charset="0"/>
+              </a:rPr>
+              <a:t>    return</a:t>
+            </a:r>
+            <a:r>
+              <a:rPr lang="en" altLang="zh-CN" dirty="0">
+                <a:solidFill>
+                  <a:srgbClr val="000000"/>
+                </a:solidFill>
+                <a:latin typeface="Menlo" panose="020B0609030804020204" pitchFamily="49" charset="0"/>
+              </a:rPr>
+              <a:t>;</a:t>
+            </a:r>
+          </a:p>
+          <a:p>
+            <a:r>
+              <a:rPr lang="en" altLang="zh-CN" dirty="0">
+                <a:solidFill>
+                  <a:srgbClr val="000000"/>
+                </a:solidFill>
+                <a:latin typeface="Menlo" panose="020B0609030804020204" pitchFamily="49" charset="0"/>
+              </a:rPr>
+              <a:t>} </a:t>
+            </a:r>
+            <a:r>
+              <a:rPr lang="en" altLang="zh-CN" dirty="0">
+                <a:solidFill>
+                  <a:srgbClr val="008000"/>
+                </a:solidFill>
+                <a:latin typeface="Menlo" panose="020B0609030804020204" pitchFamily="49" charset="0"/>
+              </a:rPr>
+              <a:t>//memory leak</a:t>
+            </a:r>
+            <a:endParaRPr lang="en" altLang="zh-CN" dirty="0">
+              <a:solidFill>
+                <a:srgbClr val="000000"/>
+              </a:solidFill>
+              <a:latin typeface="Menlo" panose="020B0609030804020204" pitchFamily="49" charset="0"/>
+            </a:endParaRPr>
+          </a:p>
+        </p:txBody>
+      </p:sp>
+    </p:spTree>
+    <p:extLst>
+      <p:ext uri="{BB962C8B-B14F-4D97-AF65-F5344CB8AC3E}">
+        <p14:creationId xmlns:p14="http://schemas.microsoft.com/office/powerpoint/2010/main" val="1431712044"/>
+      </p:ext>
+    </p:extLst>
+  </p:cSld>
+  <p:clrMapOvr>
+    <a:masterClrMapping/>
+  </p:clrMapOvr>
+  <p:timing>
+    <p:tnLst>
+      <p:par>
+        <p:cTn id="1" dur="indefinite" restart="never" nodeType="tmRoot">
+          <p:childTnLst>
+            <p:seq concurrent="1" nextAc="seek">
+              <p:cTn id="2" dur="indefinite" nodeType="mainSeq">
+                <p:childTnLst>
+                  <p:par>
+                    <p:cTn id="3" fill="hold">
+                      <p:stCondLst>
+                        <p:cond delay="indefinite"/>
+                      </p:stCondLst>
+                      <p:childTnLst>
+                        <p:par>
+                          <p:cTn id="4" fill="hold">
+                            <p:stCondLst>
+                              <p:cond delay="0"/>
+                            </p:stCondLst>
+                            <p:childTnLst>
+                              <p:par>
+                                <p:cTn id="5" presetID="1" presetClass="entr" presetSubtype="0" fill="hold" nodeType="clickEffect">
+                                  <p:stCondLst>
+                                    <p:cond delay="0"/>
+                                  </p:stCondLst>
+                                  <p:childTnLst>
+                                    <p:set>
+                                      <p:cBhvr>
+                                        <p:cTn id="6" dur="1" fill="hold">
+                                          <p:stCondLst>
+                                            <p:cond delay="0"/>
+                                          </p:stCondLst>
+                                        </p:cTn>
+                                        <p:tgtEl>
+                                          <p:spTgt spid="3">
+                                            <p:txEl>
+                                              <p:pRg st="2" end="2"/>
+                                            </p:txEl>
+                                          </p:spTgt>
+                                        </p:tgtEl>
+                                        <p:attrNameLst>
+                                          <p:attrName>style.visibility</p:attrName>
+                                        </p:attrNameLst>
+                                      </p:cBhvr>
+                                      <p:to>
+                                        <p:strVal val="visible"/>
+                                      </p:to>
+                                    </p:set>
+                                  </p:childTnLst>
+                                </p:cTn>
+                              </p:par>
+                            </p:childTnLst>
+                          </p:cTn>
+                        </p:par>
+                      </p:childTnLst>
+                    </p:cTn>
+                  </p:par>
+                  <p:par>
+                    <p:cTn id="7" fill="hold">
+                      <p:stCondLst>
+                        <p:cond delay="indefinite"/>
+                      </p:stCondLst>
+                      <p:childTnLst>
+                        <p:par>
+                          <p:cTn id="8" fill="hold">
+                            <p:stCondLst>
+                              <p:cond delay="0"/>
+                            </p:stCondLst>
+                            <p:childTnLst>
+                              <p:par>
+                                <p:cTn id="9" presetID="1" presetClass="entr" presetSubtype="0" fill="hold" grpId="0" nodeType="clickEffect">
+                                  <p:stCondLst>
+                                    <p:cond delay="0"/>
+                                  </p:stCondLst>
+                                  <p:childTnLst>
+                                    <p:set>
+                                      <p:cBhvr>
+                                        <p:cTn id="10" dur="1" fill="hold">
+                                          <p:stCondLst>
+                                            <p:cond delay="0"/>
+                                          </p:stCondLst>
+                                        </p:cTn>
+                                        <p:tgtEl>
+                                          <p:spTgt spid="4"/>
+                                        </p:tgtEl>
+                                        <p:attrNameLst>
+                                          <p:attrName>style.visibility</p:attrName>
+                                        </p:attrNameLst>
+                                      </p:cBhvr>
+                                      <p:to>
+                                        <p:strVal val="visible"/>
+                                      </p:to>
+                                    </p:set>
+                                  </p:childTnLst>
+                                </p:cTn>
+                              </p:par>
+                            </p:childTnLst>
+                          </p:cTn>
+                        </p:par>
+                      </p:childTnLst>
+                    </p:cTn>
+                  </p:par>
+                  <p:par>
+                    <p:cTn id="11" fill="hold">
+                      <p:stCondLst>
+                        <p:cond delay="indefinite"/>
+                      </p:stCondLst>
+                      <p:childTnLst>
+                        <p:par>
+                          <p:cTn id="12" fill="hold">
+                            <p:stCondLst>
+                              <p:cond delay="0"/>
+                            </p:stCondLst>
+                            <p:childTnLst>
+                              <p:par>
+                                <p:cTn id="13" presetID="1" presetClass="entr" presetSubtype="0" fill="hold" grpId="0" nodeType="clickEffect">
+                                  <p:stCondLst>
+                                    <p:cond delay="0"/>
+                                  </p:stCondLst>
+                                  <p:childTnLst>
+                                    <p:set>
+                                      <p:cBhvr>
+                                        <p:cTn id="14" dur="1" fill="hold">
+                                          <p:stCondLst>
+                                            <p:cond delay="0"/>
+                                          </p:stCondLst>
+                                        </p:cTn>
+                                        <p:tgtEl>
+                                          <p:spTgt spid="7"/>
+                                        </p:tgtEl>
+                                        <p:attrNameLst>
+                                          <p:attrName>style.visibility</p:attrName>
+                                        </p:attrNameLst>
+                                      </p:cBhvr>
+                                      <p:to>
+                                        <p:strVal val="visible"/>
+                                      </p:to>
+                                    </p:set>
+                                  </p:childTnLst>
+                                </p:cTn>
+                              </p:par>
+                            </p:childTnLst>
+                          </p:cTn>
+                        </p:par>
+                      </p:childTnLst>
+                    </p:cTn>
+                  </p:par>
+                  <p:par>
+                    <p:cTn id="15" fill="hold">
+                      <p:stCondLst>
+                        <p:cond delay="indefinite"/>
+                      </p:stCondLst>
+                      <p:childTnLst>
+                        <p:par>
+                          <p:cTn id="16" fill="hold">
+                            <p:stCondLst>
+                              <p:cond delay="0"/>
+                            </p:stCondLst>
+                            <p:childTnLst>
+                              <p:par>
+                                <p:cTn id="17" presetID="1" presetClass="entr" presetSubtype="0" fill="hold" grpId="0" nodeType="clickEffect">
+                                  <p:stCondLst>
+                                    <p:cond delay="0"/>
+                                  </p:stCondLst>
+                                  <p:childTnLst>
+                                    <p:set>
+                                      <p:cBhvr>
+                                        <p:cTn id="18" dur="1" fill="hold">
+                                          <p:stCondLst>
+                                            <p:cond delay="0"/>
+                                          </p:stCondLst>
+                                        </p:cTn>
+                                        <p:tgtEl>
+                                          <p:spTgt spid="5"/>
+                                        </p:tgtEl>
+                                        <p:attrNameLst>
+                                          <p:attrName>style.visibility</p:attrName>
+                                        </p:attrNameLst>
+                                      </p:cBhvr>
+                                      <p:to>
+                                        <p:strVal val="visible"/>
+                                      </p:to>
+                                    </p:set>
+                                  </p:childTnLst>
+                                </p:cTn>
+                              </p:par>
+                            </p:childTnLst>
+                          </p:cTn>
+                        </p:par>
+                      </p:childTnLst>
+                    </p:cTn>
+                  </p:par>
+                  <p:par>
+                    <p:cTn id="19" fill="hold">
+                      <p:stCondLst>
+                        <p:cond delay="indefinite"/>
+                      </p:stCondLst>
+                      <p:childTnLst>
+                        <p:par>
+                          <p:cTn id="20" fill="hold">
+                            <p:stCondLst>
+                              <p:cond delay="0"/>
+                            </p:stCondLst>
+                            <p:childTnLst>
+                              <p:par>
+                                <p:cTn id="21" presetID="1" presetClass="entr" presetSubtype="0" fill="hold" grpId="0" nodeType="clickEffect">
+                                  <p:stCondLst>
+                                    <p:cond delay="0"/>
+                                  </p:stCondLst>
+                                  <p:childTnLst>
+                                    <p:set>
+                                      <p:cBhvr>
+                                        <p:cTn id="22" dur="1" fill="hold">
+                                          <p:stCondLst>
+                                            <p:cond delay="0"/>
+                                          </p:stCondLst>
+                                        </p:cTn>
+                                        <p:tgtEl>
+                                          <p:spTgt spid="6"/>
+                                        </p:tgtEl>
+                                        <p:attrNameLst>
+                                          <p:attrName>style.visibility</p:attrName>
+                                        </p:attrNameLst>
+                                      </p:cBhvr>
+                                      <p:to>
+                                        <p:strVal val="visible"/>
+                                      </p:to>
+                                    </p:set>
+                                  </p:childTnLst>
+                                </p:cTn>
+                              </p:par>
+                            </p:childTnLst>
+                          </p:cTn>
+                        </p:par>
+                      </p:childTnLst>
+                    </p:cTn>
+                  </p:par>
+                </p:childTnLst>
+              </p:cTn>
+              <p:prevCondLst>
+                <p:cond evt="onPrev" delay="0">
+                  <p:tgtEl>
+                    <p:sldTgt/>
+                  </p:tgtEl>
+                </p:cond>
+              </p:prevCondLst>
+              <p:nextCondLst>
+                <p:cond evt="onNext" delay="0">
+                  <p:tgtEl>
+                    <p:sldTgt/>
+                  </p:tgtEl>
+                </p:cond>
+              </p:nextCondLst>
+            </p:seq>
+          </p:childTnLst>
+        </p:cTn>
+      </p:par>
+    </p:tnLst>
+    <p:bldLst>
+      <p:bldP spid="4" grpId="0"/>
+      <p:bldP spid="5" grpId="0"/>
+      <p:bldP spid="6" grpId="0" animBg="1"/>
+      <p:bldP spid="7" grpId="0" animBg="1"/>
+    </p:bldLst>
+  </p:timing>
+</p:sld>
+</file>
+
+<file path=ppt/slides/slide2.xml><?xml version="1.0" encoding="utf-8"?>
+<p:sld xmlns:a="http://schemas.openxmlformats.org/drawingml/2006/main" xmlns:r="http://schemas.openxmlformats.org/officeDocument/2006/relationships" xmlns:p="http://schemas.openxmlformats.org/presentationml/2006/main">
+  <p:cSld>
+    <p:spTree>
+      <p:nvGrpSpPr>
+        <p:cNvPr id="1" name=""/>
+        <p:cNvGrpSpPr/>
+        <p:nvPr/>
+      </p:nvGrpSpPr>
+      <p:grpSpPr>
+        <a:xfrm>
+          <a:off x="0" y="0"/>
+          <a:ext cx="0" cy="0"/>
+          <a:chOff x="0" y="0"/>
+          <a:chExt cx="0" cy="0"/>
+        </a:xfrm>
+      </p:grpSpPr>
+      <p:sp>
+        <p:nvSpPr>
+          <p:cNvPr id="4" name="标题 3">
+            <a:extLst>
+              <a:ext uri="{FF2B5EF4-FFF2-40B4-BE49-F238E27FC236}">
+                <a16:creationId xmlns:a16="http://schemas.microsoft.com/office/drawing/2014/main" id="{49B6EB6C-6B4E-7342-BEEC-829265E086A6}"/>
+              </a:ext>
+            </a:extLst>
+          </p:cNvPr>
+          <p:cNvSpPr>
+            <a:spLocks noGrp="1"/>
+          </p:cNvSpPr>
+          <p:nvPr>
+            <p:ph type="ctrTitle"/>
+          </p:nvPr>
+        </p:nvSpPr>
+        <p:spPr/>
+        <p:txBody>
+          <a:bodyPr/>
+          <a:lstStyle/>
+          <a:p>
+            <a:r>
+              <a:rPr lang="en-US" altLang="zh-CN" dirty="0"/>
+              <a:t>Pointers</a:t>
+            </a:r>
+            <a:endParaRPr lang="zh-CN" altLang="en-US" dirty="0"/>
+          </a:p>
+        </p:txBody>
+      </p:sp>
+      <p:sp>
+        <p:nvSpPr>
+          <p:cNvPr id="5" name="副标题 4">
+            <a:extLst>
+              <a:ext uri="{FF2B5EF4-FFF2-40B4-BE49-F238E27FC236}">
+                <a16:creationId xmlns:a16="http://schemas.microsoft.com/office/drawing/2014/main" id="{8F88B114-7E73-9D47-AF07-39A3C7945F34}"/>
+              </a:ext>
+            </a:extLst>
+          </p:cNvPr>
+          <p:cNvSpPr>
+            <a:spLocks noGrp="1"/>
+          </p:cNvSpPr>
+          <p:nvPr>
+            <p:ph type="subTitle" idx="1"/>
+          </p:nvPr>
+        </p:nvSpPr>
+        <p:spPr/>
+        <p:txBody>
+          <a:bodyPr/>
+          <a:lstStyle/>
+          <a:p>
+            <a:endParaRPr lang="zh-CN" altLang="en-US"/>
+          </a:p>
+        </p:txBody>
+      </p:sp>
+    </p:spTree>
+    <p:extLst>
+      <p:ext uri="{BB962C8B-B14F-4D97-AF65-F5344CB8AC3E}">
+        <p14:creationId xmlns:p14="http://schemas.microsoft.com/office/powerpoint/2010/main" val="1970262190"/>
+      </p:ext>
+    </p:extLst>
+  </p:cSld>
+  <p:clrMapOvr>
+    <a:masterClrMapping/>
+  </p:clrMapOvr>
+</p:sld>
+</file>
+
+<file path=ppt/slides/slide20.xml><?xml version="1.0" encoding="utf-8"?>
 <p:sld xmlns:a="http://schemas.openxmlformats.org/drawingml/2006/main" xmlns:r="http://schemas.openxmlformats.org/officeDocument/2006/relationships" xmlns:p="http://schemas.openxmlformats.org/presentationml/2006/main">
   <p:cSld>
     <p:spTree>
@@ -21803,7 +25710,7 @@
 </p:sld>
 </file>
 
-<file path=ppt/slides/slide18.xml><?xml version="1.0" encoding="utf-8"?>
+<file path=ppt/slides/slide21.xml><?xml version="1.0" encoding="utf-8"?>
 <p:sld xmlns:a="http://schemas.openxmlformats.org/drawingml/2006/main" xmlns:r="http://schemas.openxmlformats.org/officeDocument/2006/relationships" xmlns:p="http://schemas.openxmlformats.org/presentationml/2006/main">
   <p:cSld>
     <p:spTree>
@@ -21841,7 +25748,38 @@
           <a:bodyPr/>
           <a:lstStyle/>
           <a:p>
-            <a:endParaRPr kumimoji="1" lang="zh-CN" altLang="en-US"/>
+            <a:r>
+              <a:rPr kumimoji="1" lang="en-US" altLang="zh-CN" dirty="0"/>
+              <a:t>Operator </a:t>
+            </a:r>
+            <a:r>
+              <a:rPr kumimoji="1" lang="en-US" altLang="zh-CN" dirty="0">
+                <a:solidFill>
+                  <a:srgbClr val="0000CC"/>
+                </a:solidFill>
+                <a:latin typeface="Courier" pitchFamily="2" charset="0"/>
+              </a:rPr>
+              <a:t>new</a:t>
+            </a:r>
+            <a:r>
+              <a:rPr kumimoji="1" lang="en-US" altLang="zh-CN" dirty="0"/>
+              <a:t> and </a:t>
+            </a:r>
+            <a:r>
+              <a:rPr kumimoji="1" lang="en-US" altLang="zh-CN" dirty="0">
+                <a:solidFill>
+                  <a:srgbClr val="0000CC"/>
+                </a:solidFill>
+                <a:latin typeface="Courier" pitchFamily="2" charset="0"/>
+              </a:rPr>
+              <a:t>new[]</a:t>
+            </a:r>
+            <a:endParaRPr kumimoji="1" lang="zh-CN" altLang="en-US" dirty="0">
+              <a:solidFill>
+                <a:srgbClr val="0000CC"/>
+              </a:solidFill>
+              <a:latin typeface="Courier" pitchFamily="2" charset="0"/>
+            </a:endParaRPr>
           </a:p>
         </p:txBody>
       </p:sp>
@@ -21861,12 +25799,855 @@
             <p:ph idx="1"/>
           </p:nvPr>
         </p:nvSpPr>
-        <p:spPr/>
+        <p:spPr>
+          <a:xfrm>
+            <a:off x="838200" y="1031269"/>
+            <a:ext cx="10515600" cy="591452"/>
+          </a:xfrm>
+        </p:spPr>
         <p:txBody>
           <a:bodyPr/>
           <a:lstStyle/>
           <a:p>
-            <a:endParaRPr kumimoji="1" lang="zh-CN" altLang="en-US"/>
+            <a:r>
+              <a:rPr kumimoji="1" lang="en-US" altLang="zh-CN" dirty="0"/>
+              <a:t>Operator </a:t>
+            </a:r>
+            <a:r>
+              <a:rPr kumimoji="1" lang="en-US" altLang="zh-CN" dirty="0">
+                <a:solidFill>
+                  <a:srgbClr val="0000CC"/>
+                </a:solidFill>
+                <a:latin typeface="Courier" pitchFamily="2" charset="0"/>
+              </a:rPr>
+              <a:t>new</a:t>
+            </a:r>
+            <a:r>
+              <a:rPr kumimoji="1" lang="en-US" altLang="zh-CN" dirty="0"/>
+              <a:t> is similar with </a:t>
+            </a:r>
+            <a:r>
+              <a:rPr kumimoji="1" lang="en-US" altLang="zh-CN" dirty="0">
+                <a:solidFill>
+                  <a:srgbClr val="0000CC"/>
+                </a:solidFill>
+                <a:latin typeface="Courier" pitchFamily="2" charset="0"/>
+              </a:rPr>
+              <a:t>malloc()</a:t>
+            </a:r>
+            <a:r>
+              <a:rPr kumimoji="1" lang="en-US" altLang="zh-CN" dirty="0"/>
+              <a:t> but with more features.</a:t>
+            </a:r>
+            <a:endParaRPr kumimoji="1" lang="zh-CN" altLang="en-US" dirty="0"/>
+          </a:p>
+        </p:txBody>
+      </p:sp>
+      <p:sp>
+        <p:nvSpPr>
+          <p:cNvPr id="6" name="矩形 5">
+            <a:extLst>
+              <a:ext uri="{FF2B5EF4-FFF2-40B4-BE49-F238E27FC236}">
+                <a16:creationId xmlns:a16="http://schemas.microsoft.com/office/drawing/2014/main" id="{A32ADB36-1D63-B749-AF90-6B0E04741324}"/>
+              </a:ext>
+            </a:extLst>
+          </p:cNvPr>
+          <p:cNvSpPr/>
+          <p:nvPr/>
+        </p:nvSpPr>
+        <p:spPr>
+          <a:xfrm>
+            <a:off x="695162" y="1622721"/>
+            <a:ext cx="10515599" cy="4678204"/>
+          </a:xfrm>
+          <a:prstGeom prst="rect">
+            <a:avLst/>
+          </a:prstGeom>
+        </p:spPr>
+        <p:txBody>
+          <a:bodyPr wrap="square">
+            <a:spAutoFit/>
+          </a:bodyPr>
+          <a:lstStyle/>
+          <a:p>
+            <a:r>
+              <a:rPr lang="en" altLang="zh-CN" sz="2000" dirty="0">
+                <a:solidFill>
+                  <a:srgbClr val="008000"/>
+                </a:solidFill>
+                <a:latin typeface="Menlo" panose="020B0609030804020204" pitchFamily="49" charset="0"/>
+              </a:rPr>
+              <a:t>//allocate an int, default initializer (do nothing)</a:t>
+            </a:r>
+            <a:endParaRPr lang="en" altLang="zh-CN" sz="2000" dirty="0">
+              <a:solidFill>
+                <a:srgbClr val="000000"/>
+              </a:solidFill>
+              <a:latin typeface="Menlo" panose="020B0609030804020204" pitchFamily="49" charset="0"/>
+            </a:endParaRPr>
+          </a:p>
+          <a:p>
+            <a:r>
+              <a:rPr lang="en" altLang="zh-CN" sz="2000" dirty="0">
+                <a:solidFill>
+                  <a:srgbClr val="0000FF"/>
+                </a:solidFill>
+                <a:latin typeface="Menlo" panose="020B0609030804020204" pitchFamily="49" charset="0"/>
+              </a:rPr>
+              <a:t>int</a:t>
+            </a:r>
+            <a:r>
+              <a:rPr lang="en" altLang="zh-CN" sz="2000" dirty="0">
+                <a:solidFill>
+                  <a:srgbClr val="000000"/>
+                </a:solidFill>
+                <a:latin typeface="Menlo" panose="020B0609030804020204" pitchFamily="49" charset="0"/>
+              </a:rPr>
+              <a:t> * </a:t>
+            </a:r>
+            <a:r>
+              <a:rPr lang="en" altLang="zh-CN" sz="2000" dirty="0">
+                <a:solidFill>
+                  <a:srgbClr val="001080"/>
+                </a:solidFill>
+                <a:latin typeface="Menlo" panose="020B0609030804020204" pitchFamily="49" charset="0"/>
+              </a:rPr>
+              <a:t>p1</a:t>
+            </a:r>
+            <a:r>
+              <a:rPr lang="en" altLang="zh-CN" sz="2000" dirty="0">
+                <a:solidFill>
+                  <a:srgbClr val="000000"/>
+                </a:solidFill>
+                <a:latin typeface="Menlo" panose="020B0609030804020204" pitchFamily="49" charset="0"/>
+              </a:rPr>
+              <a:t> = </a:t>
+            </a:r>
+            <a:r>
+              <a:rPr lang="en" altLang="zh-CN" sz="2000" dirty="0">
+                <a:solidFill>
+                  <a:srgbClr val="AF00DB"/>
+                </a:solidFill>
+                <a:latin typeface="Menlo" panose="020B0609030804020204" pitchFamily="49" charset="0"/>
+              </a:rPr>
+              <a:t>new</a:t>
+            </a:r>
+            <a:r>
+              <a:rPr lang="en" altLang="zh-CN" sz="2000" dirty="0">
+                <a:solidFill>
+                  <a:srgbClr val="000000"/>
+                </a:solidFill>
+                <a:latin typeface="Menlo" panose="020B0609030804020204" pitchFamily="49" charset="0"/>
+              </a:rPr>
+              <a:t> </a:t>
+            </a:r>
+            <a:r>
+              <a:rPr lang="en" altLang="zh-CN" sz="2000" dirty="0">
+                <a:solidFill>
+                  <a:srgbClr val="0000FF"/>
+                </a:solidFill>
+                <a:latin typeface="Menlo" panose="020B0609030804020204" pitchFamily="49" charset="0"/>
+              </a:rPr>
+              <a:t>int</a:t>
+            </a:r>
+            <a:r>
+              <a:rPr lang="en" altLang="zh-CN" sz="2000" dirty="0">
+                <a:solidFill>
+                  <a:srgbClr val="000000"/>
+                </a:solidFill>
+                <a:latin typeface="Menlo" panose="020B0609030804020204" pitchFamily="49" charset="0"/>
+              </a:rPr>
+              <a:t>; </a:t>
+            </a:r>
+          </a:p>
+          <a:p>
+            <a:r>
+              <a:rPr lang="en" altLang="zh-CN" sz="2000" dirty="0">
+                <a:solidFill>
+                  <a:srgbClr val="008000"/>
+                </a:solidFill>
+                <a:latin typeface="Menlo" panose="020B0609030804020204" pitchFamily="49" charset="0"/>
+              </a:rPr>
+              <a:t>//allocate an int, initialized to 0</a:t>
+            </a:r>
+            <a:endParaRPr lang="en" altLang="zh-CN" sz="2000" dirty="0">
+              <a:solidFill>
+                <a:srgbClr val="000000"/>
+              </a:solidFill>
+              <a:latin typeface="Menlo" panose="020B0609030804020204" pitchFamily="49" charset="0"/>
+            </a:endParaRPr>
+          </a:p>
+          <a:p>
+            <a:r>
+              <a:rPr lang="en" altLang="zh-CN" sz="2000" dirty="0">
+                <a:solidFill>
+                  <a:srgbClr val="0000FF"/>
+                </a:solidFill>
+                <a:latin typeface="Menlo" panose="020B0609030804020204" pitchFamily="49" charset="0"/>
+              </a:rPr>
+              <a:t>int</a:t>
+            </a:r>
+            <a:r>
+              <a:rPr lang="en" altLang="zh-CN" sz="2000" dirty="0">
+                <a:solidFill>
+                  <a:srgbClr val="000000"/>
+                </a:solidFill>
+                <a:latin typeface="Menlo" panose="020B0609030804020204" pitchFamily="49" charset="0"/>
+              </a:rPr>
+              <a:t> * </a:t>
+            </a:r>
+            <a:r>
+              <a:rPr lang="en" altLang="zh-CN" sz="2000" dirty="0">
+                <a:solidFill>
+                  <a:srgbClr val="001080"/>
+                </a:solidFill>
+                <a:latin typeface="Menlo" panose="020B0609030804020204" pitchFamily="49" charset="0"/>
+              </a:rPr>
+              <a:t>p2</a:t>
+            </a:r>
+            <a:r>
+              <a:rPr lang="en" altLang="zh-CN" sz="2000" dirty="0">
+                <a:solidFill>
+                  <a:srgbClr val="000000"/>
+                </a:solidFill>
+                <a:latin typeface="Menlo" panose="020B0609030804020204" pitchFamily="49" charset="0"/>
+              </a:rPr>
+              <a:t> = </a:t>
+            </a:r>
+            <a:r>
+              <a:rPr lang="en" altLang="zh-CN" sz="2000" dirty="0">
+                <a:solidFill>
+                  <a:srgbClr val="AF00DB"/>
+                </a:solidFill>
+                <a:latin typeface="Menlo" panose="020B0609030804020204" pitchFamily="49" charset="0"/>
+              </a:rPr>
+              <a:t>new</a:t>
+            </a:r>
+            <a:r>
+              <a:rPr lang="en" altLang="zh-CN" sz="2000" dirty="0">
+                <a:solidFill>
+                  <a:srgbClr val="000000"/>
+                </a:solidFill>
+                <a:latin typeface="Menlo" panose="020B0609030804020204" pitchFamily="49" charset="0"/>
+              </a:rPr>
+              <a:t> </a:t>
+            </a:r>
+            <a:r>
+              <a:rPr lang="en" altLang="zh-CN" sz="2000" dirty="0">
+                <a:solidFill>
+                  <a:srgbClr val="0000FF"/>
+                </a:solidFill>
+                <a:latin typeface="Menlo" panose="020B0609030804020204" pitchFamily="49" charset="0"/>
+              </a:rPr>
+              <a:t>int</a:t>
+            </a:r>
+            <a:r>
+              <a:rPr lang="en" altLang="zh-CN" sz="2000" dirty="0">
+                <a:solidFill>
+                  <a:srgbClr val="000000"/>
+                </a:solidFill>
+                <a:latin typeface="Menlo" panose="020B0609030804020204" pitchFamily="49" charset="0"/>
+              </a:rPr>
+              <a:t>();</a:t>
+            </a:r>
+          </a:p>
+          <a:p>
+            <a:r>
+              <a:rPr lang="en" altLang="zh-CN" sz="2000" dirty="0">
+                <a:solidFill>
+                  <a:srgbClr val="008000"/>
+                </a:solidFill>
+                <a:latin typeface="Menlo" panose="020B0609030804020204" pitchFamily="49" charset="0"/>
+              </a:rPr>
+              <a:t>//allocate an int, initialized to 5</a:t>
+            </a:r>
+            <a:endParaRPr lang="en" altLang="zh-CN" sz="2000" dirty="0">
+              <a:solidFill>
+                <a:srgbClr val="000000"/>
+              </a:solidFill>
+              <a:latin typeface="Menlo" panose="020B0609030804020204" pitchFamily="49" charset="0"/>
+            </a:endParaRPr>
+          </a:p>
+          <a:p>
+            <a:r>
+              <a:rPr lang="en" altLang="zh-CN" sz="2000" dirty="0">
+                <a:solidFill>
+                  <a:srgbClr val="0000FF"/>
+                </a:solidFill>
+                <a:latin typeface="Menlo" panose="020B0609030804020204" pitchFamily="49" charset="0"/>
+              </a:rPr>
+              <a:t>int</a:t>
+            </a:r>
+            <a:r>
+              <a:rPr lang="en" altLang="zh-CN" sz="2000" dirty="0">
+                <a:solidFill>
+                  <a:srgbClr val="000000"/>
+                </a:solidFill>
+                <a:latin typeface="Menlo" panose="020B0609030804020204" pitchFamily="49" charset="0"/>
+              </a:rPr>
+              <a:t> * </a:t>
+            </a:r>
+            <a:r>
+              <a:rPr lang="en" altLang="zh-CN" sz="2000" dirty="0">
+                <a:solidFill>
+                  <a:srgbClr val="001080"/>
+                </a:solidFill>
+                <a:latin typeface="Menlo" panose="020B0609030804020204" pitchFamily="49" charset="0"/>
+              </a:rPr>
+              <a:t>p3</a:t>
+            </a:r>
+            <a:r>
+              <a:rPr lang="en" altLang="zh-CN" sz="2000" dirty="0">
+                <a:solidFill>
+                  <a:srgbClr val="000000"/>
+                </a:solidFill>
+                <a:latin typeface="Menlo" panose="020B0609030804020204" pitchFamily="49" charset="0"/>
+              </a:rPr>
+              <a:t> = </a:t>
+            </a:r>
+            <a:r>
+              <a:rPr lang="en" altLang="zh-CN" sz="2000" dirty="0">
+                <a:solidFill>
+                  <a:srgbClr val="AF00DB"/>
+                </a:solidFill>
+                <a:latin typeface="Menlo" panose="020B0609030804020204" pitchFamily="49" charset="0"/>
+              </a:rPr>
+              <a:t>new</a:t>
+            </a:r>
+            <a:r>
+              <a:rPr lang="en" altLang="zh-CN" sz="2000" dirty="0">
+                <a:solidFill>
+                  <a:srgbClr val="000000"/>
+                </a:solidFill>
+                <a:latin typeface="Menlo" panose="020B0609030804020204" pitchFamily="49" charset="0"/>
+              </a:rPr>
+              <a:t> </a:t>
+            </a:r>
+            <a:r>
+              <a:rPr lang="en" altLang="zh-CN" sz="2000" dirty="0">
+                <a:solidFill>
+                  <a:srgbClr val="0000FF"/>
+                </a:solidFill>
+                <a:latin typeface="Menlo" panose="020B0609030804020204" pitchFamily="49" charset="0"/>
+              </a:rPr>
+              <a:t>int</a:t>
+            </a:r>
+            <a:r>
+              <a:rPr lang="en" altLang="zh-CN" sz="2000" dirty="0">
+                <a:solidFill>
+                  <a:srgbClr val="000000"/>
+                </a:solidFill>
+                <a:latin typeface="Menlo" panose="020B0609030804020204" pitchFamily="49" charset="0"/>
+              </a:rPr>
+              <a:t>(</a:t>
+            </a:r>
+            <a:r>
+              <a:rPr lang="en" altLang="zh-CN" sz="2000" dirty="0">
+                <a:solidFill>
+                  <a:srgbClr val="098658"/>
+                </a:solidFill>
+                <a:latin typeface="Menlo" panose="020B0609030804020204" pitchFamily="49" charset="0"/>
+              </a:rPr>
+              <a:t>5</a:t>
+            </a:r>
+            <a:r>
+              <a:rPr lang="en" altLang="zh-CN" sz="2000" dirty="0">
+                <a:solidFill>
+                  <a:srgbClr val="000000"/>
+                </a:solidFill>
+                <a:latin typeface="Menlo" panose="020B0609030804020204" pitchFamily="49" charset="0"/>
+              </a:rPr>
+              <a:t>); </a:t>
+            </a:r>
+          </a:p>
+          <a:p>
+            <a:r>
+              <a:rPr lang="en" altLang="zh-CN" sz="2000" dirty="0">
+                <a:solidFill>
+                  <a:srgbClr val="008000"/>
+                </a:solidFill>
+                <a:latin typeface="Menlo" panose="020B0609030804020204" pitchFamily="49" charset="0"/>
+              </a:rPr>
+              <a:t>//allocate an int, initialized to 0</a:t>
+            </a:r>
+            <a:endParaRPr lang="en" altLang="zh-CN" sz="2000" dirty="0">
+              <a:solidFill>
+                <a:srgbClr val="000000"/>
+              </a:solidFill>
+              <a:latin typeface="Menlo" panose="020B0609030804020204" pitchFamily="49" charset="0"/>
+            </a:endParaRPr>
+          </a:p>
+          <a:p>
+            <a:r>
+              <a:rPr lang="en" altLang="zh-CN" sz="2000" dirty="0">
+                <a:solidFill>
+                  <a:srgbClr val="0000FF"/>
+                </a:solidFill>
+                <a:latin typeface="Menlo" panose="020B0609030804020204" pitchFamily="49" charset="0"/>
+              </a:rPr>
+              <a:t>int</a:t>
+            </a:r>
+            <a:r>
+              <a:rPr lang="en" altLang="zh-CN" sz="2000" dirty="0">
+                <a:solidFill>
+                  <a:srgbClr val="000000"/>
+                </a:solidFill>
+                <a:latin typeface="Menlo" panose="020B0609030804020204" pitchFamily="49" charset="0"/>
+              </a:rPr>
+              <a:t> * </a:t>
+            </a:r>
+            <a:r>
+              <a:rPr lang="en" altLang="zh-CN" sz="2000" dirty="0">
+                <a:solidFill>
+                  <a:srgbClr val="001080"/>
+                </a:solidFill>
+                <a:latin typeface="Menlo" panose="020B0609030804020204" pitchFamily="49" charset="0"/>
+              </a:rPr>
+              <a:t>p4</a:t>
+            </a:r>
+            <a:r>
+              <a:rPr lang="en" altLang="zh-CN" sz="2000" dirty="0">
+                <a:solidFill>
+                  <a:srgbClr val="000000"/>
+                </a:solidFill>
+                <a:latin typeface="Menlo" panose="020B0609030804020204" pitchFamily="49" charset="0"/>
+              </a:rPr>
+              <a:t> = </a:t>
+            </a:r>
+            <a:r>
+              <a:rPr lang="en" altLang="zh-CN" sz="2000" dirty="0">
+                <a:solidFill>
+                  <a:srgbClr val="AF00DB"/>
+                </a:solidFill>
+                <a:latin typeface="Menlo" panose="020B0609030804020204" pitchFamily="49" charset="0"/>
+              </a:rPr>
+              <a:t>new</a:t>
+            </a:r>
+            <a:r>
+              <a:rPr lang="en" altLang="zh-CN" sz="2000" dirty="0">
+                <a:solidFill>
+                  <a:srgbClr val="000000"/>
+                </a:solidFill>
+                <a:latin typeface="Menlo" panose="020B0609030804020204" pitchFamily="49" charset="0"/>
+              </a:rPr>
+              <a:t> </a:t>
+            </a:r>
+            <a:r>
+              <a:rPr lang="en" altLang="zh-CN" sz="2000" dirty="0">
+                <a:solidFill>
+                  <a:srgbClr val="0000FF"/>
+                </a:solidFill>
+                <a:latin typeface="Menlo" panose="020B0609030804020204" pitchFamily="49" charset="0"/>
+              </a:rPr>
+              <a:t>int</a:t>
+            </a:r>
+            <a:r>
+              <a:rPr lang="en" altLang="zh-CN" sz="2000" dirty="0">
+                <a:solidFill>
+                  <a:srgbClr val="000000"/>
+                </a:solidFill>
+                <a:latin typeface="Menlo" panose="020B0609030804020204" pitchFamily="49" charset="0"/>
+              </a:rPr>
+              <a:t>{};</a:t>
+            </a:r>
+            <a:r>
+              <a:rPr lang="en" altLang="zh-CN" sz="2000" dirty="0">
+                <a:solidFill>
+                  <a:srgbClr val="008000"/>
+                </a:solidFill>
+                <a:latin typeface="Menlo" panose="020B0609030804020204" pitchFamily="49" charset="0"/>
+              </a:rPr>
+              <a:t>//C++11 </a:t>
+            </a:r>
+            <a:endParaRPr lang="en" altLang="zh-CN" sz="2000" dirty="0">
+              <a:solidFill>
+                <a:srgbClr val="000000"/>
+              </a:solidFill>
+              <a:latin typeface="Menlo" panose="020B0609030804020204" pitchFamily="49" charset="0"/>
+            </a:endParaRPr>
+          </a:p>
+          <a:p>
+            <a:r>
+              <a:rPr lang="en" altLang="zh-CN" sz="2000" dirty="0">
+                <a:solidFill>
+                  <a:srgbClr val="008000"/>
+                </a:solidFill>
+                <a:latin typeface="Menlo" panose="020B0609030804020204" pitchFamily="49" charset="0"/>
+              </a:rPr>
+              <a:t>//allocate an int, initialized to 5</a:t>
+            </a:r>
+            <a:endParaRPr lang="en" altLang="zh-CN" sz="2000" dirty="0">
+              <a:solidFill>
+                <a:srgbClr val="000000"/>
+              </a:solidFill>
+              <a:latin typeface="Menlo" panose="020B0609030804020204" pitchFamily="49" charset="0"/>
+            </a:endParaRPr>
+          </a:p>
+          <a:p>
+            <a:r>
+              <a:rPr lang="en" altLang="zh-CN" sz="2000" dirty="0">
+                <a:solidFill>
+                  <a:srgbClr val="0000FF"/>
+                </a:solidFill>
+                <a:latin typeface="Menlo" panose="020B0609030804020204" pitchFamily="49" charset="0"/>
+              </a:rPr>
+              <a:t>int</a:t>
+            </a:r>
+            <a:r>
+              <a:rPr lang="en" altLang="zh-CN" sz="2000" dirty="0">
+                <a:solidFill>
+                  <a:srgbClr val="000000"/>
+                </a:solidFill>
+                <a:latin typeface="Menlo" panose="020B0609030804020204" pitchFamily="49" charset="0"/>
+              </a:rPr>
+              <a:t> * </a:t>
+            </a:r>
+            <a:r>
+              <a:rPr lang="en" altLang="zh-CN" sz="2000" dirty="0">
+                <a:solidFill>
+                  <a:srgbClr val="001080"/>
+                </a:solidFill>
+                <a:latin typeface="Menlo" panose="020B0609030804020204" pitchFamily="49" charset="0"/>
+              </a:rPr>
+              <a:t>p5</a:t>
+            </a:r>
+            <a:r>
+              <a:rPr lang="en" altLang="zh-CN" sz="2000" dirty="0">
+                <a:solidFill>
+                  <a:srgbClr val="000000"/>
+                </a:solidFill>
+                <a:latin typeface="Menlo" panose="020B0609030804020204" pitchFamily="49" charset="0"/>
+              </a:rPr>
+              <a:t> = </a:t>
+            </a:r>
+            <a:r>
+              <a:rPr lang="en" altLang="zh-CN" sz="2000" dirty="0">
+                <a:solidFill>
+                  <a:srgbClr val="AF00DB"/>
+                </a:solidFill>
+                <a:latin typeface="Menlo" panose="020B0609030804020204" pitchFamily="49" charset="0"/>
+              </a:rPr>
+              <a:t>new</a:t>
+            </a:r>
+            <a:r>
+              <a:rPr lang="en" altLang="zh-CN" sz="2000" dirty="0">
+                <a:solidFill>
+                  <a:srgbClr val="000000"/>
+                </a:solidFill>
+                <a:latin typeface="Menlo" panose="020B0609030804020204" pitchFamily="49" charset="0"/>
+              </a:rPr>
+              <a:t> </a:t>
+            </a:r>
+            <a:r>
+              <a:rPr lang="en" altLang="zh-CN" sz="2000" dirty="0">
+                <a:solidFill>
+                  <a:srgbClr val="0000FF"/>
+                </a:solidFill>
+                <a:latin typeface="Menlo" panose="020B0609030804020204" pitchFamily="49" charset="0"/>
+              </a:rPr>
+              <a:t>int</a:t>
+            </a:r>
+            <a:r>
+              <a:rPr lang="en" altLang="zh-CN" sz="2000" dirty="0">
+                <a:solidFill>
+                  <a:srgbClr val="000000"/>
+                </a:solidFill>
+                <a:latin typeface="Menlo" panose="020B0609030804020204" pitchFamily="49" charset="0"/>
+              </a:rPr>
+              <a:t> {</a:t>
+            </a:r>
+            <a:r>
+              <a:rPr lang="en" altLang="zh-CN" sz="2000" dirty="0">
+                <a:solidFill>
+                  <a:srgbClr val="098658"/>
+                </a:solidFill>
+                <a:latin typeface="Menlo" panose="020B0609030804020204" pitchFamily="49" charset="0"/>
+              </a:rPr>
+              <a:t>5</a:t>
+            </a:r>
+            <a:r>
+              <a:rPr lang="en" altLang="zh-CN" sz="2000" dirty="0">
+                <a:solidFill>
+                  <a:srgbClr val="000000"/>
+                </a:solidFill>
+                <a:latin typeface="Menlo" panose="020B0609030804020204" pitchFamily="49" charset="0"/>
+              </a:rPr>
+              <a:t>};</a:t>
+            </a:r>
+            <a:r>
+              <a:rPr lang="en" altLang="zh-CN" sz="2000" dirty="0">
+                <a:solidFill>
+                  <a:srgbClr val="008000"/>
+                </a:solidFill>
+                <a:latin typeface="Menlo" panose="020B0609030804020204" pitchFamily="49" charset="0"/>
+              </a:rPr>
+              <a:t>//C++11</a:t>
+            </a:r>
+            <a:endParaRPr lang="en" altLang="zh-CN" sz="2000" dirty="0">
+              <a:solidFill>
+                <a:srgbClr val="000000"/>
+              </a:solidFill>
+              <a:latin typeface="Menlo" panose="020B0609030804020204" pitchFamily="49" charset="0"/>
+            </a:endParaRPr>
+          </a:p>
+          <a:p>
+            <a:br>
+              <a:rPr lang="en" altLang="zh-CN" sz="2000" dirty="0">
+                <a:solidFill>
+                  <a:srgbClr val="000000"/>
+                </a:solidFill>
+                <a:latin typeface="Menlo" panose="020B0609030804020204" pitchFamily="49" charset="0"/>
+              </a:rPr>
+            </a:br>
+            <a:r>
+              <a:rPr lang="en" altLang="zh-CN" sz="2000" dirty="0">
+                <a:solidFill>
+                  <a:srgbClr val="008000"/>
+                </a:solidFill>
+                <a:latin typeface="Menlo" panose="020B0609030804020204" pitchFamily="49" charset="0"/>
+              </a:rPr>
+              <a:t>//allocate a Student object, default initializer</a:t>
+            </a:r>
+            <a:endParaRPr lang="en" altLang="zh-CN" sz="2000" dirty="0">
+              <a:solidFill>
+                <a:srgbClr val="000000"/>
+              </a:solidFill>
+              <a:latin typeface="Menlo" panose="020B0609030804020204" pitchFamily="49" charset="0"/>
+            </a:endParaRPr>
+          </a:p>
+          <a:p>
+            <a:r>
+              <a:rPr lang="en" altLang="zh-CN" sz="2000" dirty="0">
+                <a:solidFill>
+                  <a:srgbClr val="267F99"/>
+                </a:solidFill>
+                <a:latin typeface="Menlo" panose="020B0609030804020204" pitchFamily="49" charset="0"/>
+              </a:rPr>
+              <a:t>Student</a:t>
+            </a:r>
+            <a:r>
+              <a:rPr lang="en" altLang="zh-CN" sz="2000" dirty="0">
+                <a:solidFill>
+                  <a:srgbClr val="000000"/>
+                </a:solidFill>
+                <a:latin typeface="Menlo" panose="020B0609030804020204" pitchFamily="49" charset="0"/>
+              </a:rPr>
+              <a:t> * </a:t>
+            </a:r>
+            <a:r>
+              <a:rPr lang="en" altLang="zh-CN" sz="2000" dirty="0">
+                <a:solidFill>
+                  <a:srgbClr val="001080"/>
+                </a:solidFill>
+                <a:latin typeface="Menlo" panose="020B0609030804020204" pitchFamily="49" charset="0"/>
+              </a:rPr>
+              <a:t>ps1</a:t>
+            </a:r>
+            <a:r>
+              <a:rPr lang="en" altLang="zh-CN" sz="2000" dirty="0">
+                <a:solidFill>
+                  <a:srgbClr val="000000"/>
+                </a:solidFill>
+                <a:latin typeface="Menlo" panose="020B0609030804020204" pitchFamily="49" charset="0"/>
+              </a:rPr>
+              <a:t> = </a:t>
+            </a:r>
+            <a:r>
+              <a:rPr lang="en" altLang="zh-CN" sz="2000" dirty="0">
+                <a:solidFill>
+                  <a:srgbClr val="AF00DB"/>
+                </a:solidFill>
+                <a:latin typeface="Menlo" panose="020B0609030804020204" pitchFamily="49" charset="0"/>
+              </a:rPr>
+              <a:t>new</a:t>
+            </a:r>
+            <a:r>
+              <a:rPr lang="en" altLang="zh-CN" sz="2000" dirty="0">
+                <a:solidFill>
+                  <a:srgbClr val="000000"/>
+                </a:solidFill>
+                <a:latin typeface="Menlo" panose="020B0609030804020204" pitchFamily="49" charset="0"/>
+              </a:rPr>
+              <a:t> </a:t>
+            </a:r>
+            <a:r>
+              <a:rPr lang="en" altLang="zh-CN" sz="2000" dirty="0">
+                <a:solidFill>
+                  <a:srgbClr val="267F99"/>
+                </a:solidFill>
+                <a:latin typeface="Menlo" panose="020B0609030804020204" pitchFamily="49" charset="0"/>
+              </a:rPr>
+              <a:t>Student</a:t>
+            </a:r>
+            <a:r>
+              <a:rPr lang="en" altLang="zh-CN" sz="2000" dirty="0">
+                <a:solidFill>
+                  <a:srgbClr val="000000"/>
+                </a:solidFill>
+                <a:latin typeface="Menlo" panose="020B0609030804020204" pitchFamily="49" charset="0"/>
+              </a:rPr>
+              <a:t>;</a:t>
+            </a:r>
+          </a:p>
+          <a:p>
+            <a:r>
+              <a:rPr lang="en" altLang="zh-CN" sz="2000" dirty="0">
+                <a:solidFill>
+                  <a:srgbClr val="008000"/>
+                </a:solidFill>
+                <a:latin typeface="Menlo" panose="020B0609030804020204" pitchFamily="49" charset="0"/>
+              </a:rPr>
+              <a:t>//allocate a Student object, initialize the members</a:t>
+            </a:r>
+            <a:endParaRPr lang="en" altLang="zh-CN" sz="2000" dirty="0">
+              <a:solidFill>
+                <a:srgbClr val="000000"/>
+              </a:solidFill>
+              <a:latin typeface="Menlo" panose="020B0609030804020204" pitchFamily="49" charset="0"/>
+            </a:endParaRPr>
+          </a:p>
+          <a:p>
+            <a:r>
+              <a:rPr lang="en" altLang="zh-CN" sz="2000" dirty="0">
+                <a:solidFill>
+                  <a:srgbClr val="267F99"/>
+                </a:solidFill>
+                <a:latin typeface="Menlo" panose="020B0609030804020204" pitchFamily="49" charset="0"/>
+              </a:rPr>
+              <a:t>Student</a:t>
+            </a:r>
+            <a:r>
+              <a:rPr lang="en" altLang="zh-CN" sz="2000" dirty="0">
+                <a:solidFill>
+                  <a:srgbClr val="000000"/>
+                </a:solidFill>
+                <a:latin typeface="Menlo" panose="020B0609030804020204" pitchFamily="49" charset="0"/>
+              </a:rPr>
+              <a:t> * </a:t>
+            </a:r>
+            <a:r>
+              <a:rPr lang="en" altLang="zh-CN" sz="2000" dirty="0">
+                <a:solidFill>
+                  <a:srgbClr val="001080"/>
+                </a:solidFill>
+                <a:latin typeface="Menlo" panose="020B0609030804020204" pitchFamily="49" charset="0"/>
+              </a:rPr>
+              <a:t>ps2</a:t>
+            </a:r>
+            <a:r>
+              <a:rPr lang="en" altLang="zh-CN" sz="2000" dirty="0">
+                <a:solidFill>
+                  <a:srgbClr val="000000"/>
+                </a:solidFill>
+                <a:latin typeface="Menlo" panose="020B0609030804020204" pitchFamily="49" charset="0"/>
+              </a:rPr>
+              <a:t> = </a:t>
+            </a:r>
+            <a:r>
+              <a:rPr lang="en" altLang="zh-CN" sz="2000" dirty="0">
+                <a:solidFill>
+                  <a:srgbClr val="AF00DB"/>
+                </a:solidFill>
+                <a:latin typeface="Menlo" panose="020B0609030804020204" pitchFamily="49" charset="0"/>
+              </a:rPr>
+              <a:t>new</a:t>
+            </a:r>
+            <a:r>
+              <a:rPr lang="en" altLang="zh-CN" sz="2000" dirty="0">
+                <a:solidFill>
+                  <a:srgbClr val="000000"/>
+                </a:solidFill>
+                <a:latin typeface="Menlo" panose="020B0609030804020204" pitchFamily="49" charset="0"/>
+              </a:rPr>
+              <a:t> </a:t>
+            </a:r>
+            <a:r>
+              <a:rPr lang="en" altLang="zh-CN" sz="2000" dirty="0">
+                <a:solidFill>
+                  <a:srgbClr val="267F99"/>
+                </a:solidFill>
+                <a:latin typeface="Menlo" panose="020B0609030804020204" pitchFamily="49" charset="0"/>
+              </a:rPr>
+              <a:t>Student</a:t>
+            </a:r>
+            <a:r>
+              <a:rPr lang="en" altLang="zh-CN" sz="2000" dirty="0">
+                <a:solidFill>
+                  <a:srgbClr val="000000"/>
+                </a:solidFill>
+                <a:latin typeface="Menlo" panose="020B0609030804020204" pitchFamily="49" charset="0"/>
+              </a:rPr>
+              <a:t> {</a:t>
+            </a:r>
+            <a:r>
+              <a:rPr lang="en" altLang="zh-CN" sz="2000" dirty="0">
+                <a:solidFill>
+                  <a:srgbClr val="A31515"/>
+                </a:solidFill>
+                <a:latin typeface="Menlo" panose="020B0609030804020204" pitchFamily="49" charset="0"/>
+              </a:rPr>
+              <a:t>"Yu"</a:t>
+            </a:r>
+            <a:r>
+              <a:rPr lang="en" altLang="zh-CN" sz="2000" dirty="0">
+                <a:solidFill>
+                  <a:srgbClr val="000000"/>
+                </a:solidFill>
+                <a:latin typeface="Menlo" panose="020B0609030804020204" pitchFamily="49" charset="0"/>
+              </a:rPr>
+              <a:t>, </a:t>
+            </a:r>
+            <a:r>
+              <a:rPr lang="en" altLang="zh-CN" sz="2000" dirty="0">
+                <a:solidFill>
+                  <a:srgbClr val="098658"/>
+                </a:solidFill>
+                <a:latin typeface="Menlo" panose="020B0609030804020204" pitchFamily="49" charset="0"/>
+              </a:rPr>
+              <a:t>2020</a:t>
+            </a:r>
+            <a:r>
+              <a:rPr lang="en" altLang="zh-CN" sz="2000" dirty="0">
+                <a:solidFill>
+                  <a:srgbClr val="000000"/>
+                </a:solidFill>
+                <a:latin typeface="Menlo" panose="020B0609030804020204" pitchFamily="49" charset="0"/>
+              </a:rPr>
+              <a:t>, </a:t>
+            </a:r>
+            <a:r>
+              <a:rPr lang="en" altLang="zh-CN" sz="2000" dirty="0">
+                <a:solidFill>
+                  <a:srgbClr val="098658"/>
+                </a:solidFill>
+                <a:latin typeface="Menlo" panose="020B0609030804020204" pitchFamily="49" charset="0"/>
+              </a:rPr>
+              <a:t>1</a:t>
+            </a:r>
+            <a:r>
+              <a:rPr lang="en" altLang="zh-CN" sz="2000" dirty="0">
+                <a:solidFill>
+                  <a:srgbClr val="000000"/>
+                </a:solidFill>
+                <a:latin typeface="Menlo" panose="020B0609030804020204" pitchFamily="49" charset="0"/>
+              </a:rPr>
+              <a:t>};</a:t>
+            </a:r>
+            <a:r>
+              <a:rPr lang="en" altLang="zh-CN" sz="2000" dirty="0">
+                <a:solidFill>
+                  <a:srgbClr val="008000"/>
+                </a:solidFill>
+                <a:latin typeface="Menlo" panose="020B0609030804020204" pitchFamily="49" charset="0"/>
+              </a:rPr>
+              <a:t> //C++11</a:t>
+            </a:r>
+            <a:endParaRPr lang="en" altLang="zh-CN" sz="2000" dirty="0">
+              <a:solidFill>
+                <a:srgbClr val="000000"/>
+              </a:solidFill>
+              <a:latin typeface="Menlo" panose="020B0609030804020204" pitchFamily="49" charset="0"/>
+            </a:endParaRPr>
           </a:p>
         </p:txBody>
       </p:sp>
@@ -21880,10 +26661,466 @@
   <p:clrMapOvr>
     <a:masterClrMapping/>
   </p:clrMapOvr>
+  <p:timing>
+    <p:tnLst>
+      <p:par>
+        <p:cTn id="1" dur="indefinite" restart="never" nodeType="tmRoot">
+          <p:childTnLst>
+            <p:seq concurrent="1" nextAc="seek">
+              <p:cTn id="2" dur="indefinite" nodeType="mainSeq">
+                <p:childTnLst>
+                  <p:par>
+                    <p:cTn id="3" fill="hold">
+                      <p:stCondLst>
+                        <p:cond delay="indefinite"/>
+                      </p:stCondLst>
+                      <p:childTnLst>
+                        <p:par>
+                          <p:cTn id="4" fill="hold">
+                            <p:stCondLst>
+                              <p:cond delay="0"/>
+                            </p:stCondLst>
+                            <p:childTnLst>
+                              <p:par>
+                                <p:cTn id="5" presetID="1" presetClass="entr" presetSubtype="0" fill="hold" nodeType="clickEffect">
+                                  <p:stCondLst>
+                                    <p:cond delay="0"/>
+                                  </p:stCondLst>
+                                  <p:childTnLst>
+                                    <p:set>
+                                      <p:cBhvr>
+                                        <p:cTn id="6" dur="1" fill="hold">
+                                          <p:stCondLst>
+                                            <p:cond delay="0"/>
+                                          </p:stCondLst>
+                                        </p:cTn>
+                                        <p:tgtEl>
+                                          <p:spTgt spid="6">
+                                            <p:txEl>
+                                              <p:pRg st="2" end="2"/>
+                                            </p:txEl>
+                                          </p:spTgt>
+                                        </p:tgtEl>
+                                        <p:attrNameLst>
+                                          <p:attrName>style.visibility</p:attrName>
+                                        </p:attrNameLst>
+                                      </p:cBhvr>
+                                      <p:to>
+                                        <p:strVal val="visible"/>
+                                      </p:to>
+                                    </p:set>
+                                  </p:childTnLst>
+                                </p:cTn>
+                              </p:par>
+                              <p:par>
+                                <p:cTn id="7" presetID="1" presetClass="entr" presetSubtype="0" fill="hold" nodeType="withEffect">
+                                  <p:stCondLst>
+                                    <p:cond delay="0"/>
+                                  </p:stCondLst>
+                                  <p:childTnLst>
+                                    <p:set>
+                                      <p:cBhvr>
+                                        <p:cTn id="8" dur="1" fill="hold">
+                                          <p:stCondLst>
+                                            <p:cond delay="0"/>
+                                          </p:stCondLst>
+                                        </p:cTn>
+                                        <p:tgtEl>
+                                          <p:spTgt spid="6">
+                                            <p:txEl>
+                                              <p:pRg st="3" end="3"/>
+                                            </p:txEl>
+                                          </p:spTgt>
+                                        </p:tgtEl>
+                                        <p:attrNameLst>
+                                          <p:attrName>style.visibility</p:attrName>
+                                        </p:attrNameLst>
+                                      </p:cBhvr>
+                                      <p:to>
+                                        <p:strVal val="visible"/>
+                                      </p:to>
+                                    </p:set>
+                                  </p:childTnLst>
+                                </p:cTn>
+                              </p:par>
+                              <p:par>
+                                <p:cTn id="9" presetID="1" presetClass="entr" presetSubtype="0" fill="hold" nodeType="withEffect">
+                                  <p:stCondLst>
+                                    <p:cond delay="0"/>
+                                  </p:stCondLst>
+                                  <p:childTnLst>
+                                    <p:set>
+                                      <p:cBhvr>
+                                        <p:cTn id="10" dur="1" fill="hold">
+                                          <p:stCondLst>
+                                            <p:cond delay="0"/>
+                                          </p:stCondLst>
+                                        </p:cTn>
+                                        <p:tgtEl>
+                                          <p:spTgt spid="6">
+                                            <p:txEl>
+                                              <p:pRg st="4" end="4"/>
+                                            </p:txEl>
+                                          </p:spTgt>
+                                        </p:tgtEl>
+                                        <p:attrNameLst>
+                                          <p:attrName>style.visibility</p:attrName>
+                                        </p:attrNameLst>
+                                      </p:cBhvr>
+                                      <p:to>
+                                        <p:strVal val="visible"/>
+                                      </p:to>
+                                    </p:set>
+                                  </p:childTnLst>
+                                </p:cTn>
+                              </p:par>
+                              <p:par>
+                                <p:cTn id="11" presetID="1" presetClass="entr" presetSubtype="0" fill="hold" nodeType="withEffect">
+                                  <p:stCondLst>
+                                    <p:cond delay="0"/>
+                                  </p:stCondLst>
+                                  <p:childTnLst>
+                                    <p:set>
+                                      <p:cBhvr>
+                                        <p:cTn id="12" dur="1" fill="hold">
+                                          <p:stCondLst>
+                                            <p:cond delay="0"/>
+                                          </p:stCondLst>
+                                        </p:cTn>
+                                        <p:tgtEl>
+                                          <p:spTgt spid="6">
+                                            <p:txEl>
+                                              <p:pRg st="5" end="5"/>
+                                            </p:txEl>
+                                          </p:spTgt>
+                                        </p:tgtEl>
+                                        <p:attrNameLst>
+                                          <p:attrName>style.visibility</p:attrName>
+                                        </p:attrNameLst>
+                                      </p:cBhvr>
+                                      <p:to>
+                                        <p:strVal val="visible"/>
+                                      </p:to>
+                                    </p:set>
+                                  </p:childTnLst>
+                                </p:cTn>
+                              </p:par>
+                            </p:childTnLst>
+                          </p:cTn>
+                        </p:par>
+                      </p:childTnLst>
+                    </p:cTn>
+                  </p:par>
+                  <p:par>
+                    <p:cTn id="13" fill="hold">
+                      <p:stCondLst>
+                        <p:cond delay="indefinite"/>
+                      </p:stCondLst>
+                      <p:childTnLst>
+                        <p:par>
+                          <p:cTn id="14" fill="hold">
+                            <p:stCondLst>
+                              <p:cond delay="0"/>
+                            </p:stCondLst>
+                            <p:childTnLst>
+                              <p:par>
+                                <p:cTn id="15" presetID="1" presetClass="entr" presetSubtype="0" fill="hold" nodeType="clickEffect">
+                                  <p:stCondLst>
+                                    <p:cond delay="0"/>
+                                  </p:stCondLst>
+                                  <p:childTnLst>
+                                    <p:set>
+                                      <p:cBhvr>
+                                        <p:cTn id="16" dur="1" fill="hold">
+                                          <p:stCondLst>
+                                            <p:cond delay="0"/>
+                                          </p:stCondLst>
+                                        </p:cTn>
+                                        <p:tgtEl>
+                                          <p:spTgt spid="6">
+                                            <p:txEl>
+                                              <p:pRg st="6" end="6"/>
+                                            </p:txEl>
+                                          </p:spTgt>
+                                        </p:tgtEl>
+                                        <p:attrNameLst>
+                                          <p:attrName>style.visibility</p:attrName>
+                                        </p:attrNameLst>
+                                      </p:cBhvr>
+                                      <p:to>
+                                        <p:strVal val="visible"/>
+                                      </p:to>
+                                    </p:set>
+                                  </p:childTnLst>
+                                </p:cTn>
+                              </p:par>
+                              <p:par>
+                                <p:cTn id="17" presetID="1" presetClass="entr" presetSubtype="0" fill="hold" nodeType="withEffect">
+                                  <p:stCondLst>
+                                    <p:cond delay="0"/>
+                                  </p:stCondLst>
+                                  <p:childTnLst>
+                                    <p:set>
+                                      <p:cBhvr>
+                                        <p:cTn id="18" dur="1" fill="hold">
+                                          <p:stCondLst>
+                                            <p:cond delay="0"/>
+                                          </p:stCondLst>
+                                        </p:cTn>
+                                        <p:tgtEl>
+                                          <p:spTgt spid="6">
+                                            <p:txEl>
+                                              <p:pRg st="7" end="7"/>
+                                            </p:txEl>
+                                          </p:spTgt>
+                                        </p:tgtEl>
+                                        <p:attrNameLst>
+                                          <p:attrName>style.visibility</p:attrName>
+                                        </p:attrNameLst>
+                                      </p:cBhvr>
+                                      <p:to>
+                                        <p:strVal val="visible"/>
+                                      </p:to>
+                                    </p:set>
+                                  </p:childTnLst>
+                                </p:cTn>
+                              </p:par>
+                              <p:par>
+                                <p:cTn id="19" presetID="1" presetClass="entr" presetSubtype="0" fill="hold" nodeType="withEffect">
+                                  <p:stCondLst>
+                                    <p:cond delay="0"/>
+                                  </p:stCondLst>
+                                  <p:childTnLst>
+                                    <p:set>
+                                      <p:cBhvr>
+                                        <p:cTn id="20" dur="1" fill="hold">
+                                          <p:stCondLst>
+                                            <p:cond delay="0"/>
+                                          </p:stCondLst>
+                                        </p:cTn>
+                                        <p:tgtEl>
+                                          <p:spTgt spid="6">
+                                            <p:txEl>
+                                              <p:pRg st="8" end="8"/>
+                                            </p:txEl>
+                                          </p:spTgt>
+                                        </p:tgtEl>
+                                        <p:attrNameLst>
+                                          <p:attrName>style.visibility</p:attrName>
+                                        </p:attrNameLst>
+                                      </p:cBhvr>
+                                      <p:to>
+                                        <p:strVal val="visible"/>
+                                      </p:to>
+                                    </p:set>
+                                  </p:childTnLst>
+                                </p:cTn>
+                              </p:par>
+                              <p:par>
+                                <p:cTn id="21" presetID="1" presetClass="entr" presetSubtype="0" fill="hold" nodeType="withEffect">
+                                  <p:stCondLst>
+                                    <p:cond delay="0"/>
+                                  </p:stCondLst>
+                                  <p:childTnLst>
+                                    <p:set>
+                                      <p:cBhvr>
+                                        <p:cTn id="22" dur="1" fill="hold">
+                                          <p:stCondLst>
+                                            <p:cond delay="0"/>
+                                          </p:stCondLst>
+                                        </p:cTn>
+                                        <p:tgtEl>
+                                          <p:spTgt spid="6">
+                                            <p:txEl>
+                                              <p:pRg st="9" end="9"/>
+                                            </p:txEl>
+                                          </p:spTgt>
+                                        </p:tgtEl>
+                                        <p:attrNameLst>
+                                          <p:attrName>style.visibility</p:attrName>
+                                        </p:attrNameLst>
+                                      </p:cBhvr>
+                                      <p:to>
+                                        <p:strVal val="visible"/>
+                                      </p:to>
+                                    </p:set>
+                                  </p:childTnLst>
+                                </p:cTn>
+                              </p:par>
+                            </p:childTnLst>
+                          </p:cTn>
+                        </p:par>
+                      </p:childTnLst>
+                    </p:cTn>
+                  </p:par>
+                  <p:par>
+                    <p:cTn id="23" fill="hold">
+                      <p:stCondLst>
+                        <p:cond delay="indefinite"/>
+                      </p:stCondLst>
+                      <p:childTnLst>
+                        <p:par>
+                          <p:cTn id="24" fill="hold">
+                            <p:stCondLst>
+                              <p:cond delay="0"/>
+                            </p:stCondLst>
+                            <p:childTnLst>
+                              <p:par>
+                                <p:cTn id="25" presetID="1" presetClass="entr" presetSubtype="0" fill="hold" nodeType="clickEffect">
+                                  <p:stCondLst>
+                                    <p:cond delay="0"/>
+                                  </p:stCondLst>
+                                  <p:childTnLst>
+                                    <p:set>
+                                      <p:cBhvr>
+                                        <p:cTn id="26" dur="1" fill="hold">
+                                          <p:stCondLst>
+                                            <p:cond delay="0"/>
+                                          </p:stCondLst>
+                                        </p:cTn>
+                                        <p:tgtEl>
+                                          <p:spTgt spid="6">
+                                            <p:txEl>
+                                              <p:pRg st="10" end="10"/>
+                                            </p:txEl>
+                                          </p:spTgt>
+                                        </p:tgtEl>
+                                        <p:attrNameLst>
+                                          <p:attrName>style.visibility</p:attrName>
+                                        </p:attrNameLst>
+                                      </p:cBhvr>
+                                      <p:to>
+                                        <p:strVal val="visible"/>
+                                      </p:to>
+                                    </p:set>
+                                  </p:childTnLst>
+                                </p:cTn>
+                              </p:par>
+                              <p:par>
+                                <p:cTn id="27" presetID="1" presetClass="entr" presetSubtype="0" fill="hold" nodeType="withEffect">
+                                  <p:stCondLst>
+                                    <p:cond delay="0"/>
+                                  </p:stCondLst>
+                                  <p:childTnLst>
+                                    <p:set>
+                                      <p:cBhvr>
+                                        <p:cTn id="28" dur="1" fill="hold">
+                                          <p:stCondLst>
+                                            <p:cond delay="0"/>
+                                          </p:stCondLst>
+                                        </p:cTn>
+                                        <p:tgtEl>
+                                          <p:spTgt spid="6">
+                                            <p:txEl>
+                                              <p:pRg st="11" end="11"/>
+                                            </p:txEl>
+                                          </p:spTgt>
+                                        </p:tgtEl>
+                                        <p:attrNameLst>
+                                          <p:attrName>style.visibility</p:attrName>
+                                        </p:attrNameLst>
+                                      </p:cBhvr>
+                                      <p:to>
+                                        <p:strVal val="visible"/>
+                                      </p:to>
+                                    </p:set>
+                                  </p:childTnLst>
+                                </p:cTn>
+                              </p:par>
+                              <p:par>
+                                <p:cTn id="29" presetID="1" presetClass="entr" presetSubtype="0" fill="hold" nodeType="withEffect">
+                                  <p:stCondLst>
+                                    <p:cond delay="0"/>
+                                  </p:stCondLst>
+                                  <p:childTnLst>
+                                    <p:set>
+                                      <p:cBhvr>
+                                        <p:cTn id="30" dur="1" fill="hold">
+                                          <p:stCondLst>
+                                            <p:cond delay="0"/>
+                                          </p:stCondLst>
+                                        </p:cTn>
+                                        <p:tgtEl>
+                                          <p:spTgt spid="6">
+                                            <p:txEl>
+                                              <p:pRg st="12" end="12"/>
+                                            </p:txEl>
+                                          </p:spTgt>
+                                        </p:tgtEl>
+                                        <p:attrNameLst>
+                                          <p:attrName>style.visibility</p:attrName>
+                                        </p:attrNameLst>
+                                      </p:cBhvr>
+                                      <p:to>
+                                        <p:strVal val="visible"/>
+                                      </p:to>
+                                    </p:set>
+                                  </p:childTnLst>
+                                </p:cTn>
+                              </p:par>
+                              <p:par>
+                                <p:cTn id="31" presetID="1" presetClass="entr" presetSubtype="0" fill="hold" nodeType="withEffect">
+                                  <p:stCondLst>
+                                    <p:cond delay="0"/>
+                                  </p:stCondLst>
+                                  <p:childTnLst>
+                                    <p:set>
+                                      <p:cBhvr>
+                                        <p:cTn id="32" dur="1" fill="hold">
+                                          <p:stCondLst>
+                                            <p:cond delay="0"/>
+                                          </p:stCondLst>
+                                        </p:cTn>
+                                        <p:tgtEl>
+                                          <p:spTgt spid="6">
+                                            <p:txEl>
+                                              <p:pRg st="13" end="13"/>
+                                            </p:txEl>
+                                          </p:spTgt>
+                                        </p:tgtEl>
+                                        <p:attrNameLst>
+                                          <p:attrName>style.visibility</p:attrName>
+                                        </p:attrNameLst>
+                                      </p:cBhvr>
+                                      <p:to>
+                                        <p:strVal val="visible"/>
+                                      </p:to>
+                                    </p:set>
+                                  </p:childTnLst>
+                                </p:cTn>
+                              </p:par>
+                            </p:childTnLst>
+                          </p:cTn>
+                        </p:par>
+                      </p:childTnLst>
+                    </p:cTn>
+                  </p:par>
+                </p:childTnLst>
+              </p:cTn>
+              <p:prevCondLst>
+                <p:cond evt="onPrev" delay="0">
+                  <p:tgtEl>
+                    <p:sldTgt/>
+                  </p:tgtEl>
+                </p:cond>
+              </p:prevCondLst>
+              <p:nextCondLst>
+                <p:cond evt="onNext" delay="0">
+                  <p:tgtEl>
+                    <p:sldTgt/>
+                  </p:tgtEl>
+                </p:cond>
+              </p:nextCondLst>
+            </p:seq>
+          </p:childTnLst>
+        </p:cTn>
+      </p:par>
+    </p:tnLst>
+  </p:timing>
 </p:sld>
 </file>
 
-<file path=ppt/slides/slide2.xml><?xml version="1.0" encoding="utf-8"?>
+<file path=ppt/slides/slide22.xml><?xml version="1.0" encoding="utf-8"?>
 <p:sld xmlns:a="http://schemas.openxmlformats.org/drawingml/2006/main" xmlns:r="http://schemas.openxmlformats.org/officeDocument/2006/relationships" xmlns:p="http://schemas.openxmlformats.org/presentationml/2006/main">
   <p:cSld>
     <p:spTree>
@@ -21902,10 +27139,10 @@
       </p:grpSpPr>
       <p:sp>
         <p:nvSpPr>
-          <p:cNvPr id="4" name="标题 3">
+          <p:cNvPr id="2" name="标题 1">
             <a:extLst>
               <a:ext uri="{FF2B5EF4-FFF2-40B4-BE49-F238E27FC236}">
-                <a16:creationId xmlns:a16="http://schemas.microsoft.com/office/drawing/2014/main" id="{49B6EB6C-6B4E-7342-BEEC-829265E086A6}"/>
+                <a16:creationId xmlns:a16="http://schemas.microsoft.com/office/drawing/2014/main" id="{34577336-2080-D347-B3CC-810E097CA7A2}"/>
               </a:ext>
             </a:extLst>
           </p:cNvPr>
@@ -21913,7 +27150,7 @@
             <a:spLocks noGrp="1"/>
           </p:cNvSpPr>
           <p:nvPr>
-            <p:ph type="ctrTitle"/>
+            <p:ph type="title"/>
           </p:nvPr>
         </p:nvSpPr>
         <p:spPr/>
@@ -21922,19 +27159,46 @@
           <a:lstStyle/>
           <a:p>
             <a:r>
-              <a:rPr lang="en-US" altLang="zh-CN" dirty="0"/>
-              <a:t>Pointers</a:t>
-            </a:r>
-            <a:endParaRPr lang="zh-CN" altLang="en-US" dirty="0"/>
+              <a:rPr kumimoji="1" lang="en-US" altLang="zh-CN" dirty="0"/>
+              <a:t>Operator </a:t>
+            </a:r>
+            <a:r>
+              <a:rPr kumimoji="1" lang="en-US" altLang="zh-CN" dirty="0">
+                <a:solidFill>
+                  <a:srgbClr val="0000CC"/>
+                </a:solidFill>
+                <a:latin typeface="Courier" pitchFamily="2" charset="0"/>
+              </a:rPr>
+              <a:t>new</a:t>
+            </a:r>
+            <a:r>
+              <a:rPr kumimoji="1" lang="en-US" altLang="zh-CN" dirty="0"/>
+              <a:t> and </a:t>
+            </a:r>
+            <a:r>
+              <a:rPr kumimoji="1" lang="en-US" altLang="zh-CN" dirty="0">
+                <a:solidFill>
+                  <a:srgbClr val="0000CC"/>
+                </a:solidFill>
+                <a:latin typeface="Courier" pitchFamily="2" charset="0"/>
+              </a:rPr>
+              <a:t>new[]</a:t>
+            </a:r>
+            <a:endParaRPr kumimoji="1" lang="zh-CN" altLang="en-US" dirty="0">
+              <a:solidFill>
+                <a:srgbClr val="0000CC"/>
+              </a:solidFill>
+              <a:latin typeface="Courier" pitchFamily="2" charset="0"/>
+            </a:endParaRPr>
           </a:p>
         </p:txBody>
       </p:sp>
       <p:sp>
         <p:nvSpPr>
-          <p:cNvPr id="5" name="副标题 4">
+          <p:cNvPr id="3" name="内容占位符 2">
             <a:extLst>
               <a:ext uri="{FF2B5EF4-FFF2-40B4-BE49-F238E27FC236}">
-                <a16:creationId xmlns:a16="http://schemas.microsoft.com/office/drawing/2014/main" id="{8F88B114-7E73-9D47-AF07-39A3C7945F34}"/>
+                <a16:creationId xmlns:a16="http://schemas.microsoft.com/office/drawing/2014/main" id="{75564C1F-070C-3841-B6F6-8F1D10F4E0F7}"/>
               </a:ext>
             </a:extLst>
           </p:cNvPr>
@@ -21942,7 +27206,1318 @@
             <a:spLocks noGrp="1"/>
           </p:cNvSpPr>
           <p:nvPr>
-            <p:ph type="subTitle" idx="1"/>
+            <p:ph idx="1"/>
+          </p:nvPr>
+        </p:nvSpPr>
+        <p:spPr>
+          <a:xfrm>
+            <a:off x="838200" y="1031269"/>
+            <a:ext cx="10515600" cy="591452"/>
+          </a:xfrm>
+        </p:spPr>
+        <p:txBody>
+          <a:bodyPr/>
+          <a:lstStyle/>
+          <a:p>
+            <a:r>
+              <a:rPr kumimoji="1" lang="en-US" altLang="zh-CN" dirty="0"/>
+              <a:t>Operator </a:t>
+            </a:r>
+            <a:r>
+              <a:rPr kumimoji="1" lang="en-US" altLang="zh-CN" dirty="0">
+                <a:solidFill>
+                  <a:srgbClr val="0000CC"/>
+                </a:solidFill>
+                <a:latin typeface="Courier" pitchFamily="2" charset="0"/>
+              </a:rPr>
+              <a:t>new</a:t>
+            </a:r>
+            <a:r>
+              <a:rPr kumimoji="1" lang="en-US" altLang="zh-CN" dirty="0"/>
+              <a:t> is similar with </a:t>
+            </a:r>
+            <a:r>
+              <a:rPr kumimoji="1" lang="en-US" altLang="zh-CN" dirty="0">
+                <a:solidFill>
+                  <a:srgbClr val="0000CC"/>
+                </a:solidFill>
+                <a:latin typeface="Courier" pitchFamily="2" charset="0"/>
+              </a:rPr>
+              <a:t>malloc()</a:t>
+            </a:r>
+            <a:r>
+              <a:rPr kumimoji="1" lang="en-US" altLang="zh-CN" dirty="0"/>
+              <a:t> but with more features.</a:t>
+            </a:r>
+            <a:endParaRPr kumimoji="1" lang="zh-CN" altLang="en-US" dirty="0"/>
+          </a:p>
+        </p:txBody>
+      </p:sp>
+      <p:sp>
+        <p:nvSpPr>
+          <p:cNvPr id="6" name="矩形 5">
+            <a:extLst>
+              <a:ext uri="{FF2B5EF4-FFF2-40B4-BE49-F238E27FC236}">
+                <a16:creationId xmlns:a16="http://schemas.microsoft.com/office/drawing/2014/main" id="{A32ADB36-1D63-B749-AF90-6B0E04741324}"/>
+              </a:ext>
+            </a:extLst>
+          </p:cNvPr>
+          <p:cNvSpPr/>
+          <p:nvPr/>
+        </p:nvSpPr>
+        <p:spPr>
+          <a:xfrm>
+            <a:off x="515868" y="1622721"/>
+            <a:ext cx="11837497" cy="2554545"/>
+          </a:xfrm>
+          <a:prstGeom prst="rect">
+            <a:avLst/>
+          </a:prstGeom>
+        </p:spPr>
+        <p:txBody>
+          <a:bodyPr wrap="square">
+            <a:spAutoFit/>
+          </a:bodyPr>
+          <a:lstStyle/>
+          <a:p>
+            <a:r>
+              <a:rPr lang="en" altLang="zh-CN" sz="2000" dirty="0">
+                <a:solidFill>
+                  <a:srgbClr val="008000"/>
+                </a:solidFill>
+                <a:latin typeface="Menlo" panose="020B0609030804020204" pitchFamily="49" charset="0"/>
+              </a:rPr>
+              <a:t>//allocate 16 int, default initializer (do nothing) </a:t>
+            </a:r>
+            <a:endParaRPr lang="en" altLang="zh-CN" sz="2000" dirty="0">
+              <a:solidFill>
+                <a:srgbClr val="000000"/>
+              </a:solidFill>
+              <a:latin typeface="Menlo" panose="020B0609030804020204" pitchFamily="49" charset="0"/>
+            </a:endParaRPr>
+          </a:p>
+          <a:p>
+            <a:r>
+              <a:rPr lang="en" altLang="zh-CN" sz="2000" dirty="0">
+                <a:solidFill>
+                  <a:srgbClr val="0000FF"/>
+                </a:solidFill>
+                <a:latin typeface="Menlo" panose="020B0609030804020204" pitchFamily="49" charset="0"/>
+              </a:rPr>
+              <a:t>int</a:t>
+            </a:r>
+            <a:r>
+              <a:rPr lang="en" altLang="zh-CN" sz="2000" dirty="0">
+                <a:solidFill>
+                  <a:srgbClr val="000000"/>
+                </a:solidFill>
+                <a:latin typeface="Menlo" panose="020B0609030804020204" pitchFamily="49" charset="0"/>
+              </a:rPr>
+              <a:t> * </a:t>
+            </a:r>
+            <a:r>
+              <a:rPr lang="en" altLang="zh-CN" sz="2000" dirty="0">
+                <a:solidFill>
+                  <a:srgbClr val="001080"/>
+                </a:solidFill>
+                <a:latin typeface="Menlo" panose="020B0609030804020204" pitchFamily="49" charset="0"/>
+              </a:rPr>
+              <a:t>pa1</a:t>
+            </a:r>
+            <a:r>
+              <a:rPr lang="en" altLang="zh-CN" sz="2000" dirty="0">
+                <a:solidFill>
+                  <a:srgbClr val="000000"/>
+                </a:solidFill>
+                <a:latin typeface="Menlo" panose="020B0609030804020204" pitchFamily="49" charset="0"/>
+              </a:rPr>
+              <a:t> = </a:t>
+            </a:r>
+            <a:r>
+              <a:rPr lang="en" altLang="zh-CN" sz="2000" dirty="0">
+                <a:solidFill>
+                  <a:srgbClr val="AF00DB"/>
+                </a:solidFill>
+                <a:latin typeface="Menlo" panose="020B0609030804020204" pitchFamily="49" charset="0"/>
+              </a:rPr>
+              <a:t>new</a:t>
+            </a:r>
+            <a:r>
+              <a:rPr lang="en" altLang="zh-CN" sz="2000" dirty="0">
+                <a:solidFill>
+                  <a:srgbClr val="000000"/>
+                </a:solidFill>
+                <a:latin typeface="Menlo" panose="020B0609030804020204" pitchFamily="49" charset="0"/>
+              </a:rPr>
+              <a:t> </a:t>
+            </a:r>
+            <a:r>
+              <a:rPr lang="en" altLang="zh-CN" sz="2000" dirty="0">
+                <a:solidFill>
+                  <a:srgbClr val="0000FF"/>
+                </a:solidFill>
+                <a:latin typeface="Menlo" panose="020B0609030804020204" pitchFamily="49" charset="0"/>
+              </a:rPr>
+              <a:t>int</a:t>
+            </a:r>
+            <a:r>
+              <a:rPr lang="en" altLang="zh-CN" sz="2000" dirty="0">
+                <a:solidFill>
+                  <a:srgbClr val="000000"/>
+                </a:solidFill>
+                <a:latin typeface="Menlo" panose="020B0609030804020204" pitchFamily="49" charset="0"/>
+              </a:rPr>
+              <a:t>[</a:t>
+            </a:r>
+            <a:r>
+              <a:rPr lang="en" altLang="zh-CN" sz="2000" dirty="0">
+                <a:solidFill>
+                  <a:srgbClr val="098658"/>
+                </a:solidFill>
+                <a:latin typeface="Menlo" panose="020B0609030804020204" pitchFamily="49" charset="0"/>
+              </a:rPr>
+              <a:t>16</a:t>
+            </a:r>
+            <a:r>
+              <a:rPr lang="en" altLang="zh-CN" sz="2000" dirty="0">
+                <a:solidFill>
+                  <a:srgbClr val="000000"/>
+                </a:solidFill>
+                <a:latin typeface="Menlo" panose="020B0609030804020204" pitchFamily="49" charset="0"/>
+              </a:rPr>
+              <a:t>];</a:t>
+            </a:r>
+          </a:p>
+          <a:p>
+            <a:r>
+              <a:rPr lang="en" altLang="zh-CN" sz="2000" dirty="0">
+                <a:solidFill>
+                  <a:srgbClr val="008000"/>
+                </a:solidFill>
+                <a:latin typeface="Menlo" panose="020B0609030804020204" pitchFamily="49" charset="0"/>
+              </a:rPr>
+              <a:t>//allocate 16 int, zero initialized </a:t>
+            </a:r>
+            <a:endParaRPr lang="en" altLang="zh-CN" sz="2000" dirty="0">
+              <a:solidFill>
+                <a:srgbClr val="000000"/>
+              </a:solidFill>
+              <a:latin typeface="Menlo" panose="020B0609030804020204" pitchFamily="49" charset="0"/>
+            </a:endParaRPr>
+          </a:p>
+          <a:p>
+            <a:r>
+              <a:rPr lang="en" altLang="zh-CN" sz="2000" dirty="0">
+                <a:solidFill>
+                  <a:srgbClr val="0000FF"/>
+                </a:solidFill>
+                <a:latin typeface="Menlo" panose="020B0609030804020204" pitchFamily="49" charset="0"/>
+              </a:rPr>
+              <a:t>int</a:t>
+            </a:r>
+            <a:r>
+              <a:rPr lang="en" altLang="zh-CN" sz="2000" dirty="0">
+                <a:solidFill>
+                  <a:srgbClr val="000000"/>
+                </a:solidFill>
+                <a:latin typeface="Menlo" panose="020B0609030804020204" pitchFamily="49" charset="0"/>
+              </a:rPr>
+              <a:t> * </a:t>
+            </a:r>
+            <a:r>
+              <a:rPr lang="en" altLang="zh-CN" sz="2000" dirty="0">
+                <a:solidFill>
+                  <a:srgbClr val="001080"/>
+                </a:solidFill>
+                <a:latin typeface="Menlo" panose="020B0609030804020204" pitchFamily="49" charset="0"/>
+              </a:rPr>
+              <a:t>pa2</a:t>
+            </a:r>
+            <a:r>
+              <a:rPr lang="en" altLang="zh-CN" sz="2000" dirty="0">
+                <a:solidFill>
+                  <a:srgbClr val="000000"/>
+                </a:solidFill>
+                <a:latin typeface="Menlo" panose="020B0609030804020204" pitchFamily="49" charset="0"/>
+              </a:rPr>
+              <a:t> = </a:t>
+            </a:r>
+            <a:r>
+              <a:rPr lang="en" altLang="zh-CN" sz="2000" dirty="0">
+                <a:solidFill>
+                  <a:srgbClr val="AF00DB"/>
+                </a:solidFill>
+                <a:latin typeface="Menlo" panose="020B0609030804020204" pitchFamily="49" charset="0"/>
+              </a:rPr>
+              <a:t>new</a:t>
+            </a:r>
+            <a:r>
+              <a:rPr lang="en" altLang="zh-CN" sz="2000" dirty="0">
+                <a:solidFill>
+                  <a:srgbClr val="000000"/>
+                </a:solidFill>
+                <a:latin typeface="Menlo" panose="020B0609030804020204" pitchFamily="49" charset="0"/>
+              </a:rPr>
+              <a:t> </a:t>
+            </a:r>
+            <a:r>
+              <a:rPr lang="en" altLang="zh-CN" sz="2000" dirty="0">
+                <a:solidFill>
+                  <a:srgbClr val="0000FF"/>
+                </a:solidFill>
+                <a:latin typeface="Menlo" panose="020B0609030804020204" pitchFamily="49" charset="0"/>
+              </a:rPr>
+              <a:t>int</a:t>
+            </a:r>
+            <a:r>
+              <a:rPr lang="en" altLang="zh-CN" sz="2000" dirty="0">
+                <a:solidFill>
+                  <a:srgbClr val="000000"/>
+                </a:solidFill>
+                <a:latin typeface="Menlo" panose="020B0609030804020204" pitchFamily="49" charset="0"/>
+              </a:rPr>
+              <a:t>[</a:t>
+            </a:r>
+            <a:r>
+              <a:rPr lang="en" altLang="zh-CN" sz="2000" dirty="0">
+                <a:solidFill>
+                  <a:srgbClr val="098658"/>
+                </a:solidFill>
+                <a:latin typeface="Menlo" panose="020B0609030804020204" pitchFamily="49" charset="0"/>
+              </a:rPr>
+              <a:t>16</a:t>
+            </a:r>
+            <a:r>
+              <a:rPr lang="en" altLang="zh-CN" sz="2000" dirty="0">
+                <a:solidFill>
+                  <a:srgbClr val="000000"/>
+                </a:solidFill>
+                <a:latin typeface="Menlo" panose="020B0609030804020204" pitchFamily="49" charset="0"/>
+              </a:rPr>
+              <a:t>]();</a:t>
+            </a:r>
+          </a:p>
+          <a:p>
+            <a:r>
+              <a:rPr lang="en" altLang="zh-CN" sz="2000" dirty="0">
+                <a:solidFill>
+                  <a:srgbClr val="008000"/>
+                </a:solidFill>
+                <a:latin typeface="Menlo" panose="020B0609030804020204" pitchFamily="49" charset="0"/>
+              </a:rPr>
+              <a:t>//allocate 16 int, zero initialized </a:t>
+            </a:r>
+            <a:endParaRPr lang="en" altLang="zh-CN" sz="2000" dirty="0">
+              <a:solidFill>
+                <a:srgbClr val="000000"/>
+              </a:solidFill>
+              <a:latin typeface="Menlo" panose="020B0609030804020204" pitchFamily="49" charset="0"/>
+            </a:endParaRPr>
+          </a:p>
+          <a:p>
+            <a:r>
+              <a:rPr lang="en" altLang="zh-CN" sz="2000" dirty="0">
+                <a:solidFill>
+                  <a:srgbClr val="0000FF"/>
+                </a:solidFill>
+                <a:latin typeface="Menlo" panose="020B0609030804020204" pitchFamily="49" charset="0"/>
+              </a:rPr>
+              <a:t>int</a:t>
+            </a:r>
+            <a:r>
+              <a:rPr lang="en" altLang="zh-CN" sz="2000" dirty="0">
+                <a:solidFill>
+                  <a:srgbClr val="000000"/>
+                </a:solidFill>
+                <a:latin typeface="Menlo" panose="020B0609030804020204" pitchFamily="49" charset="0"/>
+              </a:rPr>
+              <a:t> * </a:t>
+            </a:r>
+            <a:r>
+              <a:rPr lang="en" altLang="zh-CN" sz="2000" dirty="0">
+                <a:solidFill>
+                  <a:srgbClr val="001080"/>
+                </a:solidFill>
+                <a:latin typeface="Menlo" panose="020B0609030804020204" pitchFamily="49" charset="0"/>
+              </a:rPr>
+              <a:t>pa3</a:t>
+            </a:r>
+            <a:r>
+              <a:rPr lang="en" altLang="zh-CN" sz="2000" dirty="0">
+                <a:solidFill>
+                  <a:srgbClr val="000000"/>
+                </a:solidFill>
+                <a:latin typeface="Menlo" panose="020B0609030804020204" pitchFamily="49" charset="0"/>
+              </a:rPr>
+              <a:t> = </a:t>
+            </a:r>
+            <a:r>
+              <a:rPr lang="en" altLang="zh-CN" sz="2000" dirty="0">
+                <a:solidFill>
+                  <a:srgbClr val="AF00DB"/>
+                </a:solidFill>
+                <a:latin typeface="Menlo" panose="020B0609030804020204" pitchFamily="49" charset="0"/>
+              </a:rPr>
+              <a:t>new</a:t>
+            </a:r>
+            <a:r>
+              <a:rPr lang="en" altLang="zh-CN" sz="2000" dirty="0">
+                <a:solidFill>
+                  <a:srgbClr val="000000"/>
+                </a:solidFill>
+                <a:latin typeface="Menlo" panose="020B0609030804020204" pitchFamily="49" charset="0"/>
+              </a:rPr>
+              <a:t> </a:t>
+            </a:r>
+            <a:r>
+              <a:rPr lang="en" altLang="zh-CN" sz="2000" dirty="0">
+                <a:solidFill>
+                  <a:srgbClr val="0000FF"/>
+                </a:solidFill>
+                <a:latin typeface="Menlo" panose="020B0609030804020204" pitchFamily="49" charset="0"/>
+              </a:rPr>
+              <a:t>int</a:t>
+            </a:r>
+            <a:r>
+              <a:rPr lang="en" altLang="zh-CN" sz="2000" dirty="0">
+                <a:solidFill>
+                  <a:srgbClr val="000000"/>
+                </a:solidFill>
+                <a:latin typeface="Menlo" panose="020B0609030804020204" pitchFamily="49" charset="0"/>
+              </a:rPr>
+              <a:t>[</a:t>
+            </a:r>
+            <a:r>
+              <a:rPr lang="en" altLang="zh-CN" sz="2000" dirty="0">
+                <a:solidFill>
+                  <a:srgbClr val="098658"/>
+                </a:solidFill>
+                <a:latin typeface="Menlo" panose="020B0609030804020204" pitchFamily="49" charset="0"/>
+              </a:rPr>
+              <a:t>16</a:t>
+            </a:r>
+            <a:r>
+              <a:rPr lang="en" altLang="zh-CN" sz="2000" dirty="0">
+                <a:solidFill>
+                  <a:srgbClr val="000000"/>
+                </a:solidFill>
+                <a:latin typeface="Menlo" panose="020B0609030804020204" pitchFamily="49" charset="0"/>
+              </a:rPr>
+              <a:t>]{};</a:t>
+            </a:r>
+            <a:r>
+              <a:rPr lang="en" altLang="zh-CN" sz="2000" dirty="0">
+                <a:solidFill>
+                  <a:srgbClr val="008000"/>
+                </a:solidFill>
+                <a:latin typeface="Menlo" panose="020B0609030804020204" pitchFamily="49" charset="0"/>
+              </a:rPr>
+              <a:t> //C++11</a:t>
+            </a:r>
+            <a:endParaRPr lang="en" altLang="zh-CN" sz="2000" dirty="0">
+              <a:solidFill>
+                <a:srgbClr val="000000"/>
+              </a:solidFill>
+              <a:latin typeface="Menlo" panose="020B0609030804020204" pitchFamily="49" charset="0"/>
+            </a:endParaRPr>
+          </a:p>
+          <a:p>
+            <a:r>
+              <a:rPr lang="en" altLang="zh-CN" sz="2000" dirty="0">
+                <a:solidFill>
+                  <a:srgbClr val="008000"/>
+                </a:solidFill>
+                <a:latin typeface="Menlo" panose="020B0609030804020204" pitchFamily="49" charset="0"/>
+              </a:rPr>
+              <a:t>//allocate 16 int, the first 3 element are initialized to 1,2,3, the rest 0</a:t>
+            </a:r>
+            <a:endParaRPr lang="en" altLang="zh-CN" sz="2000" dirty="0">
+              <a:solidFill>
+                <a:srgbClr val="000000"/>
+              </a:solidFill>
+              <a:latin typeface="Menlo" panose="020B0609030804020204" pitchFamily="49" charset="0"/>
+            </a:endParaRPr>
+          </a:p>
+          <a:p>
+            <a:r>
+              <a:rPr lang="en" altLang="zh-CN" sz="2000" dirty="0">
+                <a:solidFill>
+                  <a:srgbClr val="0000FF"/>
+                </a:solidFill>
+                <a:latin typeface="Menlo" panose="020B0609030804020204" pitchFamily="49" charset="0"/>
+              </a:rPr>
+              <a:t>int</a:t>
+            </a:r>
+            <a:r>
+              <a:rPr lang="en" altLang="zh-CN" sz="2000" dirty="0">
+                <a:solidFill>
+                  <a:srgbClr val="000000"/>
+                </a:solidFill>
+                <a:latin typeface="Menlo" panose="020B0609030804020204" pitchFamily="49" charset="0"/>
+              </a:rPr>
+              <a:t> * </a:t>
+            </a:r>
+            <a:r>
+              <a:rPr lang="en" altLang="zh-CN" sz="2000" dirty="0">
+                <a:solidFill>
+                  <a:srgbClr val="001080"/>
+                </a:solidFill>
+                <a:latin typeface="Menlo" panose="020B0609030804020204" pitchFamily="49" charset="0"/>
+              </a:rPr>
+              <a:t>pa4</a:t>
+            </a:r>
+            <a:r>
+              <a:rPr lang="en" altLang="zh-CN" sz="2000" dirty="0">
+                <a:solidFill>
+                  <a:srgbClr val="000000"/>
+                </a:solidFill>
+                <a:latin typeface="Menlo" panose="020B0609030804020204" pitchFamily="49" charset="0"/>
+              </a:rPr>
+              <a:t> = </a:t>
+            </a:r>
+            <a:r>
+              <a:rPr lang="en" altLang="zh-CN" sz="2000" dirty="0">
+                <a:solidFill>
+                  <a:srgbClr val="AF00DB"/>
+                </a:solidFill>
+                <a:latin typeface="Menlo" panose="020B0609030804020204" pitchFamily="49" charset="0"/>
+              </a:rPr>
+              <a:t>new</a:t>
+            </a:r>
+            <a:r>
+              <a:rPr lang="en" altLang="zh-CN" sz="2000" dirty="0">
+                <a:solidFill>
+                  <a:srgbClr val="000000"/>
+                </a:solidFill>
+                <a:latin typeface="Menlo" panose="020B0609030804020204" pitchFamily="49" charset="0"/>
+              </a:rPr>
+              <a:t> </a:t>
+            </a:r>
+            <a:r>
+              <a:rPr lang="en" altLang="zh-CN" sz="2000" dirty="0">
+                <a:solidFill>
+                  <a:srgbClr val="0000FF"/>
+                </a:solidFill>
+                <a:latin typeface="Menlo" panose="020B0609030804020204" pitchFamily="49" charset="0"/>
+              </a:rPr>
+              <a:t>int</a:t>
+            </a:r>
+            <a:r>
+              <a:rPr lang="en" altLang="zh-CN" sz="2000" dirty="0">
+                <a:solidFill>
+                  <a:srgbClr val="000000"/>
+                </a:solidFill>
+                <a:latin typeface="Menlo" panose="020B0609030804020204" pitchFamily="49" charset="0"/>
+              </a:rPr>
+              <a:t>[</a:t>
+            </a:r>
+            <a:r>
+              <a:rPr lang="en" altLang="zh-CN" sz="2000" dirty="0">
+                <a:solidFill>
+                  <a:srgbClr val="098658"/>
+                </a:solidFill>
+                <a:latin typeface="Menlo" panose="020B0609030804020204" pitchFamily="49" charset="0"/>
+              </a:rPr>
+              <a:t>16</a:t>
+            </a:r>
+            <a:r>
+              <a:rPr lang="en" altLang="zh-CN" sz="2000" dirty="0">
+                <a:solidFill>
+                  <a:srgbClr val="000000"/>
+                </a:solidFill>
+                <a:latin typeface="Menlo" panose="020B0609030804020204" pitchFamily="49" charset="0"/>
+              </a:rPr>
+              <a:t>]{</a:t>
+            </a:r>
+            <a:r>
+              <a:rPr lang="en" altLang="zh-CN" sz="2000" dirty="0">
+                <a:solidFill>
+                  <a:srgbClr val="098658"/>
+                </a:solidFill>
+                <a:latin typeface="Menlo" panose="020B0609030804020204" pitchFamily="49" charset="0"/>
+              </a:rPr>
+              <a:t>1</a:t>
+            </a:r>
+            <a:r>
+              <a:rPr lang="en" altLang="zh-CN" sz="2000" dirty="0">
+                <a:solidFill>
+                  <a:srgbClr val="000000"/>
+                </a:solidFill>
+                <a:latin typeface="Menlo" panose="020B0609030804020204" pitchFamily="49" charset="0"/>
+              </a:rPr>
+              <a:t>,</a:t>
+            </a:r>
+            <a:r>
+              <a:rPr lang="en" altLang="zh-CN" sz="2000" dirty="0">
+                <a:solidFill>
+                  <a:srgbClr val="098658"/>
+                </a:solidFill>
+                <a:latin typeface="Menlo" panose="020B0609030804020204" pitchFamily="49" charset="0"/>
+              </a:rPr>
+              <a:t>2</a:t>
+            </a:r>
+            <a:r>
+              <a:rPr lang="en" altLang="zh-CN" sz="2000" dirty="0">
+                <a:solidFill>
+                  <a:srgbClr val="000000"/>
+                </a:solidFill>
+                <a:latin typeface="Menlo" panose="020B0609030804020204" pitchFamily="49" charset="0"/>
+              </a:rPr>
+              <a:t>,</a:t>
+            </a:r>
+            <a:r>
+              <a:rPr lang="en" altLang="zh-CN" sz="2000" dirty="0">
+                <a:solidFill>
+                  <a:srgbClr val="098658"/>
+                </a:solidFill>
+                <a:latin typeface="Menlo" panose="020B0609030804020204" pitchFamily="49" charset="0"/>
+              </a:rPr>
+              <a:t>3</a:t>
+            </a:r>
+            <a:r>
+              <a:rPr lang="en" altLang="zh-CN" sz="2000" dirty="0">
+                <a:solidFill>
+                  <a:srgbClr val="000000"/>
+                </a:solidFill>
+                <a:latin typeface="Menlo" panose="020B0609030804020204" pitchFamily="49" charset="0"/>
+              </a:rPr>
+              <a:t>};</a:t>
+            </a:r>
+            <a:r>
+              <a:rPr lang="en" altLang="zh-CN" sz="2000" dirty="0">
+                <a:solidFill>
+                  <a:srgbClr val="008000"/>
+                </a:solidFill>
+                <a:latin typeface="Menlo" panose="020B0609030804020204" pitchFamily="49" charset="0"/>
+              </a:rPr>
+              <a:t> //C++11</a:t>
+            </a:r>
+            <a:endParaRPr lang="en" altLang="zh-CN" sz="2000" dirty="0">
+              <a:solidFill>
+                <a:srgbClr val="000000"/>
+              </a:solidFill>
+              <a:latin typeface="Menlo" panose="020B0609030804020204" pitchFamily="49" charset="0"/>
+            </a:endParaRPr>
+          </a:p>
+        </p:txBody>
+      </p:sp>
+      <p:sp>
+        <p:nvSpPr>
+          <p:cNvPr id="4" name="矩形 3">
+            <a:extLst>
+              <a:ext uri="{FF2B5EF4-FFF2-40B4-BE49-F238E27FC236}">
+                <a16:creationId xmlns:a16="http://schemas.microsoft.com/office/drawing/2014/main" id="{46CE111C-207E-AF48-8C74-FD8C053AF031}"/>
+              </a:ext>
+            </a:extLst>
+          </p:cNvPr>
+          <p:cNvSpPr/>
+          <p:nvPr/>
+        </p:nvSpPr>
+        <p:spPr>
+          <a:xfrm>
+            <a:off x="515868" y="4419671"/>
+            <a:ext cx="11564471" cy="1631216"/>
+          </a:xfrm>
+          <a:prstGeom prst="rect">
+            <a:avLst/>
+          </a:prstGeom>
+        </p:spPr>
+        <p:txBody>
+          <a:bodyPr wrap="square">
+            <a:spAutoFit/>
+          </a:bodyPr>
+          <a:lstStyle/>
+          <a:p>
+            <a:pPr lvl="0"/>
+            <a:r>
+              <a:rPr lang="en" altLang="zh-CN" sz="2000" dirty="0">
+                <a:solidFill>
+                  <a:srgbClr val="008000"/>
+                </a:solidFill>
+                <a:latin typeface="Menlo" panose="020B0609030804020204" pitchFamily="49" charset="0"/>
+              </a:rPr>
+              <a:t>//allocate memory for 16 Student objects, default initializer</a:t>
+            </a:r>
+            <a:endParaRPr lang="en" altLang="zh-CN" sz="2000" dirty="0">
+              <a:solidFill>
+                <a:srgbClr val="000000"/>
+              </a:solidFill>
+              <a:latin typeface="Menlo" panose="020B0609030804020204" pitchFamily="49" charset="0"/>
+            </a:endParaRPr>
+          </a:p>
+          <a:p>
+            <a:pPr lvl="0"/>
+            <a:r>
+              <a:rPr lang="en" altLang="zh-CN" sz="2000" dirty="0">
+                <a:solidFill>
+                  <a:srgbClr val="267F99"/>
+                </a:solidFill>
+                <a:latin typeface="Menlo" panose="020B0609030804020204" pitchFamily="49" charset="0"/>
+              </a:rPr>
+              <a:t>Student</a:t>
+            </a:r>
+            <a:r>
+              <a:rPr lang="en" altLang="zh-CN" sz="2000" dirty="0">
+                <a:solidFill>
+                  <a:srgbClr val="000000"/>
+                </a:solidFill>
+                <a:latin typeface="Menlo" panose="020B0609030804020204" pitchFamily="49" charset="0"/>
+              </a:rPr>
+              <a:t> * </a:t>
+            </a:r>
+            <a:r>
+              <a:rPr lang="en" altLang="zh-CN" sz="2000" dirty="0">
+                <a:solidFill>
+                  <a:srgbClr val="001080"/>
+                </a:solidFill>
+                <a:latin typeface="Menlo" panose="020B0609030804020204" pitchFamily="49" charset="0"/>
+              </a:rPr>
+              <a:t>psa1</a:t>
+            </a:r>
+            <a:r>
+              <a:rPr lang="en" altLang="zh-CN" sz="2000" dirty="0">
+                <a:solidFill>
+                  <a:srgbClr val="000000"/>
+                </a:solidFill>
+                <a:latin typeface="Menlo" panose="020B0609030804020204" pitchFamily="49" charset="0"/>
+              </a:rPr>
+              <a:t> = </a:t>
+            </a:r>
+            <a:r>
+              <a:rPr lang="en" altLang="zh-CN" sz="2000" dirty="0">
+                <a:solidFill>
+                  <a:srgbClr val="AF00DB"/>
+                </a:solidFill>
+                <a:latin typeface="Menlo" panose="020B0609030804020204" pitchFamily="49" charset="0"/>
+              </a:rPr>
+              <a:t>new</a:t>
+            </a:r>
+            <a:r>
+              <a:rPr lang="en" altLang="zh-CN" sz="2000" dirty="0">
+                <a:solidFill>
+                  <a:srgbClr val="000000"/>
+                </a:solidFill>
+                <a:latin typeface="Menlo" panose="020B0609030804020204" pitchFamily="49" charset="0"/>
+              </a:rPr>
+              <a:t> </a:t>
+            </a:r>
+            <a:r>
+              <a:rPr lang="en" altLang="zh-CN" sz="2000" dirty="0">
+                <a:solidFill>
+                  <a:srgbClr val="267F99"/>
+                </a:solidFill>
+                <a:latin typeface="Menlo" panose="020B0609030804020204" pitchFamily="49" charset="0"/>
+              </a:rPr>
+              <a:t>Student</a:t>
+            </a:r>
+            <a:r>
+              <a:rPr lang="en" altLang="zh-CN" sz="2000" dirty="0">
+                <a:solidFill>
+                  <a:srgbClr val="000000"/>
+                </a:solidFill>
+                <a:latin typeface="Menlo" panose="020B0609030804020204" pitchFamily="49" charset="0"/>
+              </a:rPr>
+              <a:t>[</a:t>
+            </a:r>
+            <a:r>
+              <a:rPr lang="en" altLang="zh-CN" sz="2000" dirty="0">
+                <a:solidFill>
+                  <a:srgbClr val="098658"/>
+                </a:solidFill>
+                <a:latin typeface="Menlo" panose="020B0609030804020204" pitchFamily="49" charset="0"/>
+              </a:rPr>
+              <a:t>16</a:t>
+            </a:r>
+            <a:r>
+              <a:rPr lang="en" altLang="zh-CN" sz="2000" dirty="0">
+                <a:solidFill>
+                  <a:srgbClr val="000000"/>
+                </a:solidFill>
+                <a:latin typeface="Menlo" panose="020B0609030804020204" pitchFamily="49" charset="0"/>
+              </a:rPr>
+              <a:t>];</a:t>
+            </a:r>
+          </a:p>
+          <a:p>
+            <a:pPr lvl="0"/>
+            <a:r>
+              <a:rPr lang="en" altLang="zh-CN" sz="2000" dirty="0">
+                <a:solidFill>
+                  <a:srgbClr val="008000"/>
+                </a:solidFill>
+                <a:latin typeface="Menlo" panose="020B0609030804020204" pitchFamily="49" charset="0"/>
+              </a:rPr>
+              <a:t>//allocate memory for 16 Student objects, the first two are explicitly initialized</a:t>
+            </a:r>
+            <a:endParaRPr lang="en" altLang="zh-CN" sz="2000" dirty="0">
+              <a:solidFill>
+                <a:srgbClr val="000000"/>
+              </a:solidFill>
+              <a:latin typeface="Menlo" panose="020B0609030804020204" pitchFamily="49" charset="0"/>
+            </a:endParaRPr>
+          </a:p>
+          <a:p>
+            <a:pPr lvl="0"/>
+            <a:r>
+              <a:rPr lang="en" altLang="zh-CN" sz="2000" dirty="0">
+                <a:solidFill>
+                  <a:srgbClr val="267F99"/>
+                </a:solidFill>
+                <a:latin typeface="Menlo" panose="020B0609030804020204" pitchFamily="49" charset="0"/>
+              </a:rPr>
+              <a:t>Student</a:t>
+            </a:r>
+            <a:r>
+              <a:rPr lang="en" altLang="zh-CN" sz="2000" dirty="0">
+                <a:solidFill>
+                  <a:srgbClr val="000000"/>
+                </a:solidFill>
+                <a:latin typeface="Menlo" panose="020B0609030804020204" pitchFamily="49" charset="0"/>
+              </a:rPr>
+              <a:t> * </a:t>
+            </a:r>
+            <a:r>
+              <a:rPr lang="en" altLang="zh-CN" sz="2000" dirty="0">
+                <a:solidFill>
+                  <a:srgbClr val="001080"/>
+                </a:solidFill>
+                <a:latin typeface="Menlo" panose="020B0609030804020204" pitchFamily="49" charset="0"/>
+              </a:rPr>
+              <a:t>psa2</a:t>
+            </a:r>
+            <a:r>
+              <a:rPr lang="en" altLang="zh-CN" sz="2000" dirty="0">
+                <a:solidFill>
+                  <a:srgbClr val="000000"/>
+                </a:solidFill>
+                <a:latin typeface="Menlo" panose="020B0609030804020204" pitchFamily="49" charset="0"/>
+              </a:rPr>
+              <a:t> = </a:t>
+            </a:r>
+            <a:r>
+              <a:rPr lang="en" altLang="zh-CN" sz="2000" dirty="0">
+                <a:solidFill>
+                  <a:srgbClr val="AF00DB"/>
+                </a:solidFill>
+                <a:latin typeface="Menlo" panose="020B0609030804020204" pitchFamily="49" charset="0"/>
+              </a:rPr>
+              <a:t>new</a:t>
+            </a:r>
+            <a:r>
+              <a:rPr lang="en" altLang="zh-CN" sz="2000" dirty="0">
+                <a:solidFill>
+                  <a:srgbClr val="000000"/>
+                </a:solidFill>
+                <a:latin typeface="Menlo" panose="020B0609030804020204" pitchFamily="49" charset="0"/>
+              </a:rPr>
+              <a:t> </a:t>
+            </a:r>
+            <a:r>
+              <a:rPr lang="en" altLang="zh-CN" sz="2000" dirty="0">
+                <a:solidFill>
+                  <a:srgbClr val="267F99"/>
+                </a:solidFill>
+                <a:latin typeface="Menlo" panose="020B0609030804020204" pitchFamily="49" charset="0"/>
+              </a:rPr>
+              <a:t>Student</a:t>
+            </a:r>
+            <a:r>
+              <a:rPr lang="en" altLang="zh-CN" sz="2000" dirty="0">
+                <a:solidFill>
+                  <a:srgbClr val="000000"/>
+                </a:solidFill>
+                <a:latin typeface="Menlo" panose="020B0609030804020204" pitchFamily="49" charset="0"/>
+              </a:rPr>
+              <a:t>[</a:t>
+            </a:r>
+            <a:r>
+              <a:rPr lang="en" altLang="zh-CN" sz="2000" dirty="0">
+                <a:solidFill>
+                  <a:srgbClr val="098658"/>
+                </a:solidFill>
+                <a:latin typeface="Menlo" panose="020B0609030804020204" pitchFamily="49" charset="0"/>
+              </a:rPr>
+              <a:t>16</a:t>
+            </a:r>
+            <a:r>
+              <a:rPr lang="en" altLang="zh-CN" sz="2000" dirty="0">
+                <a:solidFill>
+                  <a:srgbClr val="000000"/>
+                </a:solidFill>
+                <a:latin typeface="Menlo" panose="020B0609030804020204" pitchFamily="49" charset="0"/>
+              </a:rPr>
+              <a:t>]{{</a:t>
+            </a:r>
+            <a:r>
+              <a:rPr lang="en" altLang="zh-CN" sz="2000" dirty="0">
+                <a:solidFill>
+                  <a:srgbClr val="A31515"/>
+                </a:solidFill>
+                <a:latin typeface="Menlo" panose="020B0609030804020204" pitchFamily="49" charset="0"/>
+              </a:rPr>
+              <a:t>"Li"</a:t>
+            </a:r>
+            <a:r>
+              <a:rPr lang="en" altLang="zh-CN" sz="2000" dirty="0">
+                <a:solidFill>
+                  <a:srgbClr val="000000"/>
+                </a:solidFill>
+                <a:latin typeface="Menlo" panose="020B0609030804020204" pitchFamily="49" charset="0"/>
+              </a:rPr>
+              <a:t>, </a:t>
+            </a:r>
+            <a:r>
+              <a:rPr lang="en" altLang="zh-CN" sz="2000" dirty="0">
+                <a:solidFill>
+                  <a:srgbClr val="098658"/>
+                </a:solidFill>
+                <a:latin typeface="Menlo" panose="020B0609030804020204" pitchFamily="49" charset="0"/>
+              </a:rPr>
+              <a:t>2000</a:t>
+            </a:r>
+            <a:r>
+              <a:rPr lang="en" altLang="zh-CN" sz="2000" dirty="0">
+                <a:solidFill>
+                  <a:srgbClr val="000000"/>
+                </a:solidFill>
+                <a:latin typeface="Menlo" panose="020B0609030804020204" pitchFamily="49" charset="0"/>
+              </a:rPr>
+              <a:t>,</a:t>
+            </a:r>
+            <a:r>
+              <a:rPr lang="en" altLang="zh-CN" sz="2000" dirty="0">
+                <a:solidFill>
+                  <a:srgbClr val="098658"/>
+                </a:solidFill>
+                <a:latin typeface="Menlo" panose="020B0609030804020204" pitchFamily="49" charset="0"/>
+              </a:rPr>
+              <a:t>1</a:t>
+            </a:r>
+            <a:r>
+              <a:rPr lang="en" altLang="zh-CN" sz="2000" dirty="0">
+                <a:solidFill>
+                  <a:srgbClr val="000000"/>
+                </a:solidFill>
+                <a:latin typeface="Menlo" panose="020B0609030804020204" pitchFamily="49" charset="0"/>
+              </a:rPr>
+              <a:t>}, {</a:t>
+            </a:r>
+            <a:r>
+              <a:rPr lang="en" altLang="zh-CN" sz="2000" dirty="0">
+                <a:solidFill>
+                  <a:srgbClr val="A31515"/>
+                </a:solidFill>
+                <a:latin typeface="Menlo" panose="020B0609030804020204" pitchFamily="49" charset="0"/>
+              </a:rPr>
+              <a:t>"Yu"</a:t>
+            </a:r>
+            <a:r>
+              <a:rPr lang="en" altLang="zh-CN" sz="2000" dirty="0">
+                <a:solidFill>
+                  <a:srgbClr val="000000"/>
+                </a:solidFill>
+                <a:latin typeface="Menlo" panose="020B0609030804020204" pitchFamily="49" charset="0"/>
+              </a:rPr>
+              <a:t>, </a:t>
+            </a:r>
+            <a:r>
+              <a:rPr lang="en" altLang="zh-CN" sz="2000" dirty="0">
+                <a:solidFill>
+                  <a:srgbClr val="098658"/>
+                </a:solidFill>
+                <a:latin typeface="Menlo" panose="020B0609030804020204" pitchFamily="49" charset="0"/>
+              </a:rPr>
+              <a:t>2001</a:t>
+            </a:r>
+            <a:r>
+              <a:rPr lang="en" altLang="zh-CN" sz="2000" dirty="0">
+                <a:solidFill>
+                  <a:srgbClr val="000000"/>
+                </a:solidFill>
+                <a:latin typeface="Menlo" panose="020B0609030804020204" pitchFamily="49" charset="0"/>
+              </a:rPr>
+              <a:t>,</a:t>
+            </a:r>
+            <a:r>
+              <a:rPr lang="en" altLang="zh-CN" sz="2000" dirty="0">
+                <a:solidFill>
+                  <a:srgbClr val="098658"/>
+                </a:solidFill>
+                <a:latin typeface="Menlo" panose="020B0609030804020204" pitchFamily="49" charset="0"/>
+              </a:rPr>
+              <a:t>1</a:t>
+            </a:r>
+            <a:r>
+              <a:rPr lang="en" altLang="zh-CN" sz="2000" dirty="0">
+                <a:solidFill>
+                  <a:srgbClr val="000000"/>
+                </a:solidFill>
+                <a:latin typeface="Menlo" panose="020B0609030804020204" pitchFamily="49" charset="0"/>
+              </a:rPr>
+              <a:t>}};</a:t>
+            </a:r>
+            <a:r>
+              <a:rPr lang="en" altLang="zh-CN" sz="2000" dirty="0">
+                <a:solidFill>
+                  <a:srgbClr val="008000"/>
+                </a:solidFill>
+                <a:latin typeface="Menlo" panose="020B0609030804020204" pitchFamily="49" charset="0"/>
+              </a:rPr>
+              <a:t> //C++11</a:t>
+            </a:r>
+            <a:endParaRPr lang="en" altLang="zh-CN" sz="2000" dirty="0">
+              <a:solidFill>
+                <a:srgbClr val="000000"/>
+              </a:solidFill>
+              <a:latin typeface="Menlo" panose="020B0609030804020204" pitchFamily="49" charset="0"/>
+            </a:endParaRPr>
+          </a:p>
+        </p:txBody>
+      </p:sp>
+    </p:spTree>
+    <p:extLst>
+      <p:ext uri="{BB962C8B-B14F-4D97-AF65-F5344CB8AC3E}">
+        <p14:creationId xmlns:p14="http://schemas.microsoft.com/office/powerpoint/2010/main" val="3995845539"/>
+      </p:ext>
+    </p:extLst>
+  </p:cSld>
+  <p:clrMapOvr>
+    <a:masterClrMapping/>
+  </p:clrMapOvr>
+  <p:timing>
+    <p:tnLst>
+      <p:par>
+        <p:cTn id="1" dur="indefinite" restart="never" nodeType="tmRoot">
+          <p:childTnLst>
+            <p:seq concurrent="1" nextAc="seek">
+              <p:cTn id="2" dur="indefinite" nodeType="mainSeq">
+                <p:childTnLst>
+                  <p:par>
+                    <p:cTn id="3" fill="hold">
+                      <p:stCondLst>
+                        <p:cond delay="indefinite"/>
+                      </p:stCondLst>
+                      <p:childTnLst>
+                        <p:par>
+                          <p:cTn id="4" fill="hold">
+                            <p:stCondLst>
+                              <p:cond delay="0"/>
+                            </p:stCondLst>
+                            <p:childTnLst>
+                              <p:par>
+                                <p:cTn id="5" presetID="1" presetClass="entr" presetSubtype="0" fill="hold" nodeType="clickEffect">
+                                  <p:stCondLst>
+                                    <p:cond delay="0"/>
+                                  </p:stCondLst>
+                                  <p:childTnLst>
+                                    <p:set>
+                                      <p:cBhvr>
+                                        <p:cTn id="6" dur="1" fill="hold">
+                                          <p:stCondLst>
+                                            <p:cond delay="0"/>
+                                          </p:stCondLst>
+                                        </p:cTn>
+                                        <p:tgtEl>
+                                          <p:spTgt spid="6">
+                                            <p:txEl>
+                                              <p:pRg st="2" end="2"/>
+                                            </p:txEl>
+                                          </p:spTgt>
+                                        </p:tgtEl>
+                                        <p:attrNameLst>
+                                          <p:attrName>style.visibility</p:attrName>
+                                        </p:attrNameLst>
+                                      </p:cBhvr>
+                                      <p:to>
+                                        <p:strVal val="visible"/>
+                                      </p:to>
+                                    </p:set>
+                                  </p:childTnLst>
+                                </p:cTn>
+                              </p:par>
+                              <p:par>
+                                <p:cTn id="7" presetID="1" presetClass="entr" presetSubtype="0" fill="hold" nodeType="withEffect">
+                                  <p:stCondLst>
+                                    <p:cond delay="0"/>
+                                  </p:stCondLst>
+                                  <p:childTnLst>
+                                    <p:set>
+                                      <p:cBhvr>
+                                        <p:cTn id="8" dur="1" fill="hold">
+                                          <p:stCondLst>
+                                            <p:cond delay="0"/>
+                                          </p:stCondLst>
+                                        </p:cTn>
+                                        <p:tgtEl>
+                                          <p:spTgt spid="6">
+                                            <p:txEl>
+                                              <p:pRg st="3" end="3"/>
+                                            </p:txEl>
+                                          </p:spTgt>
+                                        </p:tgtEl>
+                                        <p:attrNameLst>
+                                          <p:attrName>style.visibility</p:attrName>
+                                        </p:attrNameLst>
+                                      </p:cBhvr>
+                                      <p:to>
+                                        <p:strVal val="visible"/>
+                                      </p:to>
+                                    </p:set>
+                                  </p:childTnLst>
+                                </p:cTn>
+                              </p:par>
+                            </p:childTnLst>
+                          </p:cTn>
+                        </p:par>
+                      </p:childTnLst>
+                    </p:cTn>
+                  </p:par>
+                  <p:par>
+                    <p:cTn id="9" fill="hold">
+                      <p:stCondLst>
+                        <p:cond delay="indefinite"/>
+                      </p:stCondLst>
+                      <p:childTnLst>
+                        <p:par>
+                          <p:cTn id="10" fill="hold">
+                            <p:stCondLst>
+                              <p:cond delay="0"/>
+                            </p:stCondLst>
+                            <p:childTnLst>
+                              <p:par>
+                                <p:cTn id="11" presetID="1" presetClass="entr" presetSubtype="0" fill="hold" nodeType="clickEffect">
+                                  <p:stCondLst>
+                                    <p:cond delay="0"/>
+                                  </p:stCondLst>
+                                  <p:childTnLst>
+                                    <p:set>
+                                      <p:cBhvr>
+                                        <p:cTn id="12" dur="1" fill="hold">
+                                          <p:stCondLst>
+                                            <p:cond delay="0"/>
+                                          </p:stCondLst>
+                                        </p:cTn>
+                                        <p:tgtEl>
+                                          <p:spTgt spid="6">
+                                            <p:txEl>
+                                              <p:pRg st="4" end="4"/>
+                                            </p:txEl>
+                                          </p:spTgt>
+                                        </p:tgtEl>
+                                        <p:attrNameLst>
+                                          <p:attrName>style.visibility</p:attrName>
+                                        </p:attrNameLst>
+                                      </p:cBhvr>
+                                      <p:to>
+                                        <p:strVal val="visible"/>
+                                      </p:to>
+                                    </p:set>
+                                  </p:childTnLst>
+                                </p:cTn>
+                              </p:par>
+                              <p:par>
+                                <p:cTn id="13" presetID="1" presetClass="entr" presetSubtype="0" fill="hold" nodeType="withEffect">
+                                  <p:stCondLst>
+                                    <p:cond delay="0"/>
+                                  </p:stCondLst>
+                                  <p:childTnLst>
+                                    <p:set>
+                                      <p:cBhvr>
+                                        <p:cTn id="14" dur="1" fill="hold">
+                                          <p:stCondLst>
+                                            <p:cond delay="0"/>
+                                          </p:stCondLst>
+                                        </p:cTn>
+                                        <p:tgtEl>
+                                          <p:spTgt spid="6">
+                                            <p:txEl>
+                                              <p:pRg st="5" end="5"/>
+                                            </p:txEl>
+                                          </p:spTgt>
+                                        </p:tgtEl>
+                                        <p:attrNameLst>
+                                          <p:attrName>style.visibility</p:attrName>
+                                        </p:attrNameLst>
+                                      </p:cBhvr>
+                                      <p:to>
+                                        <p:strVal val="visible"/>
+                                      </p:to>
+                                    </p:set>
+                                  </p:childTnLst>
+                                </p:cTn>
+                              </p:par>
+                              <p:par>
+                                <p:cTn id="15" presetID="1" presetClass="entr" presetSubtype="0" fill="hold" nodeType="withEffect">
+                                  <p:stCondLst>
+                                    <p:cond delay="0"/>
+                                  </p:stCondLst>
+                                  <p:childTnLst>
+                                    <p:set>
+                                      <p:cBhvr>
+                                        <p:cTn id="16" dur="1" fill="hold">
+                                          <p:stCondLst>
+                                            <p:cond delay="0"/>
+                                          </p:stCondLst>
+                                        </p:cTn>
+                                        <p:tgtEl>
+                                          <p:spTgt spid="6">
+                                            <p:txEl>
+                                              <p:pRg st="6" end="6"/>
+                                            </p:txEl>
+                                          </p:spTgt>
+                                        </p:tgtEl>
+                                        <p:attrNameLst>
+                                          <p:attrName>style.visibility</p:attrName>
+                                        </p:attrNameLst>
+                                      </p:cBhvr>
+                                      <p:to>
+                                        <p:strVal val="visible"/>
+                                      </p:to>
+                                    </p:set>
+                                  </p:childTnLst>
+                                </p:cTn>
+                              </p:par>
+                              <p:par>
+                                <p:cTn id="17" presetID="1" presetClass="entr" presetSubtype="0" fill="hold" nodeType="withEffect">
+                                  <p:stCondLst>
+                                    <p:cond delay="0"/>
+                                  </p:stCondLst>
+                                  <p:childTnLst>
+                                    <p:set>
+                                      <p:cBhvr>
+                                        <p:cTn id="18" dur="1" fill="hold">
+                                          <p:stCondLst>
+                                            <p:cond delay="0"/>
+                                          </p:stCondLst>
+                                        </p:cTn>
+                                        <p:tgtEl>
+                                          <p:spTgt spid="6">
+                                            <p:txEl>
+                                              <p:pRg st="7" end="7"/>
+                                            </p:txEl>
+                                          </p:spTgt>
+                                        </p:tgtEl>
+                                        <p:attrNameLst>
+                                          <p:attrName>style.visibility</p:attrName>
+                                        </p:attrNameLst>
+                                      </p:cBhvr>
+                                      <p:to>
+                                        <p:strVal val="visible"/>
+                                      </p:to>
+                                    </p:set>
+                                  </p:childTnLst>
+                                </p:cTn>
+                              </p:par>
+                            </p:childTnLst>
+                          </p:cTn>
+                        </p:par>
+                      </p:childTnLst>
+                    </p:cTn>
+                  </p:par>
+                  <p:par>
+                    <p:cTn id="19" fill="hold">
+                      <p:stCondLst>
+                        <p:cond delay="indefinite"/>
+                      </p:stCondLst>
+                      <p:childTnLst>
+                        <p:par>
+                          <p:cTn id="20" fill="hold">
+                            <p:stCondLst>
+                              <p:cond delay="0"/>
+                            </p:stCondLst>
+                            <p:childTnLst>
+                              <p:par>
+                                <p:cTn id="21" presetID="1" presetClass="entr" presetSubtype="0" fill="hold" grpId="0" nodeType="clickEffect">
+                                  <p:stCondLst>
+                                    <p:cond delay="0"/>
+                                  </p:stCondLst>
+                                  <p:childTnLst>
+                                    <p:set>
+                                      <p:cBhvr>
+                                        <p:cTn id="22" dur="1" fill="hold">
+                                          <p:stCondLst>
+                                            <p:cond delay="0"/>
+                                          </p:stCondLst>
+                                        </p:cTn>
+                                        <p:tgtEl>
+                                          <p:spTgt spid="4"/>
+                                        </p:tgtEl>
+                                        <p:attrNameLst>
+                                          <p:attrName>style.visibility</p:attrName>
+                                        </p:attrNameLst>
+                                      </p:cBhvr>
+                                      <p:to>
+                                        <p:strVal val="visible"/>
+                                      </p:to>
+                                    </p:set>
+                                  </p:childTnLst>
+                                </p:cTn>
+                              </p:par>
+                            </p:childTnLst>
+                          </p:cTn>
+                        </p:par>
+                      </p:childTnLst>
+                    </p:cTn>
+                  </p:par>
+                </p:childTnLst>
+              </p:cTn>
+              <p:prevCondLst>
+                <p:cond evt="onPrev" delay="0">
+                  <p:tgtEl>
+                    <p:sldTgt/>
+                  </p:tgtEl>
+                </p:cond>
+              </p:prevCondLst>
+              <p:nextCondLst>
+                <p:cond evt="onNext" delay="0">
+                  <p:tgtEl>
+                    <p:sldTgt/>
+                  </p:tgtEl>
+                </p:cond>
+              </p:nextCondLst>
+            </p:seq>
+          </p:childTnLst>
+        </p:cTn>
+      </p:par>
+    </p:tnLst>
+    <p:bldLst>
+      <p:bldP spid="4" grpId="0"/>
+    </p:bldLst>
+  </p:timing>
+</p:sld>
+</file>
+
+<file path=ppt/slides/slide23.xml><?xml version="1.0" encoding="utf-8"?>
+<p:sld xmlns:a="http://schemas.openxmlformats.org/drawingml/2006/main" xmlns:r="http://schemas.openxmlformats.org/officeDocument/2006/relationships" xmlns:p="http://schemas.openxmlformats.org/presentationml/2006/main">
+  <p:cSld>
+    <p:spTree>
+      <p:nvGrpSpPr>
+        <p:cNvPr id="1" name=""/>
+        <p:cNvGrpSpPr/>
+        <p:nvPr/>
+      </p:nvGrpSpPr>
+      <p:grpSpPr>
+        <a:xfrm>
+          <a:off x="0" y="0"/>
+          <a:ext cx="0" cy="0"/>
+          <a:chOff x="0" y="0"/>
+          <a:chExt cx="0" cy="0"/>
+        </a:xfrm>
+      </p:grpSpPr>
+      <p:sp>
+        <p:nvSpPr>
+          <p:cNvPr id="2" name="标题 1">
+            <a:extLst>
+              <a:ext uri="{FF2B5EF4-FFF2-40B4-BE49-F238E27FC236}">
+                <a16:creationId xmlns:a16="http://schemas.microsoft.com/office/drawing/2014/main" id="{73308ED9-046E-9F4A-8A33-FF66C8AA2E19}"/>
+              </a:ext>
+            </a:extLst>
+          </p:cNvPr>
+          <p:cNvSpPr>
+            <a:spLocks noGrp="1"/>
+          </p:cNvSpPr>
+          <p:nvPr>
+            <p:ph type="title"/>
           </p:nvPr>
         </p:nvSpPr>
         <p:spPr/>
@@ -21950,20 +28525,763 @@
           <a:bodyPr/>
           <a:lstStyle/>
           <a:p>
-            <a:endParaRPr lang="zh-CN" altLang="en-US"/>
+            <a:r>
+              <a:rPr kumimoji="1" lang="en-US" altLang="zh-CN" dirty="0"/>
+              <a:t>Operator </a:t>
+            </a:r>
+            <a:r>
+              <a:rPr kumimoji="1" lang="en-US" altLang="zh-CN" dirty="0">
+                <a:solidFill>
+                  <a:srgbClr val="0000CC"/>
+                </a:solidFill>
+                <a:latin typeface="Courier" pitchFamily="2" charset="0"/>
+              </a:rPr>
+              <a:t>delete</a:t>
+            </a:r>
+            <a:r>
+              <a:rPr kumimoji="1" lang="en-US" altLang="zh-CN" dirty="0"/>
+              <a:t> and </a:t>
+            </a:r>
+            <a:r>
+              <a:rPr kumimoji="1" lang="en-US" altLang="zh-CN" dirty="0">
+                <a:solidFill>
+                  <a:srgbClr val="0000CC"/>
+                </a:solidFill>
+                <a:latin typeface="Courier" pitchFamily="2" charset="0"/>
+              </a:rPr>
+              <a:t>delete[]</a:t>
+            </a:r>
+            <a:endParaRPr kumimoji="1" lang="zh-CN" altLang="en-US" dirty="0"/>
+          </a:p>
+        </p:txBody>
+      </p:sp>
+      <p:sp>
+        <p:nvSpPr>
+          <p:cNvPr id="3" name="内容占位符 2">
+            <a:extLst>
+              <a:ext uri="{FF2B5EF4-FFF2-40B4-BE49-F238E27FC236}">
+                <a16:creationId xmlns:a16="http://schemas.microsoft.com/office/drawing/2014/main" id="{D2144C1E-6094-B748-AB64-78EE0FEAB599}"/>
+              </a:ext>
+            </a:extLst>
+          </p:cNvPr>
+          <p:cNvSpPr>
+            <a:spLocks noGrp="1"/>
+          </p:cNvSpPr>
+          <p:nvPr>
+            <p:ph idx="1"/>
+          </p:nvPr>
+        </p:nvSpPr>
+        <p:spPr>
+          <a:xfrm>
+            <a:off x="838199" y="1326995"/>
+            <a:ext cx="11053879" cy="591452"/>
+          </a:xfrm>
+        </p:spPr>
+        <p:txBody>
+          <a:bodyPr/>
+          <a:lstStyle/>
+          <a:p>
+            <a:r>
+              <a:rPr kumimoji="1" lang="en-US" altLang="zh-CN" dirty="0"/>
+              <a:t>Destroys object/objects allocated by </a:t>
+            </a:r>
+            <a:r>
+              <a:rPr kumimoji="1" lang="en-US" altLang="zh-CN" dirty="0">
+                <a:solidFill>
+                  <a:srgbClr val="0000CC"/>
+                </a:solidFill>
+                <a:latin typeface="Courier" pitchFamily="2" charset="0"/>
+              </a:rPr>
+              <a:t>new</a:t>
+            </a:r>
+            <a:r>
+              <a:rPr kumimoji="1" lang="en-US" altLang="zh-CN" dirty="0"/>
+              <a:t> and free memory</a:t>
+            </a:r>
+            <a:endParaRPr kumimoji="1" lang="zh-CN" altLang="en-US" dirty="0"/>
+          </a:p>
+        </p:txBody>
+      </p:sp>
+      <p:sp>
+        <p:nvSpPr>
+          <p:cNvPr id="4" name="矩形 3">
+            <a:extLst>
+              <a:ext uri="{FF2B5EF4-FFF2-40B4-BE49-F238E27FC236}">
+                <a16:creationId xmlns:a16="http://schemas.microsoft.com/office/drawing/2014/main" id="{900E1541-564B-CD46-87E1-6F15E0BE0641}"/>
+              </a:ext>
+            </a:extLst>
+          </p:cNvPr>
+          <p:cNvSpPr/>
+          <p:nvPr/>
+        </p:nvSpPr>
+        <p:spPr>
+          <a:xfrm>
+            <a:off x="1376479" y="1918447"/>
+            <a:ext cx="6167321" cy="4524315"/>
+          </a:xfrm>
+          <a:prstGeom prst="rect">
+            <a:avLst/>
+          </a:prstGeom>
+        </p:spPr>
+        <p:txBody>
+          <a:bodyPr wrap="square">
+            <a:spAutoFit/>
+          </a:bodyPr>
+          <a:lstStyle/>
+          <a:p>
+            <a:r>
+              <a:rPr lang="en" altLang="zh-CN" dirty="0">
+                <a:solidFill>
+                  <a:srgbClr val="008000"/>
+                </a:solidFill>
+                <a:latin typeface="Menlo" panose="020B0609030804020204" pitchFamily="49" charset="0"/>
+              </a:rPr>
+              <a:t>//deallocate memory</a:t>
+            </a:r>
+            <a:endParaRPr lang="en" altLang="zh-CN" dirty="0">
+              <a:solidFill>
+                <a:srgbClr val="000000"/>
+              </a:solidFill>
+              <a:latin typeface="Menlo" panose="020B0609030804020204" pitchFamily="49" charset="0"/>
+            </a:endParaRPr>
+          </a:p>
+          <a:p>
+            <a:r>
+              <a:rPr lang="en" altLang="zh-CN" dirty="0">
+                <a:solidFill>
+                  <a:srgbClr val="AF00DB"/>
+                </a:solidFill>
+                <a:latin typeface="Menlo" panose="020B0609030804020204" pitchFamily="49" charset="0"/>
+              </a:rPr>
+              <a:t>delete</a:t>
+            </a:r>
+            <a:r>
+              <a:rPr lang="en" altLang="zh-CN" dirty="0">
+                <a:solidFill>
+                  <a:srgbClr val="000000"/>
+                </a:solidFill>
+                <a:latin typeface="Menlo" panose="020B0609030804020204" pitchFamily="49" charset="0"/>
+              </a:rPr>
+              <a:t> </a:t>
+            </a:r>
+            <a:r>
+              <a:rPr lang="en" altLang="zh-CN" dirty="0">
+                <a:solidFill>
+                  <a:srgbClr val="001080"/>
+                </a:solidFill>
+                <a:latin typeface="Menlo" panose="020B0609030804020204" pitchFamily="49" charset="0"/>
+              </a:rPr>
+              <a:t>p1</a:t>
+            </a:r>
+            <a:r>
+              <a:rPr lang="en" altLang="zh-CN" dirty="0">
+                <a:solidFill>
+                  <a:srgbClr val="000000"/>
+                </a:solidFill>
+                <a:latin typeface="Menlo" panose="020B0609030804020204" pitchFamily="49" charset="0"/>
+              </a:rPr>
+              <a:t>;</a:t>
+            </a:r>
+          </a:p>
+          <a:p>
+            <a:r>
+              <a:rPr lang="en" altLang="zh-CN" dirty="0">
+                <a:solidFill>
+                  <a:srgbClr val="008000"/>
+                </a:solidFill>
+                <a:latin typeface="Menlo" panose="020B0609030804020204" pitchFamily="49" charset="0"/>
+              </a:rPr>
+              <a:t>//deallocate memory</a:t>
+            </a:r>
+            <a:endParaRPr lang="en" altLang="zh-CN" dirty="0">
+              <a:solidFill>
+                <a:srgbClr val="000000"/>
+              </a:solidFill>
+              <a:latin typeface="Menlo" panose="020B0609030804020204" pitchFamily="49" charset="0"/>
+            </a:endParaRPr>
+          </a:p>
+          <a:p>
+            <a:r>
+              <a:rPr lang="en" altLang="zh-CN" dirty="0">
+                <a:solidFill>
+                  <a:srgbClr val="AF00DB"/>
+                </a:solidFill>
+                <a:latin typeface="Menlo" panose="020B0609030804020204" pitchFamily="49" charset="0"/>
+              </a:rPr>
+              <a:t>delete</a:t>
+            </a:r>
+            <a:r>
+              <a:rPr lang="en" altLang="zh-CN" dirty="0">
+                <a:solidFill>
+                  <a:srgbClr val="000000"/>
+                </a:solidFill>
+                <a:latin typeface="Menlo" panose="020B0609030804020204" pitchFamily="49" charset="0"/>
+              </a:rPr>
+              <a:t> </a:t>
+            </a:r>
+            <a:r>
+              <a:rPr lang="en" altLang="zh-CN" dirty="0">
+                <a:solidFill>
+                  <a:srgbClr val="001080"/>
+                </a:solidFill>
+                <a:latin typeface="Menlo" panose="020B0609030804020204" pitchFamily="49" charset="0"/>
+              </a:rPr>
+              <a:t>ps1</a:t>
+            </a:r>
+            <a:r>
+              <a:rPr lang="en" altLang="zh-CN" dirty="0">
+                <a:solidFill>
+                  <a:srgbClr val="000000"/>
+                </a:solidFill>
+                <a:latin typeface="Menlo" panose="020B0609030804020204" pitchFamily="49" charset="0"/>
+              </a:rPr>
+              <a:t>;</a:t>
+            </a:r>
+          </a:p>
+          <a:p>
+            <a:br>
+              <a:rPr lang="en" altLang="zh-CN" dirty="0">
+                <a:solidFill>
+                  <a:srgbClr val="000000"/>
+                </a:solidFill>
+                <a:latin typeface="Menlo" panose="020B0609030804020204" pitchFamily="49" charset="0"/>
+              </a:rPr>
+            </a:br>
+            <a:r>
+              <a:rPr lang="en" altLang="zh-CN" dirty="0">
+                <a:solidFill>
+                  <a:srgbClr val="008000"/>
+                </a:solidFill>
+                <a:latin typeface="Menlo" panose="020B0609030804020204" pitchFamily="49" charset="0"/>
+              </a:rPr>
+              <a:t>//deallocate the memory of the array</a:t>
+            </a:r>
+            <a:endParaRPr lang="en" altLang="zh-CN" dirty="0">
+              <a:solidFill>
+                <a:srgbClr val="000000"/>
+              </a:solidFill>
+              <a:latin typeface="Menlo" panose="020B0609030804020204" pitchFamily="49" charset="0"/>
+            </a:endParaRPr>
+          </a:p>
+          <a:p>
+            <a:r>
+              <a:rPr lang="en" altLang="zh-CN" dirty="0">
+                <a:solidFill>
+                  <a:srgbClr val="AF00DB"/>
+                </a:solidFill>
+                <a:latin typeface="Menlo" panose="020B0609030804020204" pitchFamily="49" charset="0"/>
+              </a:rPr>
+              <a:t>delete</a:t>
+            </a:r>
+            <a:r>
+              <a:rPr lang="en" altLang="zh-CN" dirty="0">
+                <a:solidFill>
+                  <a:srgbClr val="000000"/>
+                </a:solidFill>
+                <a:latin typeface="Menlo" panose="020B0609030804020204" pitchFamily="49" charset="0"/>
+              </a:rPr>
+              <a:t> </a:t>
+            </a:r>
+            <a:r>
+              <a:rPr lang="en" altLang="zh-CN" dirty="0">
+                <a:solidFill>
+                  <a:srgbClr val="001080"/>
+                </a:solidFill>
+                <a:latin typeface="Menlo" panose="020B0609030804020204" pitchFamily="49" charset="0"/>
+              </a:rPr>
+              <a:t>pa1</a:t>
+            </a:r>
+            <a:r>
+              <a:rPr lang="en" altLang="zh-CN" dirty="0">
+                <a:solidFill>
+                  <a:srgbClr val="000000"/>
+                </a:solidFill>
+                <a:latin typeface="Menlo" panose="020B0609030804020204" pitchFamily="49" charset="0"/>
+              </a:rPr>
+              <a:t>;</a:t>
+            </a:r>
+          </a:p>
+          <a:p>
+            <a:r>
+              <a:rPr lang="en" altLang="zh-CN" dirty="0">
+                <a:solidFill>
+                  <a:srgbClr val="008000"/>
+                </a:solidFill>
+                <a:latin typeface="Menlo" panose="020B0609030804020204" pitchFamily="49" charset="0"/>
+              </a:rPr>
+              <a:t>//deallocate the memory of the array</a:t>
+            </a:r>
+            <a:endParaRPr lang="en" altLang="zh-CN" dirty="0">
+              <a:solidFill>
+                <a:srgbClr val="000000"/>
+              </a:solidFill>
+              <a:latin typeface="Menlo" panose="020B0609030804020204" pitchFamily="49" charset="0"/>
+            </a:endParaRPr>
+          </a:p>
+          <a:p>
+            <a:r>
+              <a:rPr lang="en" altLang="zh-CN" dirty="0">
+                <a:solidFill>
+                  <a:srgbClr val="AF00DB"/>
+                </a:solidFill>
+                <a:latin typeface="Menlo" panose="020B0609030804020204" pitchFamily="49" charset="0"/>
+              </a:rPr>
+              <a:t>delete []</a:t>
+            </a:r>
+            <a:r>
+              <a:rPr lang="en" altLang="zh-CN" dirty="0">
+                <a:solidFill>
+                  <a:srgbClr val="001080"/>
+                </a:solidFill>
+                <a:latin typeface="Menlo" panose="020B0609030804020204" pitchFamily="49" charset="0"/>
+              </a:rPr>
+              <a:t>pa2</a:t>
+            </a:r>
+            <a:r>
+              <a:rPr lang="en" altLang="zh-CN" dirty="0">
+                <a:solidFill>
+                  <a:srgbClr val="000000"/>
+                </a:solidFill>
+                <a:latin typeface="Menlo" panose="020B0609030804020204" pitchFamily="49" charset="0"/>
+              </a:rPr>
+              <a:t>;</a:t>
+            </a:r>
+          </a:p>
+          <a:p>
+            <a:br>
+              <a:rPr lang="en" altLang="zh-CN" dirty="0">
+                <a:solidFill>
+                  <a:srgbClr val="000000"/>
+                </a:solidFill>
+                <a:latin typeface="Menlo" panose="020B0609030804020204" pitchFamily="49" charset="0"/>
+              </a:rPr>
+            </a:br>
+            <a:r>
+              <a:rPr lang="en" altLang="zh-CN" dirty="0">
+                <a:solidFill>
+                  <a:srgbClr val="008000"/>
+                </a:solidFill>
+                <a:latin typeface="Menlo" panose="020B0609030804020204" pitchFamily="49" charset="0"/>
+              </a:rPr>
+              <a:t>//deallocate the memory of the array, and call the destructor of the first element</a:t>
+            </a:r>
+            <a:endParaRPr lang="en" altLang="zh-CN" dirty="0">
+              <a:solidFill>
+                <a:srgbClr val="000000"/>
+              </a:solidFill>
+              <a:latin typeface="Menlo" panose="020B0609030804020204" pitchFamily="49" charset="0"/>
+            </a:endParaRPr>
+          </a:p>
+          <a:p>
+            <a:r>
+              <a:rPr lang="en" altLang="zh-CN" dirty="0">
+                <a:solidFill>
+                  <a:srgbClr val="AF00DB"/>
+                </a:solidFill>
+                <a:latin typeface="Menlo" panose="020B0609030804020204" pitchFamily="49" charset="0"/>
+              </a:rPr>
+              <a:t>delete</a:t>
+            </a:r>
+            <a:r>
+              <a:rPr lang="en" altLang="zh-CN" dirty="0">
+                <a:solidFill>
+                  <a:srgbClr val="000000"/>
+                </a:solidFill>
+                <a:latin typeface="Menlo" panose="020B0609030804020204" pitchFamily="49" charset="0"/>
+              </a:rPr>
+              <a:t> </a:t>
+            </a:r>
+            <a:r>
+              <a:rPr lang="en" altLang="zh-CN" dirty="0">
+                <a:solidFill>
+                  <a:srgbClr val="001080"/>
+                </a:solidFill>
+                <a:latin typeface="Menlo" panose="020B0609030804020204" pitchFamily="49" charset="0"/>
+              </a:rPr>
+              <a:t>psa1</a:t>
+            </a:r>
+            <a:r>
+              <a:rPr lang="en" altLang="zh-CN" dirty="0">
+                <a:solidFill>
+                  <a:srgbClr val="000000"/>
+                </a:solidFill>
+                <a:latin typeface="Menlo" panose="020B0609030804020204" pitchFamily="49" charset="0"/>
+              </a:rPr>
+              <a:t>;</a:t>
+            </a:r>
+          </a:p>
+          <a:p>
+            <a:r>
+              <a:rPr lang="en" altLang="zh-CN" dirty="0">
+                <a:solidFill>
+                  <a:srgbClr val="008000"/>
+                </a:solidFill>
+                <a:latin typeface="Menlo" panose="020B0609030804020204" pitchFamily="49" charset="0"/>
+              </a:rPr>
+              <a:t>//deallocate the memory of the array, and call the destructors of all the elements</a:t>
+            </a:r>
+            <a:endParaRPr lang="en" altLang="zh-CN" dirty="0">
+              <a:solidFill>
+                <a:srgbClr val="000000"/>
+              </a:solidFill>
+              <a:latin typeface="Menlo" panose="020B0609030804020204" pitchFamily="49" charset="0"/>
+            </a:endParaRPr>
+          </a:p>
+          <a:p>
+            <a:r>
+              <a:rPr lang="en" altLang="zh-CN" dirty="0">
+                <a:solidFill>
+                  <a:srgbClr val="AF00DB"/>
+                </a:solidFill>
+                <a:latin typeface="Menlo" panose="020B0609030804020204" pitchFamily="49" charset="0"/>
+              </a:rPr>
+              <a:t>delete []</a:t>
+            </a:r>
+            <a:r>
+              <a:rPr lang="en" altLang="zh-CN" dirty="0">
+                <a:solidFill>
+                  <a:srgbClr val="001080"/>
+                </a:solidFill>
+                <a:latin typeface="Menlo" panose="020B0609030804020204" pitchFamily="49" charset="0"/>
+              </a:rPr>
+              <a:t>psa2</a:t>
+            </a:r>
+            <a:r>
+              <a:rPr lang="en" altLang="zh-CN" dirty="0">
+                <a:solidFill>
+                  <a:srgbClr val="000000"/>
+                </a:solidFill>
+                <a:latin typeface="Menlo" panose="020B0609030804020204" pitchFamily="49" charset="0"/>
+              </a:rPr>
+              <a:t>;</a:t>
+            </a:r>
           </a:p>
         </p:txBody>
       </p:sp>
     </p:spTree>
     <p:extLst>
       <p:ext uri="{BB962C8B-B14F-4D97-AF65-F5344CB8AC3E}">
-        <p14:creationId xmlns:p14="http://schemas.microsoft.com/office/powerpoint/2010/main" val="1970262190"/>
+        <p14:creationId xmlns:p14="http://schemas.microsoft.com/office/powerpoint/2010/main" val="2447850835"/>
       </p:ext>
     </p:extLst>
   </p:cSld>
   <p:clrMapOvr>
     <a:masterClrMapping/>
   </p:clrMapOvr>
+  <p:timing>
+    <p:tnLst>
+      <p:par>
+        <p:cTn id="1" dur="indefinite" restart="never" nodeType="tmRoot">
+          <p:childTnLst>
+            <p:seq concurrent="1" nextAc="seek">
+              <p:cTn id="2" dur="indefinite" nodeType="mainSeq">
+                <p:childTnLst>
+                  <p:par>
+                    <p:cTn id="3" fill="hold">
+                      <p:stCondLst>
+                        <p:cond delay="indefinite"/>
+                      </p:stCondLst>
+                      <p:childTnLst>
+                        <p:par>
+                          <p:cTn id="4" fill="hold">
+                            <p:stCondLst>
+                              <p:cond delay="0"/>
+                            </p:stCondLst>
+                            <p:childTnLst>
+                              <p:par>
+                                <p:cTn id="5" presetID="1" presetClass="entr" presetSubtype="0" fill="hold" nodeType="clickEffect">
+                                  <p:stCondLst>
+                                    <p:cond delay="0"/>
+                                  </p:stCondLst>
+                                  <p:childTnLst>
+                                    <p:set>
+                                      <p:cBhvr>
+                                        <p:cTn id="6" dur="1" fill="hold">
+                                          <p:stCondLst>
+                                            <p:cond delay="0"/>
+                                          </p:stCondLst>
+                                        </p:cTn>
+                                        <p:tgtEl>
+                                          <p:spTgt spid="4">
+                                            <p:txEl>
+                                              <p:pRg st="4" end="4"/>
+                                            </p:txEl>
+                                          </p:spTgt>
+                                        </p:tgtEl>
+                                        <p:attrNameLst>
+                                          <p:attrName>style.visibility</p:attrName>
+                                        </p:attrNameLst>
+                                      </p:cBhvr>
+                                      <p:to>
+                                        <p:strVal val="visible"/>
+                                      </p:to>
+                                    </p:set>
+                                  </p:childTnLst>
+                                </p:cTn>
+                              </p:par>
+                              <p:par>
+                                <p:cTn id="7" presetID="1" presetClass="entr" presetSubtype="0" fill="hold" nodeType="withEffect">
+                                  <p:stCondLst>
+                                    <p:cond delay="0"/>
+                                  </p:stCondLst>
+                                  <p:childTnLst>
+                                    <p:set>
+                                      <p:cBhvr>
+                                        <p:cTn id="8" dur="1" fill="hold">
+                                          <p:stCondLst>
+                                            <p:cond delay="0"/>
+                                          </p:stCondLst>
+                                        </p:cTn>
+                                        <p:tgtEl>
+                                          <p:spTgt spid="4">
+                                            <p:txEl>
+                                              <p:pRg st="5" end="5"/>
+                                            </p:txEl>
+                                          </p:spTgt>
+                                        </p:tgtEl>
+                                        <p:attrNameLst>
+                                          <p:attrName>style.visibility</p:attrName>
+                                        </p:attrNameLst>
+                                      </p:cBhvr>
+                                      <p:to>
+                                        <p:strVal val="visible"/>
+                                      </p:to>
+                                    </p:set>
+                                  </p:childTnLst>
+                                </p:cTn>
+                              </p:par>
+                              <p:par>
+                                <p:cTn id="9" presetID="1" presetClass="entr" presetSubtype="0" fill="hold" nodeType="withEffect">
+                                  <p:stCondLst>
+                                    <p:cond delay="0"/>
+                                  </p:stCondLst>
+                                  <p:childTnLst>
+                                    <p:set>
+                                      <p:cBhvr>
+                                        <p:cTn id="10" dur="1" fill="hold">
+                                          <p:stCondLst>
+                                            <p:cond delay="0"/>
+                                          </p:stCondLst>
+                                        </p:cTn>
+                                        <p:tgtEl>
+                                          <p:spTgt spid="4">
+                                            <p:txEl>
+                                              <p:pRg st="6" end="6"/>
+                                            </p:txEl>
+                                          </p:spTgt>
+                                        </p:tgtEl>
+                                        <p:attrNameLst>
+                                          <p:attrName>style.visibility</p:attrName>
+                                        </p:attrNameLst>
+                                      </p:cBhvr>
+                                      <p:to>
+                                        <p:strVal val="visible"/>
+                                      </p:to>
+                                    </p:set>
+                                  </p:childTnLst>
+                                </p:cTn>
+                              </p:par>
+                              <p:par>
+                                <p:cTn id="11" presetID="1" presetClass="entr" presetSubtype="0" fill="hold" nodeType="withEffect">
+                                  <p:stCondLst>
+                                    <p:cond delay="0"/>
+                                  </p:stCondLst>
+                                  <p:childTnLst>
+                                    <p:set>
+                                      <p:cBhvr>
+                                        <p:cTn id="12" dur="1" fill="hold">
+                                          <p:stCondLst>
+                                            <p:cond delay="0"/>
+                                          </p:stCondLst>
+                                        </p:cTn>
+                                        <p:tgtEl>
+                                          <p:spTgt spid="4">
+                                            <p:txEl>
+                                              <p:pRg st="7" end="7"/>
+                                            </p:txEl>
+                                          </p:spTgt>
+                                        </p:tgtEl>
+                                        <p:attrNameLst>
+                                          <p:attrName>style.visibility</p:attrName>
+                                        </p:attrNameLst>
+                                      </p:cBhvr>
+                                      <p:to>
+                                        <p:strVal val="visible"/>
+                                      </p:to>
+                                    </p:set>
+                                  </p:childTnLst>
+                                </p:cTn>
+                              </p:par>
+                            </p:childTnLst>
+                          </p:cTn>
+                        </p:par>
+                      </p:childTnLst>
+                    </p:cTn>
+                  </p:par>
+                  <p:par>
+                    <p:cTn id="13" fill="hold">
+                      <p:stCondLst>
+                        <p:cond delay="indefinite"/>
+                      </p:stCondLst>
+                      <p:childTnLst>
+                        <p:par>
+                          <p:cTn id="14" fill="hold">
+                            <p:stCondLst>
+                              <p:cond delay="0"/>
+                            </p:stCondLst>
+                            <p:childTnLst>
+                              <p:par>
+                                <p:cTn id="15" presetID="1" presetClass="entr" presetSubtype="0" fill="hold" nodeType="clickEffect">
+                                  <p:stCondLst>
+                                    <p:cond delay="0"/>
+                                  </p:stCondLst>
+                                  <p:childTnLst>
+                                    <p:set>
+                                      <p:cBhvr>
+                                        <p:cTn id="16" dur="1" fill="hold">
+                                          <p:stCondLst>
+                                            <p:cond delay="0"/>
+                                          </p:stCondLst>
+                                        </p:cTn>
+                                        <p:tgtEl>
+                                          <p:spTgt spid="4">
+                                            <p:txEl>
+                                              <p:pRg st="8" end="8"/>
+                                            </p:txEl>
+                                          </p:spTgt>
+                                        </p:tgtEl>
+                                        <p:attrNameLst>
+                                          <p:attrName>style.visibility</p:attrName>
+                                        </p:attrNameLst>
+                                      </p:cBhvr>
+                                      <p:to>
+                                        <p:strVal val="visible"/>
+                                      </p:to>
+                                    </p:set>
+                                  </p:childTnLst>
+                                </p:cTn>
+                              </p:par>
+                              <p:par>
+                                <p:cTn id="17" presetID="1" presetClass="entr" presetSubtype="0" fill="hold" nodeType="withEffect">
+                                  <p:stCondLst>
+                                    <p:cond delay="0"/>
+                                  </p:stCondLst>
+                                  <p:childTnLst>
+                                    <p:set>
+                                      <p:cBhvr>
+                                        <p:cTn id="18" dur="1" fill="hold">
+                                          <p:stCondLst>
+                                            <p:cond delay="0"/>
+                                          </p:stCondLst>
+                                        </p:cTn>
+                                        <p:tgtEl>
+                                          <p:spTgt spid="4">
+                                            <p:txEl>
+                                              <p:pRg st="9" end="9"/>
+                                            </p:txEl>
+                                          </p:spTgt>
+                                        </p:tgtEl>
+                                        <p:attrNameLst>
+                                          <p:attrName>style.visibility</p:attrName>
+                                        </p:attrNameLst>
+                                      </p:cBhvr>
+                                      <p:to>
+                                        <p:strVal val="visible"/>
+                                      </p:to>
+                                    </p:set>
+                                  </p:childTnLst>
+                                </p:cTn>
+                              </p:par>
+                              <p:par>
+                                <p:cTn id="19" presetID="1" presetClass="entr" presetSubtype="0" fill="hold" nodeType="withEffect">
+                                  <p:stCondLst>
+                                    <p:cond delay="0"/>
+                                  </p:stCondLst>
+                                  <p:childTnLst>
+                                    <p:set>
+                                      <p:cBhvr>
+                                        <p:cTn id="20" dur="1" fill="hold">
+                                          <p:stCondLst>
+                                            <p:cond delay="0"/>
+                                          </p:stCondLst>
+                                        </p:cTn>
+                                        <p:tgtEl>
+                                          <p:spTgt spid="4">
+                                            <p:txEl>
+                                              <p:pRg st="10" end="10"/>
+                                            </p:txEl>
+                                          </p:spTgt>
+                                        </p:tgtEl>
+                                        <p:attrNameLst>
+                                          <p:attrName>style.visibility</p:attrName>
+                                        </p:attrNameLst>
+                                      </p:cBhvr>
+                                      <p:to>
+                                        <p:strVal val="visible"/>
+                                      </p:to>
+                                    </p:set>
+                                  </p:childTnLst>
+                                </p:cTn>
+                              </p:par>
+                              <p:par>
+                                <p:cTn id="21" presetID="1" presetClass="entr" presetSubtype="0" fill="hold" nodeType="withEffect">
+                                  <p:stCondLst>
+                                    <p:cond delay="0"/>
+                                  </p:stCondLst>
+                                  <p:childTnLst>
+                                    <p:set>
+                                      <p:cBhvr>
+                                        <p:cTn id="22" dur="1" fill="hold">
+                                          <p:stCondLst>
+                                            <p:cond delay="0"/>
+                                          </p:stCondLst>
+                                        </p:cTn>
+                                        <p:tgtEl>
+                                          <p:spTgt spid="4">
+                                            <p:txEl>
+                                              <p:pRg st="11" end="11"/>
+                                            </p:txEl>
+                                          </p:spTgt>
+                                        </p:tgtEl>
+                                        <p:attrNameLst>
+                                          <p:attrName>style.visibility</p:attrName>
+                                        </p:attrNameLst>
+                                      </p:cBhvr>
+                                      <p:to>
+                                        <p:strVal val="visible"/>
+                                      </p:to>
+                                    </p:set>
+                                  </p:childTnLst>
+                                </p:cTn>
+                              </p:par>
+                            </p:childTnLst>
+                          </p:cTn>
+                        </p:par>
+                      </p:childTnLst>
+                    </p:cTn>
+                  </p:par>
+                </p:childTnLst>
+              </p:cTn>
+              <p:prevCondLst>
+                <p:cond evt="onPrev" delay="0">
+                  <p:tgtEl>
+                    <p:sldTgt/>
+                  </p:tgtEl>
+                </p:cond>
+              </p:prevCondLst>
+              <p:nextCondLst>
+                <p:cond evt="onNext" delay="0">
+                  <p:tgtEl>
+                    <p:sldTgt/>
+                  </p:tgtEl>
+                </p:cond>
+              </p:nextCondLst>
+            </p:seq>
+          </p:childTnLst>
+        </p:cTn>
+      </p:par>
+    </p:tnLst>
+  </p:timing>
 </p:sld>
 </file>
 
@@ -24932,6 +32250,21 @@
                 <a:close/>
               </a:path>
               <a:path w="1898713" h="1754325" fill="none" extrusionOk="0">
+                <a:moveTo>
+                  <a:pt x="1452262" y="133185"/>
+                </a:moveTo>
+                <a:cubicBezTo>
+                  <a:pt x="1724414" y="236459"/>
+                  <a:pt x="1871073" y="614593"/>
+                  <a:pt x="1898712" y="878498"/>
+                </a:cubicBezTo>
+                <a:cubicBezTo>
+                  <a:pt x="1925109" y="1196464"/>
+                  <a:pt x="1762292" y="1470743"/>
+                  <a:pt x="1450069" y="1622404"/>
+                </a:cubicBezTo>
+              </a:path>
+              <a:path w="1898713" h="1754325" fill="none" stroke="0" extrusionOk="0">
                 <a:moveTo>
                   <a:pt x="1452262" y="133185"/>
                 </a:moveTo>
@@ -25084,6 +32417,26 @@
                 <a:close/>
               </a:path>
               <a:path w="2456533" h="2472571" fill="none" extrusionOk="0">
+                <a:moveTo>
+                  <a:pt x="1086545" y="8257"/>
+                </a:moveTo>
+                <a:cubicBezTo>
+                  <a:pt x="1502386" y="-54486"/>
+                  <a:pt x="2069591" y="220732"/>
+                  <a:pt x="2262820" y="569892"/>
+                </a:cubicBezTo>
+                <a:cubicBezTo>
+                  <a:pt x="2527877" y="985582"/>
+                  <a:pt x="2523809" y="1492382"/>
+                  <a:pt x="2282809" y="1870143"/>
+                </a:cubicBezTo>
+                <a:cubicBezTo>
+                  <a:pt x="2051062" y="2289746"/>
+                  <a:pt x="1617371" y="2538383"/>
+                  <a:pt x="1124714" y="2468170"/>
+                </a:cubicBezTo>
+              </a:path>
+              <a:path w="2456533" h="2472571" fill="none" stroke="0" extrusionOk="0">
                 <a:moveTo>
                   <a:pt x="1086545" y="8257"/>
                 </a:moveTo>
@@ -29777,6 +37130,26 @@
                 <a:close/>
               </a:path>
               <a:path w="2456533" h="1555671" fill="none" extrusionOk="0">
+                <a:moveTo>
+                  <a:pt x="1138739" y="2069"/>
+                </a:moveTo>
+                <a:cubicBezTo>
+                  <a:pt x="1483180" y="-15516"/>
+                  <a:pt x="1848661" y="75491"/>
+                  <a:pt x="2089369" y="223168"/>
+                </a:cubicBezTo>
+                <a:cubicBezTo>
+                  <a:pt x="2592818" y="558896"/>
+                  <a:pt x="2588561" y="1090773"/>
+                  <a:pt x="2119140" y="1313316"/>
+                </a:cubicBezTo>
+                <a:cubicBezTo>
+                  <a:pt x="1897220" y="1518029"/>
+                  <a:pt x="1550488" y="1601452"/>
+                  <a:pt x="1162974" y="1554572"/>
+                </a:cubicBezTo>
+              </a:path>
+              <a:path w="2456533" h="1555671" fill="none" stroke="0" extrusionOk="0">
                 <a:moveTo>
                   <a:pt x="1138739" y="2069"/>
                 </a:moveTo>

--- a/week05/Lecture05.pptx
+++ b/week05/Lecture05.pptx
@@ -219,7 +219,7 @@
           <a:p>
             <a:fld id="{634F3F22-B4BB-3F48-9180-464A9F2D66D1}" type="datetimeFigureOut">
               <a:rPr kumimoji="1" lang="zh-CN" altLang="en-US" smtClean="0"/>
-              <a:t>2021/10/7</a:t>
+              <a:t>2021/10/8</a:t>
             </a:fld>
             <a:endParaRPr kumimoji="1" lang="zh-CN" altLang="en-US"/>
           </a:p>
@@ -699,7 +699,7 @@
           <a:p>
             <a:fld id="{FC19A4FA-3D9A-4114-B0D5-759CBD56F1AB}" type="datetimeFigureOut">
               <a:rPr lang="zh-CN" altLang="en-US" smtClean="0"/>
-              <a:t>2021/10/7</a:t>
+              <a:t>2021/10/8</a:t>
             </a:fld>
             <a:endParaRPr lang="zh-CN" altLang="en-US"/>
           </a:p>
@@ -902,7 +902,7 @@
           <a:p>
             <a:fld id="{FC19A4FA-3D9A-4114-B0D5-759CBD56F1AB}" type="datetimeFigureOut">
               <a:rPr lang="zh-CN" altLang="en-US" smtClean="0"/>
-              <a:t>2021/10/7</a:t>
+              <a:t>2021/10/8</a:t>
             </a:fld>
             <a:endParaRPr lang="zh-CN" altLang="en-US"/>
           </a:p>
@@ -1080,7 +1080,7 @@
           <a:p>
             <a:fld id="{FC19A4FA-3D9A-4114-B0D5-759CBD56F1AB}" type="datetimeFigureOut">
               <a:rPr lang="zh-CN" altLang="en-US" smtClean="0"/>
-              <a:t>2021/10/7</a:t>
+              <a:t>2021/10/8</a:t>
             </a:fld>
             <a:endParaRPr lang="zh-CN" altLang="en-US"/>
           </a:p>
@@ -1304,7 +1304,7 @@
           <a:p>
             <a:fld id="{FC19A4FA-3D9A-4114-B0D5-759CBD56F1AB}" type="datetimeFigureOut">
               <a:rPr lang="zh-CN" altLang="en-US" smtClean="0"/>
-              <a:t>2021/10/7</a:t>
+              <a:t>2021/10/8</a:t>
             </a:fld>
             <a:endParaRPr lang="zh-CN" altLang="en-US"/>
           </a:p>
@@ -1538,7 +1538,7 @@
           <a:p>
             <a:fld id="{FC19A4FA-3D9A-4114-B0D5-759CBD56F1AB}" type="datetimeFigureOut">
               <a:rPr lang="zh-CN" altLang="en-US" smtClean="0"/>
-              <a:t>2021/10/7</a:t>
+              <a:t>2021/10/8</a:t>
             </a:fld>
             <a:endParaRPr lang="zh-CN" altLang="en-US"/>
           </a:p>
@@ -1937,7 +1937,7 @@
           <a:p>
             <a:fld id="{FC19A4FA-3D9A-4114-B0D5-759CBD56F1AB}" type="datetimeFigureOut">
               <a:rPr lang="zh-CN" altLang="en-US" smtClean="0"/>
-              <a:t>2021/10/7</a:t>
+              <a:t>2021/10/8</a:t>
             </a:fld>
             <a:endParaRPr lang="zh-CN" altLang="en-US"/>
           </a:p>
@@ -2217,7 +2217,7 @@
           <a:p>
             <a:fld id="{FC19A4FA-3D9A-4114-B0D5-759CBD56F1AB}" type="datetimeFigureOut">
               <a:rPr lang="zh-CN" altLang="en-US" smtClean="0"/>
-              <a:t>2021/10/7</a:t>
+              <a:t>2021/10/8</a:t>
             </a:fld>
             <a:endParaRPr lang="zh-CN" altLang="en-US"/>
           </a:p>
@@ -2369,7 +2369,7 @@
           <a:p>
             <a:fld id="{FC19A4FA-3D9A-4114-B0D5-759CBD56F1AB}" type="datetimeFigureOut">
               <a:rPr lang="zh-CN" altLang="en-US" smtClean="0"/>
-              <a:t>2021/10/7</a:t>
+              <a:t>2021/10/8</a:t>
             </a:fld>
             <a:endParaRPr lang="zh-CN" altLang="en-US"/>
           </a:p>
@@ -2499,7 +2499,7 @@
           <a:p>
             <a:fld id="{FC19A4FA-3D9A-4114-B0D5-759CBD56F1AB}" type="datetimeFigureOut">
               <a:rPr lang="zh-CN" altLang="en-US" smtClean="0"/>
-              <a:t>2021/10/7</a:t>
+              <a:t>2021/10/8</a:t>
             </a:fld>
             <a:endParaRPr lang="zh-CN" altLang="en-US"/>
           </a:p>
@@ -2809,7 +2809,7 @@
           <a:p>
             <a:fld id="{FC19A4FA-3D9A-4114-B0D5-759CBD56F1AB}" type="datetimeFigureOut">
               <a:rPr lang="zh-CN" altLang="en-US" smtClean="0"/>
-              <a:t>2021/10/7</a:t>
+              <a:t>2021/10/8</a:t>
             </a:fld>
             <a:endParaRPr lang="zh-CN" altLang="en-US"/>
           </a:p>
@@ -3096,7 +3096,7 @@
           <a:p>
             <a:fld id="{FC19A4FA-3D9A-4114-B0D5-759CBD56F1AB}" type="datetimeFigureOut">
               <a:rPr lang="zh-CN" altLang="en-US" smtClean="0"/>
-              <a:t>2021/10/7</a:t>
+              <a:t>2021/10/8</a:t>
             </a:fld>
             <a:endParaRPr lang="zh-CN" altLang="en-US"/>
           </a:p>
@@ -3389,7 +3389,7 @@
           <a:p>
             <a:fld id="{FC19A4FA-3D9A-4114-B0D5-759CBD56F1AB}" type="datetimeFigureOut">
               <a:rPr lang="zh-CN" altLang="en-US" smtClean="0"/>
-              <a:t>2021/10/7</a:t>
+              <a:t>2021/10/8</a:t>
             </a:fld>
             <a:endParaRPr lang="zh-CN" altLang="en-US"/>
           </a:p>
@@ -4952,7 +4952,7 @@
           <p:nvPr>
             <p:extLst>
               <p:ext uri="{D42A27DB-BD31-4B8C-83A1-F6EECF244321}">
-                <p14:modId xmlns:p14="http://schemas.microsoft.com/office/powerpoint/2010/main" val="371117376"/>
+                <p14:modId xmlns:p14="http://schemas.microsoft.com/office/powerpoint/2010/main" val="3510217645"/>
               </p:ext>
             </p:extLst>
           </p:nvPr>
@@ -7293,7 +7293,7 @@
           <p:nvPr>
             <p:extLst>
               <p:ext uri="{D42A27DB-BD31-4B8C-83A1-F6EECF244321}">
-                <p14:modId xmlns:p14="http://schemas.microsoft.com/office/powerpoint/2010/main" val="992988092"/>
+                <p14:modId xmlns:p14="http://schemas.microsoft.com/office/powerpoint/2010/main" val="569139081"/>
               </p:ext>
             </p:extLst>
           </p:nvPr>
@@ -8256,7 +8256,7 @@
           <p:nvPr>
             <p:extLst>
               <p:ext uri="{D42A27DB-BD31-4B8C-83A1-F6EECF244321}">
-                <p14:modId xmlns:p14="http://schemas.microsoft.com/office/powerpoint/2010/main" val="3493765668"/>
+                <p14:modId xmlns:p14="http://schemas.microsoft.com/office/powerpoint/2010/main" val="488477090"/>
               </p:ext>
             </p:extLst>
           </p:nvPr>
@@ -9219,7 +9219,7 @@
           <p:nvPr>
             <p:extLst>
               <p:ext uri="{D42A27DB-BD31-4B8C-83A1-F6EECF244321}">
-                <p14:modId xmlns:p14="http://schemas.microsoft.com/office/powerpoint/2010/main" val="2470118168"/>
+                <p14:modId xmlns:p14="http://schemas.microsoft.com/office/powerpoint/2010/main" val="493470620"/>
               </p:ext>
             </p:extLst>
           </p:nvPr>
@@ -10182,7 +10182,7 @@
           <p:nvPr>
             <p:extLst>
               <p:ext uri="{D42A27DB-BD31-4B8C-83A1-F6EECF244321}">
-                <p14:modId xmlns:p14="http://schemas.microsoft.com/office/powerpoint/2010/main" val="3626685836"/>
+                <p14:modId xmlns:p14="http://schemas.microsoft.com/office/powerpoint/2010/main" val="3278098067"/>
               </p:ext>
             </p:extLst>
           </p:nvPr>
@@ -12958,7 +12958,7 @@
                 </a:solidFill>
                 <a:latin typeface="Menlo" panose="020B0609030804020204" pitchFamily="49" charset="0"/>
               </a:rPr>
-              <a:t>;</a:t>
+              <a:t>; </a:t>
             </a:r>
           </a:p>
           <a:p>
@@ -29423,8 +29423,8 @@
         </p:nvSpPr>
         <p:spPr>
           <a:xfrm>
-            <a:off x="896814" y="4074312"/>
-            <a:ext cx="10632830" cy="1754326"/>
+            <a:off x="838199" y="3727938"/>
+            <a:ext cx="10632830" cy="2031325"/>
           </a:xfrm>
           <a:prstGeom prst="rect">
             <a:avLst/>
@@ -29452,25 +29452,7 @@
                 </a:solidFill>
                 <a:latin typeface="Menlo" panose="020B0609030804020204" pitchFamily="49" charset="0"/>
               </a:rPr>
-              <a:t> </a:t>
-            </a:r>
-            <a:r>
-              <a:rPr lang="en" altLang="zh-CN" dirty="0">
-                <a:solidFill>
-                  <a:srgbClr val="001080"/>
-                </a:solidFill>
-                <a:latin typeface="Menlo" panose="020B0609030804020204" pitchFamily="49" charset="0"/>
-              </a:rPr>
-              <a:t>num</a:t>
-            </a:r>
-            <a:r>
-              <a:rPr lang="en" altLang="zh-CN" dirty="0">
-                <a:solidFill>
-                  <a:srgbClr val="000000"/>
-                </a:solidFill>
-                <a:latin typeface="Menlo" panose="020B0609030804020204" pitchFamily="49" charset="0"/>
-              </a:rPr>
-              <a:t> = </a:t>
+              <a:t> num = </a:t>
             </a:r>
             <a:r>
               <a:rPr lang="en" altLang="zh-CN" dirty="0">
@@ -29508,25 +29490,7 @@
                 </a:solidFill>
                 <a:latin typeface="Menlo" panose="020B0609030804020204" pitchFamily="49" charset="0"/>
               </a:rPr>
-              <a:t> * </a:t>
-            </a:r>
-            <a:r>
-              <a:rPr lang="en" altLang="zh-CN" dirty="0">
-                <a:solidFill>
-                  <a:srgbClr val="001080"/>
-                </a:solidFill>
-                <a:latin typeface="Menlo" panose="020B0609030804020204" pitchFamily="49" charset="0"/>
-              </a:rPr>
-              <a:t>p1</a:t>
-            </a:r>
-            <a:r>
-              <a:rPr lang="en" altLang="zh-CN" dirty="0">
-                <a:solidFill>
-                  <a:srgbClr val="000000"/>
-                </a:solidFill>
-                <a:latin typeface="Menlo" panose="020B0609030804020204" pitchFamily="49" charset="0"/>
-              </a:rPr>
-              <a:t> = </a:t>
+              <a:t> * p1 = </a:t>
             </a:r>
             <a:r>
               <a:rPr lang="en" altLang="zh-CN" dirty="0">
@@ -29544,25 +29508,7 @@
                 </a:solidFill>
                 <a:latin typeface="Menlo" panose="020B0609030804020204" pitchFamily="49" charset="0"/>
               </a:rPr>
-              <a:t>, * </a:t>
-            </a:r>
-            <a:r>
-              <a:rPr lang="en" altLang="zh-CN" dirty="0">
-                <a:solidFill>
-                  <a:srgbClr val="001080"/>
-                </a:solidFill>
-                <a:latin typeface="Menlo" panose="020B0609030804020204" pitchFamily="49" charset="0"/>
-              </a:rPr>
-              <a:t>p2</a:t>
-            </a:r>
-            <a:r>
-              <a:rPr lang="en" altLang="zh-CN" dirty="0">
-                <a:solidFill>
-                  <a:srgbClr val="000000"/>
-                </a:solidFill>
-                <a:latin typeface="Menlo" panose="020B0609030804020204" pitchFamily="49" charset="0"/>
-              </a:rPr>
-              <a:t> = </a:t>
+              <a:t>, * p2 = </a:t>
             </a:r>
             <a:r>
               <a:rPr lang="en" altLang="zh-CN" dirty="0">
@@ -29589,7 +29535,7 @@
                 </a:solidFill>
                 <a:latin typeface="Menlo" panose="020B0609030804020204" pitchFamily="49" charset="0"/>
               </a:rPr>
-              <a:t> // declaration, initialize to 0</a:t>
+              <a:t> // declaration two pointers, initialized to 0</a:t>
             </a:r>
             <a:endParaRPr lang="en" altLang="zh-CN" dirty="0">
               <a:solidFill>
@@ -29602,38 +29548,11 @@
             <a:r>
               <a:rPr lang="en" altLang="zh-CN" dirty="0">
                 <a:solidFill>
-                  <a:srgbClr val="001080"/>
-                </a:solidFill>
-                <a:latin typeface="Menlo" panose="020B0609030804020204" pitchFamily="49" charset="0"/>
-              </a:rPr>
-              <a:t>p1</a:t>
-            </a:r>
-            <a:r>
-              <a:rPr lang="en" altLang="zh-CN" dirty="0">
-                <a:solidFill>
-                  <a:srgbClr val="000000"/>
-                </a:solidFill>
-                <a:latin typeface="Menlo" panose="020B0609030804020204" pitchFamily="49" charset="0"/>
-              </a:rPr>
-              <a:t> = &amp;</a:t>
-            </a:r>
-            <a:r>
-              <a:rPr lang="en" altLang="zh-CN" dirty="0">
-                <a:solidFill>
-                  <a:srgbClr val="001080"/>
-                </a:solidFill>
-                <a:latin typeface="Menlo" panose="020B0609030804020204" pitchFamily="49" charset="0"/>
-              </a:rPr>
-              <a:t>num</a:t>
-            </a:r>
-            <a:r>
-              <a:rPr lang="en" altLang="zh-CN" dirty="0">
-                <a:solidFill>
-                  <a:srgbClr val="000000"/>
-                </a:solidFill>
-                <a:latin typeface="Menlo" panose="020B0609030804020204" pitchFamily="49" charset="0"/>
-              </a:rPr>
-              <a:t>;</a:t>
+                  <a:srgbClr val="000000"/>
+                </a:solidFill>
+                <a:latin typeface="Menlo" panose="020B0609030804020204" pitchFamily="49" charset="0"/>
+              </a:rPr>
+              <a:t>p1 = &amp;num;</a:t>
             </a:r>
             <a:r>
               <a:rPr lang="en" altLang="zh-CN" dirty="0">
@@ -29655,38 +29574,11 @@
             <a:r>
               <a:rPr lang="en" altLang="zh-CN" dirty="0">
                 <a:solidFill>
-                  <a:srgbClr val="001080"/>
-                </a:solidFill>
-                <a:latin typeface="Menlo" panose="020B0609030804020204" pitchFamily="49" charset="0"/>
-              </a:rPr>
-              <a:t>p2</a:t>
-            </a:r>
-            <a:r>
-              <a:rPr lang="en" altLang="zh-CN" dirty="0">
-                <a:solidFill>
-                  <a:srgbClr val="000000"/>
-                </a:solidFill>
-                <a:latin typeface="Menlo" panose="020B0609030804020204" pitchFamily="49" charset="0"/>
-              </a:rPr>
-              <a:t> = &amp;</a:t>
-            </a:r>
-            <a:r>
-              <a:rPr lang="en" altLang="zh-CN" dirty="0">
-                <a:solidFill>
-                  <a:srgbClr val="001080"/>
-                </a:solidFill>
-                <a:latin typeface="Menlo" panose="020B0609030804020204" pitchFamily="49" charset="0"/>
-              </a:rPr>
-              <a:t>num</a:t>
-            </a:r>
-            <a:r>
-              <a:rPr lang="en" altLang="zh-CN" dirty="0">
-                <a:solidFill>
-                  <a:srgbClr val="000000"/>
-                </a:solidFill>
-                <a:latin typeface="Menlo" panose="020B0609030804020204" pitchFamily="49" charset="0"/>
-              </a:rPr>
-              <a:t>;</a:t>
+                  <a:srgbClr val="000000"/>
+                </a:solidFill>
+                <a:latin typeface="Menlo" panose="020B0609030804020204" pitchFamily="49" charset="0"/>
+              </a:rPr>
+              <a:t>p2 = &amp;num;</a:t>
             </a:r>
             <a:r>
               <a:rPr lang="en" altLang="zh-CN" dirty="0">
@@ -29700,65 +29592,11 @@
             <a:br>
               <a:rPr lang="en" altLang="zh-CN" dirty="0">
                 <a:solidFill>
-                  <a:srgbClr val="000000"/>
+                  <a:srgbClr val="008000"/>
                 </a:solidFill>
                 <a:latin typeface="Menlo" panose="020B0609030804020204" pitchFamily="49" charset="0"/>
               </a:rPr>
             </a:br>
-            <a:r>
-              <a:rPr lang="en" altLang="zh-CN" dirty="0">
-                <a:solidFill>
-                  <a:srgbClr val="000000"/>
-                </a:solidFill>
-                <a:latin typeface="Menlo" panose="020B0609030804020204" pitchFamily="49" charset="0"/>
-              </a:rPr>
-              <a:t>*</a:t>
-            </a:r>
-            <a:r>
-              <a:rPr lang="en" altLang="zh-CN" dirty="0">
-                <a:solidFill>
-                  <a:srgbClr val="001080"/>
-                </a:solidFill>
-                <a:latin typeface="Menlo" panose="020B0609030804020204" pitchFamily="49" charset="0"/>
-              </a:rPr>
-              <a:t>p1</a:t>
-            </a:r>
-            <a:r>
-              <a:rPr lang="en" altLang="zh-CN" dirty="0">
-                <a:solidFill>
-                  <a:srgbClr val="000000"/>
-                </a:solidFill>
-                <a:latin typeface="Menlo" panose="020B0609030804020204" pitchFamily="49" charset="0"/>
-              </a:rPr>
-              <a:t> = </a:t>
-            </a:r>
-            <a:r>
-              <a:rPr lang="en" altLang="zh-CN" dirty="0">
-                <a:solidFill>
-                  <a:srgbClr val="098658"/>
-                </a:solidFill>
-                <a:latin typeface="Menlo" panose="020B0609030804020204" pitchFamily="49" charset="0"/>
-              </a:rPr>
-              <a:t>20</a:t>
-            </a:r>
-            <a:r>
-              <a:rPr lang="en" altLang="zh-CN" dirty="0">
-                <a:solidFill>
-                  <a:srgbClr val="000000"/>
-                </a:solidFill>
-                <a:latin typeface="Menlo" panose="020B0609030804020204" pitchFamily="49" charset="0"/>
-              </a:rPr>
-              <a:t>; </a:t>
-            </a:r>
-            <a:r>
-              <a:rPr lang="en" altLang="zh-CN" dirty="0">
-                <a:solidFill>
-                  <a:srgbClr val="008000"/>
-                </a:solidFill>
-                <a:latin typeface="Menlo" panose="020B0609030804020204" pitchFamily="49" charset="0"/>
-              </a:rPr>
-              <a:t>// assign to num</a:t>
-            </a:r>
             <a:endParaRPr lang="en" altLang="zh-CN" dirty="0">
               <a:solidFill>
                 <a:srgbClr val="000000"/>
@@ -29774,25 +29612,7 @@
                 </a:solidFill>
                 <a:latin typeface="Menlo" panose="020B0609030804020204" pitchFamily="49" charset="0"/>
               </a:rPr>
-              <a:t>*</a:t>
-            </a:r>
-            <a:r>
-              <a:rPr lang="en" altLang="zh-CN" dirty="0">
-                <a:solidFill>
-                  <a:srgbClr val="001080"/>
-                </a:solidFill>
-                <a:latin typeface="Menlo" panose="020B0609030804020204" pitchFamily="49" charset="0"/>
-              </a:rPr>
-              <a:t>p2</a:t>
-            </a:r>
-            <a:r>
-              <a:rPr lang="en" altLang="zh-CN" dirty="0">
-                <a:solidFill>
-                  <a:srgbClr val="000000"/>
-                </a:solidFill>
-                <a:latin typeface="Menlo" panose="020B0609030804020204" pitchFamily="49" charset="0"/>
-              </a:rPr>
-              <a:t> = </a:t>
+              <a:t>*p1 = </a:t>
             </a:r>
             <a:r>
               <a:rPr lang="en" altLang="zh-CN" dirty="0">
@@ -29801,6 +29621,50 @@
                 </a:solidFill>
                 <a:latin typeface="Menlo" panose="020B0609030804020204" pitchFamily="49" charset="0"/>
               </a:rPr>
+              <a:t>20</a:t>
+            </a:r>
+            <a:r>
+              <a:rPr lang="en" altLang="zh-CN" dirty="0">
+                <a:solidFill>
+                  <a:srgbClr val="000000"/>
+                </a:solidFill>
+                <a:latin typeface="Menlo" panose="020B0609030804020204" pitchFamily="49" charset="0"/>
+              </a:rPr>
+              <a:t>;</a:t>
+            </a:r>
+            <a:r>
+              <a:rPr lang="en" altLang="zh-CN" dirty="0">
+                <a:solidFill>
+                  <a:srgbClr val="008000"/>
+                </a:solidFill>
+                <a:latin typeface="Menlo" panose="020B0609030804020204" pitchFamily="49" charset="0"/>
+              </a:rPr>
+              <a:t> // assign 20 to num</a:t>
+            </a:r>
+            <a:endParaRPr lang="en" altLang="zh-CN" dirty="0">
+              <a:solidFill>
+                <a:srgbClr val="000000"/>
+              </a:solidFill>
+              <a:latin typeface="Menlo" panose="020B0609030804020204" pitchFamily="49" charset="0"/>
+            </a:endParaRPr>
+          </a:p>
+          <a:p>
+            <a:r>
+              <a:rPr lang="en" altLang="zh-CN" dirty="0">
+                <a:solidFill>
+                  <a:srgbClr val="000000"/>
+                </a:solidFill>
+                <a:latin typeface="Menlo" panose="020B0609030804020204" pitchFamily="49" charset="0"/>
+              </a:rPr>
+              <a:t>*p2 = </a:t>
+            </a:r>
+            <a:r>
+              <a:rPr lang="en" altLang="zh-CN" dirty="0">
+                <a:solidFill>
+                  <a:srgbClr val="098658"/>
+                </a:solidFill>
+                <a:latin typeface="Menlo" panose="020B0609030804020204" pitchFamily="49" charset="0"/>
+              </a:rPr>
               <a:t>30</a:t>
             </a:r>
             <a:r>
@@ -29810,7 +29674,7 @@
                 </a:solidFill>
                 <a:latin typeface="Menlo" panose="020B0609030804020204" pitchFamily="49" charset="0"/>
               </a:rPr>
-              <a:t>; </a:t>
+              <a:t>;</a:t>
             </a:r>
             <a:r>
               <a:rPr lang="en" altLang="zh-CN" dirty="0">
@@ -29819,7 +29683,7 @@
                 </a:solidFill>
                 <a:latin typeface="Menlo" panose="020B0609030804020204" pitchFamily="49" charset="0"/>
               </a:rPr>
-              <a:t>// assign to num</a:t>
+              <a:t> // assign 20 to num</a:t>
             </a:r>
             <a:endParaRPr lang="en" altLang="zh-CN" dirty="0">
               <a:solidFill>
@@ -30252,7 +30116,7 @@
           <p:nvPr>
             <p:extLst>
               <p:ext uri="{D42A27DB-BD31-4B8C-83A1-F6EECF244321}">
-                <p14:modId xmlns:p14="http://schemas.microsoft.com/office/powerpoint/2010/main" val="4251561305"/>
+                <p14:modId xmlns:p14="http://schemas.microsoft.com/office/powerpoint/2010/main" val="1839204291"/>
               </p:ext>
             </p:extLst>
           </p:nvPr>
@@ -31061,7 +30925,7 @@
           <p:nvPr>
             <p:extLst>
               <p:ext uri="{D42A27DB-BD31-4B8C-83A1-F6EECF244321}">
-                <p14:modId xmlns:p14="http://schemas.microsoft.com/office/powerpoint/2010/main" val="2836699620"/>
+                <p14:modId xmlns:p14="http://schemas.microsoft.com/office/powerpoint/2010/main" val="1327629729"/>
               </p:ext>
             </p:extLst>
           </p:nvPr>
@@ -31998,7 +31862,7 @@
                     <a:p>
                       <a:pPr algn="ctr" fontAlgn="ctr"/>
                       <a:r>
-                        <a:rPr lang="zh-CN" altLang="en-US" sz="1400" b="0" i="0" u="none" strike="noStrike">
+                        <a:rPr lang="zh-CN" altLang="en-US" sz="1400" b="0" i="0" u="none" strike="noStrike" dirty="0">
                           <a:solidFill>
                             <a:srgbClr val="000000"/>
                           </a:solidFill>
@@ -33673,7 +33537,7 @@
         <p:spPr>
           <a:xfrm>
             <a:off x="446032" y="2316669"/>
-            <a:ext cx="6096000" cy="3970318"/>
+            <a:ext cx="6096000" cy="4247317"/>
           </a:xfrm>
           <a:prstGeom prst="rect">
             <a:avLst/>
@@ -33712,70 +33576,16 @@
               </a:rPr>
               <a:t>Student</a:t>
             </a:r>
-            <a:r>
-              <a:rPr lang="en" altLang="zh-CN" dirty="0">
-                <a:solidFill>
-                  <a:srgbClr val="000000"/>
-                </a:solidFill>
-                <a:latin typeface="Menlo" panose="020B0609030804020204" pitchFamily="49" charset="0"/>
-              </a:rPr>
-              <a:t>{</a:t>
-            </a:r>
           </a:p>
           <a:p>
             <a:r>
               <a:rPr lang="en" altLang="zh-CN" dirty="0">
                 <a:solidFill>
-                  <a:srgbClr val="0000FF"/>
-                </a:solidFill>
-                <a:latin typeface="Menlo" panose="020B0609030804020204" pitchFamily="49" charset="0"/>
-              </a:rPr>
-              <a:t>char</a:t>
-            </a:r>
-            <a:r>
-              <a:rPr lang="en" altLang="zh-CN" dirty="0">
-                <a:solidFill>
-                  <a:srgbClr val="000000"/>
-                </a:solidFill>
-                <a:latin typeface="Menlo" panose="020B0609030804020204" pitchFamily="49" charset="0"/>
-              </a:rPr>
-              <a:t> </a:t>
-            </a:r>
-            <a:r>
-              <a:rPr lang="en" altLang="zh-CN" dirty="0">
-                <a:solidFill>
-                  <a:srgbClr val="001080"/>
-                </a:solidFill>
-                <a:latin typeface="Menlo" panose="020B0609030804020204" pitchFamily="49" charset="0"/>
-              </a:rPr>
-              <a:t>name</a:t>
-            </a:r>
-            <a:r>
-              <a:rPr lang="en" altLang="zh-CN" dirty="0">
-                <a:solidFill>
-                  <a:srgbClr val="000000"/>
-                </a:solidFill>
-                <a:latin typeface="Menlo" panose="020B0609030804020204" pitchFamily="49" charset="0"/>
-              </a:rPr>
-              <a:t>[</a:t>
-            </a:r>
-            <a:r>
-              <a:rPr lang="en" altLang="zh-CN" dirty="0">
-                <a:solidFill>
-                  <a:srgbClr val="098658"/>
-                </a:solidFill>
-                <a:latin typeface="Menlo" panose="020B0609030804020204" pitchFamily="49" charset="0"/>
-              </a:rPr>
-              <a:t>4</a:t>
-            </a:r>
-            <a:r>
-              <a:rPr lang="en" altLang="zh-CN" dirty="0">
-                <a:solidFill>
-                  <a:srgbClr val="000000"/>
-                </a:solidFill>
-                <a:latin typeface="Menlo" panose="020B0609030804020204" pitchFamily="49" charset="0"/>
-              </a:rPr>
-              <a:t>];</a:t>
+                  <a:srgbClr val="000000"/>
+                </a:solidFill>
+                <a:latin typeface="Menlo" panose="020B0609030804020204" pitchFamily="49" charset="0"/>
+              </a:rPr>
+              <a:t>{</a:t>
             </a:r>
           </a:p>
           <a:p>
@@ -33786,7 +33596,7 @@
                 </a:solidFill>
                 <a:latin typeface="Menlo" panose="020B0609030804020204" pitchFamily="49" charset="0"/>
               </a:rPr>
-              <a:t>int</a:t>
+              <a:t>    char</a:t>
             </a:r>
             <a:r>
               <a:rPr lang="en" altLang="zh-CN" dirty="0">
@@ -33804,16 +33614,34 @@
                 </a:solidFill>
                 <a:latin typeface="Menlo" panose="020B0609030804020204" pitchFamily="49" charset="0"/>
               </a:rPr>
-              <a:t>born</a:t>
-            </a:r>
-            <a:r>
-              <a:rPr lang="en" altLang="zh-CN" dirty="0">
-                <a:solidFill>
-                  <a:srgbClr val="000000"/>
-                </a:solidFill>
-                <a:latin typeface="Menlo" panose="020B0609030804020204" pitchFamily="49" charset="0"/>
-              </a:rPr>
-              <a:t>;</a:t>
+              <a:t>name</a:t>
+            </a:r>
+            <a:r>
+              <a:rPr lang="en" altLang="zh-CN" dirty="0">
+                <a:solidFill>
+                  <a:srgbClr val="000000"/>
+                </a:solidFill>
+                <a:latin typeface="Menlo" panose="020B0609030804020204" pitchFamily="49" charset="0"/>
+              </a:rPr>
+              <a:t>[</a:t>
+            </a:r>
+            <a:r>
+              <a:rPr lang="en" altLang="zh-CN" dirty="0">
+                <a:solidFill>
+                  <a:srgbClr val="098658"/>
+                </a:solidFill>
+                <a:latin typeface="Menlo" panose="020B0609030804020204" pitchFamily="49" charset="0"/>
+              </a:rPr>
+              <a:t>4</a:t>
+            </a:r>
+            <a:r>
+              <a:rPr lang="en" altLang="zh-CN" dirty="0">
+                <a:solidFill>
+                  <a:srgbClr val="000000"/>
+                </a:solidFill>
+                <a:latin typeface="Menlo" panose="020B0609030804020204" pitchFamily="49" charset="0"/>
+              </a:rPr>
+              <a:t>];</a:t>
             </a:r>
           </a:p>
           <a:p>
@@ -33824,7 +33652,45 @@
                 </a:solidFill>
                 <a:latin typeface="Menlo" panose="020B0609030804020204" pitchFamily="49" charset="0"/>
               </a:rPr>
-              <a:t>bool</a:t>
+              <a:t>    int</a:t>
+            </a:r>
+            <a:r>
+              <a:rPr lang="en" altLang="zh-CN" dirty="0">
+                <a:solidFill>
+                  <a:srgbClr val="000000"/>
+                </a:solidFill>
+                <a:latin typeface="Menlo" panose="020B0609030804020204" pitchFamily="49" charset="0"/>
+              </a:rPr>
+              <a:t> </a:t>
+            </a:r>
+            <a:r>
+              <a:rPr lang="en" altLang="zh-CN" dirty="0">
+                <a:solidFill>
+                  <a:srgbClr val="001080"/>
+                </a:solidFill>
+                <a:latin typeface="Menlo" panose="020B0609030804020204" pitchFamily="49" charset="0"/>
+              </a:rPr>
+              <a:t>born</a:t>
+            </a:r>
+            <a:r>
+              <a:rPr lang="en" altLang="zh-CN" dirty="0">
+                <a:solidFill>
+                  <a:srgbClr val="000000"/>
+                </a:solidFill>
+                <a:latin typeface="Menlo" panose="020B0609030804020204" pitchFamily="49" charset="0"/>
+              </a:rPr>
+              <a:t>;</a:t>
+            </a:r>
+          </a:p>
+          <a:p>
+            <a:r>
+              <a:rPr lang="en" altLang="zh-CN" dirty="0">
+                <a:solidFill>
+                  <a:srgbClr val="0000FF"/>
+                </a:solidFill>
+                <a:latin typeface="Menlo" panose="020B0609030804020204" pitchFamily="49" charset="0"/>
+              </a:rPr>
+              <a:t>    bool</a:t>
             </a:r>
             <a:r>
               <a:rPr lang="en" altLang="zh-CN" dirty="0">
@@ -34323,7 +34189,7 @@
           <p:nvPr>
             <p:extLst>
               <p:ext uri="{D42A27DB-BD31-4B8C-83A1-F6EECF244321}">
-                <p14:modId xmlns:p14="http://schemas.microsoft.com/office/powerpoint/2010/main" val="1538849166"/>
+                <p14:modId xmlns:p14="http://schemas.microsoft.com/office/powerpoint/2010/main" val="1899509723"/>
               </p:ext>
             </p:extLst>
           </p:nvPr>
@@ -36362,7 +36228,7 @@
           <p:nvPr>
             <p:extLst>
               <p:ext uri="{D42A27DB-BD31-4B8C-83A1-F6EECF244321}">
-                <p14:modId xmlns:p14="http://schemas.microsoft.com/office/powerpoint/2010/main" val="3102489759"/>
+                <p14:modId xmlns:p14="http://schemas.microsoft.com/office/powerpoint/2010/main" val="4279211722"/>
               </p:ext>
             </p:extLst>
           </p:nvPr>
@@ -37635,7 +37501,7 @@
                                         <p:tgtEl>
                                           <p:spTgt spid="4">
                                             <p:txEl>
-                                              <p:pRg st="9" end="9"/>
+                                              <p:pRg st="10" end="10"/>
                                             </p:txEl>
                                           </p:spTgt>
                                         </p:tgtEl>
@@ -38024,7 +37890,7 @@
                                         <p:tgtEl>
                                           <p:spTgt spid="4">
                                             <p:txEl>
-                                              <p:pRg st="10" end="10"/>
+                                              <p:pRg st="11" end="11"/>
                                             </p:txEl>
                                           </p:spTgt>
                                         </p:tgtEl>
@@ -38243,7 +38109,7 @@
                                         <p:tgtEl>
                                           <p:spTgt spid="4">
                                             <p:txEl>
-                                              <p:pRg st="11" end="11"/>
+                                              <p:pRg st="12" end="12"/>
                                             </p:txEl>
                                           </p:spTgt>
                                         </p:tgtEl>
@@ -38462,7 +38328,7 @@
                                         <p:tgtEl>
                                           <p:spTgt spid="4">
                                             <p:txEl>
-                                              <p:pRg st="12" end="12"/>
+                                              <p:pRg st="13" end="13"/>
                                             </p:txEl>
                                           </p:spTgt>
                                         </p:tgtEl>
@@ -40287,7 +40153,7 @@
           <p:nvPr>
             <p:extLst>
               <p:ext uri="{D42A27DB-BD31-4B8C-83A1-F6EECF244321}">
-                <p14:modId xmlns:p14="http://schemas.microsoft.com/office/powerpoint/2010/main" val="951617825"/>
+                <p14:modId xmlns:p14="http://schemas.microsoft.com/office/powerpoint/2010/main" val="1374832495"/>
               </p:ext>
             </p:extLst>
           </p:nvPr>
@@ -40991,7 +40857,7 @@
           <p:nvPr>
             <p:extLst>
               <p:ext uri="{D42A27DB-BD31-4B8C-83A1-F6EECF244321}">
-                <p14:modId xmlns:p14="http://schemas.microsoft.com/office/powerpoint/2010/main" val="96169747"/>
+                <p14:modId xmlns:p14="http://schemas.microsoft.com/office/powerpoint/2010/main" val="3313841012"/>
               </p:ext>
             </p:extLst>
           </p:nvPr>
@@ -41853,7 +41719,7 @@
           <p:nvPr>
             <p:extLst>
               <p:ext uri="{D42A27DB-BD31-4B8C-83A1-F6EECF244321}">
-                <p14:modId xmlns:p14="http://schemas.microsoft.com/office/powerpoint/2010/main" val="4103855643"/>
+                <p14:modId xmlns:p14="http://schemas.microsoft.com/office/powerpoint/2010/main" val="1671740442"/>
               </p:ext>
             </p:extLst>
           </p:nvPr>
@@ -43041,7 +42907,19 @@
                 </a:highlight>
                 <a:latin typeface="Menlo" panose="020B0609030804020204" pitchFamily="49" charset="0"/>
               </a:rPr>
-              <a:t>pointer2pointer.cpp</a:t>
+              <a:t>pointer-</a:t>
+            </a:r>
+            <a:r>
+              <a:rPr lang="en" altLang="zh-CN" sz="2000" dirty="0" err="1">
+                <a:solidFill>
+                  <a:srgbClr val="0000CC"/>
+                </a:solidFill>
+                <a:highlight>
+                  <a:srgbClr val="FFFF00"/>
+                </a:highlight>
+                <a:latin typeface="Menlo" panose="020B0609030804020204" pitchFamily="49" charset="0"/>
+              </a:rPr>
+              <a:t>pointer.cpp</a:t>
             </a:r>
             <a:endParaRPr lang="zh-CN" altLang="en-US" sz="2000" dirty="0">
               <a:solidFill>

--- a/week05/Lecture05.pptx
+++ b/week05/Lecture05.pptx
@@ -219,7 +219,7 @@
           <a:p>
             <a:fld id="{634F3F22-B4BB-3F48-9180-464A9F2D66D1}" type="datetimeFigureOut">
               <a:rPr kumimoji="1" lang="zh-CN" altLang="en-US" smtClean="0"/>
-              <a:t>2021/10/8</a:t>
+              <a:t>2021/10/9</a:t>
             </a:fld>
             <a:endParaRPr kumimoji="1" lang="zh-CN" altLang="en-US"/>
           </a:p>
@@ -699,7 +699,7 @@
           <a:p>
             <a:fld id="{FC19A4FA-3D9A-4114-B0D5-759CBD56F1AB}" type="datetimeFigureOut">
               <a:rPr lang="zh-CN" altLang="en-US" smtClean="0"/>
-              <a:t>2021/10/8</a:t>
+              <a:t>2021/10/9</a:t>
             </a:fld>
             <a:endParaRPr lang="zh-CN" altLang="en-US"/>
           </a:p>
@@ -902,7 +902,7 @@
           <a:p>
             <a:fld id="{FC19A4FA-3D9A-4114-B0D5-759CBD56F1AB}" type="datetimeFigureOut">
               <a:rPr lang="zh-CN" altLang="en-US" smtClean="0"/>
-              <a:t>2021/10/8</a:t>
+              <a:t>2021/10/9</a:t>
             </a:fld>
             <a:endParaRPr lang="zh-CN" altLang="en-US"/>
           </a:p>
@@ -1080,7 +1080,7 @@
           <a:p>
             <a:fld id="{FC19A4FA-3D9A-4114-B0D5-759CBD56F1AB}" type="datetimeFigureOut">
               <a:rPr lang="zh-CN" altLang="en-US" smtClean="0"/>
-              <a:t>2021/10/8</a:t>
+              <a:t>2021/10/9</a:t>
             </a:fld>
             <a:endParaRPr lang="zh-CN" altLang="en-US"/>
           </a:p>
@@ -1304,7 +1304,7 @@
           <a:p>
             <a:fld id="{FC19A4FA-3D9A-4114-B0D5-759CBD56F1AB}" type="datetimeFigureOut">
               <a:rPr lang="zh-CN" altLang="en-US" smtClean="0"/>
-              <a:t>2021/10/8</a:t>
+              <a:t>2021/10/9</a:t>
             </a:fld>
             <a:endParaRPr lang="zh-CN" altLang="en-US"/>
           </a:p>
@@ -1538,7 +1538,7 @@
           <a:p>
             <a:fld id="{FC19A4FA-3D9A-4114-B0D5-759CBD56F1AB}" type="datetimeFigureOut">
               <a:rPr lang="zh-CN" altLang="en-US" smtClean="0"/>
-              <a:t>2021/10/8</a:t>
+              <a:t>2021/10/9</a:t>
             </a:fld>
             <a:endParaRPr lang="zh-CN" altLang="en-US"/>
           </a:p>
@@ -1937,7 +1937,7 @@
           <a:p>
             <a:fld id="{FC19A4FA-3D9A-4114-B0D5-759CBD56F1AB}" type="datetimeFigureOut">
               <a:rPr lang="zh-CN" altLang="en-US" smtClean="0"/>
-              <a:t>2021/10/8</a:t>
+              <a:t>2021/10/9</a:t>
             </a:fld>
             <a:endParaRPr lang="zh-CN" altLang="en-US"/>
           </a:p>
@@ -2217,7 +2217,7 @@
           <a:p>
             <a:fld id="{FC19A4FA-3D9A-4114-B0D5-759CBD56F1AB}" type="datetimeFigureOut">
               <a:rPr lang="zh-CN" altLang="en-US" smtClean="0"/>
-              <a:t>2021/10/8</a:t>
+              <a:t>2021/10/9</a:t>
             </a:fld>
             <a:endParaRPr lang="zh-CN" altLang="en-US"/>
           </a:p>
@@ -2369,7 +2369,7 @@
           <a:p>
             <a:fld id="{FC19A4FA-3D9A-4114-B0D5-759CBD56F1AB}" type="datetimeFigureOut">
               <a:rPr lang="zh-CN" altLang="en-US" smtClean="0"/>
-              <a:t>2021/10/8</a:t>
+              <a:t>2021/10/9</a:t>
             </a:fld>
             <a:endParaRPr lang="zh-CN" altLang="en-US"/>
           </a:p>
@@ -2499,7 +2499,7 @@
           <a:p>
             <a:fld id="{FC19A4FA-3D9A-4114-B0D5-759CBD56F1AB}" type="datetimeFigureOut">
               <a:rPr lang="zh-CN" altLang="en-US" smtClean="0"/>
-              <a:t>2021/10/8</a:t>
+              <a:t>2021/10/9</a:t>
             </a:fld>
             <a:endParaRPr lang="zh-CN" altLang="en-US"/>
           </a:p>
@@ -2809,7 +2809,7 @@
           <a:p>
             <a:fld id="{FC19A4FA-3D9A-4114-B0D5-759CBD56F1AB}" type="datetimeFigureOut">
               <a:rPr lang="zh-CN" altLang="en-US" smtClean="0"/>
-              <a:t>2021/10/8</a:t>
+              <a:t>2021/10/9</a:t>
             </a:fld>
             <a:endParaRPr lang="zh-CN" altLang="en-US"/>
           </a:p>
@@ -3096,7 +3096,7 @@
           <a:p>
             <a:fld id="{FC19A4FA-3D9A-4114-B0D5-759CBD56F1AB}" type="datetimeFigureOut">
               <a:rPr lang="zh-CN" altLang="en-US" smtClean="0"/>
-              <a:t>2021/10/8</a:t>
+              <a:t>2021/10/9</a:t>
             </a:fld>
             <a:endParaRPr lang="zh-CN" altLang="en-US"/>
           </a:p>
@@ -3389,7 +3389,7 @@
           <a:p>
             <a:fld id="{FC19A4FA-3D9A-4114-B0D5-759CBD56F1AB}" type="datetimeFigureOut">
               <a:rPr lang="zh-CN" altLang="en-US" smtClean="0"/>
-              <a:t>2021/10/8</a:t>
+              <a:t>2021/10/9</a:t>
             </a:fld>
             <a:endParaRPr lang="zh-CN" altLang="en-US"/>
           </a:p>
@@ -21764,7 +21764,7 @@
           <p:nvPr>
             <p:extLst>
               <p:ext uri="{D42A27DB-BD31-4B8C-83A1-F6EECF244321}">
-                <p14:modId xmlns:p14="http://schemas.microsoft.com/office/powerpoint/2010/main" val="3453070819"/>
+                <p14:modId xmlns:p14="http://schemas.microsoft.com/office/powerpoint/2010/main" val="1066535338"/>
               </p:ext>
             </p:extLst>
           </p:nvPr>
@@ -29365,7 +29365,7 @@
           <a:p>
             <a:r>
               <a:rPr lang="en" altLang="zh-CN" dirty="0"/>
-              <a:t>What stored in a pointer variable is the address.</a:t>
+              <a:t>What stored in a pointer variable is an address.</a:t>
             </a:r>
           </a:p>
           <a:p>
@@ -29704,6 +29704,258 @@
   <p:clrMapOvr>
     <a:masterClrMapping/>
   </p:clrMapOvr>
+  <p:timing>
+    <p:tnLst>
+      <p:par>
+        <p:cTn id="1" dur="indefinite" restart="never" nodeType="tmRoot">
+          <p:childTnLst>
+            <p:seq concurrent="1" nextAc="seek">
+              <p:cTn id="2" dur="indefinite" nodeType="mainSeq">
+                <p:childTnLst>
+                  <p:par>
+                    <p:cTn id="3" fill="hold">
+                      <p:stCondLst>
+                        <p:cond delay="indefinite"/>
+                      </p:stCondLst>
+                      <p:childTnLst>
+                        <p:par>
+                          <p:cTn id="4" fill="hold">
+                            <p:stCondLst>
+                              <p:cond delay="0"/>
+                            </p:stCondLst>
+                            <p:childTnLst>
+                              <p:par>
+                                <p:cTn id="5" presetID="1" presetClass="entr" presetSubtype="0" fill="hold" nodeType="clickEffect">
+                                  <p:stCondLst>
+                                    <p:cond delay="0"/>
+                                  </p:stCondLst>
+                                  <p:childTnLst>
+                                    <p:set>
+                                      <p:cBhvr>
+                                        <p:cTn id="6" dur="1" fill="hold">
+                                          <p:stCondLst>
+                                            <p:cond delay="0"/>
+                                          </p:stCondLst>
+                                        </p:cTn>
+                                        <p:tgtEl>
+                                          <p:spTgt spid="4">
+                                            <p:txEl>
+                                              <p:pRg st="0" end="0"/>
+                                            </p:txEl>
+                                          </p:spTgt>
+                                        </p:tgtEl>
+                                        <p:attrNameLst>
+                                          <p:attrName>style.visibility</p:attrName>
+                                        </p:attrNameLst>
+                                      </p:cBhvr>
+                                      <p:to>
+                                        <p:strVal val="visible"/>
+                                      </p:to>
+                                    </p:set>
+                                  </p:childTnLst>
+                                </p:cTn>
+                              </p:par>
+                              <p:par>
+                                <p:cTn id="7" presetID="1" presetClass="entr" presetSubtype="0" fill="hold" nodeType="withEffect">
+                                  <p:stCondLst>
+                                    <p:cond delay="0"/>
+                                  </p:stCondLst>
+                                  <p:childTnLst>
+                                    <p:set>
+                                      <p:cBhvr>
+                                        <p:cTn id="8" dur="1" fill="hold">
+                                          <p:stCondLst>
+                                            <p:cond delay="0"/>
+                                          </p:stCondLst>
+                                        </p:cTn>
+                                        <p:tgtEl>
+                                          <p:spTgt spid="4">
+                                            <p:txEl>
+                                              <p:pRg st="1" end="1"/>
+                                            </p:txEl>
+                                          </p:spTgt>
+                                        </p:tgtEl>
+                                        <p:attrNameLst>
+                                          <p:attrName>style.visibility</p:attrName>
+                                        </p:attrNameLst>
+                                      </p:cBhvr>
+                                      <p:to>
+                                        <p:strVal val="visible"/>
+                                      </p:to>
+                                    </p:set>
+                                  </p:childTnLst>
+                                </p:cTn>
+                              </p:par>
+                              <p:par>
+                                <p:cTn id="9" presetID="1" presetClass="entr" presetSubtype="0" fill="hold" nodeType="withEffect">
+                                  <p:stCondLst>
+                                    <p:cond delay="0"/>
+                                  </p:stCondLst>
+                                  <p:childTnLst>
+                                    <p:set>
+                                      <p:cBhvr>
+                                        <p:cTn id="10" dur="1" fill="hold">
+                                          <p:stCondLst>
+                                            <p:cond delay="0"/>
+                                          </p:stCondLst>
+                                        </p:cTn>
+                                        <p:tgtEl>
+                                          <p:spTgt spid="4">
+                                            <p:txEl>
+                                              <p:pRg st="2" end="2"/>
+                                            </p:txEl>
+                                          </p:spTgt>
+                                        </p:tgtEl>
+                                        <p:attrNameLst>
+                                          <p:attrName>style.visibility</p:attrName>
+                                        </p:attrNameLst>
+                                      </p:cBhvr>
+                                      <p:to>
+                                        <p:strVal val="visible"/>
+                                      </p:to>
+                                    </p:set>
+                                  </p:childTnLst>
+                                </p:cTn>
+                              </p:par>
+                              <p:par>
+                                <p:cTn id="11" presetID="1" presetClass="entr" presetSubtype="0" fill="hold" nodeType="withEffect">
+                                  <p:stCondLst>
+                                    <p:cond delay="0"/>
+                                  </p:stCondLst>
+                                  <p:childTnLst>
+                                    <p:set>
+                                      <p:cBhvr>
+                                        <p:cTn id="12" dur="1" fill="hold">
+                                          <p:stCondLst>
+                                            <p:cond delay="0"/>
+                                          </p:stCondLst>
+                                        </p:cTn>
+                                        <p:tgtEl>
+                                          <p:spTgt spid="4">
+                                            <p:txEl>
+                                              <p:pRg st="3" end="3"/>
+                                            </p:txEl>
+                                          </p:spTgt>
+                                        </p:tgtEl>
+                                        <p:attrNameLst>
+                                          <p:attrName>style.visibility</p:attrName>
+                                        </p:attrNameLst>
+                                      </p:cBhvr>
+                                      <p:to>
+                                        <p:strVal val="visible"/>
+                                      </p:to>
+                                    </p:set>
+                                  </p:childTnLst>
+                                </p:cTn>
+                              </p:par>
+                            </p:childTnLst>
+                          </p:cTn>
+                        </p:par>
+                      </p:childTnLst>
+                    </p:cTn>
+                  </p:par>
+                  <p:par>
+                    <p:cTn id="13" fill="hold">
+                      <p:stCondLst>
+                        <p:cond delay="indefinite"/>
+                      </p:stCondLst>
+                      <p:childTnLst>
+                        <p:par>
+                          <p:cTn id="14" fill="hold">
+                            <p:stCondLst>
+                              <p:cond delay="0"/>
+                            </p:stCondLst>
+                            <p:childTnLst>
+                              <p:par>
+                                <p:cTn id="15" presetID="1" presetClass="entr" presetSubtype="0" fill="hold" nodeType="clickEffect">
+                                  <p:stCondLst>
+                                    <p:cond delay="0"/>
+                                  </p:stCondLst>
+                                  <p:childTnLst>
+                                    <p:set>
+                                      <p:cBhvr>
+                                        <p:cTn id="16" dur="1" fill="hold">
+                                          <p:stCondLst>
+                                            <p:cond delay="0"/>
+                                          </p:stCondLst>
+                                        </p:cTn>
+                                        <p:tgtEl>
+                                          <p:spTgt spid="4">
+                                            <p:txEl>
+                                              <p:pRg st="4" end="4"/>
+                                            </p:txEl>
+                                          </p:spTgt>
+                                        </p:tgtEl>
+                                        <p:attrNameLst>
+                                          <p:attrName>style.visibility</p:attrName>
+                                        </p:attrNameLst>
+                                      </p:cBhvr>
+                                      <p:to>
+                                        <p:strVal val="visible"/>
+                                      </p:to>
+                                    </p:set>
+                                  </p:childTnLst>
+                                </p:cTn>
+                              </p:par>
+                              <p:par>
+                                <p:cTn id="17" presetID="1" presetClass="entr" presetSubtype="0" fill="hold" nodeType="withEffect">
+                                  <p:stCondLst>
+                                    <p:cond delay="0"/>
+                                  </p:stCondLst>
+                                  <p:childTnLst>
+                                    <p:set>
+                                      <p:cBhvr>
+                                        <p:cTn id="18" dur="1" fill="hold">
+                                          <p:stCondLst>
+                                            <p:cond delay="0"/>
+                                          </p:stCondLst>
+                                        </p:cTn>
+                                        <p:tgtEl>
+                                          <p:spTgt spid="4">
+                                            <p:txEl>
+                                              <p:pRg st="5" end="5"/>
+                                            </p:txEl>
+                                          </p:spTgt>
+                                        </p:tgtEl>
+                                        <p:attrNameLst>
+                                          <p:attrName>style.visibility</p:attrName>
+                                        </p:attrNameLst>
+                                      </p:cBhvr>
+                                      <p:to>
+                                        <p:strVal val="visible"/>
+                                      </p:to>
+                                    </p:set>
+                                  </p:childTnLst>
+                                </p:cTn>
+                              </p:par>
+                            </p:childTnLst>
+                          </p:cTn>
+                        </p:par>
+                      </p:childTnLst>
+                    </p:cTn>
+                  </p:par>
+                </p:childTnLst>
+              </p:cTn>
+              <p:prevCondLst>
+                <p:cond evt="onPrev" delay="0">
+                  <p:tgtEl>
+                    <p:sldTgt/>
+                  </p:tgtEl>
+                </p:cond>
+              </p:prevCondLst>
+              <p:nextCondLst>
+                <p:cond evt="onNext" delay="0">
+                  <p:tgtEl>
+                    <p:sldTgt/>
+                  </p:tgtEl>
+                </p:cond>
+              </p:nextCondLst>
+            </p:seq>
+          </p:childTnLst>
+        </p:cTn>
+      </p:par>
+    </p:tnLst>
+  </p:timing>
 </p:sld>
 </file>
 
@@ -30116,7 +30368,7 @@
           <p:nvPr>
             <p:extLst>
               <p:ext uri="{D42A27DB-BD31-4B8C-83A1-F6EECF244321}">
-                <p14:modId xmlns:p14="http://schemas.microsoft.com/office/powerpoint/2010/main" val="1839204291"/>
+                <p14:modId xmlns:p14="http://schemas.microsoft.com/office/powerpoint/2010/main" val="1736734604"/>
               </p:ext>
             </p:extLst>
           </p:nvPr>
@@ -30925,7 +31177,7 @@
           <p:nvPr>
             <p:extLst>
               <p:ext uri="{D42A27DB-BD31-4B8C-83A1-F6EECF244321}">
-                <p14:modId xmlns:p14="http://schemas.microsoft.com/office/powerpoint/2010/main" val="1327629729"/>
+                <p14:modId xmlns:p14="http://schemas.microsoft.com/office/powerpoint/2010/main" val="1541205601"/>
               </p:ext>
             </p:extLst>
           </p:nvPr>
@@ -37335,6 +37587,71 @@
               </a:rPr>
               <a:t>0</a:t>
             </a:r>
+          </a:p>
+        </p:txBody>
+      </p:sp>
+      <p:sp>
+        <p:nvSpPr>
+          <p:cNvPr id="15" name="矩形 14">
+            <a:extLst>
+              <a:ext uri="{FF2B5EF4-FFF2-40B4-BE49-F238E27FC236}">
+                <a16:creationId xmlns:a16="http://schemas.microsoft.com/office/drawing/2014/main" id="{61CB238E-DCAF-2549-92A4-10D76E42EC78}"/>
+              </a:ext>
+            </a:extLst>
+          </p:cNvPr>
+          <p:cNvSpPr/>
+          <p:nvPr/>
+        </p:nvSpPr>
+        <p:spPr>
+          <a:xfrm>
+            <a:off x="1376479" y="6393724"/>
+            <a:ext cx="2954655" cy="400110"/>
+          </a:xfrm>
+          <a:prstGeom prst="rect">
+            <a:avLst/>
+          </a:prstGeom>
+          <a:solidFill>
+            <a:schemeClr val="bg1"/>
+          </a:solidFill>
+        </p:spPr>
+        <p:txBody>
+          <a:bodyPr wrap="none">
+            <a:spAutoFit/>
+          </a:bodyPr>
+          <a:lstStyle/>
+          <a:p>
+            <a:r>
+              <a:rPr lang="en" altLang="zh-CN" sz="2000" dirty="0">
+                <a:solidFill>
+                  <a:srgbClr val="0000CC"/>
+                </a:solidFill>
+                <a:highlight>
+                  <a:srgbClr val="FFFF00"/>
+                </a:highlight>
+                <a:latin typeface="Menlo" panose="020B0609030804020204" pitchFamily="49" charset="0"/>
+              </a:rPr>
+              <a:t>pointer-</a:t>
+            </a:r>
+            <a:r>
+              <a:rPr lang="en" altLang="zh-CN" sz="2000" dirty="0" err="1">
+                <a:solidFill>
+                  <a:srgbClr val="0000CC"/>
+                </a:solidFill>
+                <a:highlight>
+                  <a:srgbClr val="FFFF00"/>
+                </a:highlight>
+                <a:latin typeface="Menlo" panose="020B0609030804020204" pitchFamily="49" charset="0"/>
+              </a:rPr>
+              <a:t>struct.cpp</a:t>
+            </a:r>
+            <a:endParaRPr lang="zh-CN" altLang="en-US" sz="2000" dirty="0">
+              <a:solidFill>
+                <a:srgbClr val="0000CC"/>
+              </a:solidFill>
+              <a:highlight>
+                <a:srgbClr val="FFFF00"/>
+              </a:highlight>
+            </a:endParaRPr>
           </a:p>
         </p:txBody>
       </p:sp>
@@ -38519,6 +38836,51 @@
                       </p:childTnLst>
                     </p:cTn>
                   </p:par>
+                  <p:par>
+                    <p:cTn id="69" fill="hold">
+                      <p:stCondLst>
+                        <p:cond delay="indefinite"/>
+                      </p:stCondLst>
+                      <p:childTnLst>
+                        <p:par>
+                          <p:cTn id="70" fill="hold">
+                            <p:stCondLst>
+                              <p:cond delay="0"/>
+                            </p:stCondLst>
+                            <p:childTnLst>
+                              <p:par>
+                                <p:cTn id="71" presetID="1" presetClass="entr" presetSubtype="0" fill="hold" grpId="0" nodeType="clickEffect">
+                                  <p:stCondLst>
+                                    <p:cond delay="0"/>
+                                  </p:stCondLst>
+                                  <p:childTnLst>
+                                    <p:set>
+                                      <p:cBhvr>
+                                        <p:cTn id="72" dur="1" fill="hold">
+                                          <p:stCondLst>
+                                            <p:cond delay="0"/>
+                                          </p:stCondLst>
+                                        </p:cTn>
+                                        <p:tgtEl>
+                                          <p:spTgt spid="15"/>
+                                        </p:tgtEl>
+                                        <p:attrNameLst>
+                                          <p:attrName>style.visibility</p:attrName>
+                                        </p:attrNameLst>
+                                      </p:cBhvr>
+                                      <p:to>
+                                        <p:strVal val="visible"/>
+                                      </p:to>
+                                    </p:set>
+                                  </p:childTnLst>
+                                </p:cTn>
+                              </p:par>
+                            </p:childTnLst>
+                          </p:cTn>
+                        </p:par>
+                      </p:childTnLst>
+                    </p:cTn>
+                  </p:par>
                 </p:childTnLst>
               </p:cTn>
               <p:prevCondLst>
@@ -38547,6 +38909,7 @@
       <p:bldP spid="11" grpId="0" animBg="1"/>
       <p:bldP spid="13" grpId="0" animBg="1"/>
       <p:bldP spid="14" grpId="0" animBg="1"/>
+      <p:bldP spid="15" grpId="0" animBg="1"/>
     </p:bldLst>
   </p:timing>
 </p:sld>
@@ -39934,6 +40297,71 @@
               </a:solidFill>
               <a:effectLst/>
               <a:latin typeface="Menlo" panose="020B0609030804020204" pitchFamily="49" charset="0"/>
+            </a:endParaRPr>
+          </a:p>
+        </p:txBody>
+      </p:sp>
+      <p:sp>
+        <p:nvSpPr>
+          <p:cNvPr id="7" name="矩形 6">
+            <a:extLst>
+              <a:ext uri="{FF2B5EF4-FFF2-40B4-BE49-F238E27FC236}">
+                <a16:creationId xmlns:a16="http://schemas.microsoft.com/office/drawing/2014/main" id="{74A4D631-A9C0-BF40-AB7E-CEB29CAE4561}"/>
+              </a:ext>
+            </a:extLst>
+          </p:cNvPr>
+          <p:cNvSpPr/>
+          <p:nvPr/>
+        </p:nvSpPr>
+        <p:spPr>
+          <a:xfrm>
+            <a:off x="838198" y="5700059"/>
+            <a:ext cx="2954655" cy="400110"/>
+          </a:xfrm>
+          <a:prstGeom prst="rect">
+            <a:avLst/>
+          </a:prstGeom>
+          <a:solidFill>
+            <a:schemeClr val="bg1"/>
+          </a:solidFill>
+        </p:spPr>
+        <p:txBody>
+          <a:bodyPr wrap="none">
+            <a:spAutoFit/>
+          </a:bodyPr>
+          <a:lstStyle/>
+          <a:p>
+            <a:r>
+              <a:rPr lang="en" altLang="zh-CN" sz="2000" dirty="0">
+                <a:solidFill>
+                  <a:srgbClr val="0000CC"/>
+                </a:solidFill>
+                <a:highlight>
+                  <a:srgbClr val="FFFF00"/>
+                </a:highlight>
+                <a:latin typeface="Menlo" panose="020B0609030804020204" pitchFamily="49" charset="0"/>
+              </a:rPr>
+              <a:t>pointer-</a:t>
+            </a:r>
+            <a:r>
+              <a:rPr lang="en" altLang="zh-CN" sz="2000" dirty="0" err="1">
+                <a:solidFill>
+                  <a:srgbClr val="0000CC"/>
+                </a:solidFill>
+                <a:highlight>
+                  <a:srgbClr val="FFFF00"/>
+                </a:highlight>
+                <a:latin typeface="Menlo" panose="020B0609030804020204" pitchFamily="49" charset="0"/>
+              </a:rPr>
+              <a:t>struct.cpp</a:t>
+            </a:r>
+            <a:endParaRPr lang="zh-CN" altLang="en-US" sz="2000" dirty="0">
+              <a:solidFill>
+                <a:srgbClr val="0000CC"/>
+              </a:solidFill>
+              <a:highlight>
+                <a:srgbClr val="FFFF00"/>
+              </a:highlight>
             </a:endParaRPr>
           </a:p>
         </p:txBody>
@@ -40028,6 +40456,51 @@
                       </p:childTnLst>
                     </p:cTn>
                   </p:par>
+                  <p:par>
+                    <p:cTn id="9" fill="hold">
+                      <p:stCondLst>
+                        <p:cond delay="indefinite"/>
+                      </p:stCondLst>
+                      <p:childTnLst>
+                        <p:par>
+                          <p:cTn id="10" fill="hold">
+                            <p:stCondLst>
+                              <p:cond delay="0"/>
+                            </p:stCondLst>
+                            <p:childTnLst>
+                              <p:par>
+                                <p:cTn id="11" presetID="1" presetClass="entr" presetSubtype="0" fill="hold" grpId="0" nodeType="clickEffect">
+                                  <p:stCondLst>
+                                    <p:cond delay="0"/>
+                                  </p:stCondLst>
+                                  <p:childTnLst>
+                                    <p:set>
+                                      <p:cBhvr>
+                                        <p:cTn id="12" dur="1" fill="hold">
+                                          <p:stCondLst>
+                                            <p:cond delay="0"/>
+                                          </p:stCondLst>
+                                        </p:cTn>
+                                        <p:tgtEl>
+                                          <p:spTgt spid="7"/>
+                                        </p:tgtEl>
+                                        <p:attrNameLst>
+                                          <p:attrName>style.visibility</p:attrName>
+                                        </p:attrNameLst>
+                                      </p:cBhvr>
+                                      <p:to>
+                                        <p:strVal val="visible"/>
+                                      </p:to>
+                                    </p:set>
+                                  </p:childTnLst>
+                                </p:cTn>
+                              </p:par>
+                            </p:childTnLst>
+                          </p:cTn>
+                        </p:par>
+                      </p:childTnLst>
+                    </p:cTn>
+                  </p:par>
                 </p:childTnLst>
               </p:cTn>
               <p:prevCondLst>
@@ -40052,6 +40525,7 @@
     <p:bldLst>
       <p:bldP spid="5" grpId="0"/>
       <p:bldP spid="6" grpId="0"/>
+      <p:bldP spid="7" grpId="0" animBg="1"/>
     </p:bldLst>
   </p:timing>
 </p:sld>

--- a/week05/Lecture05.pptx
+++ b/week05/Lecture05.pptx
@@ -219,7 +219,7 @@
           <a:p>
             <a:fld id="{634F3F22-B4BB-3F48-9180-464A9F2D66D1}" type="datetimeFigureOut">
               <a:rPr kumimoji="1" lang="zh-CN" altLang="en-US" smtClean="0"/>
-              <a:t>2021/10/9</a:t>
+              <a:t>2022/10/12</a:t>
             </a:fld>
             <a:endParaRPr kumimoji="1" lang="zh-CN" altLang="en-US"/>
           </a:p>
@@ -699,7 +699,7 @@
           <a:p>
             <a:fld id="{FC19A4FA-3D9A-4114-B0D5-759CBD56F1AB}" type="datetimeFigureOut">
               <a:rPr lang="zh-CN" altLang="en-US" smtClean="0"/>
-              <a:t>2021/10/9</a:t>
+              <a:t>2022/10/12</a:t>
             </a:fld>
             <a:endParaRPr lang="zh-CN" altLang="en-US"/>
           </a:p>
@@ -902,7 +902,7 @@
           <a:p>
             <a:fld id="{FC19A4FA-3D9A-4114-B0D5-759CBD56F1AB}" type="datetimeFigureOut">
               <a:rPr lang="zh-CN" altLang="en-US" smtClean="0"/>
-              <a:t>2021/10/9</a:t>
+              <a:t>2022/10/12</a:t>
             </a:fld>
             <a:endParaRPr lang="zh-CN" altLang="en-US"/>
           </a:p>
@@ -1080,7 +1080,7 @@
           <a:p>
             <a:fld id="{FC19A4FA-3D9A-4114-B0D5-759CBD56F1AB}" type="datetimeFigureOut">
               <a:rPr lang="zh-CN" altLang="en-US" smtClean="0"/>
-              <a:t>2021/10/9</a:t>
+              <a:t>2022/10/12</a:t>
             </a:fld>
             <a:endParaRPr lang="zh-CN" altLang="en-US"/>
           </a:p>
@@ -1304,7 +1304,7 @@
           <a:p>
             <a:fld id="{FC19A4FA-3D9A-4114-B0D5-759CBD56F1AB}" type="datetimeFigureOut">
               <a:rPr lang="zh-CN" altLang="en-US" smtClean="0"/>
-              <a:t>2021/10/9</a:t>
+              <a:t>2022/10/12</a:t>
             </a:fld>
             <a:endParaRPr lang="zh-CN" altLang="en-US"/>
           </a:p>
@@ -1538,7 +1538,7 @@
           <a:p>
             <a:fld id="{FC19A4FA-3D9A-4114-B0D5-759CBD56F1AB}" type="datetimeFigureOut">
               <a:rPr lang="zh-CN" altLang="en-US" smtClean="0"/>
-              <a:t>2021/10/9</a:t>
+              <a:t>2022/10/12</a:t>
             </a:fld>
             <a:endParaRPr lang="zh-CN" altLang="en-US"/>
           </a:p>
@@ -1937,7 +1937,7 @@
           <a:p>
             <a:fld id="{FC19A4FA-3D9A-4114-B0D5-759CBD56F1AB}" type="datetimeFigureOut">
               <a:rPr lang="zh-CN" altLang="en-US" smtClean="0"/>
-              <a:t>2021/10/9</a:t>
+              <a:t>2022/10/12</a:t>
             </a:fld>
             <a:endParaRPr lang="zh-CN" altLang="en-US"/>
           </a:p>
@@ -2217,7 +2217,7 @@
           <a:p>
             <a:fld id="{FC19A4FA-3D9A-4114-B0D5-759CBD56F1AB}" type="datetimeFigureOut">
               <a:rPr lang="zh-CN" altLang="en-US" smtClean="0"/>
-              <a:t>2021/10/9</a:t>
+              <a:t>2022/10/12</a:t>
             </a:fld>
             <a:endParaRPr lang="zh-CN" altLang="en-US"/>
           </a:p>
@@ -2369,7 +2369,7 @@
           <a:p>
             <a:fld id="{FC19A4FA-3D9A-4114-B0D5-759CBD56F1AB}" type="datetimeFigureOut">
               <a:rPr lang="zh-CN" altLang="en-US" smtClean="0"/>
-              <a:t>2021/10/9</a:t>
+              <a:t>2022/10/12</a:t>
             </a:fld>
             <a:endParaRPr lang="zh-CN" altLang="en-US"/>
           </a:p>
@@ -2499,7 +2499,7 @@
           <a:p>
             <a:fld id="{FC19A4FA-3D9A-4114-B0D5-759CBD56F1AB}" type="datetimeFigureOut">
               <a:rPr lang="zh-CN" altLang="en-US" smtClean="0"/>
-              <a:t>2021/10/9</a:t>
+              <a:t>2022/10/12</a:t>
             </a:fld>
             <a:endParaRPr lang="zh-CN" altLang="en-US"/>
           </a:p>
@@ -2809,7 +2809,7 @@
           <a:p>
             <a:fld id="{FC19A4FA-3D9A-4114-B0D5-759CBD56F1AB}" type="datetimeFigureOut">
               <a:rPr lang="zh-CN" altLang="en-US" smtClean="0"/>
-              <a:t>2021/10/9</a:t>
+              <a:t>2022/10/12</a:t>
             </a:fld>
             <a:endParaRPr lang="zh-CN" altLang="en-US"/>
           </a:p>
@@ -3096,7 +3096,7 @@
           <a:p>
             <a:fld id="{FC19A4FA-3D9A-4114-B0D5-759CBD56F1AB}" type="datetimeFigureOut">
               <a:rPr lang="zh-CN" altLang="en-US" smtClean="0"/>
-              <a:t>2021/10/9</a:t>
+              <a:t>2022/10/12</a:t>
             </a:fld>
             <a:endParaRPr lang="zh-CN" altLang="en-US"/>
           </a:p>
@@ -3389,7 +3389,7 @@
           <a:p>
             <a:fld id="{FC19A4FA-3D9A-4114-B0D5-759CBD56F1AB}" type="datetimeFigureOut">
               <a:rPr lang="zh-CN" altLang="en-US" smtClean="0"/>
-              <a:t>2021/10/9</a:t>
+              <a:t>2022/10/12</a:t>
             </a:fld>
             <a:endParaRPr lang="zh-CN" altLang="en-US"/>
           </a:p>
@@ -25004,7 +25004,7 @@
                 </a:highlight>
                 <a:latin typeface="Menlo" panose="020B0609030804020204" pitchFamily="49" charset="0"/>
               </a:rPr>
-              <a:t>Memoryleak.c</a:t>
+              <a:t>memoryleak.c</a:t>
             </a:r>
             <a:endParaRPr lang="zh-CN" altLang="en-US" sz="2000" dirty="0">
               <a:solidFill>
@@ -29683,7 +29683,25 @@
                 </a:solidFill>
                 <a:latin typeface="Menlo" panose="020B0609030804020204" pitchFamily="49" charset="0"/>
               </a:rPr>
-              <a:t> // assign 20 to num</a:t>
+              <a:t> // assign </a:t>
+            </a:r>
+            <a:r>
+              <a:rPr lang="en-US" altLang="zh-CN" dirty="0">
+                <a:solidFill>
+                  <a:srgbClr val="008000"/>
+                </a:solidFill>
+                <a:latin typeface="Menlo" panose="020B0609030804020204" pitchFamily="49" charset="0"/>
+              </a:rPr>
+              <a:t>3</a:t>
+            </a:r>
+            <a:r>
+              <a:rPr lang="en" altLang="zh-CN" dirty="0">
+                <a:solidFill>
+                  <a:srgbClr val="008000"/>
+                </a:solidFill>
+                <a:latin typeface="Menlo" panose="020B0609030804020204" pitchFamily="49" charset="0"/>
+              </a:rPr>
+              <a:t>0 to num</a:t>
             </a:r>
             <a:endParaRPr lang="en" altLang="zh-CN" dirty="0">
               <a:solidFill>

--- a/week05/Lecture05.pptx
+++ b/week05/Lecture05.pptx
@@ -5,7 +5,7 @@
     <p:sldMasterId id="2147483648" r:id="rId1"/>
   </p:sldMasterIdLst>
   <p:notesMasterIdLst>
-    <p:notesMasterId r:id="rId25"/>
+    <p:notesMasterId r:id="rId29"/>
   </p:notesMasterIdLst>
   <p:sldIdLst>
     <p:sldId id="256" r:id="rId2"/>
@@ -31,6 +31,10 @@
     <p:sldId id="323" r:id="rId22"/>
     <p:sldId id="328" r:id="rId23"/>
     <p:sldId id="327" r:id="rId24"/>
+    <p:sldId id="329" r:id="rId25"/>
+    <p:sldId id="330" r:id="rId26"/>
+    <p:sldId id="331" r:id="rId27"/>
+    <p:sldId id="332" r:id="rId28"/>
   </p:sldIdLst>
   <p:sldSz cx="12192000" cy="6858000"/>
   <p:notesSz cx="6858000" cy="9144000"/>
@@ -219,7 +223,7 @@
           <a:p>
             <a:fld id="{634F3F22-B4BB-3F48-9180-464A9F2D66D1}" type="datetimeFigureOut">
               <a:rPr kumimoji="1" lang="zh-CN" altLang="en-US" smtClean="0"/>
-              <a:t>2022/10/12</a:t>
+              <a:t>2023/3/15</a:t>
             </a:fld>
             <a:endParaRPr kumimoji="1" lang="zh-CN" altLang="en-US"/>
           </a:p>
@@ -699,7 +703,7 @@
           <a:p>
             <a:fld id="{FC19A4FA-3D9A-4114-B0D5-759CBD56F1AB}" type="datetimeFigureOut">
               <a:rPr lang="zh-CN" altLang="en-US" smtClean="0"/>
-              <a:t>2022/10/12</a:t>
+              <a:t>2023/3/15</a:t>
             </a:fld>
             <a:endParaRPr lang="zh-CN" altLang="en-US"/>
           </a:p>
@@ -902,7 +906,7 @@
           <a:p>
             <a:fld id="{FC19A4FA-3D9A-4114-B0D5-759CBD56F1AB}" type="datetimeFigureOut">
               <a:rPr lang="zh-CN" altLang="en-US" smtClean="0"/>
-              <a:t>2022/10/12</a:t>
+              <a:t>2023/3/15</a:t>
             </a:fld>
             <a:endParaRPr lang="zh-CN" altLang="en-US"/>
           </a:p>
@@ -1080,7 +1084,7 @@
           <a:p>
             <a:fld id="{FC19A4FA-3D9A-4114-B0D5-759CBD56F1AB}" type="datetimeFigureOut">
               <a:rPr lang="zh-CN" altLang="en-US" smtClean="0"/>
-              <a:t>2022/10/12</a:t>
+              <a:t>2023/3/15</a:t>
             </a:fld>
             <a:endParaRPr lang="zh-CN" altLang="en-US"/>
           </a:p>
@@ -1304,7 +1308,7 @@
           <a:p>
             <a:fld id="{FC19A4FA-3D9A-4114-B0D5-759CBD56F1AB}" type="datetimeFigureOut">
               <a:rPr lang="zh-CN" altLang="en-US" smtClean="0"/>
-              <a:t>2022/10/12</a:t>
+              <a:t>2023/3/15</a:t>
             </a:fld>
             <a:endParaRPr lang="zh-CN" altLang="en-US"/>
           </a:p>
@@ -1538,7 +1542,7 @@
           <a:p>
             <a:fld id="{FC19A4FA-3D9A-4114-B0D5-759CBD56F1AB}" type="datetimeFigureOut">
               <a:rPr lang="zh-CN" altLang="en-US" smtClean="0"/>
-              <a:t>2022/10/12</a:t>
+              <a:t>2023/3/15</a:t>
             </a:fld>
             <a:endParaRPr lang="zh-CN" altLang="en-US"/>
           </a:p>
@@ -1937,7 +1941,7 @@
           <a:p>
             <a:fld id="{FC19A4FA-3D9A-4114-B0D5-759CBD56F1AB}" type="datetimeFigureOut">
               <a:rPr lang="zh-CN" altLang="en-US" smtClean="0"/>
-              <a:t>2022/10/12</a:t>
+              <a:t>2023/3/15</a:t>
             </a:fld>
             <a:endParaRPr lang="zh-CN" altLang="en-US"/>
           </a:p>
@@ -2217,7 +2221,7 @@
           <a:p>
             <a:fld id="{FC19A4FA-3D9A-4114-B0D5-759CBD56F1AB}" type="datetimeFigureOut">
               <a:rPr lang="zh-CN" altLang="en-US" smtClean="0"/>
-              <a:t>2022/10/12</a:t>
+              <a:t>2023/3/15</a:t>
             </a:fld>
             <a:endParaRPr lang="zh-CN" altLang="en-US"/>
           </a:p>
@@ -2369,7 +2373,7 @@
           <a:p>
             <a:fld id="{FC19A4FA-3D9A-4114-B0D5-759CBD56F1AB}" type="datetimeFigureOut">
               <a:rPr lang="zh-CN" altLang="en-US" smtClean="0"/>
-              <a:t>2022/10/12</a:t>
+              <a:t>2023/3/15</a:t>
             </a:fld>
             <a:endParaRPr lang="zh-CN" altLang="en-US"/>
           </a:p>
@@ -2499,7 +2503,7 @@
           <a:p>
             <a:fld id="{FC19A4FA-3D9A-4114-B0D5-759CBD56F1AB}" type="datetimeFigureOut">
               <a:rPr lang="zh-CN" altLang="en-US" smtClean="0"/>
-              <a:t>2022/10/12</a:t>
+              <a:t>2023/3/15</a:t>
             </a:fld>
             <a:endParaRPr lang="zh-CN" altLang="en-US"/>
           </a:p>
@@ -2809,7 +2813,7 @@
           <a:p>
             <a:fld id="{FC19A4FA-3D9A-4114-B0D5-759CBD56F1AB}" type="datetimeFigureOut">
               <a:rPr lang="zh-CN" altLang="en-US" smtClean="0"/>
-              <a:t>2022/10/12</a:t>
+              <a:t>2023/3/15</a:t>
             </a:fld>
             <a:endParaRPr lang="zh-CN" altLang="en-US"/>
           </a:p>
@@ -3096,7 +3100,7 @@
           <a:p>
             <a:fld id="{FC19A4FA-3D9A-4114-B0D5-759CBD56F1AB}" type="datetimeFigureOut">
               <a:rPr lang="zh-CN" altLang="en-US" smtClean="0"/>
-              <a:t>2022/10/12</a:t>
+              <a:t>2023/3/15</a:t>
             </a:fld>
             <a:endParaRPr lang="zh-CN" altLang="en-US"/>
           </a:p>
@@ -3389,7 +3393,7 @@
           <a:p>
             <a:fld id="{FC19A4FA-3D9A-4114-B0D5-759CBD56F1AB}" type="datetimeFigureOut">
               <a:rPr lang="zh-CN" altLang="en-US" smtClean="0"/>
-              <a:t>2022/10/12</a:t>
+              <a:t>2023/3/15</a:t>
             </a:fld>
             <a:endParaRPr lang="zh-CN" altLang="en-US"/>
           </a:p>
@@ -29285,6 +29289,664 @@
 </p:sld>
 </file>
 
+<file path=ppt/slides/slide24.xml><?xml version="1.0" encoding="utf-8"?>
+<p:sld xmlns:a="http://schemas.openxmlformats.org/drawingml/2006/main" xmlns:r="http://schemas.openxmlformats.org/officeDocument/2006/relationships" xmlns:p="http://schemas.openxmlformats.org/presentationml/2006/main">
+  <p:cSld>
+    <p:spTree>
+      <p:nvGrpSpPr>
+        <p:cNvPr id="1" name=""/>
+        <p:cNvGrpSpPr/>
+        <p:nvPr/>
+      </p:nvGrpSpPr>
+      <p:grpSpPr>
+        <a:xfrm>
+          <a:off x="0" y="0"/>
+          <a:ext cx="0" cy="0"/>
+          <a:chOff x="0" y="0"/>
+          <a:chExt cx="0" cy="0"/>
+        </a:xfrm>
+      </p:grpSpPr>
+      <p:sp>
+        <p:nvSpPr>
+          <p:cNvPr id="2" name="标题 1">
+            <a:extLst>
+              <a:ext uri="{FF2B5EF4-FFF2-40B4-BE49-F238E27FC236}">
+                <a16:creationId xmlns:a16="http://schemas.microsoft.com/office/drawing/2014/main" id="{DFA230C3-C1AC-7DCF-889D-FAC8EF7C51BC}"/>
+              </a:ext>
+            </a:extLst>
+          </p:cNvPr>
+          <p:cNvSpPr>
+            <a:spLocks noGrp="1"/>
+          </p:cNvSpPr>
+          <p:nvPr>
+            <p:ph type="title"/>
+          </p:nvPr>
+        </p:nvSpPr>
+        <p:spPr/>
+        <p:txBody>
+          <a:bodyPr/>
+          <a:lstStyle/>
+          <a:p>
+            <a:endParaRPr kumimoji="1" lang="zh-CN" altLang="en-US"/>
+          </a:p>
+        </p:txBody>
+      </p:sp>
+      <p:pic>
+        <p:nvPicPr>
+          <p:cNvPr id="5" name="内容占位符 4" descr="人在骑自行车&#10;&#10;描述已自动生成">
+            <a:extLst>
+              <a:ext uri="{FF2B5EF4-FFF2-40B4-BE49-F238E27FC236}">
+                <a16:creationId xmlns:a16="http://schemas.microsoft.com/office/drawing/2014/main" id="{7F422799-314C-457A-1EFA-3817BE5F09BE}"/>
+              </a:ext>
+            </a:extLst>
+          </p:cNvPr>
+          <p:cNvPicPr>
+            <a:picLocks noGrp="1" noChangeAspect="1"/>
+          </p:cNvPicPr>
+          <p:nvPr>
+            <p:ph idx="1"/>
+          </p:nvPr>
+        </p:nvPicPr>
+        <p:blipFill rotWithShape="1">
+          <a:blip r:embed="rId2">
+            <a:extLst>
+              <a:ext uri="{28A0092B-C50C-407E-A947-70E740481C1C}">
+                <a14:useLocalDpi xmlns:a14="http://schemas.microsoft.com/office/drawing/2010/main" val="0"/>
+              </a:ext>
+            </a:extLst>
+          </a:blip>
+          <a:srcRect b="13158"/>
+          <a:stretch/>
+        </p:blipFill>
+        <p:spPr>
+          <a:xfrm>
+            <a:off x="0" y="-1"/>
+            <a:ext cx="12197014" cy="6858001"/>
+          </a:xfrm>
+        </p:spPr>
+      </p:pic>
+      <p:sp>
+        <p:nvSpPr>
+          <p:cNvPr id="3" name="文本框 2">
+            <a:extLst>
+              <a:ext uri="{FF2B5EF4-FFF2-40B4-BE49-F238E27FC236}">
+                <a16:creationId xmlns:a16="http://schemas.microsoft.com/office/drawing/2014/main" id="{52B52CF1-85DF-F04A-DBE2-8FA0F0A1E075}"/>
+              </a:ext>
+            </a:extLst>
+          </p:cNvPr>
+          <p:cNvSpPr txBox="1"/>
+          <p:nvPr/>
+        </p:nvSpPr>
+        <p:spPr>
+          <a:xfrm>
+            <a:off x="1191491" y="471055"/>
+            <a:ext cx="2908297" cy="923330"/>
+          </a:xfrm>
+          <a:prstGeom prst="rect">
+            <a:avLst/>
+          </a:prstGeom>
+          <a:solidFill>
+            <a:schemeClr val="accent4"/>
+          </a:solidFill>
+        </p:spPr>
+        <p:txBody>
+          <a:bodyPr wrap="none" rtlCol="0">
+            <a:spAutoFit/>
+          </a:bodyPr>
+          <a:lstStyle/>
+          <a:p>
+            <a:r>
+              <a:rPr kumimoji="1" lang="en-US" altLang="zh-CN" sz="5400" dirty="0">
+                <a:solidFill>
+                  <a:srgbClr val="FF0000"/>
+                </a:solidFill>
+                <a:cs typeface="Arial" panose="020B0604020202020204" pitchFamily="34" charset="0"/>
+              </a:rPr>
+              <a:t>I love C++</a:t>
+            </a:r>
+            <a:endParaRPr kumimoji="1" lang="zh-CN" altLang="en-US" sz="5400" dirty="0">
+              <a:solidFill>
+                <a:srgbClr val="FF0000"/>
+              </a:solidFill>
+              <a:cs typeface="Arial" panose="020B0604020202020204" pitchFamily="34" charset="0"/>
+            </a:endParaRPr>
+          </a:p>
+        </p:txBody>
+      </p:sp>
+    </p:spTree>
+    <p:extLst>
+      <p:ext uri="{BB962C8B-B14F-4D97-AF65-F5344CB8AC3E}">
+        <p14:creationId xmlns:p14="http://schemas.microsoft.com/office/powerpoint/2010/main" val="1198036505"/>
+      </p:ext>
+    </p:extLst>
+  </p:cSld>
+  <p:clrMapOvr>
+    <a:masterClrMapping/>
+  </p:clrMapOvr>
+</p:sld>
+</file>
+
+<file path=ppt/slides/slide25.xml><?xml version="1.0" encoding="utf-8"?>
+<p:sld xmlns:a="http://schemas.openxmlformats.org/drawingml/2006/main" xmlns:r="http://schemas.openxmlformats.org/officeDocument/2006/relationships" xmlns:p="http://schemas.openxmlformats.org/presentationml/2006/main">
+  <p:cSld>
+    <p:spTree>
+      <p:nvGrpSpPr>
+        <p:cNvPr id="1" name=""/>
+        <p:cNvGrpSpPr/>
+        <p:nvPr/>
+      </p:nvGrpSpPr>
+      <p:grpSpPr>
+        <a:xfrm>
+          <a:off x="0" y="0"/>
+          <a:ext cx="0" cy="0"/>
+          <a:chOff x="0" y="0"/>
+          <a:chExt cx="0" cy="0"/>
+        </a:xfrm>
+      </p:grpSpPr>
+      <p:sp>
+        <p:nvSpPr>
+          <p:cNvPr id="2" name="标题 1">
+            <a:extLst>
+              <a:ext uri="{FF2B5EF4-FFF2-40B4-BE49-F238E27FC236}">
+                <a16:creationId xmlns:a16="http://schemas.microsoft.com/office/drawing/2014/main" id="{69537C0E-4088-DA93-770D-97BC174FB100}"/>
+              </a:ext>
+            </a:extLst>
+          </p:cNvPr>
+          <p:cNvSpPr>
+            <a:spLocks noGrp="1"/>
+          </p:cNvSpPr>
+          <p:nvPr>
+            <p:ph type="title"/>
+          </p:nvPr>
+        </p:nvSpPr>
+        <p:spPr/>
+        <p:txBody>
+          <a:bodyPr/>
+          <a:lstStyle/>
+          <a:p>
+            <a:endParaRPr kumimoji="1" lang="zh-CN" altLang="en-US"/>
+          </a:p>
+        </p:txBody>
+      </p:sp>
+      <p:sp>
+        <p:nvSpPr>
+          <p:cNvPr id="3" name="内容占位符 2">
+            <a:extLst>
+              <a:ext uri="{FF2B5EF4-FFF2-40B4-BE49-F238E27FC236}">
+                <a16:creationId xmlns:a16="http://schemas.microsoft.com/office/drawing/2014/main" id="{391BABE7-BAD2-D271-AF47-F0C227706750}"/>
+              </a:ext>
+            </a:extLst>
+          </p:cNvPr>
+          <p:cNvSpPr>
+            <a:spLocks noGrp="1"/>
+          </p:cNvSpPr>
+          <p:nvPr>
+            <p:ph idx="1"/>
+          </p:nvPr>
+        </p:nvSpPr>
+        <p:spPr/>
+        <p:txBody>
+          <a:bodyPr/>
+          <a:lstStyle/>
+          <a:p>
+            <a:endParaRPr kumimoji="1" lang="zh-CN" altLang="en-US"/>
+          </a:p>
+        </p:txBody>
+      </p:sp>
+      <p:pic>
+        <p:nvPicPr>
+          <p:cNvPr id="1026" name="Picture 2">
+            <a:extLst>
+              <a:ext uri="{FF2B5EF4-FFF2-40B4-BE49-F238E27FC236}">
+                <a16:creationId xmlns:a16="http://schemas.microsoft.com/office/drawing/2014/main" id="{3ADB7C4D-B4AB-FF2C-B332-8F69621D2083}"/>
+              </a:ext>
+            </a:extLst>
+          </p:cNvPr>
+          <p:cNvPicPr>
+            <a:picLocks noChangeAspect="1" noChangeArrowheads="1"/>
+          </p:cNvPicPr>
+          <p:nvPr/>
+        </p:nvPicPr>
+        <p:blipFill rotWithShape="1">
+          <a:blip r:embed="rId2">
+            <a:extLst>
+              <a:ext uri="{28A0092B-C50C-407E-A947-70E740481C1C}">
+                <a14:useLocalDpi xmlns:a14="http://schemas.microsoft.com/office/drawing/2010/main" val="0"/>
+              </a:ext>
+            </a:extLst>
+          </a:blip>
+          <a:srcRect t="8378" b="8670"/>
+          <a:stretch/>
+        </p:blipFill>
+        <p:spPr bwMode="auto">
+          <a:xfrm>
+            <a:off x="0" y="0"/>
+            <a:ext cx="12158213" cy="6858000"/>
+          </a:xfrm>
+          <a:prstGeom prst="rect">
+            <a:avLst/>
+          </a:prstGeom>
+          <a:noFill/>
+          <a:extLst>
+            <a:ext uri="{909E8E84-426E-40DD-AFC4-6F175D3DCCD1}">
+              <a14:hiddenFill xmlns:a14="http://schemas.microsoft.com/office/drawing/2010/main">
+                <a:solidFill>
+                  <a:srgbClr val="FFFFFF"/>
+                </a:solidFill>
+              </a14:hiddenFill>
+            </a:ext>
+          </a:extLst>
+        </p:spPr>
+      </p:pic>
+      <p:sp>
+        <p:nvSpPr>
+          <p:cNvPr id="4" name="文本框 3">
+            <a:extLst>
+              <a:ext uri="{FF2B5EF4-FFF2-40B4-BE49-F238E27FC236}">
+                <a16:creationId xmlns:a16="http://schemas.microsoft.com/office/drawing/2014/main" id="{DA5EA408-1718-BD8C-4559-D59837ABA6FA}"/>
+              </a:ext>
+            </a:extLst>
+          </p:cNvPr>
+          <p:cNvSpPr txBox="1"/>
+          <p:nvPr/>
+        </p:nvSpPr>
+        <p:spPr>
+          <a:xfrm>
+            <a:off x="4211782" y="2828649"/>
+            <a:ext cx="4222631" cy="923330"/>
+          </a:xfrm>
+          <a:prstGeom prst="rect">
+            <a:avLst/>
+          </a:prstGeom>
+          <a:solidFill>
+            <a:schemeClr val="accent4"/>
+          </a:solidFill>
+        </p:spPr>
+        <p:txBody>
+          <a:bodyPr wrap="none" rtlCol="0">
+            <a:spAutoFit/>
+          </a:bodyPr>
+          <a:lstStyle/>
+          <a:p>
+            <a:r>
+              <a:rPr kumimoji="1" lang="en-US" altLang="zh-CN" sz="5400" dirty="0">
+                <a:solidFill>
+                  <a:srgbClr val="FF0000"/>
+                </a:solidFill>
+                <a:cs typeface="Arial" panose="020B0604020202020204" pitchFamily="34" charset="0"/>
+              </a:rPr>
+              <a:t>Out of bounds</a:t>
+            </a:r>
+            <a:endParaRPr kumimoji="1" lang="zh-CN" altLang="en-US" sz="5400" dirty="0">
+              <a:solidFill>
+                <a:srgbClr val="FF0000"/>
+              </a:solidFill>
+              <a:cs typeface="Arial" panose="020B0604020202020204" pitchFamily="34" charset="0"/>
+            </a:endParaRPr>
+          </a:p>
+        </p:txBody>
+      </p:sp>
+    </p:spTree>
+    <p:extLst>
+      <p:ext uri="{BB962C8B-B14F-4D97-AF65-F5344CB8AC3E}">
+        <p14:creationId xmlns:p14="http://schemas.microsoft.com/office/powerpoint/2010/main" val="2252032590"/>
+      </p:ext>
+    </p:extLst>
+  </p:cSld>
+  <p:clrMapOvr>
+    <a:masterClrMapping/>
+  </p:clrMapOvr>
+</p:sld>
+</file>
+
+<file path=ppt/slides/slide26.xml><?xml version="1.0" encoding="utf-8"?>
+<p:sld xmlns:a="http://schemas.openxmlformats.org/drawingml/2006/main" xmlns:r="http://schemas.openxmlformats.org/officeDocument/2006/relationships" xmlns:p="http://schemas.openxmlformats.org/presentationml/2006/main">
+  <p:cSld>
+    <p:spTree>
+      <p:nvGrpSpPr>
+        <p:cNvPr id="1" name=""/>
+        <p:cNvGrpSpPr/>
+        <p:nvPr/>
+      </p:nvGrpSpPr>
+      <p:grpSpPr>
+        <a:xfrm>
+          <a:off x="0" y="0"/>
+          <a:ext cx="0" cy="0"/>
+          <a:chOff x="0" y="0"/>
+          <a:chExt cx="0" cy="0"/>
+        </a:xfrm>
+      </p:grpSpPr>
+      <p:sp>
+        <p:nvSpPr>
+          <p:cNvPr id="2" name="标题 1">
+            <a:extLst>
+              <a:ext uri="{FF2B5EF4-FFF2-40B4-BE49-F238E27FC236}">
+                <a16:creationId xmlns:a16="http://schemas.microsoft.com/office/drawing/2014/main" id="{BB836638-918C-7466-47FF-3D780E678364}"/>
+              </a:ext>
+            </a:extLst>
+          </p:cNvPr>
+          <p:cNvSpPr>
+            <a:spLocks noGrp="1"/>
+          </p:cNvSpPr>
+          <p:nvPr>
+            <p:ph type="title"/>
+          </p:nvPr>
+        </p:nvSpPr>
+        <p:spPr/>
+        <p:txBody>
+          <a:bodyPr/>
+          <a:lstStyle/>
+          <a:p>
+            <a:endParaRPr kumimoji="1" lang="zh-CN" altLang="en-US"/>
+          </a:p>
+        </p:txBody>
+      </p:sp>
+      <p:sp>
+        <p:nvSpPr>
+          <p:cNvPr id="3" name="内容占位符 2">
+            <a:extLst>
+              <a:ext uri="{FF2B5EF4-FFF2-40B4-BE49-F238E27FC236}">
+                <a16:creationId xmlns:a16="http://schemas.microsoft.com/office/drawing/2014/main" id="{340B1615-E8DA-39EC-6A8C-176BC0286CDD}"/>
+              </a:ext>
+            </a:extLst>
+          </p:cNvPr>
+          <p:cNvSpPr>
+            <a:spLocks noGrp="1"/>
+          </p:cNvSpPr>
+          <p:nvPr>
+            <p:ph idx="1"/>
+          </p:nvPr>
+        </p:nvSpPr>
+        <p:spPr/>
+        <p:txBody>
+          <a:bodyPr/>
+          <a:lstStyle/>
+          <a:p>
+            <a:endParaRPr kumimoji="1" lang="zh-CN" altLang="en-US"/>
+          </a:p>
+        </p:txBody>
+      </p:sp>
+      <p:pic>
+        <p:nvPicPr>
+          <p:cNvPr id="2050" name="Picture 2">
+            <a:extLst>
+              <a:ext uri="{FF2B5EF4-FFF2-40B4-BE49-F238E27FC236}">
+                <a16:creationId xmlns:a16="http://schemas.microsoft.com/office/drawing/2014/main" id="{4E8628E1-84EA-0C54-DDB2-CEE662DE3991}"/>
+              </a:ext>
+            </a:extLst>
+          </p:cNvPr>
+          <p:cNvPicPr>
+            <a:picLocks noChangeAspect="1" noChangeArrowheads="1"/>
+          </p:cNvPicPr>
+          <p:nvPr/>
+        </p:nvPicPr>
+        <p:blipFill rotWithShape="1">
+          <a:blip r:embed="rId2">
+            <a:extLst>
+              <a:ext uri="{28A0092B-C50C-407E-A947-70E740481C1C}">
+                <a14:useLocalDpi xmlns:a14="http://schemas.microsoft.com/office/drawing/2010/main" val="0"/>
+              </a:ext>
+            </a:extLst>
+          </a:blip>
+          <a:srcRect b="8687"/>
+          <a:stretch/>
+        </p:blipFill>
+        <p:spPr bwMode="auto">
+          <a:xfrm>
+            <a:off x="0" y="-1"/>
+            <a:ext cx="12192000" cy="6858001"/>
+          </a:xfrm>
+          <a:prstGeom prst="rect">
+            <a:avLst/>
+          </a:prstGeom>
+          <a:noFill/>
+          <a:extLst>
+            <a:ext uri="{909E8E84-426E-40DD-AFC4-6F175D3DCCD1}">
+              <a14:hiddenFill xmlns:a14="http://schemas.microsoft.com/office/drawing/2010/main">
+                <a:solidFill>
+                  <a:srgbClr val="FFFFFF"/>
+                </a:solidFill>
+              </a14:hiddenFill>
+            </a:ext>
+          </a:extLst>
+        </p:spPr>
+      </p:pic>
+      <p:sp>
+        <p:nvSpPr>
+          <p:cNvPr id="4" name="文本框 3">
+            <a:extLst>
+              <a:ext uri="{FF2B5EF4-FFF2-40B4-BE49-F238E27FC236}">
+                <a16:creationId xmlns:a16="http://schemas.microsoft.com/office/drawing/2014/main" id="{53455305-AC97-86A1-657C-FE0B6AA37C33}"/>
+              </a:ext>
+            </a:extLst>
+          </p:cNvPr>
+          <p:cNvSpPr txBox="1"/>
+          <p:nvPr/>
+        </p:nvSpPr>
+        <p:spPr>
+          <a:xfrm>
+            <a:off x="5706024" y="3054596"/>
+            <a:ext cx="5539145" cy="923330"/>
+          </a:xfrm>
+          <a:prstGeom prst="rect">
+            <a:avLst/>
+          </a:prstGeom>
+          <a:solidFill>
+            <a:schemeClr val="accent4"/>
+          </a:solidFill>
+        </p:spPr>
+        <p:txBody>
+          <a:bodyPr wrap="none" rtlCol="0">
+            <a:spAutoFit/>
+          </a:bodyPr>
+          <a:lstStyle/>
+          <a:p>
+            <a:r>
+              <a:rPr kumimoji="1" lang="en-US" altLang="zh-CN" sz="5400" dirty="0">
+                <a:solidFill>
+                  <a:srgbClr val="FF0000"/>
+                </a:solidFill>
+                <a:cs typeface="Arial" panose="020B0604020202020204" pitchFamily="34" charset="0"/>
+              </a:rPr>
+              <a:t>Segmentation fault</a:t>
+            </a:r>
+            <a:endParaRPr kumimoji="1" lang="zh-CN" altLang="en-US" sz="5400" dirty="0">
+              <a:solidFill>
+                <a:srgbClr val="FF0000"/>
+              </a:solidFill>
+              <a:cs typeface="Arial" panose="020B0604020202020204" pitchFamily="34" charset="0"/>
+            </a:endParaRPr>
+          </a:p>
+        </p:txBody>
+      </p:sp>
+    </p:spTree>
+    <p:extLst>
+      <p:ext uri="{BB962C8B-B14F-4D97-AF65-F5344CB8AC3E}">
+        <p14:creationId xmlns:p14="http://schemas.microsoft.com/office/powerpoint/2010/main" val="135268025"/>
+      </p:ext>
+    </p:extLst>
+  </p:cSld>
+  <p:clrMapOvr>
+    <a:masterClrMapping/>
+  </p:clrMapOvr>
+</p:sld>
+</file>
+
+<file path=ppt/slides/slide27.xml><?xml version="1.0" encoding="utf-8"?>
+<p:sld xmlns:a="http://schemas.openxmlformats.org/drawingml/2006/main" xmlns:r="http://schemas.openxmlformats.org/officeDocument/2006/relationships" xmlns:p="http://schemas.openxmlformats.org/presentationml/2006/main">
+  <p:cSld>
+    <p:spTree>
+      <p:nvGrpSpPr>
+        <p:cNvPr id="1" name=""/>
+        <p:cNvGrpSpPr/>
+        <p:nvPr/>
+      </p:nvGrpSpPr>
+      <p:grpSpPr>
+        <a:xfrm>
+          <a:off x="0" y="0"/>
+          <a:ext cx="0" cy="0"/>
+          <a:chOff x="0" y="0"/>
+          <a:chExt cx="0" cy="0"/>
+        </a:xfrm>
+      </p:grpSpPr>
+      <p:sp>
+        <p:nvSpPr>
+          <p:cNvPr id="2" name="标题 1">
+            <a:extLst>
+              <a:ext uri="{FF2B5EF4-FFF2-40B4-BE49-F238E27FC236}">
+                <a16:creationId xmlns:a16="http://schemas.microsoft.com/office/drawing/2014/main" id="{F3344975-E242-47A3-AED9-12B964C44D2A}"/>
+              </a:ext>
+            </a:extLst>
+          </p:cNvPr>
+          <p:cNvSpPr>
+            <a:spLocks noGrp="1"/>
+          </p:cNvSpPr>
+          <p:nvPr>
+            <p:ph type="title"/>
+          </p:nvPr>
+        </p:nvSpPr>
+        <p:spPr/>
+        <p:txBody>
+          <a:bodyPr/>
+          <a:lstStyle/>
+          <a:p>
+            <a:endParaRPr kumimoji="1" lang="zh-CN" altLang="en-US"/>
+          </a:p>
+        </p:txBody>
+      </p:sp>
+      <p:sp>
+        <p:nvSpPr>
+          <p:cNvPr id="3" name="内容占位符 2">
+            <a:extLst>
+              <a:ext uri="{FF2B5EF4-FFF2-40B4-BE49-F238E27FC236}">
+                <a16:creationId xmlns:a16="http://schemas.microsoft.com/office/drawing/2014/main" id="{6BA147B6-0EA1-2823-A0B3-D4DCB879E868}"/>
+              </a:ext>
+            </a:extLst>
+          </p:cNvPr>
+          <p:cNvSpPr>
+            <a:spLocks noGrp="1"/>
+          </p:cNvSpPr>
+          <p:nvPr>
+            <p:ph idx="1"/>
+          </p:nvPr>
+        </p:nvSpPr>
+        <p:spPr/>
+        <p:txBody>
+          <a:bodyPr/>
+          <a:lstStyle/>
+          <a:p>
+            <a:endParaRPr kumimoji="1" lang="zh-CN" altLang="en-US"/>
+          </a:p>
+        </p:txBody>
+      </p:sp>
+      <p:pic>
+        <p:nvPicPr>
+          <p:cNvPr id="1026" name="Picture 2">
+            <a:extLst>
+              <a:ext uri="{FF2B5EF4-FFF2-40B4-BE49-F238E27FC236}">
+                <a16:creationId xmlns:a16="http://schemas.microsoft.com/office/drawing/2014/main" id="{92442E15-D0DF-A9D7-B0B3-23AC7FABD769}"/>
+              </a:ext>
+            </a:extLst>
+          </p:cNvPr>
+          <p:cNvPicPr>
+            <a:picLocks noChangeAspect="1" noChangeArrowheads="1"/>
+          </p:cNvPicPr>
+          <p:nvPr/>
+        </p:nvPicPr>
+        <p:blipFill>
+          <a:blip r:embed="rId2">
+            <a:extLst>
+              <a:ext uri="{28A0092B-C50C-407E-A947-70E740481C1C}">
+                <a14:useLocalDpi xmlns:a14="http://schemas.microsoft.com/office/drawing/2010/main" val="0"/>
+              </a:ext>
+            </a:extLst>
+          </a:blip>
+          <a:srcRect/>
+          <a:stretch>
+            <a:fillRect/>
+          </a:stretch>
+        </p:blipFill>
+        <p:spPr bwMode="auto">
+          <a:xfrm>
+            <a:off x="1" y="0"/>
+            <a:ext cx="12192000" cy="6858000"/>
+          </a:xfrm>
+          <a:prstGeom prst="rect">
+            <a:avLst/>
+          </a:prstGeom>
+          <a:noFill/>
+          <a:extLst>
+            <a:ext uri="{909E8E84-426E-40DD-AFC4-6F175D3DCCD1}">
+              <a14:hiddenFill xmlns:a14="http://schemas.microsoft.com/office/drawing/2010/main">
+                <a:solidFill>
+                  <a:srgbClr val="FFFFFF"/>
+                </a:solidFill>
+              </a14:hiddenFill>
+            </a:ext>
+          </a:extLst>
+        </p:spPr>
+      </p:pic>
+      <p:sp>
+        <p:nvSpPr>
+          <p:cNvPr id="4" name="文本框 3">
+            <a:extLst>
+              <a:ext uri="{FF2B5EF4-FFF2-40B4-BE49-F238E27FC236}">
+                <a16:creationId xmlns:a16="http://schemas.microsoft.com/office/drawing/2014/main" id="{4734D475-FA06-A74D-ACA2-B62B466C9EB1}"/>
+              </a:ext>
+            </a:extLst>
+          </p:cNvPr>
+          <p:cNvSpPr txBox="1"/>
+          <p:nvPr/>
+        </p:nvSpPr>
+        <p:spPr>
+          <a:xfrm>
+            <a:off x="556855" y="264221"/>
+            <a:ext cx="3710055" cy="923330"/>
+          </a:xfrm>
+          <a:prstGeom prst="rect">
+            <a:avLst/>
+          </a:prstGeom>
+          <a:solidFill>
+            <a:schemeClr val="accent4"/>
+          </a:solidFill>
+        </p:spPr>
+        <p:txBody>
+          <a:bodyPr wrap="none" rtlCol="0">
+            <a:spAutoFit/>
+          </a:bodyPr>
+          <a:lstStyle/>
+          <a:p>
+            <a:r>
+              <a:rPr kumimoji="1" lang="en-US" altLang="zh-CN" sz="5400" dirty="0">
+                <a:solidFill>
+                  <a:srgbClr val="FF0000"/>
+                </a:solidFill>
+                <a:cs typeface="Arial" panose="020B0604020202020204" pitchFamily="34" charset="0"/>
+              </a:rPr>
+              <a:t>Java is safer!</a:t>
+            </a:r>
+            <a:endParaRPr kumimoji="1" lang="zh-CN" altLang="en-US" sz="5400" dirty="0">
+              <a:solidFill>
+                <a:srgbClr val="FF0000"/>
+              </a:solidFill>
+              <a:cs typeface="Arial" panose="020B0604020202020204" pitchFamily="34" charset="0"/>
+            </a:endParaRPr>
+          </a:p>
+        </p:txBody>
+      </p:sp>
+    </p:spTree>
+    <p:extLst>
+      <p:ext uri="{BB962C8B-B14F-4D97-AF65-F5344CB8AC3E}">
+        <p14:creationId xmlns:p14="http://schemas.microsoft.com/office/powerpoint/2010/main" val="967679039"/>
+      </p:ext>
+    </p:extLst>
+  </p:cSld>
+  <p:clrMapOvr>
+    <a:masterClrMapping/>
+  </p:clrMapOvr>
+</p:sld>
+</file>
+
 <file path=ppt/slides/slide3.xml><?xml version="1.0" encoding="utf-8"?>
 <p:sld xmlns:a="http://schemas.openxmlformats.org/drawingml/2006/main" xmlns:r="http://schemas.openxmlformats.org/officeDocument/2006/relationships" xmlns:p="http://schemas.openxmlformats.org/presentationml/2006/main">
   <p:cSld>
@@ -29354,7 +30016,9 @@
           </a:xfrm>
         </p:spPr>
         <p:txBody>
-          <a:bodyPr/>
+          <a:bodyPr>
+            <a:normAutofit lnSpcReduction="10000"/>
+          </a:bodyPr>
           <a:lstStyle/>
           <a:p>
             <a:r>

--- a/week05/Lecture05.pptx
+++ b/week05/Lecture05.pptx
@@ -223,7 +223,7 @@
           <a:p>
             <a:fld id="{634F3F22-B4BB-3F48-9180-464A9F2D66D1}" type="datetimeFigureOut">
               <a:rPr kumimoji="1" lang="zh-CN" altLang="en-US" smtClean="0"/>
-              <a:t>2023/3/15</a:t>
+              <a:t>2023/8/30</a:t>
             </a:fld>
             <a:endParaRPr kumimoji="1" lang="zh-CN" altLang="en-US"/>
           </a:p>
@@ -703,7 +703,7 @@
           <a:p>
             <a:fld id="{FC19A4FA-3D9A-4114-B0D5-759CBD56F1AB}" type="datetimeFigureOut">
               <a:rPr lang="zh-CN" altLang="en-US" smtClean="0"/>
-              <a:t>2023/3/15</a:t>
+              <a:t>2023/8/30</a:t>
             </a:fld>
             <a:endParaRPr lang="zh-CN" altLang="en-US"/>
           </a:p>
@@ -906,7 +906,7 @@
           <a:p>
             <a:fld id="{FC19A4FA-3D9A-4114-B0D5-759CBD56F1AB}" type="datetimeFigureOut">
               <a:rPr lang="zh-CN" altLang="en-US" smtClean="0"/>
-              <a:t>2023/3/15</a:t>
+              <a:t>2023/8/30</a:t>
             </a:fld>
             <a:endParaRPr lang="zh-CN" altLang="en-US"/>
           </a:p>
@@ -1084,7 +1084,7 @@
           <a:p>
             <a:fld id="{FC19A4FA-3D9A-4114-B0D5-759CBD56F1AB}" type="datetimeFigureOut">
               <a:rPr lang="zh-CN" altLang="en-US" smtClean="0"/>
-              <a:t>2023/3/15</a:t>
+              <a:t>2023/8/30</a:t>
             </a:fld>
             <a:endParaRPr lang="zh-CN" altLang="en-US"/>
           </a:p>
@@ -1308,7 +1308,7 @@
           <a:p>
             <a:fld id="{FC19A4FA-3D9A-4114-B0D5-759CBD56F1AB}" type="datetimeFigureOut">
               <a:rPr lang="zh-CN" altLang="en-US" smtClean="0"/>
-              <a:t>2023/3/15</a:t>
+              <a:t>2023/8/30</a:t>
             </a:fld>
             <a:endParaRPr lang="zh-CN" altLang="en-US"/>
           </a:p>
@@ -1542,7 +1542,7 @@
           <a:p>
             <a:fld id="{FC19A4FA-3D9A-4114-B0D5-759CBD56F1AB}" type="datetimeFigureOut">
               <a:rPr lang="zh-CN" altLang="en-US" smtClean="0"/>
-              <a:t>2023/3/15</a:t>
+              <a:t>2023/8/30</a:t>
             </a:fld>
             <a:endParaRPr lang="zh-CN" altLang="en-US"/>
           </a:p>
@@ -1941,7 +1941,7 @@
           <a:p>
             <a:fld id="{FC19A4FA-3D9A-4114-B0D5-759CBD56F1AB}" type="datetimeFigureOut">
               <a:rPr lang="zh-CN" altLang="en-US" smtClean="0"/>
-              <a:t>2023/3/15</a:t>
+              <a:t>2023/8/30</a:t>
             </a:fld>
             <a:endParaRPr lang="zh-CN" altLang="en-US"/>
           </a:p>
@@ -2221,7 +2221,7 @@
           <a:p>
             <a:fld id="{FC19A4FA-3D9A-4114-B0D5-759CBD56F1AB}" type="datetimeFigureOut">
               <a:rPr lang="zh-CN" altLang="en-US" smtClean="0"/>
-              <a:t>2023/3/15</a:t>
+              <a:t>2023/8/30</a:t>
             </a:fld>
             <a:endParaRPr lang="zh-CN" altLang="en-US"/>
           </a:p>
@@ -2373,7 +2373,7 @@
           <a:p>
             <a:fld id="{FC19A4FA-3D9A-4114-B0D5-759CBD56F1AB}" type="datetimeFigureOut">
               <a:rPr lang="zh-CN" altLang="en-US" smtClean="0"/>
-              <a:t>2023/3/15</a:t>
+              <a:t>2023/8/30</a:t>
             </a:fld>
             <a:endParaRPr lang="zh-CN" altLang="en-US"/>
           </a:p>
@@ -2503,7 +2503,7 @@
           <a:p>
             <a:fld id="{FC19A4FA-3D9A-4114-B0D5-759CBD56F1AB}" type="datetimeFigureOut">
               <a:rPr lang="zh-CN" altLang="en-US" smtClean="0"/>
-              <a:t>2023/3/15</a:t>
+              <a:t>2023/8/30</a:t>
             </a:fld>
             <a:endParaRPr lang="zh-CN" altLang="en-US"/>
           </a:p>
@@ -2813,7 +2813,7 @@
           <a:p>
             <a:fld id="{FC19A4FA-3D9A-4114-B0D5-759CBD56F1AB}" type="datetimeFigureOut">
               <a:rPr lang="zh-CN" altLang="en-US" smtClean="0"/>
-              <a:t>2023/3/15</a:t>
+              <a:t>2023/8/30</a:t>
             </a:fld>
             <a:endParaRPr lang="zh-CN" altLang="en-US"/>
           </a:p>
@@ -3100,7 +3100,7 @@
           <a:p>
             <a:fld id="{FC19A4FA-3D9A-4114-B0D5-759CBD56F1AB}" type="datetimeFigureOut">
               <a:rPr lang="zh-CN" altLang="en-US" smtClean="0"/>
-              <a:t>2023/3/15</a:t>
+              <a:t>2023/8/30</a:t>
             </a:fld>
             <a:endParaRPr lang="zh-CN" altLang="en-US"/>
           </a:p>
@@ -3393,7 +3393,7 @@
           <a:p>
             <a:fld id="{FC19A4FA-3D9A-4114-B0D5-759CBD56F1AB}" type="datetimeFigureOut">
               <a:rPr lang="zh-CN" altLang="en-US" smtClean="0"/>
-              <a:t>2023/3/15</a:t>
+              <a:t>2023/8/30</a:t>
             </a:fld>
             <a:endParaRPr lang="zh-CN" altLang="en-US"/>
           </a:p>

--- a/week05/Lecture05.pptx
+++ b/week05/Lecture05.pptx
@@ -223,7 +223,7 @@
           <a:p>
             <a:fld id="{634F3F22-B4BB-3F48-9180-464A9F2D66D1}" type="datetimeFigureOut">
               <a:rPr kumimoji="1" lang="zh-CN" altLang="en-US" smtClean="0"/>
-              <a:t>2023/8/30</a:t>
+              <a:t>2025/3/16</a:t>
             </a:fld>
             <a:endParaRPr kumimoji="1" lang="zh-CN" altLang="en-US"/>
           </a:p>
@@ -703,7 +703,7 @@
           <a:p>
             <a:fld id="{FC19A4FA-3D9A-4114-B0D5-759CBD56F1AB}" type="datetimeFigureOut">
               <a:rPr lang="zh-CN" altLang="en-US" smtClean="0"/>
-              <a:t>2023/8/30</a:t>
+              <a:t>2025/3/16</a:t>
             </a:fld>
             <a:endParaRPr lang="zh-CN" altLang="en-US"/>
           </a:p>
@@ -906,7 +906,7 @@
           <a:p>
             <a:fld id="{FC19A4FA-3D9A-4114-B0D5-759CBD56F1AB}" type="datetimeFigureOut">
               <a:rPr lang="zh-CN" altLang="en-US" smtClean="0"/>
-              <a:t>2023/8/30</a:t>
+              <a:t>2025/3/16</a:t>
             </a:fld>
             <a:endParaRPr lang="zh-CN" altLang="en-US"/>
           </a:p>
@@ -1084,7 +1084,7 @@
           <a:p>
             <a:fld id="{FC19A4FA-3D9A-4114-B0D5-759CBD56F1AB}" type="datetimeFigureOut">
               <a:rPr lang="zh-CN" altLang="en-US" smtClean="0"/>
-              <a:t>2023/8/30</a:t>
+              <a:t>2025/3/16</a:t>
             </a:fld>
             <a:endParaRPr lang="zh-CN" altLang="en-US"/>
           </a:p>
@@ -1308,7 +1308,7 @@
           <a:p>
             <a:fld id="{FC19A4FA-3D9A-4114-B0D5-759CBD56F1AB}" type="datetimeFigureOut">
               <a:rPr lang="zh-CN" altLang="en-US" smtClean="0"/>
-              <a:t>2023/8/30</a:t>
+              <a:t>2025/3/16</a:t>
             </a:fld>
             <a:endParaRPr lang="zh-CN" altLang="en-US"/>
           </a:p>
@@ -1542,7 +1542,7 @@
           <a:p>
             <a:fld id="{FC19A4FA-3D9A-4114-B0D5-759CBD56F1AB}" type="datetimeFigureOut">
               <a:rPr lang="zh-CN" altLang="en-US" smtClean="0"/>
-              <a:t>2023/8/30</a:t>
+              <a:t>2025/3/16</a:t>
             </a:fld>
             <a:endParaRPr lang="zh-CN" altLang="en-US"/>
           </a:p>
@@ -1941,7 +1941,7 @@
           <a:p>
             <a:fld id="{FC19A4FA-3D9A-4114-B0D5-759CBD56F1AB}" type="datetimeFigureOut">
               <a:rPr lang="zh-CN" altLang="en-US" smtClean="0"/>
-              <a:t>2023/8/30</a:t>
+              <a:t>2025/3/16</a:t>
             </a:fld>
             <a:endParaRPr lang="zh-CN" altLang="en-US"/>
           </a:p>
@@ -2221,7 +2221,7 @@
           <a:p>
             <a:fld id="{FC19A4FA-3D9A-4114-B0D5-759CBD56F1AB}" type="datetimeFigureOut">
               <a:rPr lang="zh-CN" altLang="en-US" smtClean="0"/>
-              <a:t>2023/8/30</a:t>
+              <a:t>2025/3/16</a:t>
             </a:fld>
             <a:endParaRPr lang="zh-CN" altLang="en-US"/>
           </a:p>
@@ -2373,7 +2373,7 @@
           <a:p>
             <a:fld id="{FC19A4FA-3D9A-4114-B0D5-759CBD56F1AB}" type="datetimeFigureOut">
               <a:rPr lang="zh-CN" altLang="en-US" smtClean="0"/>
-              <a:t>2023/8/30</a:t>
+              <a:t>2025/3/16</a:t>
             </a:fld>
             <a:endParaRPr lang="zh-CN" altLang="en-US"/>
           </a:p>
@@ -2503,7 +2503,7 @@
           <a:p>
             <a:fld id="{FC19A4FA-3D9A-4114-B0D5-759CBD56F1AB}" type="datetimeFigureOut">
               <a:rPr lang="zh-CN" altLang="en-US" smtClean="0"/>
-              <a:t>2023/8/30</a:t>
+              <a:t>2025/3/16</a:t>
             </a:fld>
             <a:endParaRPr lang="zh-CN" altLang="en-US"/>
           </a:p>
@@ -2813,7 +2813,7 @@
           <a:p>
             <a:fld id="{FC19A4FA-3D9A-4114-B0D5-759CBD56F1AB}" type="datetimeFigureOut">
               <a:rPr lang="zh-CN" altLang="en-US" smtClean="0"/>
-              <a:t>2023/8/30</a:t>
+              <a:t>2025/3/16</a:t>
             </a:fld>
             <a:endParaRPr lang="zh-CN" altLang="en-US"/>
           </a:p>
@@ -3100,7 +3100,7 @@
           <a:p>
             <a:fld id="{FC19A4FA-3D9A-4114-B0D5-759CBD56F1AB}" type="datetimeFigureOut">
               <a:rPr lang="zh-CN" altLang="en-US" smtClean="0"/>
-              <a:t>2023/8/30</a:t>
+              <a:t>2025/3/16</a:t>
             </a:fld>
             <a:endParaRPr lang="zh-CN" altLang="en-US"/>
           </a:p>
@@ -3393,7 +3393,7 @@
           <a:p>
             <a:fld id="{FC19A4FA-3D9A-4114-B0D5-759CBD56F1AB}" type="datetimeFigureOut">
               <a:rPr lang="zh-CN" altLang="en-US" smtClean="0"/>
-              <a:t>2023/8/30</a:t>
+              <a:t>2025/3/16</a:t>
             </a:fld>
             <a:endParaRPr lang="zh-CN" altLang="en-US"/>
           </a:p>
@@ -3824,19 +3824,7 @@
               <a:rPr lang="en-US" altLang="zh-CN" b="1" dirty="0">
                 <a:latin typeface="Franklin Gothic Demi" panose="020B0703020102020204" pitchFamily="34" charset="0"/>
               </a:rPr>
-              <a:t>C/C++</a:t>
-            </a:r>
-            <a:r>
-              <a:rPr lang="zh-CN" altLang="en-US" b="1" dirty="0">
-                <a:latin typeface="Franklin Gothic Demi" panose="020B0703020102020204" pitchFamily="34" charset="0"/>
-              </a:rPr>
-              <a:t> </a:t>
-            </a:r>
-            <a:r>
-              <a:rPr lang="en-US" altLang="zh-CN" b="1" dirty="0">
-                <a:latin typeface="Franklin Gothic Demi" panose="020B0703020102020204" pitchFamily="34" charset="0"/>
-              </a:rPr>
-              <a:t>Program Design</a:t>
+              <a:t>Advanced Programming</a:t>
             </a:r>
             <a:endParaRPr lang="zh-CN" altLang="en-US" b="1" dirty="0">
               <a:latin typeface="Franklin Gothic Demi" panose="020B0703020102020204" pitchFamily="34" charset="0"/>
@@ -3865,14 +3853,6 @@
             <a:normAutofit/>
           </a:bodyPr>
           <a:lstStyle/>
-          <a:p>
-            <a:r>
-              <a:rPr lang="en-US" altLang="zh-CN" sz="3600" dirty="0">
-                <a:latin typeface="Franklin Gothic Medium" panose="020B0603020102020204" pitchFamily="34" charset="0"/>
-              </a:rPr>
-              <a:t>CS205</a:t>
-            </a:r>
-          </a:p>
           <a:p>
             <a:endParaRPr lang="en-US" altLang="zh-CN" dirty="0">
               <a:latin typeface="Franklin Gothic Medium" panose="020B0603020102020204" pitchFamily="34" charset="0"/>
